--- a/Yu Feng CRC-fungi-Re1 (JY)/S_fig2-Re1 (JY)-Re (YF).pptx
+++ b/Yu Feng CRC-fungi-Re1 (JY)/S_fig2-Re1 (JY)-Re (YF).pptx
@@ -124,20 +124,6 @@
 </p:cmAuthorLst>
 </file>
 
-<file path=ppt/comments/comment1.xml><?xml version="1.0" encoding="utf-8"?>
-<p:cmLst xmlns:a="http://schemas.openxmlformats.org/drawingml/2006/main" xmlns:r="http://schemas.openxmlformats.org/officeDocument/2006/relationships" xmlns:p="http://schemas.openxmlformats.org/presentationml/2006/main">
-  <p:cm authorId="1" dt="2021-10-19T18:23:52.997" idx="1">
-    <p:pos x="8811" y="9580"/>
-    <p:text>increase the fond size</p:text>
-    <p:extLst>
-      <p:ext uri="{C676402C-5697-4E1C-873F-D02D1690AC5C}">
-        <p15:threadingInfo xmlns:p15="http://schemas.microsoft.com/office/powerpoint/2012/main" timeZoneBias="-480"/>
-      </p:ext>
-    </p:extLst>
-  </p:cm>
-</p:cmLst>
-</file>
-
 <file path=ppt/slideLayouts/slideLayout1.xml><?xml version="1.0" encoding="utf-8"?>
 <p:sldLayout xmlns:a="http://schemas.openxmlformats.org/drawingml/2006/main" xmlns:r="http://schemas.openxmlformats.org/officeDocument/2006/relationships" xmlns:p="http://schemas.openxmlformats.org/presentationml/2006/main" type="title" preserve="1">
   <p:cSld name="Title Slide">
@@ -269,7 +255,7 @@
           <a:p>
             <a:fld id="{EC74FADF-D0C6-45B9-9519-8E9831A40386}" type="datetimeFigureOut">
               <a:rPr lang="en-HK" smtClean="0"/>
-              <a:t>22/10/2021</a:t>
+              <a:t>26/10/2021</a:t>
             </a:fld>
             <a:endParaRPr lang="en-HK"/>
           </a:p>
@@ -439,7 +425,7 @@
           <a:p>
             <a:fld id="{EC74FADF-D0C6-45B9-9519-8E9831A40386}" type="datetimeFigureOut">
               <a:rPr lang="en-HK" smtClean="0"/>
-              <a:t>22/10/2021</a:t>
+              <a:t>26/10/2021</a:t>
             </a:fld>
             <a:endParaRPr lang="en-HK"/>
           </a:p>
@@ -619,7 +605,7 @@
           <a:p>
             <a:fld id="{EC74FADF-D0C6-45B9-9519-8E9831A40386}" type="datetimeFigureOut">
               <a:rPr lang="en-HK" smtClean="0"/>
-              <a:t>22/10/2021</a:t>
+              <a:t>26/10/2021</a:t>
             </a:fld>
             <a:endParaRPr lang="en-HK"/>
           </a:p>
@@ -789,7 +775,7 @@
           <a:p>
             <a:fld id="{EC74FADF-D0C6-45B9-9519-8E9831A40386}" type="datetimeFigureOut">
               <a:rPr lang="en-HK" smtClean="0"/>
-              <a:t>22/10/2021</a:t>
+              <a:t>26/10/2021</a:t>
             </a:fld>
             <a:endParaRPr lang="en-HK"/>
           </a:p>
@@ -1033,7 +1019,7 @@
           <a:p>
             <a:fld id="{EC74FADF-D0C6-45B9-9519-8E9831A40386}" type="datetimeFigureOut">
               <a:rPr lang="en-HK" smtClean="0"/>
-              <a:t>22/10/2021</a:t>
+              <a:t>26/10/2021</a:t>
             </a:fld>
             <a:endParaRPr lang="en-HK"/>
           </a:p>
@@ -1265,7 +1251,7 @@
           <a:p>
             <a:fld id="{EC74FADF-D0C6-45B9-9519-8E9831A40386}" type="datetimeFigureOut">
               <a:rPr lang="en-HK" smtClean="0"/>
-              <a:t>22/10/2021</a:t>
+              <a:t>26/10/2021</a:t>
             </a:fld>
             <a:endParaRPr lang="en-HK"/>
           </a:p>
@@ -1632,7 +1618,7 @@
           <a:p>
             <a:fld id="{EC74FADF-D0C6-45B9-9519-8E9831A40386}" type="datetimeFigureOut">
               <a:rPr lang="en-HK" smtClean="0"/>
-              <a:t>22/10/2021</a:t>
+              <a:t>26/10/2021</a:t>
             </a:fld>
             <a:endParaRPr lang="en-HK"/>
           </a:p>
@@ -1750,7 +1736,7 @@
           <a:p>
             <a:fld id="{EC74FADF-D0C6-45B9-9519-8E9831A40386}" type="datetimeFigureOut">
               <a:rPr lang="en-HK" smtClean="0"/>
-              <a:t>22/10/2021</a:t>
+              <a:t>26/10/2021</a:t>
             </a:fld>
             <a:endParaRPr lang="en-HK"/>
           </a:p>
@@ -1845,7 +1831,7 @@
           <a:p>
             <a:fld id="{EC74FADF-D0C6-45B9-9519-8E9831A40386}" type="datetimeFigureOut">
               <a:rPr lang="en-HK" smtClean="0"/>
-              <a:t>22/10/2021</a:t>
+              <a:t>26/10/2021</a:t>
             </a:fld>
             <a:endParaRPr lang="en-HK"/>
           </a:p>
@@ -2122,7 +2108,7 @@
           <a:p>
             <a:fld id="{EC74FADF-D0C6-45B9-9519-8E9831A40386}" type="datetimeFigureOut">
               <a:rPr lang="en-HK" smtClean="0"/>
-              <a:t>22/10/2021</a:t>
+              <a:t>26/10/2021</a:t>
             </a:fld>
             <a:endParaRPr lang="en-HK"/>
           </a:p>
@@ -2379,7 +2365,7 @@
           <a:p>
             <a:fld id="{EC74FADF-D0C6-45B9-9519-8E9831A40386}" type="datetimeFigureOut">
               <a:rPr lang="en-HK" smtClean="0"/>
-              <a:t>22/10/2021</a:t>
+              <a:t>26/10/2021</a:t>
             </a:fld>
             <a:endParaRPr lang="en-HK"/>
           </a:p>
@@ -2592,7 +2578,7 @@
           <a:p>
             <a:fld id="{EC74FADF-D0C6-45B9-9519-8E9831A40386}" type="datetimeFigureOut">
               <a:rPr lang="en-HK" smtClean="0"/>
-              <a:t>22/10/2021</a:t>
+              <a:t>26/10/2021</a:t>
             </a:fld>
             <a:endParaRPr lang="en-HK"/>
           </a:p>
@@ -3184,7 +3170,7 @@
         </p:nvSpPr>
         <p:spPr>
           <a:xfrm rot="2617619">
-            <a:off x="11635601" y="12986490"/>
+            <a:off x="11864201" y="12986490"/>
             <a:ext cx="400110" cy="1436162"/>
           </a:xfrm>
           <a:prstGeom prst="rect">
@@ -3221,7 +3207,7 @@
         </p:nvSpPr>
         <p:spPr>
           <a:xfrm rot="2617619">
-            <a:off x="12689664" y="12992900"/>
+            <a:off x="12885606" y="12992900"/>
             <a:ext cx="400110" cy="1389739"/>
           </a:xfrm>
           <a:prstGeom prst="rect">
@@ -3258,7 +3244,7 @@
         </p:nvSpPr>
         <p:spPr>
           <a:xfrm rot="2617619">
-            <a:off x="13743727" y="12938761"/>
+            <a:off x="13907011" y="12938761"/>
             <a:ext cx="400110" cy="1781834"/>
           </a:xfrm>
           <a:prstGeom prst="rect">
@@ -3295,7 +3281,7 @@
         </p:nvSpPr>
         <p:spPr>
           <a:xfrm rot="2617619">
-            <a:off x="14797790" y="12942072"/>
+            <a:off x="14928416" y="12942072"/>
             <a:ext cx="400110" cy="1757854"/>
           </a:xfrm>
           <a:prstGeom prst="rect">
@@ -3332,7 +3318,7 @@
         </p:nvSpPr>
         <p:spPr>
           <a:xfrm rot="2617619">
-            <a:off x="15851853" y="12982134"/>
+            <a:off x="15949821" y="12982134"/>
             <a:ext cx="400110" cy="1467710"/>
           </a:xfrm>
           <a:prstGeom prst="rect">
@@ -3369,7 +3355,7 @@
         </p:nvSpPr>
         <p:spPr>
           <a:xfrm rot="2617619">
-            <a:off x="16905916" y="12970988"/>
+            <a:off x="16971226" y="12970988"/>
             <a:ext cx="400110" cy="1548437"/>
           </a:xfrm>
           <a:prstGeom prst="rect">
@@ -3406,7 +3392,7 @@
         </p:nvSpPr>
         <p:spPr>
           <a:xfrm rot="2617619">
-            <a:off x="17959979" y="13028279"/>
+            <a:off x="17992631" y="13028279"/>
             <a:ext cx="400110" cy="1133516"/>
           </a:xfrm>
           <a:prstGeom prst="rect">
@@ -5278,12 +5264,47 @@
           </p:txBody>
         </p:sp>
       </p:grpSp>
+      <p:pic>
+        <p:nvPicPr>
+          <p:cNvPr id="753" name="Graphic 21">
+            <a:extLst>
+              <a:ext uri="{FF2B5EF4-FFF2-40B4-BE49-F238E27FC236}">
+                <a16:creationId xmlns:a16="http://schemas.microsoft.com/office/drawing/2014/main" id="{13141718-0B86-48BC-85E9-2660724899DE}"/>
+              </a:ext>
+            </a:extLst>
+          </p:cNvPr>
+          <p:cNvPicPr>
+            <a:picLocks noChangeAspect="1"/>
+          </p:cNvPicPr>
+          <p:nvPr/>
+        </p:nvPicPr>
+        <p:blipFill rotWithShape="1">
+          <a:blip r:embed="rId7">
+            <a:extLst>
+              <a:ext uri="{28A0092B-C50C-407E-A947-70E740481C1C}">
+                <a14:useLocalDpi xmlns:a14="http://schemas.microsoft.com/office/drawing/2010/main" val="0"/>
+              </a:ext>
+            </a:extLst>
+          </a:blip>
+          <a:srcRect l="7944" t="6922" r="1059" b="5518"/>
+          <a:stretch/>
+        </p:blipFill>
+        <p:spPr>
+          <a:xfrm>
+            <a:off x="6779554" y="15121956"/>
+            <a:ext cx="12435354" cy="7632849"/>
+          </a:xfrm>
+          <a:prstGeom prst="rect">
+            <a:avLst/>
+          </a:prstGeom>
+        </p:spPr>
+      </p:pic>
       <p:grpSp>
         <p:nvGrpSpPr>
-          <p:cNvPr id="728" name="Group 727">
+          <p:cNvPr id="756" name="Group 755">
             <a:extLst>
               <a:ext uri="{FF2B5EF4-FFF2-40B4-BE49-F238E27FC236}">
-                <a16:creationId xmlns:a16="http://schemas.microsoft.com/office/drawing/2014/main" id="{7F1D6304-3C85-4103-89F5-DA820D1FAF1F}"/>
+                <a16:creationId xmlns:a16="http://schemas.microsoft.com/office/drawing/2014/main" id="{B4768EB8-173E-4C84-AFA5-8EB922C1AA42}"/>
               </a:ext>
             </a:extLst>
           </p:cNvPr>
@@ -5292,18 +5313,18 @@
         </p:nvGrpSpPr>
         <p:grpSpPr>
           <a:xfrm>
-            <a:off x="6397028" y="15121956"/>
-            <a:ext cx="12817880" cy="7842158"/>
-            <a:chOff x="5831274" y="15260228"/>
-            <a:chExt cx="12076392" cy="7842158"/>
+            <a:off x="7793597" y="15778278"/>
+            <a:ext cx="10412134" cy="4473468"/>
+            <a:chOff x="7147055" y="15916550"/>
+            <a:chExt cx="9809813" cy="4473468"/>
           </a:xfrm>
         </p:grpSpPr>
         <p:grpSp>
           <p:nvGrpSpPr>
-            <p:cNvPr id="729" name="Group 728">
+            <p:cNvPr id="757" name="Group 756">
               <a:extLst>
                 <a:ext uri="{FF2B5EF4-FFF2-40B4-BE49-F238E27FC236}">
-                  <a16:creationId xmlns:a16="http://schemas.microsoft.com/office/drawing/2014/main" id="{BD40C9A3-C799-4D3A-9CD5-598C73F59875}"/>
+                  <a16:creationId xmlns:a16="http://schemas.microsoft.com/office/drawing/2014/main" id="{5562A921-EDBD-420C-8D2F-A44F04B965A0}"/>
                 </a:ext>
               </a:extLst>
             </p:cNvPr>
@@ -5312,53 +5333,18 @@
           </p:nvGrpSpPr>
           <p:grpSpPr>
             <a:xfrm>
-              <a:off x="6191672" y="15260228"/>
-              <a:ext cx="11715994" cy="7632849"/>
-              <a:chOff x="6191672" y="15260228"/>
-              <a:chExt cx="11715994" cy="7632849"/>
+              <a:off x="15696728" y="15916550"/>
+              <a:ext cx="1260140" cy="387794"/>
+              <a:chOff x="15696728" y="15916550"/>
+              <a:chExt cx="1260140" cy="387794"/>
             </a:xfrm>
           </p:grpSpPr>
-          <p:pic>
-            <p:nvPicPr>
-              <p:cNvPr id="753" name="Graphic 21">
+          <p:grpSp>
+            <p:nvGrpSpPr>
+              <p:cNvPr id="770" name="Group 769">
                 <a:extLst>
                   <a:ext uri="{FF2B5EF4-FFF2-40B4-BE49-F238E27FC236}">
-                    <a16:creationId xmlns:a16="http://schemas.microsoft.com/office/drawing/2014/main" id="{13141718-0B86-48BC-85E9-2660724899DE}"/>
-                  </a:ext>
-                </a:extLst>
-              </p:cNvPr>
-              <p:cNvPicPr>
-                <a:picLocks noChangeAspect="1"/>
-              </p:cNvPicPr>
-              <p:nvPr/>
-            </p:nvPicPr>
-            <p:blipFill rotWithShape="1">
-              <a:blip r:embed="rId7">
-                <a:extLst>
-                  <a:ext uri="{28A0092B-C50C-407E-A947-70E740481C1C}">
-                    <a14:useLocalDpi xmlns:a14="http://schemas.microsoft.com/office/drawing/2010/main" val="0"/>
-                  </a:ext>
-                </a:extLst>
-              </a:blip>
-              <a:srcRect l="7944" t="6922" r="1059" b="5518"/>
-              <a:stretch/>
-            </p:blipFill>
-            <p:spPr>
-              <a:xfrm>
-                <a:off x="6191672" y="15260228"/>
-                <a:ext cx="11715994" cy="7632849"/>
-              </a:xfrm>
-              <a:prstGeom prst="rect">
-                <a:avLst/>
-              </a:prstGeom>
-            </p:spPr>
-          </p:pic>
-          <p:grpSp>
-            <p:nvGrpSpPr>
-              <p:cNvPr id="754" name="Group 753">
-                <a:extLst>
-                  <a:ext uri="{FF2B5EF4-FFF2-40B4-BE49-F238E27FC236}">
-                    <a16:creationId xmlns:a16="http://schemas.microsoft.com/office/drawing/2014/main" id="{E9EEFBFA-7386-4E9C-A5AB-E825FAF7D060}"/>
+                    <a16:creationId xmlns:a16="http://schemas.microsoft.com/office/drawing/2014/main" id="{8C6A4F9D-0F4F-47D0-AA33-7BBDA96558D9}"/>
                   </a:ext>
                 </a:extLst>
               </p:cNvPr>
@@ -5367,981 +5353,141 @@
             </p:nvGrpSpPr>
             <p:grpSpPr>
               <a:xfrm>
-                <a:off x="6767736" y="15292436"/>
-                <a:ext cx="10855282" cy="400110"/>
-                <a:chOff x="6767736" y="15292436"/>
-                <a:chExt cx="10855282" cy="400110"/>
+                <a:off x="15696728" y="16196332"/>
+                <a:ext cx="1260140" cy="108012"/>
+                <a:chOff x="15696728" y="16196332"/>
+                <a:chExt cx="1260140" cy="180020"/>
               </a:xfrm>
             </p:grpSpPr>
-            <p:sp>
-              <p:nvSpPr>
-                <p:cNvPr id="779" name="TextBox 778">
+            <p:cxnSp>
+              <p:nvCxnSpPr>
+                <p:cNvPr id="772" name="Straight Connector 771">
                   <a:extLst>
                     <a:ext uri="{FF2B5EF4-FFF2-40B4-BE49-F238E27FC236}">
-                      <a16:creationId xmlns:a16="http://schemas.microsoft.com/office/drawing/2014/main" id="{51EE896D-11F5-4DC7-9E15-B0497AF13DE1}"/>
+                      <a16:creationId xmlns:a16="http://schemas.microsoft.com/office/drawing/2014/main" id="{F3689C31-03D6-475B-AB26-F655A1BE228F}"/>
                     </a:ext>
                   </a:extLst>
                 </p:cNvPr>
-                <p:cNvSpPr txBox="1"/>
+                <p:cNvCxnSpPr/>
                 <p:nvPr/>
-              </p:nvSpPr>
+              </p:nvCxnSpPr>
               <p:spPr>
                 <a:xfrm>
-                  <a:off x="6767736" y="15292436"/>
-                  <a:ext cx="2099549" cy="400110"/>
+                  <a:off x="15696728" y="16196332"/>
+                  <a:ext cx="0" cy="180020"/>
                 </a:xfrm>
-                <a:prstGeom prst="rect">
+                <a:prstGeom prst="line">
                   <a:avLst/>
                 </a:prstGeom>
-                <a:noFill/>
+                <a:ln w="19050">
+                  <a:headEnd type="none" w="med" len="med"/>
+                  <a:tailEnd type="none" w="med" len="med"/>
+                </a:ln>
               </p:spPr>
-              <p:txBody>
-                <a:bodyPr wrap="none" rtlCol="0">
-                  <a:spAutoFit/>
-                </a:bodyPr>
-                <a:lstStyle/>
-                <a:p>
-                  <a:pPr algn="ctr"/>
-                  <a:r>
-                    <a:rPr lang="en-US" altLang="zh-CN" sz="2000" b="1" dirty="0"/>
-                    <a:t>2014_ZellerG (EU)</a:t>
-                  </a:r>
-                  <a:endParaRPr lang="zh-CN" altLang="en-US" sz="2000" b="1" dirty="0"/>
-                </a:p>
-              </p:txBody>
-            </p:sp>
-            <p:sp>
-              <p:nvSpPr>
-                <p:cNvPr id="780" name="TextBox 779">
+              <p:style>
+                <a:lnRef idx="2">
+                  <a:schemeClr val="dk1"/>
+                </a:lnRef>
+                <a:fillRef idx="0">
+                  <a:schemeClr val="dk1"/>
+                </a:fillRef>
+                <a:effectRef idx="1">
+                  <a:schemeClr val="dk1"/>
+                </a:effectRef>
+                <a:fontRef idx="minor">
+                  <a:schemeClr val="tx1"/>
+                </a:fontRef>
+              </p:style>
+            </p:cxnSp>
+            <p:cxnSp>
+              <p:nvCxnSpPr>
+                <p:cNvPr id="773" name="Straight Connector 772">
                   <a:extLst>
                     <a:ext uri="{FF2B5EF4-FFF2-40B4-BE49-F238E27FC236}">
-                      <a16:creationId xmlns:a16="http://schemas.microsoft.com/office/drawing/2014/main" id="{9DDC7381-39BC-46E7-AC79-37336BD34B74}"/>
+                      <a16:creationId xmlns:a16="http://schemas.microsoft.com/office/drawing/2014/main" id="{31CDC9CC-7BF0-43FC-BC35-29EFB0F90FFE}"/>
                     </a:ext>
                   </a:extLst>
                 </p:cNvPr>
-                <p:cNvSpPr txBox="1"/>
+                <p:cNvCxnSpPr/>
                 <p:nvPr/>
-              </p:nvSpPr>
+              </p:nvCxnSpPr>
               <p:spPr>
                 <a:xfrm>
-                  <a:off x="9637735" y="15292436"/>
-                  <a:ext cx="2038763" cy="400110"/>
+                  <a:off x="16956868" y="16196332"/>
+                  <a:ext cx="0" cy="180020"/>
                 </a:xfrm>
-                <a:prstGeom prst="rect">
+                <a:prstGeom prst="line">
                   <a:avLst/>
                 </a:prstGeom>
-                <a:noFill/>
+                <a:ln w="19050">
+                  <a:headEnd type="none" w="med" len="med"/>
+                  <a:tailEnd type="none" w="med" len="med"/>
+                </a:ln>
               </p:spPr>
-              <p:txBody>
-                <a:bodyPr wrap="none" rtlCol="0">
-                  <a:spAutoFit/>
-                </a:bodyPr>
-                <a:lstStyle/>
-                <a:p>
-                  <a:pPr algn="ctr"/>
-                  <a:r>
-                    <a:rPr lang="en-US" altLang="zh-CN" sz="2000" b="1" dirty="0"/>
-                    <a:t>2015_FengQ (OC)</a:t>
-                  </a:r>
-                  <a:endParaRPr lang="zh-CN" altLang="en-US" sz="2000" b="1" dirty="0"/>
-                </a:p>
-              </p:txBody>
-            </p:sp>
-            <p:sp>
-              <p:nvSpPr>
-                <p:cNvPr id="781" name="TextBox 780">
+              <p:style>
+                <a:lnRef idx="2">
+                  <a:schemeClr val="dk1"/>
+                </a:lnRef>
+                <a:fillRef idx="0">
+                  <a:schemeClr val="dk1"/>
+                </a:fillRef>
+                <a:effectRef idx="1">
+                  <a:schemeClr val="dk1"/>
+                </a:effectRef>
+                <a:fontRef idx="minor">
+                  <a:schemeClr val="tx1"/>
+                </a:fontRef>
+              </p:style>
+            </p:cxnSp>
+            <p:cxnSp>
+              <p:nvCxnSpPr>
+                <p:cNvPr id="774" name="Straight Connector 773">
                   <a:extLst>
                     <a:ext uri="{FF2B5EF4-FFF2-40B4-BE49-F238E27FC236}">
-                      <a16:creationId xmlns:a16="http://schemas.microsoft.com/office/drawing/2014/main" id="{90C25A5D-6CEF-482D-9476-A7D7292F87B4}"/>
+                      <a16:creationId xmlns:a16="http://schemas.microsoft.com/office/drawing/2014/main" id="{AC754FFC-083C-492C-A51E-CCFBDA58FF41}"/>
                     </a:ext>
                   </a:extLst>
                 </p:cNvPr>
-                <p:cNvSpPr txBox="1"/>
+                <p:cNvCxnSpPr>
+                  <a:cxnSpLocks/>
+                </p:cNvCxnSpPr>
                 <p:nvPr/>
-              </p:nvSpPr>
+              </p:nvCxnSpPr>
               <p:spPr>
                 <a:xfrm>
-                  <a:off x="12204340" y="15292436"/>
-                  <a:ext cx="2596225" cy="400110"/>
+                  <a:off x="15696728" y="16196332"/>
+                  <a:ext cx="1260140" cy="0"/>
                 </a:xfrm>
-                <a:prstGeom prst="rect">
+                <a:prstGeom prst="line">
                   <a:avLst/>
                 </a:prstGeom>
-                <a:noFill/>
+                <a:ln w="19050">
+                  <a:headEnd type="none" w="med" len="med"/>
+                  <a:tailEnd type="none" w="med" len="med"/>
+                </a:ln>
               </p:spPr>
-              <p:txBody>
-                <a:bodyPr wrap="none" rtlCol="0">
-                  <a:spAutoFit/>
-                </a:bodyPr>
-                <a:lstStyle/>
-                <a:p>
-                  <a:pPr algn="ctr"/>
-                  <a:r>
-                    <a:rPr lang="en-US" altLang="zh-CN" sz="2000" b="1" dirty="0"/>
-                    <a:t>2016_VogtmannE (NA)</a:t>
-                  </a:r>
-                  <a:endParaRPr lang="zh-CN" altLang="en-US" sz="2000" b="1" dirty="0"/>
-                </a:p>
-              </p:txBody>
-            </p:sp>
-            <p:sp>
-              <p:nvSpPr>
-                <p:cNvPr id="782" name="TextBox 781">
-                  <a:extLst>
-                    <a:ext uri="{FF2B5EF4-FFF2-40B4-BE49-F238E27FC236}">
-                      <a16:creationId xmlns:a16="http://schemas.microsoft.com/office/drawing/2014/main" id="{41B61C72-0929-465E-9EBF-FF303BE19CDE}"/>
-                    </a:ext>
-                  </a:extLst>
-                </p:cNvPr>
-                <p:cNvSpPr txBox="1"/>
-                <p:nvPr/>
-              </p:nvSpPr>
-              <p:spPr>
-                <a:xfrm>
-                  <a:off x="15061098" y="15292436"/>
-                  <a:ext cx="2561920" cy="400110"/>
-                </a:xfrm>
-                <a:prstGeom prst="rect">
-                  <a:avLst/>
-                </a:prstGeom>
-                <a:noFill/>
-              </p:spPr>
-              <p:txBody>
-                <a:bodyPr wrap="none" rtlCol="0">
-                  <a:spAutoFit/>
-                </a:bodyPr>
-                <a:lstStyle/>
-                <a:p>
-                  <a:pPr algn="ctr"/>
-                  <a:r>
-                    <a:rPr lang="en-US" altLang="zh-CN" sz="2000" b="1" dirty="0"/>
-                    <a:t>2019_ThomasAM (EU)</a:t>
-                  </a:r>
-                  <a:endParaRPr lang="zh-CN" altLang="en-US" sz="2000" b="1" dirty="0"/>
-                </a:p>
-              </p:txBody>
-            </p:sp>
+              <p:style>
+                <a:lnRef idx="2">
+                  <a:schemeClr val="dk1"/>
+                </a:lnRef>
+                <a:fillRef idx="0">
+                  <a:schemeClr val="dk1"/>
+                </a:fillRef>
+                <a:effectRef idx="1">
+                  <a:schemeClr val="dk1"/>
+                </a:effectRef>
+                <a:fontRef idx="minor">
+                  <a:schemeClr val="tx1"/>
+                </a:fontRef>
+              </p:style>
+            </p:cxnSp>
           </p:grpSp>
-          <p:grpSp>
-            <p:nvGrpSpPr>
-              <p:cNvPr id="755" name="Group 754">
+          <p:sp>
+            <p:nvSpPr>
+              <p:cNvPr id="771" name="TextBox 770">
                 <a:extLst>
                   <a:ext uri="{FF2B5EF4-FFF2-40B4-BE49-F238E27FC236}">
-                    <a16:creationId xmlns:a16="http://schemas.microsoft.com/office/drawing/2014/main" id="{340280B5-CFB3-446E-824D-51A7126A0CCB}"/>
-                  </a:ext>
-                </a:extLst>
-              </p:cNvPr>
-              <p:cNvGrpSpPr/>
-              <p:nvPr/>
-            </p:nvGrpSpPr>
-            <p:grpSpPr>
-              <a:xfrm>
-                <a:off x="6745744" y="19036582"/>
-                <a:ext cx="10431798" cy="400110"/>
-                <a:chOff x="6745744" y="19036582"/>
-                <a:chExt cx="10431798" cy="400110"/>
-              </a:xfrm>
-            </p:grpSpPr>
-            <p:sp>
-              <p:nvSpPr>
-                <p:cNvPr id="775" name="TextBox 774">
-                  <a:extLst>
-                    <a:ext uri="{FF2B5EF4-FFF2-40B4-BE49-F238E27FC236}">
-                      <a16:creationId xmlns:a16="http://schemas.microsoft.com/office/drawing/2014/main" id="{7D617F06-3CA9-4ED2-8B91-A3608E743D28}"/>
-                    </a:ext>
-                  </a:extLst>
-                </p:cNvPr>
-                <p:cNvSpPr txBox="1"/>
-                <p:nvPr/>
-              </p:nvSpPr>
-              <p:spPr>
-                <a:xfrm>
-                  <a:off x="6745744" y="19036582"/>
-                  <a:ext cx="2143536" cy="400110"/>
-                </a:xfrm>
-                <a:prstGeom prst="rect">
-                  <a:avLst/>
-                </a:prstGeom>
-                <a:noFill/>
-              </p:spPr>
-              <p:txBody>
-                <a:bodyPr wrap="none" rtlCol="0">
-                  <a:spAutoFit/>
-                </a:bodyPr>
-                <a:lstStyle/>
-                <a:p>
-                  <a:pPr algn="ctr"/>
-                  <a:r>
-                    <a:rPr lang="en-US" altLang="zh-CN" sz="2000" b="1" dirty="0"/>
-                    <a:t>2019_WirbelJ (EU)</a:t>
-                  </a:r>
-                  <a:endParaRPr lang="zh-CN" altLang="en-US" sz="2000" b="1" dirty="0"/>
-                </a:p>
-              </p:txBody>
-            </p:sp>
-            <p:sp>
-              <p:nvSpPr>
-                <p:cNvPr id="776" name="TextBox 775">
-                  <a:extLst>
-                    <a:ext uri="{FF2B5EF4-FFF2-40B4-BE49-F238E27FC236}">
-                      <a16:creationId xmlns:a16="http://schemas.microsoft.com/office/drawing/2014/main" id="{E58B2BC6-F944-4CC1-B1DD-8211BFF154BE}"/>
-                    </a:ext>
-                  </a:extLst>
-                </p:cNvPr>
-                <p:cNvSpPr txBox="1"/>
-                <p:nvPr/>
-              </p:nvSpPr>
-              <p:spPr>
-                <a:xfrm>
-                  <a:off x="9525175" y="19036582"/>
-                  <a:ext cx="2263889" cy="400110"/>
-                </a:xfrm>
-                <a:prstGeom prst="rect">
-                  <a:avLst/>
-                </a:prstGeom>
-                <a:noFill/>
-              </p:spPr>
-              <p:txBody>
-                <a:bodyPr wrap="none" rtlCol="0">
-                  <a:spAutoFit/>
-                </a:bodyPr>
-                <a:lstStyle/>
-                <a:p>
-                  <a:pPr algn="ctr"/>
-                  <a:r>
-                    <a:rPr lang="en-US" altLang="zh-CN" sz="2000" b="1" dirty="0"/>
-                    <a:t>2019_YachidaS (AS)</a:t>
-                  </a:r>
-                  <a:endParaRPr lang="zh-CN" altLang="en-US" sz="2000" b="1" dirty="0"/>
-                </a:p>
-              </p:txBody>
-            </p:sp>
-            <p:sp>
-              <p:nvSpPr>
-                <p:cNvPr id="777" name="TextBox 776">
-                  <a:extLst>
-                    <a:ext uri="{FF2B5EF4-FFF2-40B4-BE49-F238E27FC236}">
-                      <a16:creationId xmlns:a16="http://schemas.microsoft.com/office/drawing/2014/main" id="{C86A4B7F-7CBE-4165-82D6-8EB869917990}"/>
-                    </a:ext>
-                  </a:extLst>
-                </p:cNvPr>
-                <p:cNvSpPr txBox="1"/>
-                <p:nvPr/>
-              </p:nvSpPr>
-              <p:spPr>
-                <a:xfrm>
-                  <a:off x="12638116" y="19036582"/>
-                  <a:ext cx="1728678" cy="400110"/>
-                </a:xfrm>
-                <a:prstGeom prst="rect">
-                  <a:avLst/>
-                </a:prstGeom>
-                <a:noFill/>
-              </p:spPr>
-              <p:txBody>
-                <a:bodyPr wrap="none" rtlCol="0">
-                  <a:spAutoFit/>
-                </a:bodyPr>
-                <a:lstStyle/>
-                <a:p>
-                  <a:pPr algn="ctr"/>
-                  <a:r>
-                    <a:rPr lang="en-US" altLang="zh-CN" sz="2000" b="1" dirty="0"/>
-                    <a:t>2017_YuJ (AS)</a:t>
-                  </a:r>
-                  <a:endParaRPr lang="zh-CN" altLang="en-US" sz="2000" b="1" dirty="0"/>
-                </a:p>
-              </p:txBody>
-            </p:sp>
-            <p:sp>
-              <p:nvSpPr>
-                <p:cNvPr id="778" name="TextBox 777">
-                  <a:extLst>
-                    <a:ext uri="{FF2B5EF4-FFF2-40B4-BE49-F238E27FC236}">
-                      <a16:creationId xmlns:a16="http://schemas.microsoft.com/office/drawing/2014/main" id="{50433ED8-4DC6-4C09-B76C-8C11CE17B9D2}"/>
-                    </a:ext>
-                  </a:extLst>
-                </p:cNvPr>
-                <p:cNvSpPr txBox="1"/>
-                <p:nvPr/>
-              </p:nvSpPr>
-              <p:spPr>
-                <a:xfrm>
-                  <a:off x="15506572" y="19036582"/>
-                  <a:ext cx="1670970" cy="400110"/>
-                </a:xfrm>
-                <a:prstGeom prst="rect">
-                  <a:avLst/>
-                </a:prstGeom>
-                <a:noFill/>
-              </p:spPr>
-              <p:txBody>
-                <a:bodyPr wrap="none" rtlCol="0">
-                  <a:spAutoFit/>
-                </a:bodyPr>
-                <a:lstStyle/>
-                <a:p>
-                  <a:pPr algn="ctr"/>
-                  <a:r>
-                    <a:rPr lang="en-US" altLang="zh-CN" sz="2000" b="1" dirty="0"/>
-                    <a:t>2021_YuJ (AS)</a:t>
-                  </a:r>
-                  <a:endParaRPr lang="zh-CN" altLang="en-US" sz="2000" b="1" dirty="0"/>
-                </a:p>
-              </p:txBody>
-            </p:sp>
-          </p:grpSp>
-          <p:grpSp>
-            <p:nvGrpSpPr>
-              <p:cNvPr id="756" name="Group 755">
-                <a:extLst>
-                  <a:ext uri="{FF2B5EF4-FFF2-40B4-BE49-F238E27FC236}">
-                    <a16:creationId xmlns:a16="http://schemas.microsoft.com/office/drawing/2014/main" id="{B4768EB8-173E-4C84-AFA5-8EB922C1AA42}"/>
-                  </a:ext>
-                </a:extLst>
-              </p:cNvPr>
-              <p:cNvGrpSpPr/>
-              <p:nvPr/>
-            </p:nvGrpSpPr>
-            <p:grpSpPr>
-              <a:xfrm>
-                <a:off x="7147055" y="15916550"/>
-                <a:ext cx="9809813" cy="4473468"/>
-                <a:chOff x="7147055" y="15916550"/>
-                <a:chExt cx="9809813" cy="4473468"/>
-              </a:xfrm>
-            </p:grpSpPr>
-            <p:grpSp>
-              <p:nvGrpSpPr>
-                <p:cNvPr id="757" name="Group 756">
-                  <a:extLst>
-                    <a:ext uri="{FF2B5EF4-FFF2-40B4-BE49-F238E27FC236}">
-                      <a16:creationId xmlns:a16="http://schemas.microsoft.com/office/drawing/2014/main" id="{5562A921-EDBD-420C-8D2F-A44F04B965A0}"/>
-                    </a:ext>
-                  </a:extLst>
-                </p:cNvPr>
-                <p:cNvGrpSpPr/>
-                <p:nvPr/>
-              </p:nvGrpSpPr>
-              <p:grpSpPr>
-                <a:xfrm>
-                  <a:off x="15696728" y="15916550"/>
-                  <a:ext cx="1260140" cy="387794"/>
-                  <a:chOff x="15696728" y="15916550"/>
-                  <a:chExt cx="1260140" cy="387794"/>
-                </a:xfrm>
-              </p:grpSpPr>
-              <p:grpSp>
-                <p:nvGrpSpPr>
-                  <p:cNvPr id="770" name="Group 769">
-                    <a:extLst>
-                      <a:ext uri="{FF2B5EF4-FFF2-40B4-BE49-F238E27FC236}">
-                        <a16:creationId xmlns:a16="http://schemas.microsoft.com/office/drawing/2014/main" id="{8C6A4F9D-0F4F-47D0-AA33-7BBDA96558D9}"/>
-                      </a:ext>
-                    </a:extLst>
-                  </p:cNvPr>
-                  <p:cNvGrpSpPr/>
-                  <p:nvPr/>
-                </p:nvGrpSpPr>
-                <p:grpSpPr>
-                  <a:xfrm>
-                    <a:off x="15696728" y="16196332"/>
-                    <a:ext cx="1260140" cy="108012"/>
-                    <a:chOff x="15696728" y="16196332"/>
-                    <a:chExt cx="1260140" cy="180020"/>
-                  </a:xfrm>
-                </p:grpSpPr>
-                <p:cxnSp>
-                  <p:nvCxnSpPr>
-                    <p:cNvPr id="772" name="Straight Connector 771">
-                      <a:extLst>
-                        <a:ext uri="{FF2B5EF4-FFF2-40B4-BE49-F238E27FC236}">
-                          <a16:creationId xmlns:a16="http://schemas.microsoft.com/office/drawing/2014/main" id="{F3689C31-03D6-475B-AB26-F655A1BE228F}"/>
-                        </a:ext>
-                      </a:extLst>
-                    </p:cNvPr>
-                    <p:cNvCxnSpPr/>
-                    <p:nvPr/>
-                  </p:nvCxnSpPr>
-                  <p:spPr>
-                    <a:xfrm>
-                      <a:off x="15696728" y="16196332"/>
-                      <a:ext cx="0" cy="180020"/>
-                    </a:xfrm>
-                    <a:prstGeom prst="line">
-                      <a:avLst/>
-                    </a:prstGeom>
-                    <a:ln w="19050">
-                      <a:headEnd type="none" w="med" len="med"/>
-                      <a:tailEnd type="none" w="med" len="med"/>
-                    </a:ln>
-                  </p:spPr>
-                  <p:style>
-                    <a:lnRef idx="2">
-                      <a:schemeClr val="dk1"/>
-                    </a:lnRef>
-                    <a:fillRef idx="0">
-                      <a:schemeClr val="dk1"/>
-                    </a:fillRef>
-                    <a:effectRef idx="1">
-                      <a:schemeClr val="dk1"/>
-                    </a:effectRef>
-                    <a:fontRef idx="minor">
-                      <a:schemeClr val="tx1"/>
-                    </a:fontRef>
-                  </p:style>
-                </p:cxnSp>
-                <p:cxnSp>
-                  <p:nvCxnSpPr>
-                    <p:cNvPr id="773" name="Straight Connector 772">
-                      <a:extLst>
-                        <a:ext uri="{FF2B5EF4-FFF2-40B4-BE49-F238E27FC236}">
-                          <a16:creationId xmlns:a16="http://schemas.microsoft.com/office/drawing/2014/main" id="{31CDC9CC-7BF0-43FC-BC35-29EFB0F90FFE}"/>
-                        </a:ext>
-                      </a:extLst>
-                    </p:cNvPr>
-                    <p:cNvCxnSpPr/>
-                    <p:nvPr/>
-                  </p:nvCxnSpPr>
-                  <p:spPr>
-                    <a:xfrm>
-                      <a:off x="16956868" y="16196332"/>
-                      <a:ext cx="0" cy="180020"/>
-                    </a:xfrm>
-                    <a:prstGeom prst="line">
-                      <a:avLst/>
-                    </a:prstGeom>
-                    <a:ln w="19050">
-                      <a:headEnd type="none" w="med" len="med"/>
-                      <a:tailEnd type="none" w="med" len="med"/>
-                    </a:ln>
-                  </p:spPr>
-                  <p:style>
-                    <a:lnRef idx="2">
-                      <a:schemeClr val="dk1"/>
-                    </a:lnRef>
-                    <a:fillRef idx="0">
-                      <a:schemeClr val="dk1"/>
-                    </a:fillRef>
-                    <a:effectRef idx="1">
-                      <a:schemeClr val="dk1"/>
-                    </a:effectRef>
-                    <a:fontRef idx="minor">
-                      <a:schemeClr val="tx1"/>
-                    </a:fontRef>
-                  </p:style>
-                </p:cxnSp>
-                <p:cxnSp>
-                  <p:nvCxnSpPr>
-                    <p:cNvPr id="774" name="Straight Connector 773">
-                      <a:extLst>
-                        <a:ext uri="{FF2B5EF4-FFF2-40B4-BE49-F238E27FC236}">
-                          <a16:creationId xmlns:a16="http://schemas.microsoft.com/office/drawing/2014/main" id="{AC754FFC-083C-492C-A51E-CCFBDA58FF41}"/>
-                        </a:ext>
-                      </a:extLst>
-                    </p:cNvPr>
-                    <p:cNvCxnSpPr>
-                      <a:cxnSpLocks/>
-                    </p:cNvCxnSpPr>
-                    <p:nvPr/>
-                  </p:nvCxnSpPr>
-                  <p:spPr>
-                    <a:xfrm>
-                      <a:off x="15696728" y="16196332"/>
-                      <a:ext cx="1260140" cy="0"/>
-                    </a:xfrm>
-                    <a:prstGeom prst="line">
-                      <a:avLst/>
-                    </a:prstGeom>
-                    <a:ln w="19050">
-                      <a:headEnd type="none" w="med" len="med"/>
-                      <a:tailEnd type="none" w="med" len="med"/>
-                    </a:ln>
-                  </p:spPr>
-                  <p:style>
-                    <a:lnRef idx="2">
-                      <a:schemeClr val="dk1"/>
-                    </a:lnRef>
-                    <a:fillRef idx="0">
-                      <a:schemeClr val="dk1"/>
-                    </a:fillRef>
-                    <a:effectRef idx="1">
-                      <a:schemeClr val="dk1"/>
-                    </a:effectRef>
-                    <a:fontRef idx="minor">
-                      <a:schemeClr val="tx1"/>
-                    </a:fontRef>
-                  </p:style>
-                </p:cxnSp>
-              </p:grpSp>
-              <p:sp>
-                <p:nvSpPr>
-                  <p:cNvPr id="771" name="TextBox 770">
-                    <a:extLst>
-                      <a:ext uri="{FF2B5EF4-FFF2-40B4-BE49-F238E27FC236}">
-                        <a16:creationId xmlns:a16="http://schemas.microsoft.com/office/drawing/2014/main" id="{6E334B18-B5BF-4143-9777-EF02E7F165F1}"/>
-                      </a:ext>
-                    </a:extLst>
-                  </p:cNvPr>
-                  <p:cNvSpPr txBox="1"/>
-                  <p:nvPr/>
-                </p:nvSpPr>
-                <p:spPr>
-                  <a:xfrm>
-                    <a:off x="15977722" y="15916550"/>
-                    <a:ext cx="655949" cy="338554"/>
-                  </a:xfrm>
-                  <a:prstGeom prst="rect">
-                    <a:avLst/>
-                  </a:prstGeom>
-                  <a:noFill/>
-                </p:spPr>
-                <p:txBody>
-                  <a:bodyPr wrap="none" rtlCol="0">
-                    <a:spAutoFit/>
-                  </a:bodyPr>
-                  <a:lstStyle/>
-                  <a:p>
-                    <a:pPr algn="ctr"/>
-                    <a:r>
-                      <a:rPr lang="en-US" altLang="zh-CN" sz="1600" b="1" dirty="0"/>
-                      <a:t>0.014</a:t>
-                    </a:r>
-                    <a:endParaRPr lang="zh-CN" altLang="en-US" sz="1600" b="1" dirty="0"/>
-                  </a:p>
-                </p:txBody>
-              </p:sp>
-            </p:grpSp>
-            <p:grpSp>
-              <p:nvGrpSpPr>
-                <p:cNvPr id="758" name="Group 757">
-                  <a:extLst>
-                    <a:ext uri="{FF2B5EF4-FFF2-40B4-BE49-F238E27FC236}">
-                      <a16:creationId xmlns:a16="http://schemas.microsoft.com/office/drawing/2014/main" id="{BA9F9963-2D84-4A09-98DE-87296E349300}"/>
-                    </a:ext>
-                  </a:extLst>
-                </p:cNvPr>
-                <p:cNvGrpSpPr/>
-                <p:nvPr/>
-              </p:nvGrpSpPr>
-              <p:grpSpPr>
-                <a:xfrm>
-                  <a:off x="7147055" y="20002224"/>
-                  <a:ext cx="1260140" cy="387794"/>
-                  <a:chOff x="15696728" y="15916550"/>
-                  <a:chExt cx="1260140" cy="387794"/>
-                </a:xfrm>
-              </p:grpSpPr>
-              <p:grpSp>
-                <p:nvGrpSpPr>
-                  <p:cNvPr id="765" name="Group 764">
-                    <a:extLst>
-                      <a:ext uri="{FF2B5EF4-FFF2-40B4-BE49-F238E27FC236}">
-                        <a16:creationId xmlns:a16="http://schemas.microsoft.com/office/drawing/2014/main" id="{5356FA27-E09D-40C4-9E27-223995FD9816}"/>
-                      </a:ext>
-                    </a:extLst>
-                  </p:cNvPr>
-                  <p:cNvGrpSpPr/>
-                  <p:nvPr/>
-                </p:nvGrpSpPr>
-                <p:grpSpPr>
-                  <a:xfrm>
-                    <a:off x="15696728" y="16196332"/>
-                    <a:ext cx="1260140" cy="108012"/>
-                    <a:chOff x="15696728" y="16196332"/>
-                    <a:chExt cx="1260140" cy="180020"/>
-                  </a:xfrm>
-                </p:grpSpPr>
-                <p:cxnSp>
-                  <p:nvCxnSpPr>
-                    <p:cNvPr id="767" name="Straight Connector 766">
-                      <a:extLst>
-                        <a:ext uri="{FF2B5EF4-FFF2-40B4-BE49-F238E27FC236}">
-                          <a16:creationId xmlns:a16="http://schemas.microsoft.com/office/drawing/2014/main" id="{FBDE9C2D-6205-479E-902B-771C2F3307F0}"/>
-                        </a:ext>
-                      </a:extLst>
-                    </p:cNvPr>
-                    <p:cNvCxnSpPr/>
-                    <p:nvPr/>
-                  </p:nvCxnSpPr>
-                  <p:spPr>
-                    <a:xfrm>
-                      <a:off x="15696728" y="16196332"/>
-                      <a:ext cx="0" cy="180020"/>
-                    </a:xfrm>
-                    <a:prstGeom prst="line">
-                      <a:avLst/>
-                    </a:prstGeom>
-                    <a:ln w="19050">
-                      <a:headEnd type="none" w="med" len="med"/>
-                      <a:tailEnd type="none" w="med" len="med"/>
-                    </a:ln>
-                  </p:spPr>
-                  <p:style>
-                    <a:lnRef idx="2">
-                      <a:schemeClr val="dk1"/>
-                    </a:lnRef>
-                    <a:fillRef idx="0">
-                      <a:schemeClr val="dk1"/>
-                    </a:fillRef>
-                    <a:effectRef idx="1">
-                      <a:schemeClr val="dk1"/>
-                    </a:effectRef>
-                    <a:fontRef idx="minor">
-                      <a:schemeClr val="tx1"/>
-                    </a:fontRef>
-                  </p:style>
-                </p:cxnSp>
-                <p:cxnSp>
-                  <p:nvCxnSpPr>
-                    <p:cNvPr id="768" name="Straight Connector 767">
-                      <a:extLst>
-                        <a:ext uri="{FF2B5EF4-FFF2-40B4-BE49-F238E27FC236}">
-                          <a16:creationId xmlns:a16="http://schemas.microsoft.com/office/drawing/2014/main" id="{71BC48D1-0C9D-4E70-B104-56661224CBAD}"/>
-                        </a:ext>
-                      </a:extLst>
-                    </p:cNvPr>
-                    <p:cNvCxnSpPr/>
-                    <p:nvPr/>
-                  </p:nvCxnSpPr>
-                  <p:spPr>
-                    <a:xfrm>
-                      <a:off x="16956868" y="16196332"/>
-                      <a:ext cx="0" cy="180020"/>
-                    </a:xfrm>
-                    <a:prstGeom prst="line">
-                      <a:avLst/>
-                    </a:prstGeom>
-                    <a:ln w="19050">
-                      <a:headEnd type="none" w="med" len="med"/>
-                      <a:tailEnd type="none" w="med" len="med"/>
-                    </a:ln>
-                  </p:spPr>
-                  <p:style>
-                    <a:lnRef idx="2">
-                      <a:schemeClr val="dk1"/>
-                    </a:lnRef>
-                    <a:fillRef idx="0">
-                      <a:schemeClr val="dk1"/>
-                    </a:fillRef>
-                    <a:effectRef idx="1">
-                      <a:schemeClr val="dk1"/>
-                    </a:effectRef>
-                    <a:fontRef idx="minor">
-                      <a:schemeClr val="tx1"/>
-                    </a:fontRef>
-                  </p:style>
-                </p:cxnSp>
-                <p:cxnSp>
-                  <p:nvCxnSpPr>
-                    <p:cNvPr id="769" name="Straight Connector 768">
-                      <a:extLst>
-                        <a:ext uri="{FF2B5EF4-FFF2-40B4-BE49-F238E27FC236}">
-                          <a16:creationId xmlns:a16="http://schemas.microsoft.com/office/drawing/2014/main" id="{451969A0-6A41-46E4-A45F-0732A468236E}"/>
-                        </a:ext>
-                      </a:extLst>
-                    </p:cNvPr>
-                    <p:cNvCxnSpPr>
-                      <a:cxnSpLocks/>
-                    </p:cNvCxnSpPr>
-                    <p:nvPr/>
-                  </p:nvCxnSpPr>
-                  <p:spPr>
-                    <a:xfrm>
-                      <a:off x="15696728" y="16196332"/>
-                      <a:ext cx="1260140" cy="0"/>
-                    </a:xfrm>
-                    <a:prstGeom prst="line">
-                      <a:avLst/>
-                    </a:prstGeom>
-                    <a:ln w="19050">
-                      <a:headEnd type="none" w="med" len="med"/>
-                      <a:tailEnd type="none" w="med" len="med"/>
-                    </a:ln>
-                  </p:spPr>
-                  <p:style>
-                    <a:lnRef idx="2">
-                      <a:schemeClr val="dk1"/>
-                    </a:lnRef>
-                    <a:fillRef idx="0">
-                      <a:schemeClr val="dk1"/>
-                    </a:fillRef>
-                    <a:effectRef idx="1">
-                      <a:schemeClr val="dk1"/>
-                    </a:effectRef>
-                    <a:fontRef idx="minor">
-                      <a:schemeClr val="tx1"/>
-                    </a:fontRef>
-                  </p:style>
-                </p:cxnSp>
-              </p:grpSp>
-              <p:sp>
-                <p:nvSpPr>
-                  <p:cNvPr id="766" name="TextBox 765">
-                    <a:extLst>
-                      <a:ext uri="{FF2B5EF4-FFF2-40B4-BE49-F238E27FC236}">
-                        <a16:creationId xmlns:a16="http://schemas.microsoft.com/office/drawing/2014/main" id="{86B157D8-73F1-4D10-B713-5470632EF283}"/>
-                      </a:ext>
-                    </a:extLst>
-                  </p:cNvPr>
-                  <p:cNvSpPr txBox="1"/>
-                  <p:nvPr/>
-                </p:nvSpPr>
-                <p:spPr>
-                  <a:xfrm>
-                    <a:off x="15873528" y="15916550"/>
-                    <a:ext cx="864339" cy="338554"/>
-                  </a:xfrm>
-                  <a:prstGeom prst="rect">
-                    <a:avLst/>
-                  </a:prstGeom>
-                  <a:noFill/>
-                </p:spPr>
-                <p:txBody>
-                  <a:bodyPr wrap="none" rtlCol="0">
-                    <a:spAutoFit/>
-                  </a:bodyPr>
-                  <a:lstStyle/>
-                  <a:p>
-                    <a:pPr algn="ctr"/>
-                    <a:r>
-                      <a:rPr lang="en-US" altLang="zh-CN" sz="1600" b="1" dirty="0"/>
-                      <a:t>0.00038</a:t>
-                    </a:r>
-                    <a:endParaRPr lang="zh-CN" altLang="en-US" sz="1600" b="1" dirty="0"/>
-                  </a:p>
-                </p:txBody>
-              </p:sp>
-            </p:grpSp>
-            <p:grpSp>
-              <p:nvGrpSpPr>
-                <p:cNvPr id="759" name="Group 758">
-                  <a:extLst>
-                    <a:ext uri="{FF2B5EF4-FFF2-40B4-BE49-F238E27FC236}">
-                      <a16:creationId xmlns:a16="http://schemas.microsoft.com/office/drawing/2014/main" id="{3B6F0CF0-5CFB-455F-A892-5CE800EA2052}"/>
-                    </a:ext>
-                  </a:extLst>
-                </p:cNvPr>
-                <p:cNvGrpSpPr/>
-                <p:nvPr/>
-              </p:nvGrpSpPr>
-              <p:grpSpPr>
-                <a:xfrm>
-                  <a:off x="9998208" y="19884648"/>
-                  <a:ext cx="1260140" cy="387794"/>
-                  <a:chOff x="15696728" y="15916550"/>
-                  <a:chExt cx="1260140" cy="387794"/>
-                </a:xfrm>
-              </p:grpSpPr>
-              <p:grpSp>
-                <p:nvGrpSpPr>
-                  <p:cNvPr id="760" name="Group 759">
-                    <a:extLst>
-                      <a:ext uri="{FF2B5EF4-FFF2-40B4-BE49-F238E27FC236}">
-                        <a16:creationId xmlns:a16="http://schemas.microsoft.com/office/drawing/2014/main" id="{7CC14B13-E519-4DCF-926A-5B08CE94855A}"/>
-                      </a:ext>
-                    </a:extLst>
-                  </p:cNvPr>
-                  <p:cNvGrpSpPr/>
-                  <p:nvPr/>
-                </p:nvGrpSpPr>
-                <p:grpSpPr>
-                  <a:xfrm>
-                    <a:off x="15696728" y="16196332"/>
-                    <a:ext cx="1260140" cy="108012"/>
-                    <a:chOff x="15696728" y="16196332"/>
-                    <a:chExt cx="1260140" cy="180020"/>
-                  </a:xfrm>
-                </p:grpSpPr>
-                <p:cxnSp>
-                  <p:nvCxnSpPr>
-                    <p:cNvPr id="762" name="Straight Connector 761">
-                      <a:extLst>
-                        <a:ext uri="{FF2B5EF4-FFF2-40B4-BE49-F238E27FC236}">
-                          <a16:creationId xmlns:a16="http://schemas.microsoft.com/office/drawing/2014/main" id="{12509ABF-371B-44F9-91A3-2CFA27478AAC}"/>
-                        </a:ext>
-                      </a:extLst>
-                    </p:cNvPr>
-                    <p:cNvCxnSpPr/>
-                    <p:nvPr/>
-                  </p:nvCxnSpPr>
-                  <p:spPr>
-                    <a:xfrm>
-                      <a:off x="15696728" y="16196332"/>
-                      <a:ext cx="0" cy="180020"/>
-                    </a:xfrm>
-                    <a:prstGeom prst="line">
-                      <a:avLst/>
-                    </a:prstGeom>
-                    <a:ln w="19050">
-                      <a:headEnd type="none" w="med" len="med"/>
-                      <a:tailEnd type="none" w="med" len="med"/>
-                    </a:ln>
-                  </p:spPr>
-                  <p:style>
-                    <a:lnRef idx="2">
-                      <a:schemeClr val="dk1"/>
-                    </a:lnRef>
-                    <a:fillRef idx="0">
-                      <a:schemeClr val="dk1"/>
-                    </a:fillRef>
-                    <a:effectRef idx="1">
-                      <a:schemeClr val="dk1"/>
-                    </a:effectRef>
-                    <a:fontRef idx="minor">
-                      <a:schemeClr val="tx1"/>
-                    </a:fontRef>
-                  </p:style>
-                </p:cxnSp>
-                <p:cxnSp>
-                  <p:nvCxnSpPr>
-                    <p:cNvPr id="763" name="Straight Connector 762">
-                      <a:extLst>
-                        <a:ext uri="{FF2B5EF4-FFF2-40B4-BE49-F238E27FC236}">
-                          <a16:creationId xmlns:a16="http://schemas.microsoft.com/office/drawing/2014/main" id="{1F8F272B-7777-4A01-BFB7-75ED6E1403FC}"/>
-                        </a:ext>
-                      </a:extLst>
-                    </p:cNvPr>
-                    <p:cNvCxnSpPr/>
-                    <p:nvPr/>
-                  </p:nvCxnSpPr>
-                  <p:spPr>
-                    <a:xfrm>
-                      <a:off x="16956868" y="16196332"/>
-                      <a:ext cx="0" cy="180020"/>
-                    </a:xfrm>
-                    <a:prstGeom prst="line">
-                      <a:avLst/>
-                    </a:prstGeom>
-                    <a:ln w="19050">
-                      <a:headEnd type="none" w="med" len="med"/>
-                      <a:tailEnd type="none" w="med" len="med"/>
-                    </a:ln>
-                  </p:spPr>
-                  <p:style>
-                    <a:lnRef idx="2">
-                      <a:schemeClr val="dk1"/>
-                    </a:lnRef>
-                    <a:fillRef idx="0">
-                      <a:schemeClr val="dk1"/>
-                    </a:fillRef>
-                    <a:effectRef idx="1">
-                      <a:schemeClr val="dk1"/>
-                    </a:effectRef>
-                    <a:fontRef idx="minor">
-                      <a:schemeClr val="tx1"/>
-                    </a:fontRef>
-                  </p:style>
-                </p:cxnSp>
-                <p:cxnSp>
-                  <p:nvCxnSpPr>
-                    <p:cNvPr id="764" name="Straight Connector 763">
-                      <a:extLst>
-                        <a:ext uri="{FF2B5EF4-FFF2-40B4-BE49-F238E27FC236}">
-                          <a16:creationId xmlns:a16="http://schemas.microsoft.com/office/drawing/2014/main" id="{C4A0FADB-8DA4-40B2-85C9-93C5AF110A2B}"/>
-                        </a:ext>
-                      </a:extLst>
-                    </p:cNvPr>
-                    <p:cNvCxnSpPr>
-                      <a:cxnSpLocks/>
-                    </p:cNvCxnSpPr>
-                    <p:nvPr/>
-                  </p:nvCxnSpPr>
-                  <p:spPr>
-                    <a:xfrm>
-                      <a:off x="15696728" y="16196332"/>
-                      <a:ext cx="1260140" cy="0"/>
-                    </a:xfrm>
-                    <a:prstGeom prst="line">
-                      <a:avLst/>
-                    </a:prstGeom>
-                    <a:ln w="19050">
-                      <a:headEnd type="none" w="med" len="med"/>
-                      <a:tailEnd type="none" w="med" len="med"/>
-                    </a:ln>
-                  </p:spPr>
-                  <p:style>
-                    <a:lnRef idx="2">
-                      <a:schemeClr val="dk1"/>
-                    </a:lnRef>
-                    <a:fillRef idx="0">
-                      <a:schemeClr val="dk1"/>
-                    </a:fillRef>
-                    <a:effectRef idx="1">
-                      <a:schemeClr val="dk1"/>
-                    </a:effectRef>
-                    <a:fontRef idx="minor">
-                      <a:schemeClr val="tx1"/>
-                    </a:fontRef>
-                  </p:style>
-                </p:cxnSp>
-              </p:grpSp>
-              <p:sp>
-                <p:nvSpPr>
-                  <p:cNvPr id="761" name="TextBox 760">
-                    <a:extLst>
-                      <a:ext uri="{FF2B5EF4-FFF2-40B4-BE49-F238E27FC236}">
-                        <a16:creationId xmlns:a16="http://schemas.microsoft.com/office/drawing/2014/main" id="{DBCA282F-A1D3-48AC-A023-6330DBC29437}"/>
-                      </a:ext>
-                    </a:extLst>
-                  </p:cNvPr>
-                  <p:cNvSpPr txBox="1"/>
-                  <p:nvPr/>
-                </p:nvSpPr>
-                <p:spPr>
-                  <a:xfrm>
-                    <a:off x="15977723" y="15916550"/>
-                    <a:ext cx="655950" cy="338554"/>
-                  </a:xfrm>
-                  <a:prstGeom prst="rect">
-                    <a:avLst/>
-                  </a:prstGeom>
-                  <a:noFill/>
-                </p:spPr>
-                <p:txBody>
-                  <a:bodyPr wrap="none" rtlCol="0">
-                    <a:spAutoFit/>
-                  </a:bodyPr>
-                  <a:lstStyle/>
-                  <a:p>
-                    <a:pPr algn="ctr"/>
-                    <a:r>
-                      <a:rPr lang="en-US" altLang="zh-CN" sz="1600" b="1" dirty="0"/>
-                      <a:t>0.017</a:t>
-                    </a:r>
-                    <a:endParaRPr lang="zh-CN" altLang="en-US" sz="1600" b="1" dirty="0"/>
-                  </a:p>
-                </p:txBody>
-              </p:sp>
-            </p:grpSp>
-          </p:grpSp>
-        </p:grpSp>
-        <p:grpSp>
-          <p:nvGrpSpPr>
-            <p:cNvPr id="730" name="Group 729">
-              <a:extLst>
-                <a:ext uri="{FF2B5EF4-FFF2-40B4-BE49-F238E27FC236}">
-                  <a16:creationId xmlns:a16="http://schemas.microsoft.com/office/drawing/2014/main" id="{E88FCEA7-4590-4925-920D-A16C7FCB85F5}"/>
-                </a:ext>
-              </a:extLst>
-            </p:cNvPr>
-            <p:cNvGrpSpPr/>
-            <p:nvPr/>
-          </p:nvGrpSpPr>
-          <p:grpSpPr>
-            <a:xfrm>
-              <a:off x="5831632" y="16016178"/>
-              <a:ext cx="551754" cy="2887690"/>
-              <a:chOff x="5831632" y="16016178"/>
-              <a:chExt cx="551754" cy="2887690"/>
-            </a:xfrm>
-          </p:grpSpPr>
-          <p:sp>
-            <p:nvSpPr>
-              <p:cNvPr id="749" name="TextBox 748">
-                <a:extLst>
-                  <a:ext uri="{FF2B5EF4-FFF2-40B4-BE49-F238E27FC236}">
-                    <a16:creationId xmlns:a16="http://schemas.microsoft.com/office/drawing/2014/main" id="{2D72AC58-5798-406E-BF4E-FD1766A8E5CB}"/>
+                    <a16:creationId xmlns:a16="http://schemas.microsoft.com/office/drawing/2014/main" id="{6E334B18-B5BF-4143-9777-EF02E7F165F1}"/>
                   </a:ext>
                 </a:extLst>
               </p:cNvPr>
@@ -6350,8 +5496,8 @@
             </p:nvSpPr>
             <p:spPr>
               <a:xfrm>
-                <a:off x="5831632" y="16016178"/>
-                <a:ext cx="551754" cy="338554"/>
+                <a:off x="15977722" y="15916550"/>
+                <a:ext cx="655949" cy="338554"/>
               </a:xfrm>
               <a:prstGeom prst="rect">
                 <a:avLst/>
@@ -6366,19 +5512,183 @@
               <a:p>
                 <a:pPr algn="ctr"/>
                 <a:r>
-                  <a:rPr lang="en-US" altLang="zh-CN" sz="1600" dirty="0"/>
-                  <a:t>2.80</a:t>
+                  <a:rPr lang="en-US" altLang="zh-CN" sz="1600" b="1" dirty="0"/>
+                  <a:t>0.014</a:t>
                 </a:r>
-                <a:endParaRPr lang="zh-CN" altLang="en-US" sz="1600" dirty="0"/>
+                <a:endParaRPr lang="zh-CN" altLang="en-US" sz="1600" b="1" dirty="0"/>
               </a:p>
             </p:txBody>
           </p:sp>
+        </p:grpSp>
+        <p:grpSp>
+          <p:nvGrpSpPr>
+            <p:cNvPr id="758" name="Group 757">
+              <a:extLst>
+                <a:ext uri="{FF2B5EF4-FFF2-40B4-BE49-F238E27FC236}">
+                  <a16:creationId xmlns:a16="http://schemas.microsoft.com/office/drawing/2014/main" id="{BA9F9963-2D84-4A09-98DE-87296E349300}"/>
+                </a:ext>
+              </a:extLst>
+            </p:cNvPr>
+            <p:cNvGrpSpPr/>
+            <p:nvPr/>
+          </p:nvGrpSpPr>
+          <p:grpSpPr>
+            <a:xfrm>
+              <a:off x="7147055" y="20002224"/>
+              <a:ext cx="1260140" cy="387794"/>
+              <a:chOff x="15696728" y="15916550"/>
+              <a:chExt cx="1260140" cy="387794"/>
+            </a:xfrm>
+          </p:grpSpPr>
+          <p:grpSp>
+            <p:nvGrpSpPr>
+              <p:cNvPr id="765" name="Group 764">
+                <a:extLst>
+                  <a:ext uri="{FF2B5EF4-FFF2-40B4-BE49-F238E27FC236}">
+                    <a16:creationId xmlns:a16="http://schemas.microsoft.com/office/drawing/2014/main" id="{5356FA27-E09D-40C4-9E27-223995FD9816}"/>
+                  </a:ext>
+                </a:extLst>
+              </p:cNvPr>
+              <p:cNvGrpSpPr/>
+              <p:nvPr/>
+            </p:nvGrpSpPr>
+            <p:grpSpPr>
+              <a:xfrm>
+                <a:off x="15696728" y="16196332"/>
+                <a:ext cx="1260140" cy="108012"/>
+                <a:chOff x="15696728" y="16196332"/>
+                <a:chExt cx="1260140" cy="180020"/>
+              </a:xfrm>
+            </p:grpSpPr>
+            <p:cxnSp>
+              <p:nvCxnSpPr>
+                <p:cNvPr id="767" name="Straight Connector 766">
+                  <a:extLst>
+                    <a:ext uri="{FF2B5EF4-FFF2-40B4-BE49-F238E27FC236}">
+                      <a16:creationId xmlns:a16="http://schemas.microsoft.com/office/drawing/2014/main" id="{FBDE9C2D-6205-479E-902B-771C2F3307F0}"/>
+                    </a:ext>
+                  </a:extLst>
+                </p:cNvPr>
+                <p:cNvCxnSpPr/>
+                <p:nvPr/>
+              </p:nvCxnSpPr>
+              <p:spPr>
+                <a:xfrm>
+                  <a:off x="15696728" y="16196332"/>
+                  <a:ext cx="0" cy="180020"/>
+                </a:xfrm>
+                <a:prstGeom prst="line">
+                  <a:avLst/>
+                </a:prstGeom>
+                <a:ln w="19050">
+                  <a:headEnd type="none" w="med" len="med"/>
+                  <a:tailEnd type="none" w="med" len="med"/>
+                </a:ln>
+              </p:spPr>
+              <p:style>
+                <a:lnRef idx="2">
+                  <a:schemeClr val="dk1"/>
+                </a:lnRef>
+                <a:fillRef idx="0">
+                  <a:schemeClr val="dk1"/>
+                </a:fillRef>
+                <a:effectRef idx="1">
+                  <a:schemeClr val="dk1"/>
+                </a:effectRef>
+                <a:fontRef idx="minor">
+                  <a:schemeClr val="tx1"/>
+                </a:fontRef>
+              </p:style>
+            </p:cxnSp>
+            <p:cxnSp>
+              <p:nvCxnSpPr>
+                <p:cNvPr id="768" name="Straight Connector 767">
+                  <a:extLst>
+                    <a:ext uri="{FF2B5EF4-FFF2-40B4-BE49-F238E27FC236}">
+                      <a16:creationId xmlns:a16="http://schemas.microsoft.com/office/drawing/2014/main" id="{71BC48D1-0C9D-4E70-B104-56661224CBAD}"/>
+                    </a:ext>
+                  </a:extLst>
+                </p:cNvPr>
+                <p:cNvCxnSpPr/>
+                <p:nvPr/>
+              </p:nvCxnSpPr>
+              <p:spPr>
+                <a:xfrm>
+                  <a:off x="16956868" y="16196332"/>
+                  <a:ext cx="0" cy="180020"/>
+                </a:xfrm>
+                <a:prstGeom prst="line">
+                  <a:avLst/>
+                </a:prstGeom>
+                <a:ln w="19050">
+                  <a:headEnd type="none" w="med" len="med"/>
+                  <a:tailEnd type="none" w="med" len="med"/>
+                </a:ln>
+              </p:spPr>
+              <p:style>
+                <a:lnRef idx="2">
+                  <a:schemeClr val="dk1"/>
+                </a:lnRef>
+                <a:fillRef idx="0">
+                  <a:schemeClr val="dk1"/>
+                </a:fillRef>
+                <a:effectRef idx="1">
+                  <a:schemeClr val="dk1"/>
+                </a:effectRef>
+                <a:fontRef idx="minor">
+                  <a:schemeClr val="tx1"/>
+                </a:fontRef>
+              </p:style>
+            </p:cxnSp>
+            <p:cxnSp>
+              <p:nvCxnSpPr>
+                <p:cNvPr id="769" name="Straight Connector 768">
+                  <a:extLst>
+                    <a:ext uri="{FF2B5EF4-FFF2-40B4-BE49-F238E27FC236}">
+                      <a16:creationId xmlns:a16="http://schemas.microsoft.com/office/drawing/2014/main" id="{451969A0-6A41-46E4-A45F-0732A468236E}"/>
+                    </a:ext>
+                  </a:extLst>
+                </p:cNvPr>
+                <p:cNvCxnSpPr>
+                  <a:cxnSpLocks/>
+                </p:cNvCxnSpPr>
+                <p:nvPr/>
+              </p:nvCxnSpPr>
+              <p:spPr>
+                <a:xfrm>
+                  <a:off x="15696728" y="16196332"/>
+                  <a:ext cx="1260140" cy="0"/>
+                </a:xfrm>
+                <a:prstGeom prst="line">
+                  <a:avLst/>
+                </a:prstGeom>
+                <a:ln w="19050">
+                  <a:headEnd type="none" w="med" len="med"/>
+                  <a:tailEnd type="none" w="med" len="med"/>
+                </a:ln>
+              </p:spPr>
+              <p:style>
+                <a:lnRef idx="2">
+                  <a:schemeClr val="dk1"/>
+                </a:lnRef>
+                <a:fillRef idx="0">
+                  <a:schemeClr val="dk1"/>
+                </a:fillRef>
+                <a:effectRef idx="1">
+                  <a:schemeClr val="dk1"/>
+                </a:effectRef>
+                <a:fontRef idx="minor">
+                  <a:schemeClr val="tx1"/>
+                </a:fontRef>
+              </p:style>
+            </p:cxnSp>
+          </p:grpSp>
           <p:sp>
             <p:nvSpPr>
-              <p:cNvPr id="750" name="TextBox 749">
+              <p:cNvPr id="766" name="TextBox 765">
                 <a:extLst>
                   <a:ext uri="{FF2B5EF4-FFF2-40B4-BE49-F238E27FC236}">
-                    <a16:creationId xmlns:a16="http://schemas.microsoft.com/office/drawing/2014/main" id="{E827E285-1483-4134-82A5-4F40E6A08035}"/>
+                    <a16:creationId xmlns:a16="http://schemas.microsoft.com/office/drawing/2014/main" id="{86B157D8-73F1-4D10-B713-5470632EF283}"/>
                   </a:ext>
                 </a:extLst>
               </p:cNvPr>
@@ -6387,8 +5697,8 @@
             </p:nvSpPr>
             <p:spPr>
               <a:xfrm>
-                <a:off x="5833236" y="16865890"/>
-                <a:ext cx="548548" cy="338554"/>
+                <a:off x="15873528" y="15916550"/>
+                <a:ext cx="864339" cy="338554"/>
               </a:xfrm>
               <a:prstGeom prst="rect">
                 <a:avLst/>
@@ -6403,19 +5713,183 @@
               <a:p>
                 <a:pPr algn="ctr"/>
                 <a:r>
-                  <a:rPr lang="en-US" altLang="zh-CN" sz="1600" dirty="0"/>
-                  <a:t>2.76</a:t>
+                  <a:rPr lang="en-US" altLang="zh-CN" sz="1600" b="1" dirty="0"/>
+                  <a:t>0.00038</a:t>
                 </a:r>
-                <a:endParaRPr lang="zh-CN" altLang="en-US" sz="1600" dirty="0"/>
+                <a:endParaRPr lang="zh-CN" altLang="en-US" sz="1600" b="1" dirty="0"/>
               </a:p>
             </p:txBody>
           </p:sp>
+        </p:grpSp>
+        <p:grpSp>
+          <p:nvGrpSpPr>
+            <p:cNvPr id="759" name="Group 758">
+              <a:extLst>
+                <a:ext uri="{FF2B5EF4-FFF2-40B4-BE49-F238E27FC236}">
+                  <a16:creationId xmlns:a16="http://schemas.microsoft.com/office/drawing/2014/main" id="{3B6F0CF0-5CFB-455F-A892-5CE800EA2052}"/>
+                </a:ext>
+              </a:extLst>
+            </p:cNvPr>
+            <p:cNvGrpSpPr/>
+            <p:nvPr/>
+          </p:nvGrpSpPr>
+          <p:grpSpPr>
+            <a:xfrm>
+              <a:off x="9998208" y="19884648"/>
+              <a:ext cx="1260140" cy="387794"/>
+              <a:chOff x="15696728" y="15916550"/>
+              <a:chExt cx="1260140" cy="387794"/>
+            </a:xfrm>
+          </p:grpSpPr>
+          <p:grpSp>
+            <p:nvGrpSpPr>
+              <p:cNvPr id="760" name="Group 759">
+                <a:extLst>
+                  <a:ext uri="{FF2B5EF4-FFF2-40B4-BE49-F238E27FC236}">
+                    <a16:creationId xmlns:a16="http://schemas.microsoft.com/office/drawing/2014/main" id="{7CC14B13-E519-4DCF-926A-5B08CE94855A}"/>
+                  </a:ext>
+                </a:extLst>
+              </p:cNvPr>
+              <p:cNvGrpSpPr/>
+              <p:nvPr/>
+            </p:nvGrpSpPr>
+            <p:grpSpPr>
+              <a:xfrm>
+                <a:off x="15696728" y="16196332"/>
+                <a:ext cx="1260140" cy="108012"/>
+                <a:chOff x="15696728" y="16196332"/>
+                <a:chExt cx="1260140" cy="180020"/>
+              </a:xfrm>
+            </p:grpSpPr>
+            <p:cxnSp>
+              <p:nvCxnSpPr>
+                <p:cNvPr id="762" name="Straight Connector 761">
+                  <a:extLst>
+                    <a:ext uri="{FF2B5EF4-FFF2-40B4-BE49-F238E27FC236}">
+                      <a16:creationId xmlns:a16="http://schemas.microsoft.com/office/drawing/2014/main" id="{12509ABF-371B-44F9-91A3-2CFA27478AAC}"/>
+                    </a:ext>
+                  </a:extLst>
+                </p:cNvPr>
+                <p:cNvCxnSpPr/>
+                <p:nvPr/>
+              </p:nvCxnSpPr>
+              <p:spPr>
+                <a:xfrm>
+                  <a:off x="15696728" y="16196332"/>
+                  <a:ext cx="0" cy="180020"/>
+                </a:xfrm>
+                <a:prstGeom prst="line">
+                  <a:avLst/>
+                </a:prstGeom>
+                <a:ln w="19050">
+                  <a:headEnd type="none" w="med" len="med"/>
+                  <a:tailEnd type="none" w="med" len="med"/>
+                </a:ln>
+              </p:spPr>
+              <p:style>
+                <a:lnRef idx="2">
+                  <a:schemeClr val="dk1"/>
+                </a:lnRef>
+                <a:fillRef idx="0">
+                  <a:schemeClr val="dk1"/>
+                </a:fillRef>
+                <a:effectRef idx="1">
+                  <a:schemeClr val="dk1"/>
+                </a:effectRef>
+                <a:fontRef idx="minor">
+                  <a:schemeClr val="tx1"/>
+                </a:fontRef>
+              </p:style>
+            </p:cxnSp>
+            <p:cxnSp>
+              <p:nvCxnSpPr>
+                <p:cNvPr id="763" name="Straight Connector 762">
+                  <a:extLst>
+                    <a:ext uri="{FF2B5EF4-FFF2-40B4-BE49-F238E27FC236}">
+                      <a16:creationId xmlns:a16="http://schemas.microsoft.com/office/drawing/2014/main" id="{1F8F272B-7777-4A01-BFB7-75ED6E1403FC}"/>
+                    </a:ext>
+                  </a:extLst>
+                </p:cNvPr>
+                <p:cNvCxnSpPr/>
+                <p:nvPr/>
+              </p:nvCxnSpPr>
+              <p:spPr>
+                <a:xfrm>
+                  <a:off x="16956868" y="16196332"/>
+                  <a:ext cx="0" cy="180020"/>
+                </a:xfrm>
+                <a:prstGeom prst="line">
+                  <a:avLst/>
+                </a:prstGeom>
+                <a:ln w="19050">
+                  <a:headEnd type="none" w="med" len="med"/>
+                  <a:tailEnd type="none" w="med" len="med"/>
+                </a:ln>
+              </p:spPr>
+              <p:style>
+                <a:lnRef idx="2">
+                  <a:schemeClr val="dk1"/>
+                </a:lnRef>
+                <a:fillRef idx="0">
+                  <a:schemeClr val="dk1"/>
+                </a:fillRef>
+                <a:effectRef idx="1">
+                  <a:schemeClr val="dk1"/>
+                </a:effectRef>
+                <a:fontRef idx="minor">
+                  <a:schemeClr val="tx1"/>
+                </a:fontRef>
+              </p:style>
+            </p:cxnSp>
+            <p:cxnSp>
+              <p:nvCxnSpPr>
+                <p:cNvPr id="764" name="Straight Connector 763">
+                  <a:extLst>
+                    <a:ext uri="{FF2B5EF4-FFF2-40B4-BE49-F238E27FC236}">
+                      <a16:creationId xmlns:a16="http://schemas.microsoft.com/office/drawing/2014/main" id="{C4A0FADB-8DA4-40B2-85C9-93C5AF110A2B}"/>
+                    </a:ext>
+                  </a:extLst>
+                </p:cNvPr>
+                <p:cNvCxnSpPr>
+                  <a:cxnSpLocks/>
+                </p:cNvCxnSpPr>
+                <p:nvPr/>
+              </p:nvCxnSpPr>
+              <p:spPr>
+                <a:xfrm>
+                  <a:off x="15696728" y="16196332"/>
+                  <a:ext cx="1260140" cy="0"/>
+                </a:xfrm>
+                <a:prstGeom prst="line">
+                  <a:avLst/>
+                </a:prstGeom>
+                <a:ln w="19050">
+                  <a:headEnd type="none" w="med" len="med"/>
+                  <a:tailEnd type="none" w="med" len="med"/>
+                </a:ln>
+              </p:spPr>
+              <p:style>
+                <a:lnRef idx="2">
+                  <a:schemeClr val="dk1"/>
+                </a:lnRef>
+                <a:fillRef idx="0">
+                  <a:schemeClr val="dk1"/>
+                </a:fillRef>
+                <a:effectRef idx="1">
+                  <a:schemeClr val="dk1"/>
+                </a:effectRef>
+                <a:fontRef idx="minor">
+                  <a:schemeClr val="tx1"/>
+                </a:fontRef>
+              </p:style>
+            </p:cxnSp>
+          </p:grpSp>
           <p:sp>
             <p:nvSpPr>
-              <p:cNvPr id="751" name="TextBox 750">
+              <p:cNvPr id="761" name="TextBox 760">
                 <a:extLst>
                   <a:ext uri="{FF2B5EF4-FFF2-40B4-BE49-F238E27FC236}">
-                    <a16:creationId xmlns:a16="http://schemas.microsoft.com/office/drawing/2014/main" id="{D11DC62E-A987-442E-984A-21AFF96774ED}"/>
+                    <a16:creationId xmlns:a16="http://schemas.microsoft.com/office/drawing/2014/main" id="{DBCA282F-A1D3-48AC-A023-6330DBC29437}"/>
                   </a:ext>
                 </a:extLst>
               </p:cNvPr>
@@ -6424,8 +5898,8 @@
             </p:nvSpPr>
             <p:spPr>
               <a:xfrm>
-                <a:off x="5833237" y="17715602"/>
-                <a:ext cx="548548" cy="338554"/>
+                <a:off x="15977723" y="15916550"/>
+                <a:ext cx="655950" cy="338554"/>
               </a:xfrm>
               <a:prstGeom prst="rect">
                 <a:avLst/>
@@ -6440,621 +5914,690 @@
               <a:p>
                 <a:pPr algn="ctr"/>
                 <a:r>
-                  <a:rPr lang="en-US" altLang="zh-CN" sz="1600" dirty="0"/>
-                  <a:t>2.72</a:t>
+                  <a:rPr lang="en-US" altLang="zh-CN" sz="1600" b="1" dirty="0"/>
+                  <a:t>0.017</a:t>
                 </a:r>
-                <a:endParaRPr lang="zh-CN" altLang="en-US" sz="1600" dirty="0"/>
-              </a:p>
-            </p:txBody>
-          </p:sp>
-          <p:sp>
-            <p:nvSpPr>
-              <p:cNvPr id="752" name="TextBox 751">
-                <a:extLst>
-                  <a:ext uri="{FF2B5EF4-FFF2-40B4-BE49-F238E27FC236}">
-                    <a16:creationId xmlns:a16="http://schemas.microsoft.com/office/drawing/2014/main" id="{17EF2134-BCCE-4C26-B2EC-8C6E0ACDC0F4}"/>
-                  </a:ext>
-                </a:extLst>
-              </p:cNvPr>
-              <p:cNvSpPr txBox="1"/>
-              <p:nvPr/>
-            </p:nvSpPr>
-            <p:spPr>
-              <a:xfrm>
-                <a:off x="5831633" y="18565314"/>
-                <a:ext cx="548548" cy="338554"/>
-              </a:xfrm>
-              <a:prstGeom prst="rect">
-                <a:avLst/>
-              </a:prstGeom>
-              <a:noFill/>
-            </p:spPr>
-            <p:txBody>
-              <a:bodyPr wrap="none" rtlCol="0">
-                <a:spAutoFit/>
-              </a:bodyPr>
-              <a:lstStyle/>
-              <a:p>
-                <a:pPr algn="ctr"/>
-                <a:r>
-                  <a:rPr lang="en-US" altLang="zh-CN" sz="1600" dirty="0"/>
-                  <a:t>2.68</a:t>
-                </a:r>
-                <a:endParaRPr lang="zh-CN" altLang="en-US" sz="1600" dirty="0"/>
+                <a:endParaRPr lang="zh-CN" altLang="en-US" sz="1600" b="1" dirty="0"/>
               </a:p>
             </p:txBody>
           </p:sp>
         </p:grpSp>
-        <p:grpSp>
-          <p:nvGrpSpPr>
-            <p:cNvPr id="731" name="Group 730">
+      </p:grpSp>
+      <p:sp>
+        <p:nvSpPr>
+          <p:cNvPr id="749" name="TextBox 748">
+            <a:extLst>
+              <a:ext uri="{FF2B5EF4-FFF2-40B4-BE49-F238E27FC236}">
+                <a16:creationId xmlns:a16="http://schemas.microsoft.com/office/drawing/2014/main" id="{2D72AC58-5798-406E-BF4E-FD1766A8E5CB}"/>
+              </a:ext>
+            </a:extLst>
+          </p:cNvPr>
+          <p:cNvSpPr txBox="1"/>
+          <p:nvPr/>
+        </p:nvSpPr>
+        <p:spPr>
+          <a:xfrm>
+            <a:off x="6397408" y="15877906"/>
+            <a:ext cx="585632" cy="338554"/>
+          </a:xfrm>
+          <a:prstGeom prst="rect">
+            <a:avLst/>
+          </a:prstGeom>
+          <a:noFill/>
+        </p:spPr>
+        <p:txBody>
+          <a:bodyPr wrap="none" rtlCol="0">
+            <a:spAutoFit/>
+          </a:bodyPr>
+          <a:lstStyle/>
+          <a:p>
+            <a:pPr algn="ctr"/>
+            <a:r>
+              <a:rPr lang="en-US" altLang="zh-CN" sz="1600" dirty="0"/>
+              <a:t>2.80</a:t>
+            </a:r>
+            <a:endParaRPr lang="zh-CN" altLang="en-US" sz="1600" dirty="0"/>
+          </a:p>
+        </p:txBody>
+      </p:sp>
+      <p:sp>
+        <p:nvSpPr>
+          <p:cNvPr id="750" name="TextBox 749">
+            <a:extLst>
+              <a:ext uri="{FF2B5EF4-FFF2-40B4-BE49-F238E27FC236}">
+                <a16:creationId xmlns:a16="http://schemas.microsoft.com/office/drawing/2014/main" id="{E827E285-1483-4134-82A5-4F40E6A08035}"/>
+              </a:ext>
+            </a:extLst>
+          </p:cNvPr>
+          <p:cNvSpPr txBox="1"/>
+          <p:nvPr/>
+        </p:nvSpPr>
+        <p:spPr>
+          <a:xfrm>
+            <a:off x="6399110" y="16727618"/>
+            <a:ext cx="582229" cy="338554"/>
+          </a:xfrm>
+          <a:prstGeom prst="rect">
+            <a:avLst/>
+          </a:prstGeom>
+          <a:noFill/>
+        </p:spPr>
+        <p:txBody>
+          <a:bodyPr wrap="none" rtlCol="0">
+            <a:spAutoFit/>
+          </a:bodyPr>
+          <a:lstStyle/>
+          <a:p>
+            <a:pPr algn="ctr"/>
+            <a:r>
+              <a:rPr lang="en-US" altLang="zh-CN" sz="1600" dirty="0"/>
+              <a:t>2.76</a:t>
+            </a:r>
+            <a:endParaRPr lang="zh-CN" altLang="en-US" sz="1600" dirty="0"/>
+          </a:p>
+        </p:txBody>
+      </p:sp>
+      <p:sp>
+        <p:nvSpPr>
+          <p:cNvPr id="751" name="TextBox 750">
+            <a:extLst>
+              <a:ext uri="{FF2B5EF4-FFF2-40B4-BE49-F238E27FC236}">
+                <a16:creationId xmlns:a16="http://schemas.microsoft.com/office/drawing/2014/main" id="{D11DC62E-A987-442E-984A-21AFF96774ED}"/>
+              </a:ext>
+            </a:extLst>
+          </p:cNvPr>
+          <p:cNvSpPr txBox="1"/>
+          <p:nvPr/>
+        </p:nvSpPr>
+        <p:spPr>
+          <a:xfrm>
+            <a:off x="6399112" y="17577330"/>
+            <a:ext cx="582229" cy="338554"/>
+          </a:xfrm>
+          <a:prstGeom prst="rect">
+            <a:avLst/>
+          </a:prstGeom>
+          <a:noFill/>
+        </p:spPr>
+        <p:txBody>
+          <a:bodyPr wrap="none" rtlCol="0">
+            <a:spAutoFit/>
+          </a:bodyPr>
+          <a:lstStyle/>
+          <a:p>
+            <a:pPr algn="ctr"/>
+            <a:r>
+              <a:rPr lang="en-US" altLang="zh-CN" sz="1600" dirty="0"/>
+              <a:t>2.72</a:t>
+            </a:r>
+            <a:endParaRPr lang="zh-CN" altLang="en-US" sz="1600" dirty="0"/>
+          </a:p>
+        </p:txBody>
+      </p:sp>
+      <p:sp>
+        <p:nvSpPr>
+          <p:cNvPr id="752" name="TextBox 751">
+            <a:extLst>
+              <a:ext uri="{FF2B5EF4-FFF2-40B4-BE49-F238E27FC236}">
+                <a16:creationId xmlns:a16="http://schemas.microsoft.com/office/drawing/2014/main" id="{17EF2134-BCCE-4C26-B2EC-8C6E0ACDC0F4}"/>
+              </a:ext>
+            </a:extLst>
+          </p:cNvPr>
+          <p:cNvSpPr txBox="1"/>
+          <p:nvPr/>
+        </p:nvSpPr>
+        <p:spPr>
+          <a:xfrm>
+            <a:off x="6397409" y="18427042"/>
+            <a:ext cx="582229" cy="338554"/>
+          </a:xfrm>
+          <a:prstGeom prst="rect">
+            <a:avLst/>
+          </a:prstGeom>
+          <a:noFill/>
+        </p:spPr>
+        <p:txBody>
+          <a:bodyPr wrap="none" rtlCol="0">
+            <a:spAutoFit/>
+          </a:bodyPr>
+          <a:lstStyle/>
+          <a:p>
+            <a:pPr algn="ctr"/>
+            <a:r>
+              <a:rPr lang="en-US" altLang="zh-CN" sz="1600" dirty="0"/>
+              <a:t>2.68</a:t>
+            </a:r>
+            <a:endParaRPr lang="zh-CN" altLang="en-US" sz="1600" dirty="0"/>
+          </a:p>
+        </p:txBody>
+      </p:sp>
+      <p:sp>
+        <p:nvSpPr>
+          <p:cNvPr id="745" name="TextBox 744">
+            <a:extLst>
+              <a:ext uri="{FF2B5EF4-FFF2-40B4-BE49-F238E27FC236}">
+                <a16:creationId xmlns:a16="http://schemas.microsoft.com/office/drawing/2014/main" id="{F6CA4215-ED02-4E2A-A870-C7A8A83DF2D2}"/>
+              </a:ext>
+            </a:extLst>
+          </p:cNvPr>
+          <p:cNvSpPr txBox="1"/>
+          <p:nvPr/>
+        </p:nvSpPr>
+        <p:spPr>
+          <a:xfrm>
+            <a:off x="6397028" y="19593278"/>
+            <a:ext cx="585632" cy="338554"/>
+          </a:xfrm>
+          <a:prstGeom prst="rect">
+            <a:avLst/>
+          </a:prstGeom>
+          <a:noFill/>
+        </p:spPr>
+        <p:txBody>
+          <a:bodyPr wrap="none" rtlCol="0">
+            <a:spAutoFit/>
+          </a:bodyPr>
+          <a:lstStyle/>
+          <a:p>
+            <a:pPr algn="ctr"/>
+            <a:r>
+              <a:rPr lang="en-US" altLang="zh-CN" sz="1600" dirty="0"/>
+              <a:t>2.80</a:t>
+            </a:r>
+            <a:endParaRPr lang="zh-CN" altLang="en-US" sz="1600" dirty="0"/>
+          </a:p>
+        </p:txBody>
+      </p:sp>
+      <p:sp>
+        <p:nvSpPr>
+          <p:cNvPr id="746" name="TextBox 745">
+            <a:extLst>
+              <a:ext uri="{FF2B5EF4-FFF2-40B4-BE49-F238E27FC236}">
+                <a16:creationId xmlns:a16="http://schemas.microsoft.com/office/drawing/2014/main" id="{056871E2-FAE7-47DC-9EE9-68FE9F4B0BB8}"/>
+              </a:ext>
+            </a:extLst>
+          </p:cNvPr>
+          <p:cNvSpPr txBox="1"/>
+          <p:nvPr/>
+        </p:nvSpPr>
+        <p:spPr>
+          <a:xfrm>
+            <a:off x="6398730" y="20442990"/>
+            <a:ext cx="582229" cy="338554"/>
+          </a:xfrm>
+          <a:prstGeom prst="rect">
+            <a:avLst/>
+          </a:prstGeom>
+          <a:noFill/>
+        </p:spPr>
+        <p:txBody>
+          <a:bodyPr wrap="none" rtlCol="0">
+            <a:spAutoFit/>
+          </a:bodyPr>
+          <a:lstStyle/>
+          <a:p>
+            <a:pPr algn="ctr"/>
+            <a:r>
+              <a:rPr lang="en-US" altLang="zh-CN" sz="1600" dirty="0"/>
+              <a:t>2.76</a:t>
+            </a:r>
+            <a:endParaRPr lang="zh-CN" altLang="en-US" sz="1600" dirty="0"/>
+          </a:p>
+        </p:txBody>
+      </p:sp>
+      <p:sp>
+        <p:nvSpPr>
+          <p:cNvPr id="747" name="TextBox 746">
+            <a:extLst>
+              <a:ext uri="{FF2B5EF4-FFF2-40B4-BE49-F238E27FC236}">
+                <a16:creationId xmlns:a16="http://schemas.microsoft.com/office/drawing/2014/main" id="{C355DC1F-0CC5-4617-924F-740779813C55}"/>
+              </a:ext>
+            </a:extLst>
+          </p:cNvPr>
+          <p:cNvSpPr txBox="1"/>
+          <p:nvPr/>
+        </p:nvSpPr>
+        <p:spPr>
+          <a:xfrm>
+            <a:off x="6398732" y="21292702"/>
+            <a:ext cx="582229" cy="338554"/>
+          </a:xfrm>
+          <a:prstGeom prst="rect">
+            <a:avLst/>
+          </a:prstGeom>
+          <a:noFill/>
+        </p:spPr>
+        <p:txBody>
+          <a:bodyPr wrap="none" rtlCol="0">
+            <a:spAutoFit/>
+          </a:bodyPr>
+          <a:lstStyle/>
+          <a:p>
+            <a:pPr algn="ctr"/>
+            <a:r>
+              <a:rPr lang="en-US" altLang="zh-CN" sz="1600" dirty="0"/>
+              <a:t>2.72</a:t>
+            </a:r>
+            <a:endParaRPr lang="zh-CN" altLang="en-US" sz="1600" dirty="0"/>
+          </a:p>
+        </p:txBody>
+      </p:sp>
+      <p:sp>
+        <p:nvSpPr>
+          <p:cNvPr id="748" name="TextBox 747">
+            <a:extLst>
+              <a:ext uri="{FF2B5EF4-FFF2-40B4-BE49-F238E27FC236}">
+                <a16:creationId xmlns:a16="http://schemas.microsoft.com/office/drawing/2014/main" id="{1848E16E-AF1D-4A79-B282-07B46D80E6A8}"/>
+              </a:ext>
+            </a:extLst>
+          </p:cNvPr>
+          <p:cNvSpPr txBox="1"/>
+          <p:nvPr/>
+        </p:nvSpPr>
+        <p:spPr>
+          <a:xfrm>
+            <a:off x="6397029" y="22142414"/>
+            <a:ext cx="582229" cy="338554"/>
+          </a:xfrm>
+          <a:prstGeom prst="rect">
+            <a:avLst/>
+          </a:prstGeom>
+          <a:noFill/>
+        </p:spPr>
+        <p:txBody>
+          <a:bodyPr wrap="none" rtlCol="0">
+            <a:spAutoFit/>
+          </a:bodyPr>
+          <a:lstStyle/>
+          <a:p>
+            <a:pPr algn="ctr"/>
+            <a:r>
+              <a:rPr lang="en-US" altLang="zh-CN" sz="1600" dirty="0"/>
+              <a:t>2.68</a:t>
+            </a:r>
+            <a:endParaRPr lang="zh-CN" altLang="en-US" sz="1600" dirty="0"/>
+          </a:p>
+        </p:txBody>
+      </p:sp>
+      <p:grpSp>
+        <p:nvGrpSpPr>
+          <p:cNvPr id="733" name="Group 732">
+            <a:extLst>
+              <a:ext uri="{FF2B5EF4-FFF2-40B4-BE49-F238E27FC236}">
+                <a16:creationId xmlns:a16="http://schemas.microsoft.com/office/drawing/2014/main" id="{E790BA63-2D2B-4E2A-9600-E0C5366069EC}"/>
+              </a:ext>
+            </a:extLst>
+          </p:cNvPr>
+          <p:cNvGrpSpPr/>
+          <p:nvPr/>
+        </p:nvGrpSpPr>
+        <p:grpSpPr>
+          <a:xfrm>
+            <a:off x="7429639" y="22554750"/>
+            <a:ext cx="2031711" cy="409364"/>
+            <a:chOff x="6804151" y="22693022"/>
+            <a:chExt cx="1914181" cy="409364"/>
+          </a:xfrm>
+        </p:grpSpPr>
+        <p:sp>
+          <p:nvSpPr>
+            <p:cNvPr id="743" name="TextBox 742">
               <a:extLst>
                 <a:ext uri="{FF2B5EF4-FFF2-40B4-BE49-F238E27FC236}">
-                  <a16:creationId xmlns:a16="http://schemas.microsoft.com/office/drawing/2014/main" id="{3ADFE114-48A2-4F83-8B38-0FABD1536A49}"/>
+                  <a16:creationId xmlns:a16="http://schemas.microsoft.com/office/drawing/2014/main" id="{28C05E16-6151-45E6-820A-EC60A73DD599}"/>
                 </a:ext>
               </a:extLst>
             </p:cNvPr>
-            <p:cNvGrpSpPr/>
+            <p:cNvSpPr txBox="1"/>
             <p:nvPr/>
-          </p:nvGrpSpPr>
-          <p:grpSpPr>
+          </p:nvSpPr>
+          <p:spPr>
             <a:xfrm>
-              <a:off x="5831274" y="19731550"/>
-              <a:ext cx="551754" cy="2887690"/>
-              <a:chOff x="5831632" y="16016178"/>
-              <a:chExt cx="551754" cy="2887690"/>
+              <a:off x="6804151" y="22693022"/>
+              <a:ext cx="702115" cy="400110"/>
             </a:xfrm>
-          </p:grpSpPr>
-          <p:sp>
-            <p:nvSpPr>
-              <p:cNvPr id="745" name="TextBox 744">
-                <a:extLst>
-                  <a:ext uri="{FF2B5EF4-FFF2-40B4-BE49-F238E27FC236}">
-                    <a16:creationId xmlns:a16="http://schemas.microsoft.com/office/drawing/2014/main" id="{F6CA4215-ED02-4E2A-A870-C7A8A83DF2D2}"/>
-                  </a:ext>
-                </a:extLst>
-              </p:cNvPr>
-              <p:cNvSpPr txBox="1"/>
-              <p:nvPr/>
-            </p:nvSpPr>
-            <p:spPr>
-              <a:xfrm>
-                <a:off x="5831632" y="16016178"/>
-                <a:ext cx="551754" cy="338554"/>
-              </a:xfrm>
-              <a:prstGeom prst="rect">
-                <a:avLst/>
-              </a:prstGeom>
-              <a:noFill/>
-            </p:spPr>
-            <p:txBody>
-              <a:bodyPr wrap="none" rtlCol="0">
-                <a:spAutoFit/>
-              </a:bodyPr>
-              <a:lstStyle/>
-              <a:p>
-                <a:pPr algn="ctr"/>
-                <a:r>
-                  <a:rPr lang="en-US" altLang="zh-CN" sz="1600" dirty="0"/>
-                  <a:t>2.80</a:t>
-                </a:r>
-                <a:endParaRPr lang="zh-CN" altLang="en-US" sz="1600" dirty="0"/>
-              </a:p>
-            </p:txBody>
-          </p:sp>
-          <p:sp>
-            <p:nvSpPr>
-              <p:cNvPr id="746" name="TextBox 745">
-                <a:extLst>
-                  <a:ext uri="{FF2B5EF4-FFF2-40B4-BE49-F238E27FC236}">
-                    <a16:creationId xmlns:a16="http://schemas.microsoft.com/office/drawing/2014/main" id="{056871E2-FAE7-47DC-9EE9-68FE9F4B0BB8}"/>
-                  </a:ext>
-                </a:extLst>
-              </p:cNvPr>
-              <p:cNvSpPr txBox="1"/>
-              <p:nvPr/>
-            </p:nvSpPr>
-            <p:spPr>
-              <a:xfrm>
-                <a:off x="5833236" y="16865890"/>
-                <a:ext cx="548548" cy="338554"/>
-              </a:xfrm>
-              <a:prstGeom prst="rect">
-                <a:avLst/>
-              </a:prstGeom>
-              <a:noFill/>
-            </p:spPr>
-            <p:txBody>
-              <a:bodyPr wrap="none" rtlCol="0">
-                <a:spAutoFit/>
-              </a:bodyPr>
-              <a:lstStyle/>
-              <a:p>
-                <a:pPr algn="ctr"/>
-                <a:r>
-                  <a:rPr lang="en-US" altLang="zh-CN" sz="1600" dirty="0"/>
-                  <a:t>2.76</a:t>
-                </a:r>
-                <a:endParaRPr lang="zh-CN" altLang="en-US" sz="1600" dirty="0"/>
-              </a:p>
-            </p:txBody>
-          </p:sp>
-          <p:sp>
-            <p:nvSpPr>
-              <p:cNvPr id="747" name="TextBox 746">
-                <a:extLst>
-                  <a:ext uri="{FF2B5EF4-FFF2-40B4-BE49-F238E27FC236}">
-                    <a16:creationId xmlns:a16="http://schemas.microsoft.com/office/drawing/2014/main" id="{C355DC1F-0CC5-4617-924F-740779813C55}"/>
-                  </a:ext>
-                </a:extLst>
-              </p:cNvPr>
-              <p:cNvSpPr txBox="1"/>
-              <p:nvPr/>
-            </p:nvSpPr>
-            <p:spPr>
-              <a:xfrm>
-                <a:off x="5833237" y="17715602"/>
-                <a:ext cx="548548" cy="338554"/>
-              </a:xfrm>
-              <a:prstGeom prst="rect">
-                <a:avLst/>
-              </a:prstGeom>
-              <a:noFill/>
-            </p:spPr>
-            <p:txBody>
-              <a:bodyPr wrap="none" rtlCol="0">
-                <a:spAutoFit/>
-              </a:bodyPr>
-              <a:lstStyle/>
-              <a:p>
-                <a:pPr algn="ctr"/>
-                <a:r>
-                  <a:rPr lang="en-US" altLang="zh-CN" sz="1600" dirty="0"/>
-                  <a:t>2.72</a:t>
-                </a:r>
-                <a:endParaRPr lang="zh-CN" altLang="en-US" sz="1600" dirty="0"/>
-              </a:p>
-            </p:txBody>
-          </p:sp>
-          <p:sp>
-            <p:nvSpPr>
-              <p:cNvPr id="748" name="TextBox 747">
-                <a:extLst>
-                  <a:ext uri="{FF2B5EF4-FFF2-40B4-BE49-F238E27FC236}">
-                    <a16:creationId xmlns:a16="http://schemas.microsoft.com/office/drawing/2014/main" id="{1848E16E-AF1D-4A79-B282-07B46D80E6A8}"/>
-                  </a:ext>
-                </a:extLst>
-              </p:cNvPr>
-              <p:cNvSpPr txBox="1"/>
-              <p:nvPr/>
-            </p:nvSpPr>
-            <p:spPr>
-              <a:xfrm>
-                <a:off x="5831633" y="18565314"/>
-                <a:ext cx="548548" cy="338554"/>
-              </a:xfrm>
-              <a:prstGeom prst="rect">
-                <a:avLst/>
-              </a:prstGeom>
-              <a:noFill/>
-            </p:spPr>
-            <p:txBody>
-              <a:bodyPr wrap="none" rtlCol="0">
-                <a:spAutoFit/>
-              </a:bodyPr>
-              <a:lstStyle/>
-              <a:p>
-                <a:pPr algn="ctr"/>
-                <a:r>
-                  <a:rPr lang="en-US" altLang="zh-CN" sz="1600" dirty="0"/>
-                  <a:t>2.68</a:t>
-                </a:r>
-                <a:endParaRPr lang="zh-CN" altLang="en-US" sz="1600" dirty="0"/>
-              </a:p>
-            </p:txBody>
-          </p:sp>
-        </p:grpSp>
-        <p:grpSp>
-          <p:nvGrpSpPr>
-            <p:cNvPr id="732" name="Group 731">
+            <a:prstGeom prst="rect">
+              <a:avLst/>
+            </a:prstGeom>
+            <a:noFill/>
+          </p:spPr>
+          <p:txBody>
+            <a:bodyPr wrap="none" rtlCol="0">
+              <a:spAutoFit/>
+            </a:bodyPr>
+            <a:lstStyle/>
+            <a:p>
+              <a:pPr algn="ctr"/>
+              <a:r>
+                <a:rPr lang="en-US" altLang="zh-CN" sz="2000" b="1" dirty="0"/>
+                <a:t>CTRL</a:t>
+              </a:r>
+              <a:endParaRPr lang="zh-CN" altLang="en-US" sz="2000" b="1" dirty="0"/>
+            </a:p>
+          </p:txBody>
+        </p:sp>
+        <p:sp>
+          <p:nvSpPr>
+            <p:cNvPr id="744" name="TextBox 743">
               <a:extLst>
                 <a:ext uri="{FF2B5EF4-FFF2-40B4-BE49-F238E27FC236}">
-                  <a16:creationId xmlns:a16="http://schemas.microsoft.com/office/drawing/2014/main" id="{829458CD-283D-4D71-95A6-255CF0A8FECE}"/>
+                  <a16:creationId xmlns:a16="http://schemas.microsoft.com/office/drawing/2014/main" id="{B82C0FB1-6096-43C3-941E-57745D2791D7}"/>
                 </a:ext>
               </a:extLst>
             </p:cNvPr>
-            <p:cNvGrpSpPr/>
+            <p:cNvSpPr txBox="1"/>
             <p:nvPr/>
-          </p:nvGrpSpPr>
-          <p:grpSpPr>
+          </p:nvSpPr>
+          <p:spPr>
             <a:xfrm>
-              <a:off x="6804151" y="22683768"/>
-              <a:ext cx="10515289" cy="418618"/>
-              <a:chOff x="6804151" y="22683768"/>
-              <a:chExt cx="10515289" cy="418618"/>
+              <a:off x="8118744" y="22702276"/>
+              <a:ext cx="599588" cy="400110"/>
             </a:xfrm>
-          </p:grpSpPr>
-          <p:grpSp>
-            <p:nvGrpSpPr>
-              <p:cNvPr id="733" name="Group 732">
-                <a:extLst>
-                  <a:ext uri="{FF2B5EF4-FFF2-40B4-BE49-F238E27FC236}">
-                    <a16:creationId xmlns:a16="http://schemas.microsoft.com/office/drawing/2014/main" id="{E790BA63-2D2B-4E2A-9600-E0C5366069EC}"/>
-                  </a:ext>
-                </a:extLst>
-              </p:cNvPr>
-              <p:cNvGrpSpPr/>
-              <p:nvPr/>
-            </p:nvGrpSpPr>
-            <p:grpSpPr>
-              <a:xfrm>
-                <a:off x="6804151" y="22693022"/>
-                <a:ext cx="1914181" cy="409364"/>
-                <a:chOff x="6804151" y="22693022"/>
-                <a:chExt cx="1914181" cy="409364"/>
-              </a:xfrm>
-            </p:grpSpPr>
-            <p:sp>
-              <p:nvSpPr>
-                <p:cNvPr id="743" name="TextBox 742">
-                  <a:extLst>
-                    <a:ext uri="{FF2B5EF4-FFF2-40B4-BE49-F238E27FC236}">
-                      <a16:creationId xmlns:a16="http://schemas.microsoft.com/office/drawing/2014/main" id="{28C05E16-6151-45E6-820A-EC60A73DD599}"/>
-                    </a:ext>
-                  </a:extLst>
-                </p:cNvPr>
-                <p:cNvSpPr txBox="1"/>
-                <p:nvPr/>
-              </p:nvSpPr>
-              <p:spPr>
-                <a:xfrm>
-                  <a:off x="6804151" y="22693022"/>
-                  <a:ext cx="702115" cy="400110"/>
-                </a:xfrm>
-                <a:prstGeom prst="rect">
-                  <a:avLst/>
-                </a:prstGeom>
-                <a:noFill/>
-              </p:spPr>
-              <p:txBody>
-                <a:bodyPr wrap="none" rtlCol="0">
-                  <a:spAutoFit/>
-                </a:bodyPr>
-                <a:lstStyle/>
-                <a:p>
-                  <a:pPr algn="ctr"/>
-                  <a:r>
-                    <a:rPr lang="en-US" altLang="zh-CN" sz="2000" b="1" dirty="0"/>
-                    <a:t>CTRL</a:t>
-                  </a:r>
-                  <a:endParaRPr lang="zh-CN" altLang="en-US" sz="2000" b="1" dirty="0"/>
-                </a:p>
-              </p:txBody>
-            </p:sp>
-            <p:sp>
-              <p:nvSpPr>
-                <p:cNvPr id="744" name="TextBox 743">
-                  <a:extLst>
-                    <a:ext uri="{FF2B5EF4-FFF2-40B4-BE49-F238E27FC236}">
-                      <a16:creationId xmlns:a16="http://schemas.microsoft.com/office/drawing/2014/main" id="{B82C0FB1-6096-43C3-941E-57745D2791D7}"/>
-                    </a:ext>
-                  </a:extLst>
-                </p:cNvPr>
-                <p:cNvSpPr txBox="1"/>
-                <p:nvPr/>
-              </p:nvSpPr>
-              <p:spPr>
-                <a:xfrm>
-                  <a:off x="8118744" y="22702276"/>
-                  <a:ext cx="599588" cy="400110"/>
-                </a:xfrm>
-                <a:prstGeom prst="rect">
-                  <a:avLst/>
-                </a:prstGeom>
-                <a:noFill/>
-              </p:spPr>
-              <p:txBody>
-                <a:bodyPr wrap="none" rtlCol="0">
-                  <a:spAutoFit/>
-                </a:bodyPr>
-                <a:lstStyle/>
-                <a:p>
-                  <a:pPr algn="ctr"/>
-                  <a:r>
-                    <a:rPr lang="en-US" altLang="zh-CN" sz="2000" b="1" dirty="0"/>
-                    <a:t>CRC</a:t>
-                  </a:r>
-                  <a:endParaRPr lang="zh-CN" altLang="en-US" sz="2000" b="1" dirty="0"/>
-                </a:p>
-              </p:txBody>
-            </p:sp>
-          </p:grpSp>
-          <p:grpSp>
-            <p:nvGrpSpPr>
-              <p:cNvPr id="734" name="Group 733">
-                <a:extLst>
-                  <a:ext uri="{FF2B5EF4-FFF2-40B4-BE49-F238E27FC236}">
-                    <a16:creationId xmlns:a16="http://schemas.microsoft.com/office/drawing/2014/main" id="{CEF9059A-7ECF-4F8A-8A81-DA5BDC5AEDB8}"/>
-                  </a:ext>
-                </a:extLst>
-              </p:cNvPr>
-              <p:cNvGrpSpPr/>
-              <p:nvPr/>
-            </p:nvGrpSpPr>
-            <p:grpSpPr>
-              <a:xfrm>
-                <a:off x="9671187" y="22693022"/>
-                <a:ext cx="1914181" cy="409364"/>
-                <a:chOff x="6804151" y="22693022"/>
-                <a:chExt cx="1914181" cy="409364"/>
-              </a:xfrm>
-            </p:grpSpPr>
-            <p:sp>
-              <p:nvSpPr>
-                <p:cNvPr id="741" name="TextBox 740">
-                  <a:extLst>
-                    <a:ext uri="{FF2B5EF4-FFF2-40B4-BE49-F238E27FC236}">
-                      <a16:creationId xmlns:a16="http://schemas.microsoft.com/office/drawing/2014/main" id="{C619D96B-45A0-4511-8D97-878A60737667}"/>
-                    </a:ext>
-                  </a:extLst>
-                </p:cNvPr>
-                <p:cNvSpPr txBox="1"/>
-                <p:nvPr/>
-              </p:nvSpPr>
-              <p:spPr>
-                <a:xfrm>
-                  <a:off x="6804151" y="22693022"/>
-                  <a:ext cx="702115" cy="400110"/>
-                </a:xfrm>
-                <a:prstGeom prst="rect">
-                  <a:avLst/>
-                </a:prstGeom>
-                <a:noFill/>
-              </p:spPr>
-              <p:txBody>
-                <a:bodyPr wrap="none" rtlCol="0">
-                  <a:spAutoFit/>
-                </a:bodyPr>
-                <a:lstStyle/>
-                <a:p>
-                  <a:pPr algn="ctr"/>
-                  <a:r>
-                    <a:rPr lang="en-US" altLang="zh-CN" sz="2000" b="1" dirty="0"/>
-                    <a:t>CTRL</a:t>
-                  </a:r>
-                  <a:endParaRPr lang="zh-CN" altLang="en-US" sz="2000" b="1" dirty="0"/>
-                </a:p>
-              </p:txBody>
-            </p:sp>
-            <p:sp>
-              <p:nvSpPr>
-                <p:cNvPr id="742" name="TextBox 741">
-                  <a:extLst>
-                    <a:ext uri="{FF2B5EF4-FFF2-40B4-BE49-F238E27FC236}">
-                      <a16:creationId xmlns:a16="http://schemas.microsoft.com/office/drawing/2014/main" id="{CB12ED69-EFAD-47D6-AB37-62FF50BF7F08}"/>
-                    </a:ext>
-                  </a:extLst>
-                </p:cNvPr>
-                <p:cNvSpPr txBox="1"/>
-                <p:nvPr/>
-              </p:nvSpPr>
-              <p:spPr>
-                <a:xfrm>
-                  <a:off x="8118744" y="22702276"/>
-                  <a:ext cx="599588" cy="400110"/>
-                </a:xfrm>
-                <a:prstGeom prst="rect">
-                  <a:avLst/>
-                </a:prstGeom>
-                <a:noFill/>
-              </p:spPr>
-              <p:txBody>
-                <a:bodyPr wrap="none" rtlCol="0">
-                  <a:spAutoFit/>
-                </a:bodyPr>
-                <a:lstStyle/>
-                <a:p>
-                  <a:pPr algn="ctr"/>
-                  <a:r>
-                    <a:rPr lang="en-US" altLang="zh-CN" sz="2000" b="1" dirty="0"/>
-                    <a:t>CRC</a:t>
-                  </a:r>
-                  <a:endParaRPr lang="zh-CN" altLang="en-US" sz="2000" b="1" dirty="0"/>
-                </a:p>
-              </p:txBody>
-            </p:sp>
-          </p:grpSp>
-          <p:grpSp>
-            <p:nvGrpSpPr>
-              <p:cNvPr id="735" name="Group 734">
-                <a:extLst>
-                  <a:ext uri="{FF2B5EF4-FFF2-40B4-BE49-F238E27FC236}">
-                    <a16:creationId xmlns:a16="http://schemas.microsoft.com/office/drawing/2014/main" id="{304791D6-97C9-4988-B2D8-03E6E44E9D5D}"/>
-                  </a:ext>
-                </a:extLst>
-              </p:cNvPr>
-              <p:cNvGrpSpPr/>
-              <p:nvPr/>
-            </p:nvGrpSpPr>
-            <p:grpSpPr>
-              <a:xfrm>
-                <a:off x="12538223" y="22683768"/>
-                <a:ext cx="1914181" cy="409364"/>
-                <a:chOff x="6804151" y="22693022"/>
-                <a:chExt cx="1914181" cy="409364"/>
-              </a:xfrm>
-            </p:grpSpPr>
-            <p:sp>
-              <p:nvSpPr>
-                <p:cNvPr id="739" name="TextBox 738">
-                  <a:extLst>
-                    <a:ext uri="{FF2B5EF4-FFF2-40B4-BE49-F238E27FC236}">
-                      <a16:creationId xmlns:a16="http://schemas.microsoft.com/office/drawing/2014/main" id="{6FB4BF8A-B063-4013-86D4-573F37F2C091}"/>
-                    </a:ext>
-                  </a:extLst>
-                </p:cNvPr>
-                <p:cNvSpPr txBox="1"/>
-                <p:nvPr/>
-              </p:nvSpPr>
-              <p:spPr>
-                <a:xfrm>
-                  <a:off x="6804151" y="22693022"/>
-                  <a:ext cx="702115" cy="400110"/>
-                </a:xfrm>
-                <a:prstGeom prst="rect">
-                  <a:avLst/>
-                </a:prstGeom>
-                <a:noFill/>
-              </p:spPr>
-              <p:txBody>
-                <a:bodyPr wrap="none" rtlCol="0">
-                  <a:spAutoFit/>
-                </a:bodyPr>
-                <a:lstStyle/>
-                <a:p>
-                  <a:pPr algn="ctr"/>
-                  <a:r>
-                    <a:rPr lang="en-US" altLang="zh-CN" sz="2000" b="1" dirty="0"/>
-                    <a:t>CTRL</a:t>
-                  </a:r>
-                  <a:endParaRPr lang="zh-CN" altLang="en-US" sz="2000" b="1" dirty="0"/>
-                </a:p>
-              </p:txBody>
-            </p:sp>
-            <p:sp>
-              <p:nvSpPr>
-                <p:cNvPr id="740" name="TextBox 739">
-                  <a:extLst>
-                    <a:ext uri="{FF2B5EF4-FFF2-40B4-BE49-F238E27FC236}">
-                      <a16:creationId xmlns:a16="http://schemas.microsoft.com/office/drawing/2014/main" id="{73495616-A1D5-4ACB-A298-B3D5016D343E}"/>
-                    </a:ext>
-                  </a:extLst>
-                </p:cNvPr>
-                <p:cNvSpPr txBox="1"/>
-                <p:nvPr/>
-              </p:nvSpPr>
-              <p:spPr>
-                <a:xfrm>
-                  <a:off x="8118744" y="22702276"/>
-                  <a:ext cx="599588" cy="400110"/>
-                </a:xfrm>
-                <a:prstGeom prst="rect">
-                  <a:avLst/>
-                </a:prstGeom>
-                <a:noFill/>
-              </p:spPr>
-              <p:txBody>
-                <a:bodyPr wrap="none" rtlCol="0">
-                  <a:spAutoFit/>
-                </a:bodyPr>
-                <a:lstStyle/>
-                <a:p>
-                  <a:pPr algn="ctr"/>
-                  <a:r>
-                    <a:rPr lang="en-US" altLang="zh-CN" sz="2000" b="1" dirty="0"/>
-                    <a:t>CRC</a:t>
-                  </a:r>
-                  <a:endParaRPr lang="zh-CN" altLang="en-US" sz="2000" b="1" dirty="0"/>
-                </a:p>
-              </p:txBody>
-            </p:sp>
-          </p:grpSp>
-          <p:grpSp>
-            <p:nvGrpSpPr>
-              <p:cNvPr id="736" name="Group 735">
-                <a:extLst>
-                  <a:ext uri="{FF2B5EF4-FFF2-40B4-BE49-F238E27FC236}">
-                    <a16:creationId xmlns:a16="http://schemas.microsoft.com/office/drawing/2014/main" id="{7EAED26C-1CFE-47C9-8EC1-EE30C6362B58}"/>
-                  </a:ext>
-                </a:extLst>
-              </p:cNvPr>
-              <p:cNvGrpSpPr/>
-              <p:nvPr/>
-            </p:nvGrpSpPr>
-            <p:grpSpPr>
-              <a:xfrm>
-                <a:off x="15405259" y="22683768"/>
-                <a:ext cx="1914181" cy="409364"/>
-                <a:chOff x="6804151" y="22693022"/>
-                <a:chExt cx="1914181" cy="409364"/>
-              </a:xfrm>
-            </p:grpSpPr>
-            <p:sp>
-              <p:nvSpPr>
-                <p:cNvPr id="737" name="TextBox 736">
-                  <a:extLst>
-                    <a:ext uri="{FF2B5EF4-FFF2-40B4-BE49-F238E27FC236}">
-                      <a16:creationId xmlns:a16="http://schemas.microsoft.com/office/drawing/2014/main" id="{D7F67ACA-DD6B-4348-9281-28A1507B8108}"/>
-                    </a:ext>
-                  </a:extLst>
-                </p:cNvPr>
-                <p:cNvSpPr txBox="1"/>
-                <p:nvPr/>
-              </p:nvSpPr>
-              <p:spPr>
-                <a:xfrm>
-                  <a:off x="6804151" y="22693022"/>
-                  <a:ext cx="702115" cy="400110"/>
-                </a:xfrm>
-                <a:prstGeom prst="rect">
-                  <a:avLst/>
-                </a:prstGeom>
-                <a:noFill/>
-              </p:spPr>
-              <p:txBody>
-                <a:bodyPr wrap="none" rtlCol="0">
-                  <a:spAutoFit/>
-                </a:bodyPr>
-                <a:lstStyle/>
-                <a:p>
-                  <a:pPr algn="ctr"/>
-                  <a:r>
-                    <a:rPr lang="en-US" altLang="zh-CN" sz="2000" b="1" dirty="0"/>
-                    <a:t>CTRL</a:t>
-                  </a:r>
-                  <a:endParaRPr lang="zh-CN" altLang="en-US" sz="2000" b="1" dirty="0"/>
-                </a:p>
-              </p:txBody>
-            </p:sp>
-            <p:sp>
-              <p:nvSpPr>
-                <p:cNvPr id="738" name="TextBox 737">
-                  <a:extLst>
-                    <a:ext uri="{FF2B5EF4-FFF2-40B4-BE49-F238E27FC236}">
-                      <a16:creationId xmlns:a16="http://schemas.microsoft.com/office/drawing/2014/main" id="{9D5BAA0F-EB09-4C98-8103-5386148F2BF5}"/>
-                    </a:ext>
-                  </a:extLst>
-                </p:cNvPr>
-                <p:cNvSpPr txBox="1"/>
-                <p:nvPr/>
-              </p:nvSpPr>
-              <p:spPr>
-                <a:xfrm>
-                  <a:off x="8118744" y="22702276"/>
-                  <a:ext cx="599588" cy="400110"/>
-                </a:xfrm>
-                <a:prstGeom prst="rect">
-                  <a:avLst/>
-                </a:prstGeom>
-                <a:noFill/>
-              </p:spPr>
-              <p:txBody>
-                <a:bodyPr wrap="none" rtlCol="0">
-                  <a:spAutoFit/>
-                </a:bodyPr>
-                <a:lstStyle/>
-                <a:p>
-                  <a:pPr algn="ctr"/>
-                  <a:r>
-                    <a:rPr lang="en-US" altLang="zh-CN" sz="2000" b="1" dirty="0"/>
-                    <a:t>CRC</a:t>
-                  </a:r>
-                  <a:endParaRPr lang="zh-CN" altLang="en-US" sz="2000" b="1" dirty="0"/>
-                </a:p>
-              </p:txBody>
-            </p:sp>
-          </p:grpSp>
-        </p:grpSp>
+            <a:prstGeom prst="rect">
+              <a:avLst/>
+            </a:prstGeom>
+            <a:noFill/>
+          </p:spPr>
+          <p:txBody>
+            <a:bodyPr wrap="none" rtlCol="0">
+              <a:spAutoFit/>
+            </a:bodyPr>
+            <a:lstStyle/>
+            <a:p>
+              <a:pPr algn="ctr"/>
+              <a:r>
+                <a:rPr lang="en-US" altLang="zh-CN" sz="2000" b="1" dirty="0"/>
+                <a:t>CRC</a:t>
+              </a:r>
+              <a:endParaRPr lang="zh-CN" altLang="en-US" sz="2000" b="1" dirty="0"/>
+            </a:p>
+          </p:txBody>
+        </p:sp>
+      </p:grpSp>
+      <p:grpSp>
+        <p:nvGrpSpPr>
+          <p:cNvPr id="734" name="Group 733">
+            <a:extLst>
+              <a:ext uri="{FF2B5EF4-FFF2-40B4-BE49-F238E27FC236}">
+                <a16:creationId xmlns:a16="http://schemas.microsoft.com/office/drawing/2014/main" id="{CEF9059A-7ECF-4F8A-8A81-DA5BDC5AEDB8}"/>
+              </a:ext>
+            </a:extLst>
+          </p:cNvPr>
+          <p:cNvGrpSpPr/>
+          <p:nvPr/>
+        </p:nvGrpSpPr>
+        <p:grpSpPr>
+          <a:xfrm>
+            <a:off x="10472711" y="22554750"/>
+            <a:ext cx="2031711" cy="409364"/>
+            <a:chOff x="6804151" y="22693022"/>
+            <a:chExt cx="1914181" cy="409364"/>
+          </a:xfrm>
+        </p:grpSpPr>
+        <p:sp>
+          <p:nvSpPr>
+            <p:cNvPr id="741" name="TextBox 740">
+              <a:extLst>
+                <a:ext uri="{FF2B5EF4-FFF2-40B4-BE49-F238E27FC236}">
+                  <a16:creationId xmlns:a16="http://schemas.microsoft.com/office/drawing/2014/main" id="{C619D96B-45A0-4511-8D97-878A60737667}"/>
+                </a:ext>
+              </a:extLst>
+            </p:cNvPr>
+            <p:cNvSpPr txBox="1"/>
+            <p:nvPr/>
+          </p:nvSpPr>
+          <p:spPr>
+            <a:xfrm>
+              <a:off x="6804151" y="22693022"/>
+              <a:ext cx="702115" cy="400110"/>
+            </a:xfrm>
+            <a:prstGeom prst="rect">
+              <a:avLst/>
+            </a:prstGeom>
+            <a:noFill/>
+          </p:spPr>
+          <p:txBody>
+            <a:bodyPr wrap="none" rtlCol="0">
+              <a:spAutoFit/>
+            </a:bodyPr>
+            <a:lstStyle/>
+            <a:p>
+              <a:pPr algn="ctr"/>
+              <a:r>
+                <a:rPr lang="en-US" altLang="zh-CN" sz="2000" b="1" dirty="0"/>
+                <a:t>CTRL</a:t>
+              </a:r>
+              <a:endParaRPr lang="zh-CN" altLang="en-US" sz="2000" b="1" dirty="0"/>
+            </a:p>
+          </p:txBody>
+        </p:sp>
+        <p:sp>
+          <p:nvSpPr>
+            <p:cNvPr id="742" name="TextBox 741">
+              <a:extLst>
+                <a:ext uri="{FF2B5EF4-FFF2-40B4-BE49-F238E27FC236}">
+                  <a16:creationId xmlns:a16="http://schemas.microsoft.com/office/drawing/2014/main" id="{CB12ED69-EFAD-47D6-AB37-62FF50BF7F08}"/>
+                </a:ext>
+              </a:extLst>
+            </p:cNvPr>
+            <p:cNvSpPr txBox="1"/>
+            <p:nvPr/>
+          </p:nvSpPr>
+          <p:spPr>
+            <a:xfrm>
+              <a:off x="8118744" y="22702276"/>
+              <a:ext cx="599588" cy="400110"/>
+            </a:xfrm>
+            <a:prstGeom prst="rect">
+              <a:avLst/>
+            </a:prstGeom>
+            <a:noFill/>
+          </p:spPr>
+          <p:txBody>
+            <a:bodyPr wrap="none" rtlCol="0">
+              <a:spAutoFit/>
+            </a:bodyPr>
+            <a:lstStyle/>
+            <a:p>
+              <a:pPr algn="ctr"/>
+              <a:r>
+                <a:rPr lang="en-US" altLang="zh-CN" sz="2000" b="1" dirty="0"/>
+                <a:t>CRC</a:t>
+              </a:r>
+              <a:endParaRPr lang="zh-CN" altLang="en-US" sz="2000" b="1" dirty="0"/>
+            </a:p>
+          </p:txBody>
+        </p:sp>
+      </p:grpSp>
+      <p:grpSp>
+        <p:nvGrpSpPr>
+          <p:cNvPr id="735" name="Group 734">
+            <a:extLst>
+              <a:ext uri="{FF2B5EF4-FFF2-40B4-BE49-F238E27FC236}">
+                <a16:creationId xmlns:a16="http://schemas.microsoft.com/office/drawing/2014/main" id="{304791D6-97C9-4988-B2D8-03E6E44E9D5D}"/>
+              </a:ext>
+            </a:extLst>
+          </p:cNvPr>
+          <p:cNvGrpSpPr/>
+          <p:nvPr/>
+        </p:nvGrpSpPr>
+        <p:grpSpPr>
+          <a:xfrm>
+            <a:off x="13515782" y="22545496"/>
+            <a:ext cx="2031711" cy="409364"/>
+            <a:chOff x="6804151" y="22693022"/>
+            <a:chExt cx="1914181" cy="409364"/>
+          </a:xfrm>
+        </p:grpSpPr>
+        <p:sp>
+          <p:nvSpPr>
+            <p:cNvPr id="739" name="TextBox 738">
+              <a:extLst>
+                <a:ext uri="{FF2B5EF4-FFF2-40B4-BE49-F238E27FC236}">
+                  <a16:creationId xmlns:a16="http://schemas.microsoft.com/office/drawing/2014/main" id="{6FB4BF8A-B063-4013-86D4-573F37F2C091}"/>
+                </a:ext>
+              </a:extLst>
+            </p:cNvPr>
+            <p:cNvSpPr txBox="1"/>
+            <p:nvPr/>
+          </p:nvSpPr>
+          <p:spPr>
+            <a:xfrm>
+              <a:off x="6804151" y="22693022"/>
+              <a:ext cx="702115" cy="400110"/>
+            </a:xfrm>
+            <a:prstGeom prst="rect">
+              <a:avLst/>
+            </a:prstGeom>
+            <a:noFill/>
+          </p:spPr>
+          <p:txBody>
+            <a:bodyPr wrap="none" rtlCol="0">
+              <a:spAutoFit/>
+            </a:bodyPr>
+            <a:lstStyle/>
+            <a:p>
+              <a:pPr algn="ctr"/>
+              <a:r>
+                <a:rPr lang="en-US" altLang="zh-CN" sz="2000" b="1" dirty="0"/>
+                <a:t>CTRL</a:t>
+              </a:r>
+              <a:endParaRPr lang="zh-CN" altLang="en-US" sz="2000" b="1" dirty="0"/>
+            </a:p>
+          </p:txBody>
+        </p:sp>
+        <p:sp>
+          <p:nvSpPr>
+            <p:cNvPr id="740" name="TextBox 739">
+              <a:extLst>
+                <a:ext uri="{FF2B5EF4-FFF2-40B4-BE49-F238E27FC236}">
+                  <a16:creationId xmlns:a16="http://schemas.microsoft.com/office/drawing/2014/main" id="{73495616-A1D5-4ACB-A298-B3D5016D343E}"/>
+                </a:ext>
+              </a:extLst>
+            </p:cNvPr>
+            <p:cNvSpPr txBox="1"/>
+            <p:nvPr/>
+          </p:nvSpPr>
+          <p:spPr>
+            <a:xfrm>
+              <a:off x="8118744" y="22702276"/>
+              <a:ext cx="599588" cy="400110"/>
+            </a:xfrm>
+            <a:prstGeom prst="rect">
+              <a:avLst/>
+            </a:prstGeom>
+            <a:noFill/>
+          </p:spPr>
+          <p:txBody>
+            <a:bodyPr wrap="none" rtlCol="0">
+              <a:spAutoFit/>
+            </a:bodyPr>
+            <a:lstStyle/>
+            <a:p>
+              <a:pPr algn="ctr"/>
+              <a:r>
+                <a:rPr lang="en-US" altLang="zh-CN" sz="2000" b="1" dirty="0"/>
+                <a:t>CRC</a:t>
+              </a:r>
+              <a:endParaRPr lang="zh-CN" altLang="en-US" sz="2000" b="1" dirty="0"/>
+            </a:p>
+          </p:txBody>
+        </p:sp>
+      </p:grpSp>
+      <p:grpSp>
+        <p:nvGrpSpPr>
+          <p:cNvPr id="736" name="Group 735">
+            <a:extLst>
+              <a:ext uri="{FF2B5EF4-FFF2-40B4-BE49-F238E27FC236}">
+                <a16:creationId xmlns:a16="http://schemas.microsoft.com/office/drawing/2014/main" id="{7EAED26C-1CFE-47C9-8EC1-EE30C6362B58}"/>
+              </a:ext>
+            </a:extLst>
+          </p:cNvPr>
+          <p:cNvGrpSpPr/>
+          <p:nvPr/>
+        </p:nvGrpSpPr>
+        <p:grpSpPr>
+          <a:xfrm>
+            <a:off x="16558854" y="22545496"/>
+            <a:ext cx="2031711" cy="409364"/>
+            <a:chOff x="6804151" y="22693022"/>
+            <a:chExt cx="1914181" cy="409364"/>
+          </a:xfrm>
+        </p:grpSpPr>
+        <p:sp>
+          <p:nvSpPr>
+            <p:cNvPr id="737" name="TextBox 736">
+              <a:extLst>
+                <a:ext uri="{FF2B5EF4-FFF2-40B4-BE49-F238E27FC236}">
+                  <a16:creationId xmlns:a16="http://schemas.microsoft.com/office/drawing/2014/main" id="{D7F67ACA-DD6B-4348-9281-28A1507B8108}"/>
+                </a:ext>
+              </a:extLst>
+            </p:cNvPr>
+            <p:cNvSpPr txBox="1"/>
+            <p:nvPr/>
+          </p:nvSpPr>
+          <p:spPr>
+            <a:xfrm>
+              <a:off x="6804151" y="22693022"/>
+              <a:ext cx="702115" cy="400110"/>
+            </a:xfrm>
+            <a:prstGeom prst="rect">
+              <a:avLst/>
+            </a:prstGeom>
+            <a:noFill/>
+          </p:spPr>
+          <p:txBody>
+            <a:bodyPr wrap="none" rtlCol="0">
+              <a:spAutoFit/>
+            </a:bodyPr>
+            <a:lstStyle/>
+            <a:p>
+              <a:pPr algn="ctr"/>
+              <a:r>
+                <a:rPr lang="en-US" altLang="zh-CN" sz="2000" b="1" dirty="0"/>
+                <a:t>CTRL</a:t>
+              </a:r>
+              <a:endParaRPr lang="zh-CN" altLang="en-US" sz="2000" b="1" dirty="0"/>
+            </a:p>
+          </p:txBody>
+        </p:sp>
+        <p:sp>
+          <p:nvSpPr>
+            <p:cNvPr id="738" name="TextBox 737">
+              <a:extLst>
+                <a:ext uri="{FF2B5EF4-FFF2-40B4-BE49-F238E27FC236}">
+                  <a16:creationId xmlns:a16="http://schemas.microsoft.com/office/drawing/2014/main" id="{9D5BAA0F-EB09-4C98-8103-5386148F2BF5}"/>
+                </a:ext>
+              </a:extLst>
+            </p:cNvPr>
+            <p:cNvSpPr txBox="1"/>
+            <p:nvPr/>
+          </p:nvSpPr>
+          <p:spPr>
+            <a:xfrm>
+              <a:off x="8118744" y="22702276"/>
+              <a:ext cx="599588" cy="400110"/>
+            </a:xfrm>
+            <a:prstGeom prst="rect">
+              <a:avLst/>
+            </a:prstGeom>
+            <a:noFill/>
+          </p:spPr>
+          <p:txBody>
+            <a:bodyPr wrap="none" rtlCol="0">
+              <a:spAutoFit/>
+            </a:bodyPr>
+            <a:lstStyle/>
+            <a:p>
+              <a:pPr algn="ctr"/>
+              <a:r>
+                <a:rPr lang="en-US" altLang="zh-CN" sz="2000" b="1" dirty="0"/>
+                <a:t>CRC</a:t>
+              </a:r>
+              <a:endParaRPr lang="zh-CN" altLang="en-US" sz="2000" b="1" dirty="0"/>
+            </a:p>
+          </p:txBody>
+        </p:sp>
       </p:grpSp>
       <p:sp>
         <p:nvSpPr>
@@ -7092,6 +6635,712 @@
           </a:p>
         </p:txBody>
       </p:sp>
+      <p:sp>
+        <p:nvSpPr>
+          <p:cNvPr id="2" name="Rectangle 1">
+            <a:extLst>
+              <a:ext uri="{FF2B5EF4-FFF2-40B4-BE49-F238E27FC236}">
+                <a16:creationId xmlns:a16="http://schemas.microsoft.com/office/drawing/2014/main" id="{DED302F1-E61C-4451-B188-8EE7935CFCFB}"/>
+              </a:ext>
+            </a:extLst>
+          </p:cNvPr>
+          <p:cNvSpPr/>
+          <p:nvPr/>
+        </p:nvSpPr>
+        <p:spPr>
+          <a:xfrm>
+            <a:off x="6998265" y="15187613"/>
+            <a:ext cx="2929166" cy="523220"/>
+          </a:xfrm>
+          <a:prstGeom prst="rect">
+            <a:avLst/>
+          </a:prstGeom>
+        </p:spPr>
+        <p:style>
+          <a:lnRef idx="2">
+            <a:schemeClr val="accent3">
+              <a:shade val="50000"/>
+            </a:schemeClr>
+          </a:lnRef>
+          <a:fillRef idx="1">
+            <a:schemeClr val="accent3"/>
+          </a:fillRef>
+          <a:effectRef idx="0">
+            <a:schemeClr val="accent3"/>
+          </a:effectRef>
+          <a:fontRef idx="minor">
+            <a:schemeClr val="lt1"/>
+          </a:fontRef>
+        </p:style>
+        <p:txBody>
+          <a:bodyPr rtlCol="0" anchor="ctr"/>
+          <a:lstStyle/>
+          <a:p>
+            <a:pPr algn="ctr"/>
+            <a:endParaRPr lang="zh-CN" altLang="en-US"/>
+          </a:p>
+        </p:txBody>
+      </p:sp>
+      <p:sp>
+        <p:nvSpPr>
+          <p:cNvPr id="132" name="Rectangle 131">
+            <a:extLst>
+              <a:ext uri="{FF2B5EF4-FFF2-40B4-BE49-F238E27FC236}">
+                <a16:creationId xmlns:a16="http://schemas.microsoft.com/office/drawing/2014/main" id="{97B7363F-CA64-4117-A684-661A8578C6C3}"/>
+              </a:ext>
+            </a:extLst>
+          </p:cNvPr>
+          <p:cNvSpPr/>
+          <p:nvPr/>
+        </p:nvSpPr>
+        <p:spPr>
+          <a:xfrm>
+            <a:off x="10022546" y="15192589"/>
+            <a:ext cx="2929166" cy="523220"/>
+          </a:xfrm>
+          <a:prstGeom prst="rect">
+            <a:avLst/>
+          </a:prstGeom>
+        </p:spPr>
+        <p:style>
+          <a:lnRef idx="2">
+            <a:schemeClr val="accent3">
+              <a:shade val="50000"/>
+            </a:schemeClr>
+          </a:lnRef>
+          <a:fillRef idx="1">
+            <a:schemeClr val="accent3"/>
+          </a:fillRef>
+          <a:effectRef idx="0">
+            <a:schemeClr val="accent3"/>
+          </a:effectRef>
+          <a:fontRef idx="minor">
+            <a:schemeClr val="lt1"/>
+          </a:fontRef>
+        </p:style>
+        <p:txBody>
+          <a:bodyPr rtlCol="0" anchor="ctr"/>
+          <a:lstStyle/>
+          <a:p>
+            <a:pPr algn="ctr"/>
+            <a:endParaRPr lang="zh-CN" altLang="en-US"/>
+          </a:p>
+        </p:txBody>
+      </p:sp>
+      <p:sp>
+        <p:nvSpPr>
+          <p:cNvPr id="133" name="Rectangle 132">
+            <a:extLst>
+              <a:ext uri="{FF2B5EF4-FFF2-40B4-BE49-F238E27FC236}">
+                <a16:creationId xmlns:a16="http://schemas.microsoft.com/office/drawing/2014/main" id="{15900B5A-326B-41FA-A0B0-D192B1D275C7}"/>
+              </a:ext>
+            </a:extLst>
+          </p:cNvPr>
+          <p:cNvSpPr/>
+          <p:nvPr/>
+        </p:nvSpPr>
+        <p:spPr>
+          <a:xfrm>
+            <a:off x="13049208" y="15192318"/>
+            <a:ext cx="2929166" cy="523220"/>
+          </a:xfrm>
+          <a:prstGeom prst="rect">
+            <a:avLst/>
+          </a:prstGeom>
+        </p:spPr>
+        <p:style>
+          <a:lnRef idx="2">
+            <a:schemeClr val="accent3">
+              <a:shade val="50000"/>
+            </a:schemeClr>
+          </a:lnRef>
+          <a:fillRef idx="1">
+            <a:schemeClr val="accent3"/>
+          </a:fillRef>
+          <a:effectRef idx="0">
+            <a:schemeClr val="accent3"/>
+          </a:effectRef>
+          <a:fontRef idx="minor">
+            <a:schemeClr val="lt1"/>
+          </a:fontRef>
+        </p:style>
+        <p:txBody>
+          <a:bodyPr rtlCol="0" anchor="ctr"/>
+          <a:lstStyle/>
+          <a:p>
+            <a:pPr algn="ctr"/>
+            <a:endParaRPr lang="zh-CN" altLang="en-US"/>
+          </a:p>
+        </p:txBody>
+      </p:sp>
+      <p:sp>
+        <p:nvSpPr>
+          <p:cNvPr id="134" name="Rectangle 133">
+            <a:extLst>
+              <a:ext uri="{FF2B5EF4-FFF2-40B4-BE49-F238E27FC236}">
+                <a16:creationId xmlns:a16="http://schemas.microsoft.com/office/drawing/2014/main" id="{75D691B9-9443-4278-95DD-1E01CCBF45C2}"/>
+              </a:ext>
+            </a:extLst>
+          </p:cNvPr>
+          <p:cNvSpPr/>
+          <p:nvPr/>
+        </p:nvSpPr>
+        <p:spPr>
+          <a:xfrm>
+            <a:off x="16077038" y="15191525"/>
+            <a:ext cx="2929166" cy="523220"/>
+          </a:xfrm>
+          <a:prstGeom prst="rect">
+            <a:avLst/>
+          </a:prstGeom>
+        </p:spPr>
+        <p:style>
+          <a:lnRef idx="2">
+            <a:schemeClr val="accent3">
+              <a:shade val="50000"/>
+            </a:schemeClr>
+          </a:lnRef>
+          <a:fillRef idx="1">
+            <a:schemeClr val="accent3"/>
+          </a:fillRef>
+          <a:effectRef idx="0">
+            <a:schemeClr val="accent3"/>
+          </a:effectRef>
+          <a:fontRef idx="minor">
+            <a:schemeClr val="lt1"/>
+          </a:fontRef>
+        </p:style>
+        <p:txBody>
+          <a:bodyPr rtlCol="0" anchor="ctr"/>
+          <a:lstStyle/>
+          <a:p>
+            <a:pPr algn="ctr"/>
+            <a:endParaRPr lang="zh-CN" altLang="en-US"/>
+          </a:p>
+        </p:txBody>
+      </p:sp>
+      <p:grpSp>
+        <p:nvGrpSpPr>
+          <p:cNvPr id="754" name="Group 753">
+            <a:extLst>
+              <a:ext uri="{FF2B5EF4-FFF2-40B4-BE49-F238E27FC236}">
+                <a16:creationId xmlns:a16="http://schemas.microsoft.com/office/drawing/2014/main" id="{E9EEFBFA-7386-4E9C-A5AB-E825FAF7D060}"/>
+              </a:ext>
+            </a:extLst>
+          </p:cNvPr>
+          <p:cNvGrpSpPr/>
+          <p:nvPr/>
+        </p:nvGrpSpPr>
+        <p:grpSpPr>
+          <a:xfrm>
+            <a:off x="7151882" y="15204964"/>
+            <a:ext cx="11979607" cy="477054"/>
+            <a:chOff x="6542461" y="15343236"/>
+            <a:chExt cx="11286611" cy="477054"/>
+          </a:xfrm>
+        </p:grpSpPr>
+        <p:sp>
+          <p:nvSpPr>
+            <p:cNvPr id="780" name="TextBox 779">
+              <a:extLst>
+                <a:ext uri="{FF2B5EF4-FFF2-40B4-BE49-F238E27FC236}">
+                  <a16:creationId xmlns:a16="http://schemas.microsoft.com/office/drawing/2014/main" id="{9DDC7381-39BC-46E7-AC79-37336BD34B74}"/>
+                </a:ext>
+              </a:extLst>
+            </p:cNvPr>
+            <p:cNvSpPr txBox="1"/>
+            <p:nvPr/>
+          </p:nvSpPr>
+          <p:spPr>
+            <a:xfrm>
+              <a:off x="9480403" y="15343236"/>
+              <a:ext cx="2353428" cy="477054"/>
+            </a:xfrm>
+            <a:prstGeom prst="rect">
+              <a:avLst/>
+            </a:prstGeom>
+            <a:noFill/>
+          </p:spPr>
+          <p:txBody>
+            <a:bodyPr wrap="none" rtlCol="0">
+              <a:spAutoFit/>
+            </a:bodyPr>
+            <a:lstStyle/>
+            <a:p>
+              <a:pPr algn="ctr"/>
+              <a:r>
+                <a:rPr lang="en-US" altLang="zh-CN" sz="2500" b="1" dirty="0"/>
+                <a:t>2015_FengQ (OC)</a:t>
+              </a:r>
+              <a:endParaRPr lang="zh-CN" altLang="en-US" sz="2500" b="1" dirty="0"/>
+            </a:p>
+          </p:txBody>
+        </p:sp>
+        <p:sp>
+          <p:nvSpPr>
+            <p:cNvPr id="781" name="TextBox 780">
+              <a:extLst>
+                <a:ext uri="{FF2B5EF4-FFF2-40B4-BE49-F238E27FC236}">
+                  <a16:creationId xmlns:a16="http://schemas.microsoft.com/office/drawing/2014/main" id="{90C25A5D-6CEF-482D-9476-A7D7292F87B4}"/>
+                </a:ext>
+              </a:extLst>
+            </p:cNvPr>
+            <p:cNvSpPr txBox="1"/>
+            <p:nvPr/>
+          </p:nvSpPr>
+          <p:spPr>
+            <a:xfrm>
+              <a:off x="11972449" y="15343236"/>
+              <a:ext cx="3012149" cy="477054"/>
+            </a:xfrm>
+            <a:prstGeom prst="rect">
+              <a:avLst/>
+            </a:prstGeom>
+            <a:noFill/>
+          </p:spPr>
+          <p:txBody>
+            <a:bodyPr wrap="none" rtlCol="0">
+              <a:spAutoFit/>
+            </a:bodyPr>
+            <a:lstStyle/>
+            <a:p>
+              <a:pPr algn="ctr"/>
+              <a:r>
+                <a:rPr lang="en-US" altLang="zh-CN" sz="2500" b="1" dirty="0"/>
+                <a:t>2016_VogtmannE (NA)</a:t>
+              </a:r>
+              <a:endParaRPr lang="zh-CN" altLang="en-US" sz="2500" b="1" dirty="0"/>
+            </a:p>
+          </p:txBody>
+        </p:sp>
+        <p:sp>
+          <p:nvSpPr>
+            <p:cNvPr id="782" name="TextBox 781">
+              <a:extLst>
+                <a:ext uri="{FF2B5EF4-FFF2-40B4-BE49-F238E27FC236}">
+                  <a16:creationId xmlns:a16="http://schemas.microsoft.com/office/drawing/2014/main" id="{41B61C72-0929-465E-9EBF-FF303BE19CDE}"/>
+                </a:ext>
+              </a:extLst>
+            </p:cNvPr>
+            <p:cNvSpPr txBox="1"/>
+            <p:nvPr/>
+          </p:nvSpPr>
+          <p:spPr>
+            <a:xfrm>
+              <a:off x="14855044" y="15343236"/>
+              <a:ext cx="2974028" cy="477054"/>
+            </a:xfrm>
+            <a:prstGeom prst="rect">
+              <a:avLst/>
+            </a:prstGeom>
+            <a:noFill/>
+          </p:spPr>
+          <p:txBody>
+            <a:bodyPr wrap="none" rtlCol="0">
+              <a:spAutoFit/>
+            </a:bodyPr>
+            <a:lstStyle/>
+            <a:p>
+              <a:pPr algn="ctr"/>
+              <a:r>
+                <a:rPr lang="en-US" altLang="zh-CN" sz="2500" b="1" dirty="0"/>
+                <a:t>2019_ThomasAM (EU)</a:t>
+              </a:r>
+              <a:endParaRPr lang="zh-CN" altLang="en-US" sz="2500" b="1" dirty="0"/>
+            </a:p>
+          </p:txBody>
+        </p:sp>
+        <p:sp>
+          <p:nvSpPr>
+            <p:cNvPr id="779" name="TextBox 778">
+              <a:extLst>
+                <a:ext uri="{FF2B5EF4-FFF2-40B4-BE49-F238E27FC236}">
+                  <a16:creationId xmlns:a16="http://schemas.microsoft.com/office/drawing/2014/main" id="{51EE896D-11F5-4DC7-9E15-B0497AF13DE1}"/>
+                </a:ext>
+              </a:extLst>
+            </p:cNvPr>
+            <p:cNvSpPr txBox="1"/>
+            <p:nvPr/>
+          </p:nvSpPr>
+          <p:spPr>
+            <a:xfrm>
+              <a:off x="6542461" y="15343236"/>
+              <a:ext cx="2428759" cy="477054"/>
+            </a:xfrm>
+            <a:prstGeom prst="rect">
+              <a:avLst/>
+            </a:prstGeom>
+            <a:noFill/>
+          </p:spPr>
+          <p:txBody>
+            <a:bodyPr wrap="none" rtlCol="0">
+              <a:spAutoFit/>
+            </a:bodyPr>
+            <a:lstStyle/>
+            <a:p>
+              <a:pPr algn="ctr"/>
+              <a:r>
+                <a:rPr lang="en-US" altLang="zh-CN" sz="2500" b="1" dirty="0"/>
+                <a:t>2014_ZellerG (EU)</a:t>
+              </a:r>
+              <a:endParaRPr lang="zh-CN" altLang="en-US" sz="2500" b="1" dirty="0"/>
+            </a:p>
+          </p:txBody>
+        </p:sp>
+      </p:grpSp>
+      <p:sp>
+        <p:nvSpPr>
+          <p:cNvPr id="136" name="Rectangle 135">
+            <a:extLst>
+              <a:ext uri="{FF2B5EF4-FFF2-40B4-BE49-F238E27FC236}">
+                <a16:creationId xmlns:a16="http://schemas.microsoft.com/office/drawing/2014/main" id="{C2460D2C-9BE8-476E-A6A5-E2E2A79EA4EF}"/>
+              </a:ext>
+            </a:extLst>
+          </p:cNvPr>
+          <p:cNvSpPr/>
+          <p:nvPr/>
+        </p:nvSpPr>
+        <p:spPr>
+          <a:xfrm>
+            <a:off x="6998265" y="18915946"/>
+            <a:ext cx="2929166" cy="523220"/>
+          </a:xfrm>
+          <a:prstGeom prst="rect">
+            <a:avLst/>
+          </a:prstGeom>
+        </p:spPr>
+        <p:style>
+          <a:lnRef idx="2">
+            <a:schemeClr val="accent3">
+              <a:shade val="50000"/>
+            </a:schemeClr>
+          </a:lnRef>
+          <a:fillRef idx="1">
+            <a:schemeClr val="accent3"/>
+          </a:fillRef>
+          <a:effectRef idx="0">
+            <a:schemeClr val="accent3"/>
+          </a:effectRef>
+          <a:fontRef idx="minor">
+            <a:schemeClr val="lt1"/>
+          </a:fontRef>
+        </p:style>
+        <p:txBody>
+          <a:bodyPr rtlCol="0" anchor="ctr"/>
+          <a:lstStyle/>
+          <a:p>
+            <a:pPr algn="ctr"/>
+            <a:endParaRPr lang="zh-CN" altLang="en-US"/>
+          </a:p>
+        </p:txBody>
+      </p:sp>
+      <p:sp>
+        <p:nvSpPr>
+          <p:cNvPr id="137" name="Rectangle 136">
+            <a:extLst>
+              <a:ext uri="{FF2B5EF4-FFF2-40B4-BE49-F238E27FC236}">
+                <a16:creationId xmlns:a16="http://schemas.microsoft.com/office/drawing/2014/main" id="{55FD5D6A-FCA7-4FC4-B5CB-39C1D3672C3B}"/>
+              </a:ext>
+            </a:extLst>
+          </p:cNvPr>
+          <p:cNvSpPr/>
+          <p:nvPr/>
+        </p:nvSpPr>
+        <p:spPr>
+          <a:xfrm>
+            <a:off x="10022546" y="18920922"/>
+            <a:ext cx="2929166" cy="523220"/>
+          </a:xfrm>
+          <a:prstGeom prst="rect">
+            <a:avLst/>
+          </a:prstGeom>
+        </p:spPr>
+        <p:style>
+          <a:lnRef idx="2">
+            <a:schemeClr val="accent3">
+              <a:shade val="50000"/>
+            </a:schemeClr>
+          </a:lnRef>
+          <a:fillRef idx="1">
+            <a:schemeClr val="accent3"/>
+          </a:fillRef>
+          <a:effectRef idx="0">
+            <a:schemeClr val="accent3"/>
+          </a:effectRef>
+          <a:fontRef idx="minor">
+            <a:schemeClr val="lt1"/>
+          </a:fontRef>
+        </p:style>
+        <p:txBody>
+          <a:bodyPr rtlCol="0" anchor="ctr"/>
+          <a:lstStyle/>
+          <a:p>
+            <a:pPr algn="ctr"/>
+            <a:endParaRPr lang="zh-CN" altLang="en-US"/>
+          </a:p>
+        </p:txBody>
+      </p:sp>
+      <p:sp>
+        <p:nvSpPr>
+          <p:cNvPr id="138" name="Rectangle 137">
+            <a:extLst>
+              <a:ext uri="{FF2B5EF4-FFF2-40B4-BE49-F238E27FC236}">
+                <a16:creationId xmlns:a16="http://schemas.microsoft.com/office/drawing/2014/main" id="{439B351A-1472-4A72-9D38-514CE1CBD779}"/>
+              </a:ext>
+            </a:extLst>
+          </p:cNvPr>
+          <p:cNvSpPr/>
+          <p:nvPr/>
+        </p:nvSpPr>
+        <p:spPr>
+          <a:xfrm>
+            <a:off x="13049208" y="18920651"/>
+            <a:ext cx="2929166" cy="523220"/>
+          </a:xfrm>
+          <a:prstGeom prst="rect">
+            <a:avLst/>
+          </a:prstGeom>
+        </p:spPr>
+        <p:style>
+          <a:lnRef idx="2">
+            <a:schemeClr val="accent3">
+              <a:shade val="50000"/>
+            </a:schemeClr>
+          </a:lnRef>
+          <a:fillRef idx="1">
+            <a:schemeClr val="accent3"/>
+          </a:fillRef>
+          <a:effectRef idx="0">
+            <a:schemeClr val="accent3"/>
+          </a:effectRef>
+          <a:fontRef idx="minor">
+            <a:schemeClr val="lt1"/>
+          </a:fontRef>
+        </p:style>
+        <p:txBody>
+          <a:bodyPr rtlCol="0" anchor="ctr"/>
+          <a:lstStyle/>
+          <a:p>
+            <a:pPr algn="ctr"/>
+            <a:endParaRPr lang="zh-CN" altLang="en-US"/>
+          </a:p>
+        </p:txBody>
+      </p:sp>
+      <p:sp>
+        <p:nvSpPr>
+          <p:cNvPr id="139" name="Rectangle 138">
+            <a:extLst>
+              <a:ext uri="{FF2B5EF4-FFF2-40B4-BE49-F238E27FC236}">
+                <a16:creationId xmlns:a16="http://schemas.microsoft.com/office/drawing/2014/main" id="{47044815-634E-4C2E-93F3-B50507C4E921}"/>
+              </a:ext>
+            </a:extLst>
+          </p:cNvPr>
+          <p:cNvSpPr/>
+          <p:nvPr/>
+        </p:nvSpPr>
+        <p:spPr>
+          <a:xfrm>
+            <a:off x="16077038" y="18929094"/>
+            <a:ext cx="2929166" cy="523220"/>
+          </a:xfrm>
+          <a:prstGeom prst="rect">
+            <a:avLst/>
+          </a:prstGeom>
+        </p:spPr>
+        <p:style>
+          <a:lnRef idx="2">
+            <a:schemeClr val="accent3">
+              <a:shade val="50000"/>
+            </a:schemeClr>
+          </a:lnRef>
+          <a:fillRef idx="1">
+            <a:schemeClr val="accent3"/>
+          </a:fillRef>
+          <a:effectRef idx="0">
+            <a:schemeClr val="accent3"/>
+          </a:effectRef>
+          <a:fontRef idx="minor">
+            <a:schemeClr val="lt1"/>
+          </a:fontRef>
+        </p:style>
+        <p:txBody>
+          <a:bodyPr rtlCol="0" anchor="ctr"/>
+          <a:lstStyle/>
+          <a:p>
+            <a:pPr algn="ctr"/>
+            <a:endParaRPr lang="zh-CN" altLang="en-US"/>
+          </a:p>
+        </p:txBody>
+      </p:sp>
+      <p:grpSp>
+        <p:nvGrpSpPr>
+          <p:cNvPr id="755" name="Group 754">
+            <a:extLst>
+              <a:ext uri="{FF2B5EF4-FFF2-40B4-BE49-F238E27FC236}">
+                <a16:creationId xmlns:a16="http://schemas.microsoft.com/office/drawing/2014/main" id="{340280B5-CFB3-446E-824D-51A7126A0CCB}"/>
+              </a:ext>
+            </a:extLst>
+          </p:cNvPr>
+          <p:cNvGrpSpPr/>
+          <p:nvPr/>
+        </p:nvGrpSpPr>
+        <p:grpSpPr>
+          <a:xfrm>
+            <a:off x="7204311" y="18941852"/>
+            <a:ext cx="11382436" cy="477054"/>
+            <a:chOff x="6578183" y="19036582"/>
+            <a:chExt cx="10723985" cy="477054"/>
+          </a:xfrm>
+        </p:grpSpPr>
+        <p:sp>
+          <p:nvSpPr>
+            <p:cNvPr id="775" name="TextBox 774">
+              <a:extLst>
+                <a:ext uri="{FF2B5EF4-FFF2-40B4-BE49-F238E27FC236}">
+                  <a16:creationId xmlns:a16="http://schemas.microsoft.com/office/drawing/2014/main" id="{7D617F06-3CA9-4ED2-8B91-A3608E743D28}"/>
+                </a:ext>
+              </a:extLst>
+            </p:cNvPr>
+            <p:cNvSpPr txBox="1"/>
+            <p:nvPr/>
+          </p:nvSpPr>
+          <p:spPr>
+            <a:xfrm>
+              <a:off x="6578183" y="19036582"/>
+              <a:ext cx="2478659" cy="477054"/>
+            </a:xfrm>
+            <a:prstGeom prst="rect">
+              <a:avLst/>
+            </a:prstGeom>
+            <a:noFill/>
+          </p:spPr>
+          <p:txBody>
+            <a:bodyPr wrap="none" rtlCol="0">
+              <a:spAutoFit/>
+            </a:bodyPr>
+            <a:lstStyle/>
+            <a:p>
+              <a:pPr algn="ctr"/>
+              <a:r>
+                <a:rPr lang="en-US" altLang="zh-CN" sz="2500" b="1" dirty="0"/>
+                <a:t>2019_WirbelJ (EU)</a:t>
+              </a:r>
+              <a:endParaRPr lang="zh-CN" altLang="en-US" sz="2500" b="1" dirty="0"/>
+            </a:p>
+          </p:txBody>
+        </p:sp>
+        <p:sp>
+          <p:nvSpPr>
+            <p:cNvPr id="776" name="TextBox 775">
+              <a:extLst>
+                <a:ext uri="{FF2B5EF4-FFF2-40B4-BE49-F238E27FC236}">
+                  <a16:creationId xmlns:a16="http://schemas.microsoft.com/office/drawing/2014/main" id="{E58B2BC6-F944-4CC1-B1DD-8211BFF154BE}"/>
+                </a:ext>
+              </a:extLst>
+            </p:cNvPr>
+            <p:cNvSpPr txBox="1"/>
+            <p:nvPr/>
+          </p:nvSpPr>
+          <p:spPr>
+            <a:xfrm>
+              <a:off x="9347320" y="19036582"/>
+              <a:ext cx="2619598" cy="477054"/>
+            </a:xfrm>
+            <a:prstGeom prst="rect">
+              <a:avLst/>
+            </a:prstGeom>
+            <a:noFill/>
+          </p:spPr>
+          <p:txBody>
+            <a:bodyPr wrap="none" rtlCol="0">
+              <a:spAutoFit/>
+            </a:bodyPr>
+            <a:lstStyle/>
+            <a:p>
+              <a:pPr algn="ctr"/>
+              <a:r>
+                <a:rPr lang="en-US" altLang="zh-CN" sz="2500" b="1" dirty="0"/>
+                <a:t>2019_YachidaS (AS)</a:t>
+              </a:r>
+              <a:endParaRPr lang="zh-CN" altLang="en-US" sz="2500" b="1" dirty="0"/>
+            </a:p>
+          </p:txBody>
+        </p:sp>
+        <p:sp>
+          <p:nvSpPr>
+            <p:cNvPr id="777" name="TextBox 776">
+              <a:extLst>
+                <a:ext uri="{FF2B5EF4-FFF2-40B4-BE49-F238E27FC236}">
+                  <a16:creationId xmlns:a16="http://schemas.microsoft.com/office/drawing/2014/main" id="{C86A4B7F-7CBE-4165-82D6-8EB869917990}"/>
+                </a:ext>
+              </a:extLst>
+            </p:cNvPr>
+            <p:cNvSpPr txBox="1"/>
+            <p:nvPr/>
+          </p:nvSpPr>
+          <p:spPr>
+            <a:xfrm>
+              <a:off x="12542344" y="19036582"/>
+              <a:ext cx="1920222" cy="477054"/>
+            </a:xfrm>
+            <a:prstGeom prst="rect">
+              <a:avLst/>
+            </a:prstGeom>
+            <a:noFill/>
+          </p:spPr>
+          <p:txBody>
+            <a:bodyPr wrap="none" rtlCol="0">
+              <a:spAutoFit/>
+            </a:bodyPr>
+            <a:lstStyle/>
+            <a:p>
+              <a:pPr algn="ctr"/>
+              <a:r>
+                <a:rPr lang="en-US" altLang="zh-CN" sz="2500" b="1" dirty="0"/>
+                <a:t>2017_YuJ (AS)</a:t>
+              </a:r>
+              <a:endParaRPr lang="zh-CN" altLang="en-US" sz="2500" b="1" dirty="0"/>
+            </a:p>
+          </p:txBody>
+        </p:sp>
+        <p:sp>
+          <p:nvSpPr>
+            <p:cNvPr id="778" name="TextBox 777">
+              <a:extLst>
+                <a:ext uri="{FF2B5EF4-FFF2-40B4-BE49-F238E27FC236}">
+                  <a16:creationId xmlns:a16="http://schemas.microsoft.com/office/drawing/2014/main" id="{50433ED8-4DC6-4C09-B76C-8C11CE17B9D2}"/>
+                </a:ext>
+              </a:extLst>
+            </p:cNvPr>
+            <p:cNvSpPr txBox="1"/>
+            <p:nvPr/>
+          </p:nvSpPr>
+          <p:spPr>
+            <a:xfrm>
+              <a:off x="15381947" y="19036582"/>
+              <a:ext cx="1920221" cy="477054"/>
+            </a:xfrm>
+            <a:prstGeom prst="rect">
+              <a:avLst/>
+            </a:prstGeom>
+            <a:noFill/>
+          </p:spPr>
+          <p:txBody>
+            <a:bodyPr wrap="none" rtlCol="0">
+              <a:spAutoFit/>
+            </a:bodyPr>
+            <a:lstStyle/>
+            <a:p>
+              <a:pPr algn="ctr"/>
+              <a:r>
+                <a:rPr lang="en-US" altLang="zh-CN" sz="2500" b="1" dirty="0"/>
+                <a:t>2021_YuJ (AS)</a:t>
+              </a:r>
+              <a:endParaRPr lang="zh-CN" altLang="en-US" sz="2500" b="1" dirty="0"/>
+            </a:p>
+          </p:txBody>
+        </p:sp>
+      </p:grpSp>
     </p:spTree>
     <p:extLst>
       <p:ext uri="{BB962C8B-B14F-4D97-AF65-F5344CB8AC3E}">

--- a/Yu Feng CRC-fungi-Re1 (JY)/S_fig2-Re1 (JY)-Re (YF).pptx
+++ b/Yu Feng CRC-fungi-Re1 (JY)/S_fig2-Re1 (JY)-Re (YF).pptx
@@ -2,12 +2,12 @@
 <file path=ppt/presentation.xml><?xml version="1.0" encoding="utf-8"?>
 <p:presentation xmlns:a="http://schemas.openxmlformats.org/drawingml/2006/main" xmlns:r="http://schemas.openxmlformats.org/officeDocument/2006/relationships" xmlns:p="http://schemas.openxmlformats.org/presentationml/2006/main" saveSubsetFonts="1">
   <p:sldMasterIdLst>
-    <p:sldMasterId id="2147483720" r:id="rId1"/>
+    <p:sldMasterId id="2147483732" r:id="rId1"/>
   </p:sldMasterIdLst>
   <p:sldIdLst>
     <p:sldId id="256" r:id="rId2"/>
   </p:sldIdLst>
-  <p:sldSz cx="20159663" cy="23760113"/>
+  <p:sldSz cx="20159663" cy="25199975"/>
   <p:notesSz cx="6858000" cy="9144000"/>
   <p:defaultTextStyle>
     <a:defPPr>
@@ -153,8 +153,8 @@
         </p:nvSpPr>
         <p:spPr>
           <a:xfrm>
-            <a:off x="1511975" y="3888520"/>
-            <a:ext cx="17135714" cy="8272039"/>
+            <a:off x="1511975" y="4124164"/>
+            <a:ext cx="17135714" cy="8773325"/>
           </a:xfrm>
         </p:spPr>
         <p:txBody>
@@ -166,7 +166,7 @@
           </a:lstStyle>
           <a:p>
             <a:r>
-              <a:rPr lang="en-US"/>
+              <a:rPr lang="en-US" altLang="zh-CN"/>
               <a:t>Click to edit Master title style</a:t>
             </a:r>
             <a:endParaRPr lang="en-US" dirty="0"/>
@@ -185,8 +185,8 @@
         </p:nvSpPr>
         <p:spPr>
           <a:xfrm>
-            <a:off x="2519958" y="12479561"/>
-            <a:ext cx="15119747" cy="5736526"/>
+            <a:off x="2519958" y="13235822"/>
+            <a:ext cx="15119747" cy="6084159"/>
           </a:xfrm>
         </p:spPr>
         <p:txBody>
@@ -231,7 +231,7 @@
           </a:lstStyle>
           <a:p>
             <a:r>
-              <a:rPr lang="en-US"/>
+              <a:rPr lang="en-US" altLang="zh-CN"/>
               <a:t>Click to edit Master subtitle style</a:t>
             </a:r>
             <a:endParaRPr lang="en-US" dirty="0"/>
@@ -255,7 +255,7 @@
           <a:p>
             <a:fld id="{EC74FADF-D0C6-45B9-9519-8E9831A40386}" type="datetimeFigureOut">
               <a:rPr lang="en-HK" smtClean="0"/>
-              <a:t>26/10/2021</a:t>
+              <a:t>22/11/2021</a:t>
             </a:fld>
             <a:endParaRPr lang="en-HK"/>
           </a:p>
@@ -306,7 +306,7 @@
     </p:spTree>
     <p:extLst>
       <p:ext uri="{BB962C8B-B14F-4D97-AF65-F5344CB8AC3E}">
-        <p14:creationId xmlns:p14="http://schemas.microsoft.com/office/powerpoint/2010/main" val="324123413"/>
+        <p14:creationId xmlns:p14="http://schemas.microsoft.com/office/powerpoint/2010/main" val="3774764829"/>
       </p:ext>
     </p:extLst>
   </p:cSld>
@@ -349,7 +349,7 @@
           <a:lstStyle/>
           <a:p>
             <a:r>
-              <a:rPr lang="en-US"/>
+              <a:rPr lang="en-US" altLang="zh-CN"/>
               <a:t>Click to edit Master title style</a:t>
             </a:r>
             <a:endParaRPr lang="en-US" dirty="0"/>
@@ -373,35 +373,35 @@
           <a:p>
             <a:pPr lvl="0"/>
             <a:r>
-              <a:rPr lang="en-US"/>
-              <a:t>Edit Master text styles</a:t>
+              <a:rPr lang="en-US" altLang="zh-CN"/>
+              <a:t>Click to edit Master text styles</a:t>
             </a:r>
           </a:p>
           <a:p>
             <a:pPr lvl="1"/>
             <a:r>
-              <a:rPr lang="en-US"/>
+              <a:rPr lang="en-US" altLang="zh-CN"/>
               <a:t>Second level</a:t>
             </a:r>
           </a:p>
           <a:p>
             <a:pPr lvl="2"/>
             <a:r>
-              <a:rPr lang="en-US"/>
+              <a:rPr lang="en-US" altLang="zh-CN"/>
               <a:t>Third level</a:t>
             </a:r>
           </a:p>
           <a:p>
             <a:pPr lvl="3"/>
             <a:r>
-              <a:rPr lang="en-US"/>
+              <a:rPr lang="en-US" altLang="zh-CN"/>
               <a:t>Fourth level</a:t>
             </a:r>
           </a:p>
           <a:p>
             <a:pPr lvl="4"/>
             <a:r>
-              <a:rPr lang="en-US"/>
+              <a:rPr lang="en-US" altLang="zh-CN"/>
               <a:t>Fifth level</a:t>
             </a:r>
             <a:endParaRPr lang="en-US" dirty="0"/>
@@ -425,7 +425,7 @@
           <a:p>
             <a:fld id="{EC74FADF-D0C6-45B9-9519-8E9831A40386}" type="datetimeFigureOut">
               <a:rPr lang="en-HK" smtClean="0"/>
-              <a:t>26/10/2021</a:t>
+              <a:t>22/11/2021</a:t>
             </a:fld>
             <a:endParaRPr lang="en-HK"/>
           </a:p>
@@ -476,7 +476,7 @@
     </p:spTree>
     <p:extLst>
       <p:ext uri="{BB962C8B-B14F-4D97-AF65-F5344CB8AC3E}">
-        <p14:creationId xmlns:p14="http://schemas.microsoft.com/office/powerpoint/2010/main" val="2210433092"/>
+        <p14:creationId xmlns:p14="http://schemas.microsoft.com/office/powerpoint/2010/main" val="2886417170"/>
       </p:ext>
     </p:extLst>
   </p:cSld>
@@ -515,8 +515,8 @@
         </p:nvSpPr>
         <p:spPr>
           <a:xfrm>
-            <a:off x="14426760" y="1265006"/>
-            <a:ext cx="4346927" cy="20135597"/>
+            <a:off x="14426760" y="1341665"/>
+            <a:ext cx="4346927" cy="21355814"/>
           </a:xfrm>
         </p:spPr>
         <p:txBody>
@@ -524,7 +524,7 @@
           <a:lstStyle/>
           <a:p>
             <a:r>
-              <a:rPr lang="en-US"/>
+              <a:rPr lang="en-US" altLang="zh-CN"/>
               <a:t>Click to edit Master title style</a:t>
             </a:r>
             <a:endParaRPr lang="en-US" dirty="0"/>
@@ -543,8 +543,8 @@
         </p:nvSpPr>
         <p:spPr>
           <a:xfrm>
-            <a:off x="1385978" y="1265006"/>
-            <a:ext cx="12788786" cy="20135597"/>
+            <a:off x="1385978" y="1341665"/>
+            <a:ext cx="12788786" cy="21355814"/>
           </a:xfrm>
         </p:spPr>
         <p:txBody>
@@ -553,35 +553,35 @@
           <a:p>
             <a:pPr lvl="0"/>
             <a:r>
-              <a:rPr lang="en-US"/>
-              <a:t>Edit Master text styles</a:t>
+              <a:rPr lang="en-US" altLang="zh-CN"/>
+              <a:t>Click to edit Master text styles</a:t>
             </a:r>
           </a:p>
           <a:p>
             <a:pPr lvl="1"/>
             <a:r>
-              <a:rPr lang="en-US"/>
+              <a:rPr lang="en-US" altLang="zh-CN"/>
               <a:t>Second level</a:t>
             </a:r>
           </a:p>
           <a:p>
             <a:pPr lvl="2"/>
             <a:r>
-              <a:rPr lang="en-US"/>
+              <a:rPr lang="en-US" altLang="zh-CN"/>
               <a:t>Third level</a:t>
             </a:r>
           </a:p>
           <a:p>
             <a:pPr lvl="3"/>
             <a:r>
-              <a:rPr lang="en-US"/>
+              <a:rPr lang="en-US" altLang="zh-CN"/>
               <a:t>Fourth level</a:t>
             </a:r>
           </a:p>
           <a:p>
             <a:pPr lvl="4"/>
             <a:r>
-              <a:rPr lang="en-US"/>
+              <a:rPr lang="en-US" altLang="zh-CN"/>
               <a:t>Fifth level</a:t>
             </a:r>
             <a:endParaRPr lang="en-US" dirty="0"/>
@@ -605,7 +605,7 @@
           <a:p>
             <a:fld id="{EC74FADF-D0C6-45B9-9519-8E9831A40386}" type="datetimeFigureOut">
               <a:rPr lang="en-HK" smtClean="0"/>
-              <a:t>26/10/2021</a:t>
+              <a:t>22/11/2021</a:t>
             </a:fld>
             <a:endParaRPr lang="en-HK"/>
           </a:p>
@@ -656,7 +656,7 @@
     </p:spTree>
     <p:extLst>
       <p:ext uri="{BB962C8B-B14F-4D97-AF65-F5344CB8AC3E}">
-        <p14:creationId xmlns:p14="http://schemas.microsoft.com/office/powerpoint/2010/main" val="631375345"/>
+        <p14:creationId xmlns:p14="http://schemas.microsoft.com/office/powerpoint/2010/main" val="4057706016"/>
       </p:ext>
     </p:extLst>
   </p:cSld>
@@ -699,7 +699,7 @@
           <a:lstStyle/>
           <a:p>
             <a:r>
-              <a:rPr lang="en-US"/>
+              <a:rPr lang="en-US" altLang="zh-CN"/>
               <a:t>Click to edit Master title style</a:t>
             </a:r>
             <a:endParaRPr lang="en-US" dirty="0"/>
@@ -723,35 +723,35 @@
           <a:p>
             <a:pPr lvl="0"/>
             <a:r>
-              <a:rPr lang="en-US"/>
-              <a:t>Edit Master text styles</a:t>
+              <a:rPr lang="en-US" altLang="zh-CN"/>
+              <a:t>Click to edit Master text styles</a:t>
             </a:r>
           </a:p>
           <a:p>
             <a:pPr lvl="1"/>
             <a:r>
-              <a:rPr lang="en-US"/>
+              <a:rPr lang="en-US" altLang="zh-CN"/>
               <a:t>Second level</a:t>
             </a:r>
           </a:p>
           <a:p>
             <a:pPr lvl="2"/>
             <a:r>
-              <a:rPr lang="en-US"/>
+              <a:rPr lang="en-US" altLang="zh-CN"/>
               <a:t>Third level</a:t>
             </a:r>
           </a:p>
           <a:p>
             <a:pPr lvl="3"/>
             <a:r>
-              <a:rPr lang="en-US"/>
+              <a:rPr lang="en-US" altLang="zh-CN"/>
               <a:t>Fourth level</a:t>
             </a:r>
           </a:p>
           <a:p>
             <a:pPr lvl="4"/>
             <a:r>
-              <a:rPr lang="en-US"/>
+              <a:rPr lang="en-US" altLang="zh-CN"/>
               <a:t>Fifth level</a:t>
             </a:r>
             <a:endParaRPr lang="en-US" dirty="0"/>
@@ -775,7 +775,7 @@
           <a:p>
             <a:fld id="{EC74FADF-D0C6-45B9-9519-8E9831A40386}" type="datetimeFigureOut">
               <a:rPr lang="en-HK" smtClean="0"/>
-              <a:t>26/10/2021</a:t>
+              <a:t>22/11/2021</a:t>
             </a:fld>
             <a:endParaRPr lang="en-HK"/>
           </a:p>
@@ -826,7 +826,7 @@
     </p:spTree>
     <p:extLst>
       <p:ext uri="{BB962C8B-B14F-4D97-AF65-F5344CB8AC3E}">
-        <p14:creationId xmlns:p14="http://schemas.microsoft.com/office/powerpoint/2010/main" val="2827090652"/>
+        <p14:creationId xmlns:p14="http://schemas.microsoft.com/office/powerpoint/2010/main" val="937493178"/>
       </p:ext>
     </p:extLst>
   </p:cSld>
@@ -865,8 +865,8 @@
         </p:nvSpPr>
         <p:spPr>
           <a:xfrm>
-            <a:off x="1375478" y="5923535"/>
-            <a:ext cx="17387709" cy="9883545"/>
+            <a:off x="1375478" y="6282501"/>
+            <a:ext cx="17387709" cy="10482488"/>
           </a:xfrm>
         </p:spPr>
         <p:txBody>
@@ -878,7 +878,7 @@
           </a:lstStyle>
           <a:p>
             <a:r>
-              <a:rPr lang="en-US"/>
+              <a:rPr lang="en-US" altLang="zh-CN"/>
               <a:t>Click to edit Master title style</a:t>
             </a:r>
             <a:endParaRPr lang="en-US" dirty="0"/>
@@ -897,8 +897,8 @@
         </p:nvSpPr>
         <p:spPr>
           <a:xfrm>
-            <a:off x="1375478" y="15900583"/>
-            <a:ext cx="17387709" cy="5197523"/>
+            <a:off x="1375478" y="16864157"/>
+            <a:ext cx="17387709" cy="5512493"/>
           </a:xfrm>
         </p:spPr>
         <p:txBody>
@@ -996,8 +996,8 @@
           <a:p>
             <a:pPr lvl="0"/>
             <a:r>
-              <a:rPr lang="en-US"/>
-              <a:t>Edit Master text styles</a:t>
+              <a:rPr lang="en-US" altLang="zh-CN"/>
+              <a:t>Click to edit Master text styles</a:t>
             </a:r>
           </a:p>
         </p:txBody>
@@ -1019,7 +1019,7 @@
           <a:p>
             <a:fld id="{EC74FADF-D0C6-45B9-9519-8E9831A40386}" type="datetimeFigureOut">
               <a:rPr lang="en-HK" smtClean="0"/>
-              <a:t>26/10/2021</a:t>
+              <a:t>22/11/2021</a:t>
             </a:fld>
             <a:endParaRPr lang="en-HK"/>
           </a:p>
@@ -1070,7 +1070,7 @@
     </p:spTree>
     <p:extLst>
       <p:ext uri="{BB962C8B-B14F-4D97-AF65-F5344CB8AC3E}">
-        <p14:creationId xmlns:p14="http://schemas.microsoft.com/office/powerpoint/2010/main" val="3306452672"/>
+        <p14:creationId xmlns:p14="http://schemas.microsoft.com/office/powerpoint/2010/main" val="2390438161"/>
       </p:ext>
     </p:extLst>
   </p:cSld>
@@ -1113,7 +1113,7 @@
           <a:lstStyle/>
           <a:p>
             <a:r>
-              <a:rPr lang="en-US"/>
+              <a:rPr lang="en-US" altLang="zh-CN"/>
               <a:t>Click to edit Master title style</a:t>
             </a:r>
             <a:endParaRPr lang="en-US" dirty="0"/>
@@ -1132,8 +1132,8 @@
         </p:nvSpPr>
         <p:spPr>
           <a:xfrm>
-            <a:off x="1385977" y="6325030"/>
-            <a:ext cx="8567857" cy="15075573"/>
+            <a:off x="1385977" y="6708326"/>
+            <a:ext cx="8567857" cy="15989153"/>
           </a:xfrm>
         </p:spPr>
         <p:txBody>
@@ -1142,35 +1142,35 @@
           <a:p>
             <a:pPr lvl="0"/>
             <a:r>
-              <a:rPr lang="en-US"/>
-              <a:t>Edit Master text styles</a:t>
+              <a:rPr lang="en-US" altLang="zh-CN"/>
+              <a:t>Click to edit Master text styles</a:t>
             </a:r>
           </a:p>
           <a:p>
             <a:pPr lvl="1"/>
             <a:r>
-              <a:rPr lang="en-US"/>
+              <a:rPr lang="en-US" altLang="zh-CN"/>
               <a:t>Second level</a:t>
             </a:r>
           </a:p>
           <a:p>
             <a:pPr lvl="2"/>
             <a:r>
-              <a:rPr lang="en-US"/>
+              <a:rPr lang="en-US" altLang="zh-CN"/>
               <a:t>Third level</a:t>
             </a:r>
           </a:p>
           <a:p>
             <a:pPr lvl="3"/>
             <a:r>
-              <a:rPr lang="en-US"/>
+              <a:rPr lang="en-US" altLang="zh-CN"/>
               <a:t>Fourth level</a:t>
             </a:r>
           </a:p>
           <a:p>
             <a:pPr lvl="4"/>
             <a:r>
-              <a:rPr lang="en-US"/>
+              <a:rPr lang="en-US" altLang="zh-CN"/>
               <a:t>Fifth level</a:t>
             </a:r>
             <a:endParaRPr lang="en-US" dirty="0"/>
@@ -1189,8 +1189,8 @@
         </p:nvSpPr>
         <p:spPr>
           <a:xfrm>
-            <a:off x="10205829" y="6325030"/>
-            <a:ext cx="8567857" cy="15075573"/>
+            <a:off x="10205829" y="6708326"/>
+            <a:ext cx="8567857" cy="15989153"/>
           </a:xfrm>
         </p:spPr>
         <p:txBody>
@@ -1199,35 +1199,35 @@
           <a:p>
             <a:pPr lvl="0"/>
             <a:r>
-              <a:rPr lang="en-US"/>
-              <a:t>Edit Master text styles</a:t>
+              <a:rPr lang="en-US" altLang="zh-CN"/>
+              <a:t>Click to edit Master text styles</a:t>
             </a:r>
           </a:p>
           <a:p>
             <a:pPr lvl="1"/>
             <a:r>
-              <a:rPr lang="en-US"/>
+              <a:rPr lang="en-US" altLang="zh-CN"/>
               <a:t>Second level</a:t>
             </a:r>
           </a:p>
           <a:p>
             <a:pPr lvl="2"/>
             <a:r>
-              <a:rPr lang="en-US"/>
+              <a:rPr lang="en-US" altLang="zh-CN"/>
               <a:t>Third level</a:t>
             </a:r>
           </a:p>
           <a:p>
             <a:pPr lvl="3"/>
             <a:r>
-              <a:rPr lang="en-US"/>
+              <a:rPr lang="en-US" altLang="zh-CN"/>
               <a:t>Fourth level</a:t>
             </a:r>
           </a:p>
           <a:p>
             <a:pPr lvl="4"/>
             <a:r>
-              <a:rPr lang="en-US"/>
+              <a:rPr lang="en-US" altLang="zh-CN"/>
               <a:t>Fifth level</a:t>
             </a:r>
             <a:endParaRPr lang="en-US" dirty="0"/>
@@ -1251,7 +1251,7 @@
           <a:p>
             <a:fld id="{EC74FADF-D0C6-45B9-9519-8E9831A40386}" type="datetimeFigureOut">
               <a:rPr lang="en-HK" smtClean="0"/>
-              <a:t>26/10/2021</a:t>
+              <a:t>22/11/2021</a:t>
             </a:fld>
             <a:endParaRPr lang="en-HK"/>
           </a:p>
@@ -1302,7 +1302,7 @@
     </p:spTree>
     <p:extLst>
       <p:ext uri="{BB962C8B-B14F-4D97-AF65-F5344CB8AC3E}">
-        <p14:creationId xmlns:p14="http://schemas.microsoft.com/office/powerpoint/2010/main" val="1919015758"/>
+        <p14:creationId xmlns:p14="http://schemas.microsoft.com/office/powerpoint/2010/main" val="2021068578"/>
       </p:ext>
     </p:extLst>
   </p:cSld>
@@ -1341,8 +1341,8 @@
         </p:nvSpPr>
         <p:spPr>
           <a:xfrm>
-            <a:off x="1388603" y="1265011"/>
-            <a:ext cx="17387709" cy="4592524"/>
+            <a:off x="1388603" y="1341671"/>
+            <a:ext cx="17387709" cy="4870830"/>
           </a:xfrm>
         </p:spPr>
         <p:txBody>
@@ -1350,7 +1350,7 @@
           <a:lstStyle/>
           <a:p>
             <a:r>
-              <a:rPr lang="en-US"/>
+              <a:rPr lang="en-US" altLang="zh-CN"/>
               <a:t>Click to edit Master title style</a:t>
             </a:r>
             <a:endParaRPr lang="en-US" dirty="0"/>
@@ -1369,8 +1369,8 @@
         </p:nvSpPr>
         <p:spPr>
           <a:xfrm>
-            <a:off x="1388605" y="5824529"/>
-            <a:ext cx="8528481" cy="2854512"/>
+            <a:off x="1388605" y="6177496"/>
+            <a:ext cx="8528481" cy="3027495"/>
           </a:xfrm>
         </p:spPr>
         <p:txBody>
@@ -1416,8 +1416,8 @@
           <a:p>
             <a:pPr lvl="0"/>
             <a:r>
-              <a:rPr lang="en-US"/>
-              <a:t>Edit Master text styles</a:t>
+              <a:rPr lang="en-US" altLang="zh-CN"/>
+              <a:t>Click to edit Master text styles</a:t>
             </a:r>
           </a:p>
         </p:txBody>
@@ -1434,8 +1434,8 @@
         </p:nvSpPr>
         <p:spPr>
           <a:xfrm>
-            <a:off x="1388605" y="8679041"/>
-            <a:ext cx="8528481" cy="12765562"/>
+            <a:off x="1388605" y="9204991"/>
+            <a:ext cx="8528481" cy="13539155"/>
           </a:xfrm>
         </p:spPr>
         <p:txBody>
@@ -1444,35 +1444,35 @@
           <a:p>
             <a:pPr lvl="0"/>
             <a:r>
-              <a:rPr lang="en-US"/>
-              <a:t>Edit Master text styles</a:t>
+              <a:rPr lang="en-US" altLang="zh-CN"/>
+              <a:t>Click to edit Master text styles</a:t>
             </a:r>
           </a:p>
           <a:p>
             <a:pPr lvl="1"/>
             <a:r>
-              <a:rPr lang="en-US"/>
+              <a:rPr lang="en-US" altLang="zh-CN"/>
               <a:t>Second level</a:t>
             </a:r>
           </a:p>
           <a:p>
             <a:pPr lvl="2"/>
             <a:r>
-              <a:rPr lang="en-US"/>
+              <a:rPr lang="en-US" altLang="zh-CN"/>
               <a:t>Third level</a:t>
             </a:r>
           </a:p>
           <a:p>
             <a:pPr lvl="3"/>
             <a:r>
-              <a:rPr lang="en-US"/>
+              <a:rPr lang="en-US" altLang="zh-CN"/>
               <a:t>Fourth level</a:t>
             </a:r>
           </a:p>
           <a:p>
             <a:pPr lvl="4"/>
             <a:r>
-              <a:rPr lang="en-US"/>
+              <a:rPr lang="en-US" altLang="zh-CN"/>
               <a:t>Fifth level</a:t>
             </a:r>
             <a:endParaRPr lang="en-US" dirty="0"/>
@@ -1491,8 +1491,8 @@
         </p:nvSpPr>
         <p:spPr>
           <a:xfrm>
-            <a:off x="10205830" y="5824529"/>
-            <a:ext cx="8570483" cy="2854512"/>
+            <a:off x="10205830" y="6177496"/>
+            <a:ext cx="8570483" cy="3027495"/>
           </a:xfrm>
         </p:spPr>
         <p:txBody>
@@ -1538,8 +1538,8 @@
           <a:p>
             <a:pPr lvl="0"/>
             <a:r>
-              <a:rPr lang="en-US"/>
-              <a:t>Edit Master text styles</a:t>
+              <a:rPr lang="en-US" altLang="zh-CN"/>
+              <a:t>Click to edit Master text styles</a:t>
             </a:r>
           </a:p>
         </p:txBody>
@@ -1556,8 +1556,8 @@
         </p:nvSpPr>
         <p:spPr>
           <a:xfrm>
-            <a:off x="10205830" y="8679041"/>
-            <a:ext cx="8570483" cy="12765562"/>
+            <a:off x="10205830" y="9204991"/>
+            <a:ext cx="8570483" cy="13539155"/>
           </a:xfrm>
         </p:spPr>
         <p:txBody>
@@ -1566,35 +1566,35 @@
           <a:p>
             <a:pPr lvl="0"/>
             <a:r>
-              <a:rPr lang="en-US"/>
-              <a:t>Edit Master text styles</a:t>
+              <a:rPr lang="en-US" altLang="zh-CN"/>
+              <a:t>Click to edit Master text styles</a:t>
             </a:r>
           </a:p>
           <a:p>
             <a:pPr lvl="1"/>
             <a:r>
-              <a:rPr lang="en-US"/>
+              <a:rPr lang="en-US" altLang="zh-CN"/>
               <a:t>Second level</a:t>
             </a:r>
           </a:p>
           <a:p>
             <a:pPr lvl="2"/>
             <a:r>
-              <a:rPr lang="en-US"/>
+              <a:rPr lang="en-US" altLang="zh-CN"/>
               <a:t>Third level</a:t>
             </a:r>
           </a:p>
           <a:p>
             <a:pPr lvl="3"/>
             <a:r>
-              <a:rPr lang="en-US"/>
+              <a:rPr lang="en-US" altLang="zh-CN"/>
               <a:t>Fourth level</a:t>
             </a:r>
           </a:p>
           <a:p>
             <a:pPr lvl="4"/>
             <a:r>
-              <a:rPr lang="en-US"/>
+              <a:rPr lang="en-US" altLang="zh-CN"/>
               <a:t>Fifth level</a:t>
             </a:r>
             <a:endParaRPr lang="en-US" dirty="0"/>
@@ -1618,7 +1618,7 @@
           <a:p>
             <a:fld id="{EC74FADF-D0C6-45B9-9519-8E9831A40386}" type="datetimeFigureOut">
               <a:rPr lang="en-HK" smtClean="0"/>
-              <a:t>26/10/2021</a:t>
+              <a:t>22/11/2021</a:t>
             </a:fld>
             <a:endParaRPr lang="en-HK"/>
           </a:p>
@@ -1669,7 +1669,7 @@
     </p:spTree>
     <p:extLst>
       <p:ext uri="{BB962C8B-B14F-4D97-AF65-F5344CB8AC3E}">
-        <p14:creationId xmlns:p14="http://schemas.microsoft.com/office/powerpoint/2010/main" val="933285023"/>
+        <p14:creationId xmlns:p14="http://schemas.microsoft.com/office/powerpoint/2010/main" val="1283784780"/>
       </p:ext>
     </p:extLst>
   </p:cSld>
@@ -1712,7 +1712,7 @@
           <a:lstStyle/>
           <a:p>
             <a:r>
-              <a:rPr lang="en-US"/>
+              <a:rPr lang="en-US" altLang="zh-CN"/>
               <a:t>Click to edit Master title style</a:t>
             </a:r>
             <a:endParaRPr lang="en-US" dirty="0"/>
@@ -1736,7 +1736,7 @@
           <a:p>
             <a:fld id="{EC74FADF-D0C6-45B9-9519-8E9831A40386}" type="datetimeFigureOut">
               <a:rPr lang="en-HK" smtClean="0"/>
-              <a:t>26/10/2021</a:t>
+              <a:t>22/11/2021</a:t>
             </a:fld>
             <a:endParaRPr lang="en-HK"/>
           </a:p>
@@ -1787,7 +1787,7 @@
     </p:spTree>
     <p:extLst>
       <p:ext uri="{BB962C8B-B14F-4D97-AF65-F5344CB8AC3E}">
-        <p14:creationId xmlns:p14="http://schemas.microsoft.com/office/powerpoint/2010/main" val="4225769988"/>
+        <p14:creationId xmlns:p14="http://schemas.microsoft.com/office/powerpoint/2010/main" val="3104999330"/>
       </p:ext>
     </p:extLst>
   </p:cSld>
@@ -1831,7 +1831,7 @@
           <a:p>
             <a:fld id="{EC74FADF-D0C6-45B9-9519-8E9831A40386}" type="datetimeFigureOut">
               <a:rPr lang="en-HK" smtClean="0"/>
-              <a:t>26/10/2021</a:t>
+              <a:t>22/11/2021</a:t>
             </a:fld>
             <a:endParaRPr lang="en-HK"/>
           </a:p>
@@ -1882,7 +1882,7 @@
     </p:spTree>
     <p:extLst>
       <p:ext uri="{BB962C8B-B14F-4D97-AF65-F5344CB8AC3E}">
-        <p14:creationId xmlns:p14="http://schemas.microsoft.com/office/powerpoint/2010/main" val="1729798488"/>
+        <p14:creationId xmlns:p14="http://schemas.microsoft.com/office/powerpoint/2010/main" val="2537481491"/>
       </p:ext>
     </p:extLst>
   </p:cSld>
@@ -1921,8 +1921,8 @@
         </p:nvSpPr>
         <p:spPr>
           <a:xfrm>
-            <a:off x="1388603" y="1584008"/>
-            <a:ext cx="6502016" cy="5544026"/>
+            <a:off x="1388603" y="1679998"/>
+            <a:ext cx="6502016" cy="5879994"/>
           </a:xfrm>
         </p:spPr>
         <p:txBody>
@@ -1934,7 +1934,7 @@
           </a:lstStyle>
           <a:p>
             <a:r>
-              <a:rPr lang="en-US"/>
+              <a:rPr lang="en-US" altLang="zh-CN"/>
               <a:t>Click to edit Master title style</a:t>
             </a:r>
             <a:endParaRPr lang="en-US" dirty="0"/>
@@ -1953,8 +1953,8 @@
         </p:nvSpPr>
         <p:spPr>
           <a:xfrm>
-            <a:off x="8570483" y="3421022"/>
-            <a:ext cx="10205829" cy="16885080"/>
+            <a:off x="8570483" y="3628335"/>
+            <a:ext cx="10205829" cy="17908316"/>
           </a:xfrm>
         </p:spPr>
         <p:txBody>
@@ -1991,35 +1991,35 @@
           <a:p>
             <a:pPr lvl="0"/>
             <a:r>
-              <a:rPr lang="en-US"/>
-              <a:t>Edit Master text styles</a:t>
+              <a:rPr lang="en-US" altLang="zh-CN"/>
+              <a:t>Click to edit Master text styles</a:t>
             </a:r>
           </a:p>
           <a:p>
             <a:pPr lvl="1"/>
             <a:r>
-              <a:rPr lang="en-US"/>
+              <a:rPr lang="en-US" altLang="zh-CN"/>
               <a:t>Second level</a:t>
             </a:r>
           </a:p>
           <a:p>
             <a:pPr lvl="2"/>
             <a:r>
-              <a:rPr lang="en-US"/>
+              <a:rPr lang="en-US" altLang="zh-CN"/>
               <a:t>Third level</a:t>
             </a:r>
           </a:p>
           <a:p>
             <a:pPr lvl="3"/>
             <a:r>
-              <a:rPr lang="en-US"/>
+              <a:rPr lang="en-US" altLang="zh-CN"/>
               <a:t>Fourth level</a:t>
             </a:r>
           </a:p>
           <a:p>
             <a:pPr lvl="4"/>
             <a:r>
-              <a:rPr lang="en-US"/>
+              <a:rPr lang="en-US" altLang="zh-CN"/>
               <a:t>Fifth level</a:t>
             </a:r>
             <a:endParaRPr lang="en-US" dirty="0"/>
@@ -2038,8 +2038,8 @@
         </p:nvSpPr>
         <p:spPr>
           <a:xfrm>
-            <a:off x="1388603" y="7128034"/>
-            <a:ext cx="6502016" cy="13205565"/>
+            <a:off x="1388603" y="7559993"/>
+            <a:ext cx="6502016" cy="14005821"/>
           </a:xfrm>
         </p:spPr>
         <p:txBody>
@@ -2085,8 +2085,8 @@
           <a:p>
             <a:pPr lvl="0"/>
             <a:r>
-              <a:rPr lang="en-US"/>
-              <a:t>Edit Master text styles</a:t>
+              <a:rPr lang="en-US" altLang="zh-CN"/>
+              <a:t>Click to edit Master text styles</a:t>
             </a:r>
           </a:p>
         </p:txBody>
@@ -2108,7 +2108,7 @@
           <a:p>
             <a:fld id="{EC74FADF-D0C6-45B9-9519-8E9831A40386}" type="datetimeFigureOut">
               <a:rPr lang="en-HK" smtClean="0"/>
-              <a:t>26/10/2021</a:t>
+              <a:t>22/11/2021</a:t>
             </a:fld>
             <a:endParaRPr lang="en-HK"/>
           </a:p>
@@ -2159,7 +2159,7 @@
     </p:spTree>
     <p:extLst>
       <p:ext uri="{BB962C8B-B14F-4D97-AF65-F5344CB8AC3E}">
-        <p14:creationId xmlns:p14="http://schemas.microsoft.com/office/powerpoint/2010/main" val="794962510"/>
+        <p14:creationId xmlns:p14="http://schemas.microsoft.com/office/powerpoint/2010/main" val="170551655"/>
       </p:ext>
     </p:extLst>
   </p:cSld>
@@ -2198,8 +2198,8 @@
         </p:nvSpPr>
         <p:spPr>
           <a:xfrm>
-            <a:off x="1388603" y="1584008"/>
-            <a:ext cx="6502016" cy="5544026"/>
+            <a:off x="1388603" y="1679998"/>
+            <a:ext cx="6502016" cy="5879994"/>
           </a:xfrm>
         </p:spPr>
         <p:txBody>
@@ -2211,7 +2211,7 @@
           </a:lstStyle>
           <a:p>
             <a:r>
-              <a:rPr lang="en-US"/>
+              <a:rPr lang="en-US" altLang="zh-CN"/>
               <a:t>Click to edit Master title style</a:t>
             </a:r>
             <a:endParaRPr lang="en-US" dirty="0"/>
@@ -2230,8 +2230,8 @@
         </p:nvSpPr>
         <p:spPr>
           <a:xfrm>
-            <a:off x="8570483" y="3421022"/>
-            <a:ext cx="10205829" cy="16885080"/>
+            <a:off x="8570483" y="3628335"/>
+            <a:ext cx="10205829" cy="17908316"/>
           </a:xfrm>
         </p:spPr>
         <p:txBody>
@@ -2276,7 +2276,7 @@
           </a:lstStyle>
           <a:p>
             <a:r>
-              <a:rPr lang="en-US"/>
+              <a:rPr lang="en-US" altLang="zh-CN"/>
               <a:t>Click icon to add picture</a:t>
             </a:r>
             <a:endParaRPr lang="en-US" dirty="0"/>
@@ -2295,8 +2295,8 @@
         </p:nvSpPr>
         <p:spPr>
           <a:xfrm>
-            <a:off x="1388603" y="7128034"/>
-            <a:ext cx="6502016" cy="13205565"/>
+            <a:off x="1388603" y="7559993"/>
+            <a:ext cx="6502016" cy="14005821"/>
           </a:xfrm>
         </p:spPr>
         <p:txBody>
@@ -2342,8 +2342,8 @@
           <a:p>
             <a:pPr lvl="0"/>
             <a:r>
-              <a:rPr lang="en-US"/>
-              <a:t>Edit Master text styles</a:t>
+              <a:rPr lang="en-US" altLang="zh-CN"/>
+              <a:t>Click to edit Master text styles</a:t>
             </a:r>
           </a:p>
         </p:txBody>
@@ -2365,7 +2365,7 @@
           <a:p>
             <a:fld id="{EC74FADF-D0C6-45B9-9519-8E9831A40386}" type="datetimeFigureOut">
               <a:rPr lang="en-HK" smtClean="0"/>
-              <a:t>26/10/2021</a:t>
+              <a:t>22/11/2021</a:t>
             </a:fld>
             <a:endParaRPr lang="en-HK"/>
           </a:p>
@@ -2416,7 +2416,7 @@
     </p:spTree>
     <p:extLst>
       <p:ext uri="{BB962C8B-B14F-4D97-AF65-F5344CB8AC3E}">
-        <p14:creationId xmlns:p14="http://schemas.microsoft.com/office/powerpoint/2010/main" val="978610914"/>
+        <p14:creationId xmlns:p14="http://schemas.microsoft.com/office/powerpoint/2010/main" val="2947552450"/>
       </p:ext>
     </p:extLst>
   </p:cSld>
@@ -2460,8 +2460,8 @@
         </p:nvSpPr>
         <p:spPr>
           <a:xfrm>
-            <a:off x="1385977" y="1265011"/>
-            <a:ext cx="17387709" cy="4592524"/>
+            <a:off x="1385977" y="1341671"/>
+            <a:ext cx="17387709" cy="4870830"/>
           </a:xfrm>
           <a:prstGeom prst="rect">
             <a:avLst/>
@@ -2474,7 +2474,7 @@
           <a:lstStyle/>
           <a:p>
             <a:r>
-              <a:rPr lang="en-US"/>
+              <a:rPr lang="en-US" altLang="zh-CN"/>
               <a:t>Click to edit Master title style</a:t>
             </a:r>
             <a:endParaRPr lang="en-US" dirty="0"/>
@@ -2493,8 +2493,8 @@
         </p:nvSpPr>
         <p:spPr>
           <a:xfrm>
-            <a:off x="1385977" y="6325030"/>
-            <a:ext cx="17387709" cy="15075573"/>
+            <a:off x="1385977" y="6708326"/>
+            <a:ext cx="17387709" cy="15989153"/>
           </a:xfrm>
           <a:prstGeom prst="rect">
             <a:avLst/>
@@ -2508,35 +2508,35 @@
           <a:p>
             <a:pPr lvl="0"/>
             <a:r>
-              <a:rPr lang="en-US"/>
-              <a:t>Edit Master text styles</a:t>
+              <a:rPr lang="en-US" altLang="zh-CN"/>
+              <a:t>Click to edit Master text styles</a:t>
             </a:r>
           </a:p>
           <a:p>
             <a:pPr lvl="1"/>
             <a:r>
-              <a:rPr lang="en-US"/>
+              <a:rPr lang="en-US" altLang="zh-CN"/>
               <a:t>Second level</a:t>
             </a:r>
           </a:p>
           <a:p>
             <a:pPr lvl="2"/>
             <a:r>
-              <a:rPr lang="en-US"/>
+              <a:rPr lang="en-US" altLang="zh-CN"/>
               <a:t>Third level</a:t>
             </a:r>
           </a:p>
           <a:p>
             <a:pPr lvl="3"/>
             <a:r>
-              <a:rPr lang="en-US"/>
+              <a:rPr lang="en-US" altLang="zh-CN"/>
               <a:t>Fourth level</a:t>
             </a:r>
           </a:p>
           <a:p>
             <a:pPr lvl="4"/>
             <a:r>
-              <a:rPr lang="en-US"/>
+              <a:rPr lang="en-US" altLang="zh-CN"/>
               <a:t>Fifth level</a:t>
             </a:r>
             <a:endParaRPr lang="en-US" dirty="0"/>
@@ -2555,8 +2555,8 @@
         </p:nvSpPr>
         <p:spPr>
           <a:xfrm>
-            <a:off x="1385977" y="22022110"/>
-            <a:ext cx="4535924" cy="1265006"/>
+            <a:off x="1385977" y="23356649"/>
+            <a:ext cx="4535924" cy="1341665"/>
           </a:xfrm>
           <a:prstGeom prst="rect">
             <a:avLst/>
@@ -2578,7 +2578,7 @@
           <a:p>
             <a:fld id="{EC74FADF-D0C6-45B9-9519-8E9831A40386}" type="datetimeFigureOut">
               <a:rPr lang="en-HK" smtClean="0"/>
-              <a:t>26/10/2021</a:t>
+              <a:t>22/11/2021</a:t>
             </a:fld>
             <a:endParaRPr lang="en-HK"/>
           </a:p>
@@ -2596,8 +2596,8 @@
         </p:nvSpPr>
         <p:spPr>
           <a:xfrm>
-            <a:off x="6677889" y="22022110"/>
-            <a:ext cx="6803886" cy="1265006"/>
+            <a:off x="6677889" y="23356649"/>
+            <a:ext cx="6803886" cy="1341665"/>
           </a:xfrm>
           <a:prstGeom prst="rect">
             <a:avLst/>
@@ -2633,8 +2633,8 @@
         </p:nvSpPr>
         <p:spPr>
           <a:xfrm>
-            <a:off x="14237762" y="22022110"/>
-            <a:ext cx="4535924" cy="1265006"/>
+            <a:off x="14237762" y="23356649"/>
+            <a:ext cx="4535924" cy="1341665"/>
           </a:xfrm>
           <a:prstGeom prst="rect">
             <a:avLst/>
@@ -2665,23 +2665,23 @@
     </p:spTree>
     <p:extLst>
       <p:ext uri="{BB962C8B-B14F-4D97-AF65-F5344CB8AC3E}">
-        <p14:creationId xmlns:p14="http://schemas.microsoft.com/office/powerpoint/2010/main" val="855445699"/>
+        <p14:creationId xmlns:p14="http://schemas.microsoft.com/office/powerpoint/2010/main" val="282884706"/>
       </p:ext>
     </p:extLst>
   </p:cSld>
   <p:clrMap bg1="lt1" tx1="dk1" bg2="lt2" tx2="dk2" accent1="accent1" accent2="accent2" accent3="accent3" accent4="accent4" accent5="accent5" accent6="accent6" hlink="hlink" folHlink="folHlink"/>
   <p:sldLayoutIdLst>
-    <p:sldLayoutId id="2147483721" r:id="rId1"/>
-    <p:sldLayoutId id="2147483722" r:id="rId2"/>
-    <p:sldLayoutId id="2147483723" r:id="rId3"/>
-    <p:sldLayoutId id="2147483724" r:id="rId4"/>
-    <p:sldLayoutId id="2147483725" r:id="rId5"/>
-    <p:sldLayoutId id="2147483726" r:id="rId6"/>
-    <p:sldLayoutId id="2147483727" r:id="rId7"/>
-    <p:sldLayoutId id="2147483728" r:id="rId8"/>
-    <p:sldLayoutId id="2147483729" r:id="rId9"/>
-    <p:sldLayoutId id="2147483730" r:id="rId10"/>
-    <p:sldLayoutId id="2147483731" r:id="rId11"/>
+    <p:sldLayoutId id="2147483733" r:id="rId1"/>
+    <p:sldLayoutId id="2147483734" r:id="rId2"/>
+    <p:sldLayoutId id="2147483735" r:id="rId3"/>
+    <p:sldLayoutId id="2147483736" r:id="rId4"/>
+    <p:sldLayoutId id="2147483737" r:id="rId5"/>
+    <p:sldLayoutId id="2147483738" r:id="rId6"/>
+    <p:sldLayoutId id="2147483739" r:id="rId7"/>
+    <p:sldLayoutId id="2147483740" r:id="rId8"/>
+    <p:sldLayoutId id="2147483741" r:id="rId9"/>
+    <p:sldLayoutId id="2147483742" r:id="rId10"/>
+    <p:sldLayoutId id="2147483743" r:id="rId11"/>
   </p:sldLayoutIdLst>
   <p:txStyles>
     <p:titleStyle>
@@ -2983,12 +2983,85 @@
           <a:chExt cx="0" cy="0"/>
         </a:xfrm>
       </p:grpSpPr>
+      <p:pic>
+        <p:nvPicPr>
+          <p:cNvPr id="11" name="图片 10" descr="图片包含 烛台, 物体, 挂, 一群&#10;&#10;描述已自动生成">
+            <a:extLst>
+              <a:ext uri="{FF2B5EF4-FFF2-40B4-BE49-F238E27FC236}">
+                <a16:creationId xmlns:a16="http://schemas.microsoft.com/office/drawing/2014/main" id="{53D59DC4-73F6-4594-B3B3-B6A951F0FD3A}"/>
+              </a:ext>
+            </a:extLst>
+          </p:cNvPr>
+          <p:cNvPicPr>
+            <a:picLocks noChangeAspect="1"/>
+          </p:cNvPicPr>
+          <p:nvPr/>
+        </p:nvPicPr>
+        <p:blipFill>
+          <a:blip r:embed="rId2">
+            <a:alphaModFix/>
+            <a:extLst>
+              <a:ext uri="{28A0092B-C50C-407E-A947-70E740481C1C}">
+                <a14:useLocalDpi xmlns:a14="http://schemas.microsoft.com/office/drawing/2010/main" val="0"/>
+              </a:ext>
+            </a:extLst>
+          </a:blip>
+          <a:stretch>
+            <a:fillRect/>
+          </a:stretch>
+        </p:blipFill>
+        <p:spPr>
+          <a:xfrm>
+            <a:off x="12017682" y="641082"/>
+            <a:ext cx="8067447" cy="11111948"/>
+          </a:xfrm>
+          <a:prstGeom prst="rect">
+            <a:avLst/>
+          </a:prstGeom>
+        </p:spPr>
+      </p:pic>
+      <p:sp>
+        <p:nvSpPr>
+          <p:cNvPr id="660" name="TextBox 659">
+            <a:extLst>
+              <a:ext uri="{FF2B5EF4-FFF2-40B4-BE49-F238E27FC236}">
+                <a16:creationId xmlns:a16="http://schemas.microsoft.com/office/drawing/2014/main" id="{262CFA62-F2D0-4CBE-B33D-5B6B62034E61}"/>
+              </a:ext>
+            </a:extLst>
+          </p:cNvPr>
+          <p:cNvSpPr txBox="1"/>
+          <p:nvPr/>
+        </p:nvSpPr>
+        <p:spPr>
+          <a:xfrm>
+            <a:off x="11547212" y="380905"/>
+            <a:ext cx="632966" cy="646331"/>
+          </a:xfrm>
+          <a:prstGeom prst="rect">
+            <a:avLst/>
+          </a:prstGeom>
+          <a:noFill/>
+        </p:spPr>
+        <p:txBody>
+          <a:bodyPr wrap="square" rtlCol="0">
+            <a:spAutoFit/>
+          </a:bodyPr>
+          <a:lstStyle/>
+          <a:p>
+            <a:r>
+              <a:rPr lang="en-US" altLang="zh-CN" sz="3600" b="1" dirty="0"/>
+              <a:t>c</a:t>
+            </a:r>
+            <a:endParaRPr lang="zh-CN" altLang="en-US" sz="3600" b="1" dirty="0"/>
+          </a:p>
+        </p:txBody>
+      </p:sp>
       <p:grpSp>
         <p:nvGrpSpPr>
-          <p:cNvPr id="655" name="Group 654">
+          <p:cNvPr id="8" name="Group 7">
             <a:extLst>
               <a:ext uri="{FF2B5EF4-FFF2-40B4-BE49-F238E27FC236}">
-                <a16:creationId xmlns:a16="http://schemas.microsoft.com/office/drawing/2014/main" id="{8346FEA9-7C71-43FD-8BB1-23972A5A16D0}"/>
+                <a16:creationId xmlns:a16="http://schemas.microsoft.com/office/drawing/2014/main" id="{35588CFC-5F4E-4371-9839-F2DC83780AB9}"/>
               </a:ext>
             </a:extLst>
           </p:cNvPr>
@@ -2997,461 +3070,309 @@
         </p:nvGrpSpPr>
         <p:grpSpPr>
           <a:xfrm>
-            <a:off x="10864301" y="316756"/>
-            <a:ext cx="9281188" cy="13175593"/>
-            <a:chOff x="10829777" y="966640"/>
-            <a:chExt cx="7316550" cy="12935038"/>
+            <a:off x="12032287" y="11707499"/>
+            <a:ext cx="8006772" cy="1916066"/>
+            <a:chOff x="11684375" y="11479934"/>
+            <a:chExt cx="8006772" cy="1916066"/>
           </a:xfrm>
         </p:grpSpPr>
-        <p:grpSp>
-          <p:nvGrpSpPr>
-            <p:cNvPr id="656" name="Group 655">
+        <p:sp>
+          <p:nvSpPr>
+            <p:cNvPr id="661" name="TextBox 660">
               <a:extLst>
                 <a:ext uri="{FF2B5EF4-FFF2-40B4-BE49-F238E27FC236}">
-                  <a16:creationId xmlns:a16="http://schemas.microsoft.com/office/drawing/2014/main" id="{D81E0850-1F7A-499D-9B97-D62CC8EB19FD}"/>
+                  <a16:creationId xmlns:a16="http://schemas.microsoft.com/office/drawing/2014/main" id="{EFB9895B-5826-459A-9058-C1D6689F7621}"/>
                 </a:ext>
               </a:extLst>
             </p:cNvPr>
-            <p:cNvGrpSpPr/>
+            <p:cNvSpPr txBox="1"/>
             <p:nvPr/>
-          </p:nvGrpSpPr>
-          <p:grpSpPr>
-            <a:xfrm>
-              <a:off x="10829777" y="966640"/>
-              <a:ext cx="7316550" cy="12520071"/>
-              <a:chOff x="10874647" y="8339822"/>
-              <a:chExt cx="7316550" cy="10864763"/>
-            </a:xfrm>
-          </p:grpSpPr>
-          <p:pic>
-            <p:nvPicPr>
-              <p:cNvPr id="659" name="Picture 658">
-                <a:extLst>
-                  <a:ext uri="{FF2B5EF4-FFF2-40B4-BE49-F238E27FC236}">
-                    <a16:creationId xmlns:a16="http://schemas.microsoft.com/office/drawing/2014/main" id="{DEEDE24C-EDA7-43A9-9125-1223550A6043}"/>
-                  </a:ext>
-                </a:extLst>
-              </p:cNvPr>
-              <p:cNvPicPr>
-                <a:picLocks noChangeAspect="1"/>
-              </p:cNvPicPr>
-              <p:nvPr/>
-            </p:nvPicPr>
-            <p:blipFill rotWithShape="1">
-              <a:blip r:embed="rId2">
-                <a:extLst>
-                  <a:ext uri="{28A0092B-C50C-407E-A947-70E740481C1C}">
-                    <a14:useLocalDpi xmlns:a14="http://schemas.microsoft.com/office/drawing/2010/main" val="0"/>
-                  </a:ext>
-                </a:extLst>
-              </a:blip>
-              <a:srcRect b="7212"/>
-              <a:stretch/>
-            </p:blipFill>
-            <p:spPr>
-              <a:xfrm>
-                <a:off x="10874647" y="8595330"/>
-                <a:ext cx="7316550" cy="10609255"/>
-              </a:xfrm>
-              <a:prstGeom prst="rect">
-                <a:avLst/>
-              </a:prstGeom>
-            </p:spPr>
-          </p:pic>
-          <p:sp>
-            <p:nvSpPr>
-              <p:cNvPr id="660" name="TextBox 659">
-                <a:extLst>
-                  <a:ext uri="{FF2B5EF4-FFF2-40B4-BE49-F238E27FC236}">
-                    <a16:creationId xmlns:a16="http://schemas.microsoft.com/office/drawing/2014/main" id="{262CFA62-F2D0-4CBE-B33D-5B6B62034E61}"/>
-                  </a:ext>
-                </a:extLst>
-              </p:cNvPr>
-              <p:cNvSpPr txBox="1"/>
-              <p:nvPr/>
-            </p:nvSpPr>
-            <p:spPr>
-              <a:xfrm>
-                <a:off x="11040614" y="8339822"/>
-                <a:ext cx="498980" cy="573342"/>
-              </a:xfrm>
-              <a:prstGeom prst="rect">
-                <a:avLst/>
-              </a:prstGeom>
-              <a:noFill/>
-            </p:spPr>
-            <p:txBody>
-              <a:bodyPr wrap="square" rtlCol="0">
-                <a:spAutoFit/>
-              </a:bodyPr>
-              <a:lstStyle/>
-              <a:p>
-                <a:r>
-                  <a:rPr lang="en-US" altLang="zh-CN" sz="3600" b="1" dirty="0"/>
-                  <a:t>c</a:t>
-                </a:r>
-                <a:endParaRPr lang="zh-CN" altLang="en-US" sz="3600" b="1" dirty="0"/>
-              </a:p>
-            </p:txBody>
-          </p:sp>
-        </p:grpSp>
-        <p:pic>
-          <p:nvPicPr>
-            <p:cNvPr id="657" name="Picture 656">
-              <a:extLst>
-                <a:ext uri="{FF2B5EF4-FFF2-40B4-BE49-F238E27FC236}">
-                  <a16:creationId xmlns:a16="http://schemas.microsoft.com/office/drawing/2014/main" id="{8F39B5FF-9F91-409E-98B3-FF47876C9C1D}"/>
-                </a:ext>
-              </a:extLst>
-            </p:cNvPr>
-            <p:cNvPicPr>
-              <a:picLocks noChangeAspect="1"/>
-            </p:cNvPicPr>
-            <p:nvPr/>
-          </p:nvPicPr>
-          <p:blipFill>
-            <a:blip r:embed="rId3"/>
-            <a:stretch>
-              <a:fillRect/>
-            </a:stretch>
-          </p:blipFill>
+          </p:nvSpPr>
           <p:spPr>
-            <a:xfrm>
-              <a:off x="16976580" y="13596916"/>
-              <a:ext cx="342857" cy="304762"/>
+            <a:xfrm rot="2617619">
+              <a:off x="11684375" y="11521056"/>
+              <a:ext cx="738664" cy="1618247"/>
             </a:xfrm>
             <a:prstGeom prst="rect">
               <a:avLst/>
             </a:prstGeom>
+            <a:noFill/>
           </p:spPr>
-        </p:pic>
-        <p:pic>
-          <p:nvPicPr>
-            <p:cNvPr id="658" name="Picture 657">
+          <p:txBody>
+            <a:bodyPr vert="vert270" wrap="square" rtlCol="0">
+              <a:spAutoFit/>
+            </a:bodyPr>
+            <a:lstStyle/>
+            <a:p>
+              <a:pPr algn="ctr"/>
+              <a:r>
+                <a:rPr lang="en-US" altLang="zh-CN" b="1" dirty="0"/>
+                <a:t>2014_ZellerG (EU)</a:t>
+              </a:r>
+              <a:endParaRPr lang="zh-CN" altLang="en-US" b="1" dirty="0"/>
+            </a:p>
+          </p:txBody>
+        </p:sp>
+        <p:sp>
+          <p:nvSpPr>
+            <p:cNvPr id="662" name="TextBox 661">
               <a:extLst>
                 <a:ext uri="{FF2B5EF4-FFF2-40B4-BE49-F238E27FC236}">
-                  <a16:creationId xmlns:a16="http://schemas.microsoft.com/office/drawing/2014/main" id="{8603B8A5-281B-4FCD-8EE2-CF2952985614}"/>
+                  <a16:creationId xmlns:a16="http://schemas.microsoft.com/office/drawing/2014/main" id="{82EA65A3-F9A2-4CE7-B8BA-CD2267317C55}"/>
                 </a:ext>
               </a:extLst>
             </p:cNvPr>
-            <p:cNvPicPr>
-              <a:picLocks noChangeAspect="1"/>
-            </p:cNvPicPr>
+            <p:cNvSpPr txBox="1"/>
             <p:nvPr/>
-          </p:nvPicPr>
-          <p:blipFill>
-            <a:blip r:embed="rId3"/>
-            <a:stretch>
-              <a:fillRect/>
-            </a:stretch>
-          </p:blipFill>
+          </p:nvSpPr>
           <p:spPr>
-            <a:xfrm>
-              <a:off x="17766139" y="13479302"/>
-              <a:ext cx="342857" cy="304762"/>
+            <a:xfrm rot="2617619">
+              <a:off x="12726623" y="11535090"/>
+              <a:ext cx="738664" cy="1516602"/>
             </a:xfrm>
             <a:prstGeom prst="rect">
               <a:avLst/>
             </a:prstGeom>
+            <a:noFill/>
           </p:spPr>
-        </p:pic>
+          <p:txBody>
+            <a:bodyPr vert="vert270" wrap="square" rtlCol="0">
+              <a:spAutoFit/>
+            </a:bodyPr>
+            <a:lstStyle/>
+            <a:p>
+              <a:pPr algn="ctr"/>
+              <a:r>
+                <a:rPr lang="en-US" altLang="zh-CN" b="1" dirty="0"/>
+                <a:t>2015_FengQ (OC)</a:t>
+              </a:r>
+              <a:endParaRPr lang="zh-CN" altLang="en-US" b="1" dirty="0"/>
+            </a:p>
+          </p:txBody>
+        </p:sp>
+        <p:sp>
+          <p:nvSpPr>
+            <p:cNvPr id="663" name="TextBox 662">
+              <a:extLst>
+                <a:ext uri="{FF2B5EF4-FFF2-40B4-BE49-F238E27FC236}">
+                  <a16:creationId xmlns:a16="http://schemas.microsoft.com/office/drawing/2014/main" id="{91E08CEE-E558-4600-9627-6C6688DCB7BD}"/>
+                </a:ext>
+              </a:extLst>
+            </p:cNvPr>
+            <p:cNvSpPr txBox="1"/>
+            <p:nvPr/>
+          </p:nvSpPr>
+          <p:spPr>
+            <a:xfrm rot="2617619">
+              <a:off x="13730346" y="11479934"/>
+              <a:ext cx="738664" cy="1916066"/>
+            </a:xfrm>
+            <a:prstGeom prst="rect">
+              <a:avLst/>
+            </a:prstGeom>
+            <a:noFill/>
+          </p:spPr>
+          <p:txBody>
+            <a:bodyPr vert="vert270" wrap="square" rtlCol="0">
+              <a:spAutoFit/>
+            </a:bodyPr>
+            <a:lstStyle/>
+            <a:p>
+              <a:pPr algn="ctr"/>
+              <a:r>
+                <a:rPr lang="en-US" altLang="zh-CN" b="1" dirty="0"/>
+                <a:t>2016_VogtmannE (NA)</a:t>
+              </a:r>
+              <a:endParaRPr lang="zh-CN" altLang="en-US" b="1" dirty="0"/>
+            </a:p>
+          </p:txBody>
+        </p:sp>
+        <p:sp>
+          <p:nvSpPr>
+            <p:cNvPr id="664" name="TextBox 663">
+              <a:extLst>
+                <a:ext uri="{FF2B5EF4-FFF2-40B4-BE49-F238E27FC236}">
+                  <a16:creationId xmlns:a16="http://schemas.microsoft.com/office/drawing/2014/main" id="{07CCF983-BBED-485E-A6C9-C77AE888CF2F}"/>
+                </a:ext>
+              </a:extLst>
+            </p:cNvPr>
+            <p:cNvSpPr txBox="1"/>
+            <p:nvPr/>
+          </p:nvSpPr>
+          <p:spPr>
+            <a:xfrm rot="2617619">
+              <a:off x="14760015" y="11486182"/>
+              <a:ext cx="738664" cy="1870815"/>
+            </a:xfrm>
+            <a:prstGeom prst="rect">
+              <a:avLst/>
+            </a:prstGeom>
+            <a:noFill/>
+          </p:spPr>
+          <p:txBody>
+            <a:bodyPr vert="vert270" wrap="square" rtlCol="0">
+              <a:spAutoFit/>
+            </a:bodyPr>
+            <a:lstStyle/>
+            <a:p>
+              <a:pPr algn="ctr"/>
+              <a:r>
+                <a:rPr lang="en-US" altLang="zh-CN" b="1" dirty="0"/>
+                <a:t>2019_ThomasAM (EU)</a:t>
+              </a:r>
+              <a:endParaRPr lang="zh-CN" altLang="en-US" b="1" dirty="0"/>
+            </a:p>
+          </p:txBody>
+        </p:sp>
+        <p:sp>
+          <p:nvSpPr>
+            <p:cNvPr id="665" name="TextBox 664">
+              <a:extLst>
+                <a:ext uri="{FF2B5EF4-FFF2-40B4-BE49-F238E27FC236}">
+                  <a16:creationId xmlns:a16="http://schemas.microsoft.com/office/drawing/2014/main" id="{0224A582-0709-4176-8C8E-4CBE9DC88759}"/>
+                </a:ext>
+              </a:extLst>
+            </p:cNvPr>
+            <p:cNvSpPr txBox="1"/>
+            <p:nvPr/>
+          </p:nvSpPr>
+          <p:spPr>
+            <a:xfrm rot="2617619">
+              <a:off x="15776082" y="11519623"/>
+              <a:ext cx="738664" cy="1628618"/>
+            </a:xfrm>
+            <a:prstGeom prst="rect">
+              <a:avLst/>
+            </a:prstGeom>
+            <a:noFill/>
+          </p:spPr>
+          <p:txBody>
+            <a:bodyPr vert="vert270" wrap="square" rtlCol="0">
+              <a:spAutoFit/>
+            </a:bodyPr>
+            <a:lstStyle/>
+            <a:p>
+              <a:pPr algn="ctr"/>
+              <a:r>
+                <a:rPr lang="en-US" altLang="zh-CN" b="1" dirty="0"/>
+                <a:t>2019_WirbelJ (EU)</a:t>
+              </a:r>
+              <a:endParaRPr lang="zh-CN" altLang="en-US" b="1" dirty="0"/>
+            </a:p>
+          </p:txBody>
+        </p:sp>
+        <p:sp>
+          <p:nvSpPr>
+            <p:cNvPr id="666" name="TextBox 665">
+              <a:extLst>
+                <a:ext uri="{FF2B5EF4-FFF2-40B4-BE49-F238E27FC236}">
+                  <a16:creationId xmlns:a16="http://schemas.microsoft.com/office/drawing/2014/main" id="{B5B21418-CB28-4C5B-8A67-2A13CD43EAEC}"/>
+                </a:ext>
+              </a:extLst>
+            </p:cNvPr>
+            <p:cNvSpPr txBox="1"/>
+            <p:nvPr/>
+          </p:nvSpPr>
+          <p:spPr>
+            <a:xfrm rot="2617619">
+              <a:off x="16801699" y="11511410"/>
+              <a:ext cx="738664" cy="1688103"/>
+            </a:xfrm>
+            <a:prstGeom prst="rect">
+              <a:avLst/>
+            </a:prstGeom>
+            <a:noFill/>
+          </p:spPr>
+          <p:txBody>
+            <a:bodyPr vert="vert270" wrap="square" rtlCol="0">
+              <a:spAutoFit/>
+            </a:bodyPr>
+            <a:lstStyle/>
+            <a:p>
+              <a:pPr algn="ctr"/>
+              <a:r>
+                <a:rPr lang="en-US" altLang="zh-CN" b="1" dirty="0"/>
+                <a:t>2019_YachidaS (AS)</a:t>
+              </a:r>
+              <a:endParaRPr lang="zh-CN" altLang="en-US" b="1" dirty="0"/>
+            </a:p>
+          </p:txBody>
+        </p:sp>
+        <p:sp>
+          <p:nvSpPr>
+            <p:cNvPr id="667" name="TextBox 666">
+              <a:extLst>
+                <a:ext uri="{FF2B5EF4-FFF2-40B4-BE49-F238E27FC236}">
+                  <a16:creationId xmlns:a16="http://schemas.microsoft.com/office/drawing/2014/main" id="{9B0E3F03-24AC-4B78-BE81-94ED58CFF606}"/>
+                </a:ext>
+              </a:extLst>
+            </p:cNvPr>
+            <p:cNvSpPr txBox="1"/>
+            <p:nvPr/>
+          </p:nvSpPr>
+          <p:spPr>
+            <a:xfrm rot="2617619">
+              <a:off x="17931075" y="11605504"/>
+              <a:ext cx="738664" cy="1006644"/>
+            </a:xfrm>
+            <a:prstGeom prst="rect">
+              <a:avLst/>
+            </a:prstGeom>
+            <a:noFill/>
+          </p:spPr>
+          <p:txBody>
+            <a:bodyPr vert="vert270" wrap="square" rtlCol="0">
+              <a:spAutoFit/>
+            </a:bodyPr>
+            <a:lstStyle/>
+            <a:p>
+              <a:pPr algn="ctr"/>
+              <a:r>
+                <a:rPr lang="en-US" altLang="zh-CN" b="1" dirty="0"/>
+                <a:t>2017_YuJ (AS)</a:t>
+              </a:r>
+              <a:endParaRPr lang="zh-CN" altLang="en-US" b="1" dirty="0"/>
+            </a:p>
+          </p:txBody>
+        </p:sp>
+        <p:sp>
+          <p:nvSpPr>
+            <p:cNvPr id="668" name="TextBox 667">
+              <a:extLst>
+                <a:ext uri="{FF2B5EF4-FFF2-40B4-BE49-F238E27FC236}">
+                  <a16:creationId xmlns:a16="http://schemas.microsoft.com/office/drawing/2014/main" id="{0E39B66C-3695-4835-82D0-0CE62BD08AB7}"/>
+                </a:ext>
+              </a:extLst>
+            </p:cNvPr>
+            <p:cNvSpPr txBox="1"/>
+            <p:nvPr/>
+          </p:nvSpPr>
+          <p:spPr>
+            <a:xfrm rot="2617619">
+              <a:off x="18952483" y="11605504"/>
+              <a:ext cx="738664" cy="1006644"/>
+            </a:xfrm>
+            <a:prstGeom prst="rect">
+              <a:avLst/>
+            </a:prstGeom>
+            <a:noFill/>
+          </p:spPr>
+          <p:txBody>
+            <a:bodyPr vert="vert270" wrap="square" rtlCol="0">
+              <a:spAutoFit/>
+            </a:bodyPr>
+            <a:lstStyle/>
+            <a:p>
+              <a:pPr algn="ctr"/>
+              <a:r>
+                <a:rPr lang="en-US" altLang="zh-CN" b="1" dirty="0"/>
+                <a:t>2021_YuJ (AS)</a:t>
+              </a:r>
+              <a:endParaRPr lang="zh-CN" altLang="en-US" b="1" dirty="0"/>
+            </a:p>
+          </p:txBody>
+        </p:sp>
       </p:grpSp>
-      <p:sp>
-        <p:nvSpPr>
-          <p:cNvPr id="661" name="TextBox 660">
-            <a:extLst>
-              <a:ext uri="{FF2B5EF4-FFF2-40B4-BE49-F238E27FC236}">
-                <a16:creationId xmlns:a16="http://schemas.microsoft.com/office/drawing/2014/main" id="{EFB9895B-5826-459A-9058-C1D6689F7621}"/>
-              </a:ext>
-            </a:extLst>
-          </p:cNvPr>
-          <p:cNvSpPr txBox="1"/>
-          <p:nvPr/>
-        </p:nvSpPr>
-        <p:spPr>
-          <a:xfrm rot="2617619">
-            <a:off x="11864201" y="12986490"/>
-            <a:ext cx="400110" cy="1436162"/>
-          </a:xfrm>
-          <a:prstGeom prst="rect">
-            <a:avLst/>
-          </a:prstGeom>
-          <a:noFill/>
-        </p:spPr>
-        <p:txBody>
-          <a:bodyPr vert="vert270" wrap="none" rtlCol="0">
-            <a:spAutoFit/>
-          </a:bodyPr>
-          <a:lstStyle/>
-          <a:p>
-            <a:pPr algn="ctr"/>
-            <a:r>
-              <a:rPr lang="en-US" altLang="zh-CN" sz="1400" b="1" dirty="0"/>
-              <a:t>2014_ZellerG (EU)</a:t>
-            </a:r>
-            <a:endParaRPr lang="zh-CN" altLang="en-US" sz="1400" b="1" dirty="0"/>
-          </a:p>
-        </p:txBody>
-      </p:sp>
-      <p:sp>
-        <p:nvSpPr>
-          <p:cNvPr id="662" name="TextBox 661">
-            <a:extLst>
-              <a:ext uri="{FF2B5EF4-FFF2-40B4-BE49-F238E27FC236}">
-                <a16:creationId xmlns:a16="http://schemas.microsoft.com/office/drawing/2014/main" id="{82EA65A3-F9A2-4CE7-B8BA-CD2267317C55}"/>
-              </a:ext>
-            </a:extLst>
-          </p:cNvPr>
-          <p:cNvSpPr txBox="1"/>
-          <p:nvPr/>
-        </p:nvSpPr>
-        <p:spPr>
-          <a:xfrm rot="2617619">
-            <a:off x="12885606" y="12992900"/>
-            <a:ext cx="400110" cy="1389739"/>
-          </a:xfrm>
-          <a:prstGeom prst="rect">
-            <a:avLst/>
-          </a:prstGeom>
-          <a:noFill/>
-        </p:spPr>
-        <p:txBody>
-          <a:bodyPr vert="vert270" wrap="none" rtlCol="0">
-            <a:spAutoFit/>
-          </a:bodyPr>
-          <a:lstStyle/>
-          <a:p>
-            <a:pPr algn="ctr"/>
-            <a:r>
-              <a:rPr lang="en-US" altLang="zh-CN" sz="1400" b="1" dirty="0"/>
-              <a:t>2015_FengQ (OC)</a:t>
-            </a:r>
-            <a:endParaRPr lang="zh-CN" altLang="en-US" sz="1400" b="1" dirty="0"/>
-          </a:p>
-        </p:txBody>
-      </p:sp>
-      <p:sp>
-        <p:nvSpPr>
-          <p:cNvPr id="663" name="TextBox 662">
-            <a:extLst>
-              <a:ext uri="{FF2B5EF4-FFF2-40B4-BE49-F238E27FC236}">
-                <a16:creationId xmlns:a16="http://schemas.microsoft.com/office/drawing/2014/main" id="{91E08CEE-E558-4600-9627-6C6688DCB7BD}"/>
-              </a:ext>
-            </a:extLst>
-          </p:cNvPr>
-          <p:cNvSpPr txBox="1"/>
-          <p:nvPr/>
-        </p:nvSpPr>
-        <p:spPr>
-          <a:xfrm rot="2617619">
-            <a:off x="13907011" y="12938761"/>
-            <a:ext cx="400110" cy="1781834"/>
-          </a:xfrm>
-          <a:prstGeom prst="rect">
-            <a:avLst/>
-          </a:prstGeom>
-          <a:noFill/>
-        </p:spPr>
-        <p:txBody>
-          <a:bodyPr vert="vert270" wrap="none" rtlCol="0">
-            <a:spAutoFit/>
-          </a:bodyPr>
-          <a:lstStyle/>
-          <a:p>
-            <a:pPr algn="ctr"/>
-            <a:r>
-              <a:rPr lang="en-US" altLang="zh-CN" sz="1400" b="1" dirty="0"/>
-              <a:t>2016_VogtmannE (NA)</a:t>
-            </a:r>
-            <a:endParaRPr lang="zh-CN" altLang="en-US" sz="1400" b="1" dirty="0"/>
-          </a:p>
-        </p:txBody>
-      </p:sp>
-      <p:sp>
-        <p:nvSpPr>
-          <p:cNvPr id="664" name="TextBox 663">
-            <a:extLst>
-              <a:ext uri="{FF2B5EF4-FFF2-40B4-BE49-F238E27FC236}">
-                <a16:creationId xmlns:a16="http://schemas.microsoft.com/office/drawing/2014/main" id="{07CCF983-BBED-485E-A6C9-C77AE888CF2F}"/>
-              </a:ext>
-            </a:extLst>
-          </p:cNvPr>
-          <p:cNvSpPr txBox="1"/>
-          <p:nvPr/>
-        </p:nvSpPr>
-        <p:spPr>
-          <a:xfrm rot="2617619">
-            <a:off x="14928416" y="12942072"/>
-            <a:ext cx="400110" cy="1757854"/>
-          </a:xfrm>
-          <a:prstGeom prst="rect">
-            <a:avLst/>
-          </a:prstGeom>
-          <a:noFill/>
-        </p:spPr>
-        <p:txBody>
-          <a:bodyPr vert="vert270" wrap="none" rtlCol="0">
-            <a:spAutoFit/>
-          </a:bodyPr>
-          <a:lstStyle/>
-          <a:p>
-            <a:pPr algn="ctr"/>
-            <a:r>
-              <a:rPr lang="en-US" altLang="zh-CN" sz="1400" b="1" dirty="0"/>
-              <a:t>2019_ThomasAM (EU)</a:t>
-            </a:r>
-            <a:endParaRPr lang="zh-CN" altLang="en-US" sz="1400" b="1" dirty="0"/>
-          </a:p>
-        </p:txBody>
-      </p:sp>
-      <p:sp>
-        <p:nvSpPr>
-          <p:cNvPr id="665" name="TextBox 664">
-            <a:extLst>
-              <a:ext uri="{FF2B5EF4-FFF2-40B4-BE49-F238E27FC236}">
-                <a16:creationId xmlns:a16="http://schemas.microsoft.com/office/drawing/2014/main" id="{0224A582-0709-4176-8C8E-4CBE9DC88759}"/>
-              </a:ext>
-            </a:extLst>
-          </p:cNvPr>
-          <p:cNvSpPr txBox="1"/>
-          <p:nvPr/>
-        </p:nvSpPr>
-        <p:spPr>
-          <a:xfrm rot="2617619">
-            <a:off x="15949821" y="12982134"/>
-            <a:ext cx="400110" cy="1467710"/>
-          </a:xfrm>
-          <a:prstGeom prst="rect">
-            <a:avLst/>
-          </a:prstGeom>
-          <a:noFill/>
-        </p:spPr>
-        <p:txBody>
-          <a:bodyPr vert="vert270" wrap="none" rtlCol="0">
-            <a:spAutoFit/>
-          </a:bodyPr>
-          <a:lstStyle/>
-          <a:p>
-            <a:pPr algn="ctr"/>
-            <a:r>
-              <a:rPr lang="en-US" altLang="zh-CN" sz="1400" b="1" dirty="0"/>
-              <a:t>2019_WirbelJ (EU)</a:t>
-            </a:r>
-            <a:endParaRPr lang="zh-CN" altLang="en-US" sz="1400" b="1" dirty="0"/>
-          </a:p>
-        </p:txBody>
-      </p:sp>
-      <p:sp>
-        <p:nvSpPr>
-          <p:cNvPr id="666" name="TextBox 665">
-            <a:extLst>
-              <a:ext uri="{FF2B5EF4-FFF2-40B4-BE49-F238E27FC236}">
-                <a16:creationId xmlns:a16="http://schemas.microsoft.com/office/drawing/2014/main" id="{B5B21418-CB28-4C5B-8A67-2A13CD43EAEC}"/>
-              </a:ext>
-            </a:extLst>
-          </p:cNvPr>
-          <p:cNvSpPr txBox="1"/>
-          <p:nvPr/>
-        </p:nvSpPr>
-        <p:spPr>
-          <a:xfrm rot="2617619">
-            <a:off x="16971226" y="12970988"/>
-            <a:ext cx="400110" cy="1548437"/>
-          </a:xfrm>
-          <a:prstGeom prst="rect">
-            <a:avLst/>
-          </a:prstGeom>
-          <a:noFill/>
-        </p:spPr>
-        <p:txBody>
-          <a:bodyPr vert="vert270" wrap="none" rtlCol="0">
-            <a:spAutoFit/>
-          </a:bodyPr>
-          <a:lstStyle/>
-          <a:p>
-            <a:pPr algn="ctr"/>
-            <a:r>
-              <a:rPr lang="en-US" altLang="zh-CN" sz="1400" b="1" dirty="0"/>
-              <a:t>2019_YachidaS (AS)</a:t>
-            </a:r>
-            <a:endParaRPr lang="zh-CN" altLang="en-US" sz="1400" b="1" dirty="0"/>
-          </a:p>
-        </p:txBody>
-      </p:sp>
-      <p:sp>
-        <p:nvSpPr>
-          <p:cNvPr id="667" name="TextBox 666">
-            <a:extLst>
-              <a:ext uri="{FF2B5EF4-FFF2-40B4-BE49-F238E27FC236}">
-                <a16:creationId xmlns:a16="http://schemas.microsoft.com/office/drawing/2014/main" id="{9B0E3F03-24AC-4B78-BE81-94ED58CFF606}"/>
-              </a:ext>
-            </a:extLst>
-          </p:cNvPr>
-          <p:cNvSpPr txBox="1"/>
-          <p:nvPr/>
-        </p:nvSpPr>
-        <p:spPr>
-          <a:xfrm rot="2617619">
-            <a:off x="17992631" y="13028279"/>
-            <a:ext cx="400110" cy="1133516"/>
-          </a:xfrm>
-          <a:prstGeom prst="rect">
-            <a:avLst/>
-          </a:prstGeom>
-          <a:noFill/>
-        </p:spPr>
-        <p:txBody>
-          <a:bodyPr vert="vert270" wrap="none" rtlCol="0">
-            <a:spAutoFit/>
-          </a:bodyPr>
-          <a:lstStyle/>
-          <a:p>
-            <a:pPr algn="ctr"/>
-            <a:r>
-              <a:rPr lang="en-US" altLang="zh-CN" sz="1400" b="1" dirty="0"/>
-              <a:t>2017_YuJ (AS)</a:t>
-            </a:r>
-            <a:endParaRPr lang="zh-CN" altLang="en-US" sz="1400" b="1" dirty="0"/>
-          </a:p>
-        </p:txBody>
-      </p:sp>
-      <p:sp>
-        <p:nvSpPr>
-          <p:cNvPr id="668" name="TextBox 667">
-            <a:extLst>
-              <a:ext uri="{FF2B5EF4-FFF2-40B4-BE49-F238E27FC236}">
-                <a16:creationId xmlns:a16="http://schemas.microsoft.com/office/drawing/2014/main" id="{0E39B66C-3695-4835-82D0-0CE62BD08AB7}"/>
-              </a:ext>
-            </a:extLst>
-          </p:cNvPr>
-          <p:cNvSpPr txBox="1"/>
-          <p:nvPr/>
-        </p:nvSpPr>
-        <p:spPr>
-          <a:xfrm rot="2617619">
-            <a:off x="19014039" y="13028279"/>
-            <a:ext cx="400110" cy="1133516"/>
-          </a:xfrm>
-          <a:prstGeom prst="rect">
-            <a:avLst/>
-          </a:prstGeom>
-          <a:noFill/>
-        </p:spPr>
-        <p:txBody>
-          <a:bodyPr vert="vert270" wrap="none" rtlCol="0">
-            <a:spAutoFit/>
-          </a:bodyPr>
-          <a:lstStyle/>
-          <a:p>
-            <a:pPr algn="ctr"/>
-            <a:r>
-              <a:rPr lang="en-US" altLang="zh-CN" sz="1400" b="1" dirty="0"/>
-              <a:t>2021_YuJ (AS)</a:t>
-            </a:r>
-            <a:endParaRPr lang="zh-CN" altLang="en-US" sz="1400" b="1" dirty="0"/>
-          </a:p>
-        </p:txBody>
-      </p:sp>
       <p:pic>
         <p:nvPicPr>
           <p:cNvPr id="669" name="Graphic 668">
@@ -3467,22 +3388,19 @@
           <p:nvPr/>
         </p:nvPicPr>
         <p:blipFill>
-          <a:blip r:embed="rId4">
+          <a:blip r:embed="rId3">
             <a:extLst>
               <a:ext uri="{28A0092B-C50C-407E-A947-70E740481C1C}">
                 <a14:useLocalDpi xmlns:a14="http://schemas.microsoft.com/office/drawing/2010/main" val="0"/>
               </a:ext>
-              <a:ext uri="{96DAC541-7B7A-43D3-8B79-37D633B846F1}">
-                <asvg:svgBlip xmlns:asvg="http://schemas.microsoft.com/office/drawing/2016/SVG/main" r:embed="rId5"/>
-              </a:ext>
             </a:extLst>
           </a:blip>
-          <a:srcRect t="1673" b="1673"/>
+          <a:srcRect t="2994" b="2994"/>
           <a:stretch/>
         </p:blipFill>
         <p:spPr>
           <a:xfrm>
-            <a:off x="400691" y="14585964"/>
+            <a:off x="459338" y="13038267"/>
             <a:ext cx="5504729" cy="8378150"/>
           </a:xfrm>
           <a:prstGeom prst="rect">
@@ -3504,7 +3422,7 @@
         </p:nvSpPr>
         <p:spPr>
           <a:xfrm>
-            <a:off x="314148" y="14823883"/>
+            <a:off x="372794" y="13276187"/>
             <a:ext cx="433132" cy="646331"/>
           </a:xfrm>
           <a:prstGeom prst="rect">
@@ -3540,7 +3458,7 @@
         </p:nvGrpSpPr>
         <p:grpSpPr>
           <a:xfrm>
-            <a:off x="215540" y="277653"/>
+            <a:off x="238987" y="505218"/>
             <a:ext cx="10931855" cy="4481188"/>
             <a:chOff x="82077" y="732130"/>
             <a:chExt cx="10931855" cy="4481188"/>
@@ -3561,20 +3479,20 @@
             <p:nvPr/>
           </p:nvPicPr>
           <p:blipFill rotWithShape="1">
-            <a:blip r:embed="rId6">
+            <a:blip r:embed="rId4">
               <a:extLst>
                 <a:ext uri="{28A0092B-C50C-407E-A947-70E740481C1C}">
                   <a14:useLocalDpi xmlns:a14="http://schemas.microsoft.com/office/drawing/2010/main" val="0"/>
                 </a:ext>
               </a:extLst>
             </a:blip>
-            <a:srcRect b="66458"/>
+            <a:srcRect t="-2155" b="64244"/>
             <a:stretch/>
           </p:blipFill>
           <p:spPr>
             <a:xfrm>
-              <a:off x="82077" y="1169482"/>
-              <a:ext cx="10931855" cy="4043836"/>
+              <a:off x="82077" y="894972"/>
+              <a:ext cx="10931855" cy="4318346"/>
             </a:xfrm>
             <a:prstGeom prst="rect">
               <a:avLst/>
@@ -3725,10 +3643,10 @@
         </p:nvGrpSpPr>
         <p:grpSpPr>
           <a:xfrm>
-            <a:off x="173766" y="5264691"/>
-            <a:ext cx="10952742" cy="8325327"/>
+            <a:off x="197212" y="4784334"/>
+            <a:ext cx="10962945" cy="7624287"/>
             <a:chOff x="40303" y="4911947"/>
-            <a:chExt cx="10952742" cy="8325327"/>
+            <a:chExt cx="10962945" cy="7624287"/>
           </a:xfrm>
         </p:grpSpPr>
         <p:pic>
@@ -3746,20 +3664,20 @@
             <p:nvPr/>
           </p:nvPicPr>
           <p:blipFill rotWithShape="1">
-            <a:blip r:embed="rId6">
+            <a:blip r:embed="rId4">
               <a:extLst>
                 <a:ext uri="{28A0092B-C50C-407E-A947-70E740481C1C}">
                   <a14:useLocalDpi xmlns:a14="http://schemas.microsoft.com/office/drawing/2010/main" val="0"/>
                 </a:ext>
               </a:extLst>
             </a:blip>
-            <a:srcRect t="35757"/>
+            <a:srcRect t="35347" b="101"/>
             <a:stretch/>
           </p:blipFill>
           <p:spPr>
             <a:xfrm>
-              <a:off x="61190" y="5492077"/>
-              <a:ext cx="10931855" cy="7745197"/>
+              <a:off x="61190" y="5474569"/>
+              <a:ext cx="10931855" cy="7061665"/>
             </a:xfrm>
             <a:prstGeom prst="rect">
               <a:avLst/>
@@ -3781,9 +3699,9 @@
           <p:grpSpPr>
             <a:xfrm>
               <a:off x="99641" y="5224641"/>
-              <a:ext cx="10866480" cy="4763870"/>
+              <a:ext cx="10903607" cy="4367630"/>
               <a:chOff x="148100" y="10883998"/>
-              <a:chExt cx="11523631" cy="4763870"/>
+              <a:chExt cx="11563003" cy="4367630"/>
             </a:xfrm>
           </p:grpSpPr>
           <p:grpSp>
@@ -3801,9 +3719,9 @@
             <p:grpSpPr>
               <a:xfrm>
                 <a:off x="9424316" y="11073981"/>
-                <a:ext cx="2247415" cy="3382340"/>
+                <a:ext cx="2286787" cy="3168963"/>
                 <a:chOff x="9424316" y="11073981"/>
-                <a:chExt cx="2247415" cy="3382340"/>
+                <a:chExt cx="2286787" cy="3168963"/>
               </a:xfrm>
             </p:grpSpPr>
             <p:grpSp>
@@ -3820,10 +3738,10 @@
               </p:nvGrpSpPr>
               <p:grpSpPr>
                 <a:xfrm>
-                  <a:off x="9560704" y="11623824"/>
-                  <a:ext cx="2111027" cy="2832497"/>
-                  <a:chOff x="9560704" y="11623824"/>
-                  <a:chExt cx="2111027" cy="2832497"/>
+                  <a:off x="9525654" y="11623824"/>
+                  <a:ext cx="2185449" cy="2619120"/>
+                  <a:chOff x="9525654" y="11623824"/>
+                  <a:chExt cx="2185449" cy="2619120"/>
                 </a:xfrm>
               </p:grpSpPr>
               <p:sp>
@@ -3841,7 +3759,7 @@
                 <p:spPr>
                   <a:xfrm>
                     <a:off x="9560704" y="11623824"/>
-                    <a:ext cx="1595630" cy="430887"/>
+                    <a:ext cx="1654998" cy="430887"/>
                   </a:xfrm>
                   <a:prstGeom prst="rect">
                     <a:avLst/>
@@ -3875,8 +3793,8 @@
                 </p:nvSpPr>
                 <p:spPr>
                   <a:xfrm>
-                    <a:off x="9560704" y="12215906"/>
-                    <a:ext cx="1893532" cy="430887"/>
+                    <a:off x="9560704" y="12170882"/>
+                    <a:ext cx="1956703" cy="430887"/>
                   </a:xfrm>
                   <a:prstGeom prst="rect">
                     <a:avLst/>
@@ -3910,8 +3828,8 @@
                 </p:nvSpPr>
                 <p:spPr>
                   <a:xfrm>
-                    <a:off x="9563159" y="12818548"/>
-                    <a:ext cx="1959254" cy="430887"/>
+                    <a:off x="9563159" y="12717940"/>
+                    <a:ext cx="2032658" cy="430887"/>
                   </a:xfrm>
                   <a:prstGeom prst="rect">
                     <a:avLst/>
@@ -3945,8 +3863,8 @@
                 </p:nvSpPr>
                 <p:spPr>
                   <a:xfrm>
-                    <a:off x="9560704" y="13419448"/>
-                    <a:ext cx="1813060" cy="430887"/>
+                    <a:off x="9560704" y="13264998"/>
+                    <a:ext cx="1872250" cy="430887"/>
                   </a:xfrm>
                   <a:prstGeom prst="rect">
                     <a:avLst/>
@@ -3980,8 +3898,8 @@
                 </p:nvSpPr>
                 <p:spPr>
                   <a:xfrm>
-                    <a:off x="9560704" y="14025434"/>
-                    <a:ext cx="2111027" cy="430887"/>
+                    <a:off x="9525654" y="13812057"/>
+                    <a:ext cx="2185449" cy="430887"/>
                   </a:xfrm>
                   <a:prstGeom prst="rect">
                     <a:avLst/>
@@ -4017,7 +3935,7 @@
               <p:spPr>
                 <a:xfrm>
                   <a:off x="9424316" y="11073981"/>
-                  <a:ext cx="2056845" cy="461665"/>
+                  <a:ext cx="2181233" cy="461665"/>
                 </a:xfrm>
                 <a:prstGeom prst="rect">
                   <a:avLst/>
@@ -4053,9 +3971,9 @@
             <p:grpSpPr>
               <a:xfrm>
                 <a:off x="148100" y="10883998"/>
-                <a:ext cx="10993389" cy="4763870"/>
+                <a:ext cx="11029649" cy="4367630"/>
                 <a:chOff x="148100" y="10883998"/>
-                <a:chExt cx="10993389" cy="4763870"/>
+                <a:chExt cx="11029649" cy="4367630"/>
               </a:xfrm>
             </p:grpSpPr>
             <p:grpSp>
@@ -4073,9 +3991,9 @@
               <p:grpSpPr>
                 <a:xfrm>
                   <a:off x="148100" y="11151435"/>
-                  <a:ext cx="10993389" cy="4496433"/>
+                  <a:ext cx="11029649" cy="4100193"/>
                   <a:chOff x="148100" y="11151435"/>
-                  <a:chExt cx="10993389" cy="4496433"/>
+                  <a:chExt cx="11029649" cy="4100193"/>
                 </a:xfrm>
               </p:grpSpPr>
               <p:grpSp>
@@ -4093,9 +4011,9 @@
                 <p:grpSpPr>
                   <a:xfrm>
                     <a:off x="148100" y="11151435"/>
-                    <a:ext cx="9026743" cy="407837"/>
+                    <a:ext cx="9052964" cy="407837"/>
                     <a:chOff x="148100" y="11151435"/>
-                    <a:chExt cx="9026743" cy="407837"/>
+                    <a:chExt cx="9052964" cy="407837"/>
                   </a:xfrm>
                 </p:grpSpPr>
                 <p:grpSp>
@@ -4113,9 +4031,9 @@
                   <p:grpSpPr>
                     <a:xfrm>
                       <a:off x="148100" y="11151435"/>
-                      <a:ext cx="1926636" cy="400381"/>
+                      <a:ext cx="1962896" cy="400381"/>
                       <a:chOff x="148100" y="11151435"/>
-                      <a:chExt cx="1926636" cy="400381"/>
+                      <a:chExt cx="1962896" cy="400381"/>
                     </a:xfrm>
                   </p:grpSpPr>
                   <p:sp>
@@ -4133,7 +4051,7 @@
                     <p:spPr>
                       <a:xfrm>
                         <a:off x="148100" y="11151435"/>
-                        <a:ext cx="971035" cy="400110"/>
+                        <a:ext cx="1029758" cy="400110"/>
                       </a:xfrm>
                       <a:prstGeom prst="rect">
                         <a:avLst/>
@@ -4169,7 +4087,7 @@
                     <p:spPr>
                       <a:xfrm>
                         <a:off x="1475148" y="11151706"/>
-                        <a:ext cx="599588" cy="400110"/>
+                        <a:ext cx="635848" cy="400110"/>
                       </a:xfrm>
                       <a:prstGeom prst="rect">
                         <a:avLst/>
@@ -4206,9 +4124,9 @@
                   <p:grpSpPr>
                     <a:xfrm>
                       <a:off x="2583359" y="11159162"/>
-                      <a:ext cx="1615285" cy="400110"/>
+                      <a:ext cx="1651545" cy="400110"/>
                       <a:chOff x="136160" y="11151706"/>
-                      <a:chExt cx="1615285" cy="400110"/>
+                      <a:chExt cx="1651545" cy="400110"/>
                     </a:xfrm>
                   </p:grpSpPr>
                   <p:sp>
@@ -4226,7 +4144,7 @@
                     <p:spPr>
                       <a:xfrm>
                         <a:off x="136160" y="11151706"/>
-                        <a:ext cx="971035" cy="400110"/>
+                        <a:ext cx="1029758" cy="400110"/>
                       </a:xfrm>
                       <a:prstGeom prst="rect">
                         <a:avLst/>
@@ -4262,7 +4180,7 @@
                     <p:spPr>
                       <a:xfrm>
                         <a:off x="1151857" y="11151706"/>
-                        <a:ext cx="599588" cy="400110"/>
+                        <a:ext cx="635848" cy="400110"/>
                       </a:xfrm>
                       <a:prstGeom prst="rect">
                         <a:avLst/>
@@ -4298,10 +4216,10 @@
                   </p:nvGrpSpPr>
                   <p:grpSpPr>
                     <a:xfrm>
-                      <a:off x="4390717" y="11159162"/>
-                      <a:ext cx="1514843" cy="400110"/>
-                      <a:chOff x="202518" y="11151235"/>
-                      <a:chExt cx="1514843" cy="400110"/>
+                      <a:off x="4366073" y="11159162"/>
+                      <a:ext cx="1575747" cy="400110"/>
+                      <a:chOff x="177874" y="11151235"/>
+                      <a:chExt cx="1575747" cy="400110"/>
                     </a:xfrm>
                   </p:grpSpPr>
                   <p:sp>
@@ -4318,8 +4236,8 @@
                     </p:nvSpPr>
                     <p:spPr>
                       <a:xfrm>
-                        <a:off x="202518" y="11187915"/>
-                        <a:ext cx="815030" cy="338554"/>
+                        <a:off x="177874" y="11187915"/>
+                        <a:ext cx="864320" cy="338554"/>
                       </a:xfrm>
                       <a:prstGeom prst="rect">
                         <a:avLst/>
@@ -4356,7 +4274,7 @@
                     <p:spPr>
                       <a:xfrm>
                         <a:off x="1117773" y="11151235"/>
-                        <a:ext cx="599588" cy="400110"/>
+                        <a:ext cx="635848" cy="400110"/>
                       </a:xfrm>
                       <a:prstGeom prst="rect">
                         <a:avLst/>
@@ -4393,9 +4311,9 @@
                   <p:grpSpPr>
                     <a:xfrm>
                       <a:off x="6171626" y="11151706"/>
-                      <a:ext cx="1202644" cy="400110"/>
+                      <a:ext cx="1238904" cy="400110"/>
                       <a:chOff x="376055" y="11151706"/>
-                      <a:chExt cx="1202644" cy="400110"/>
+                      <a:chExt cx="1238904" cy="400110"/>
                     </a:xfrm>
                   </p:grpSpPr>
                   <p:sp>
@@ -4413,7 +4331,7 @@
                     <p:spPr>
                       <a:xfrm>
                         <a:off x="376055" y="11228378"/>
-                        <a:ext cx="580608" cy="246221"/>
+                        <a:ext cx="615720" cy="246221"/>
                       </a:xfrm>
                       <a:prstGeom prst="rect">
                         <a:avLst/>
@@ -4449,7 +4367,7 @@
                     <p:spPr>
                       <a:xfrm>
                         <a:off x="979111" y="11151706"/>
-                        <a:ext cx="599588" cy="400110"/>
+                        <a:ext cx="635848" cy="400110"/>
                       </a:xfrm>
                       <a:prstGeom prst="rect">
                         <a:avLst/>
@@ -4486,9 +4404,9 @@
                   <p:grpSpPr>
                     <a:xfrm>
                       <a:off x="7680644" y="11151435"/>
-                      <a:ext cx="1494199" cy="400110"/>
+                      <a:ext cx="1520420" cy="400110"/>
                       <a:chOff x="144073" y="11151706"/>
-                      <a:chExt cx="1494199" cy="400110"/>
+                      <a:chExt cx="1520420" cy="400110"/>
                     </a:xfrm>
                   </p:grpSpPr>
                   <p:sp>
@@ -4506,7 +4424,7 @@
                     <p:spPr>
                       <a:xfrm>
                         <a:off x="144073" y="11151706"/>
-                        <a:ext cx="971035" cy="400110"/>
+                        <a:ext cx="1029759" cy="400110"/>
                       </a:xfrm>
                       <a:prstGeom prst="rect">
                         <a:avLst/>
@@ -4542,7 +4460,7 @@
                     <p:spPr>
                       <a:xfrm>
                         <a:off x="1204692" y="11213261"/>
-                        <a:ext cx="433580" cy="276999"/>
+                        <a:ext cx="459801" cy="276999"/>
                       </a:xfrm>
                       <a:prstGeom prst="rect">
                         <a:avLst/>
@@ -4579,10 +4497,10 @@
                 </p:nvGrpSpPr>
                 <p:grpSpPr>
                   <a:xfrm>
-                    <a:off x="1173678" y="15247758"/>
-                    <a:ext cx="9967811" cy="400110"/>
-                    <a:chOff x="1173678" y="15247758"/>
-                    <a:chExt cx="9967811" cy="400110"/>
+                    <a:off x="1173678" y="14851518"/>
+                    <a:ext cx="10004071" cy="400110"/>
+                    <a:chOff x="1173678" y="14851518"/>
+                    <a:chExt cx="10004071" cy="400110"/>
                   </a:xfrm>
                 </p:grpSpPr>
                 <p:grpSp>
@@ -4599,10 +4517,10 @@
                   </p:nvGrpSpPr>
                   <p:grpSpPr>
                     <a:xfrm>
-                      <a:off x="5916448" y="15247758"/>
-                      <a:ext cx="1810916" cy="400110"/>
-                      <a:chOff x="144073" y="11179306"/>
-                      <a:chExt cx="1810916" cy="400110"/>
+                      <a:off x="5916448" y="14851518"/>
+                      <a:ext cx="1847176" cy="400110"/>
+                      <a:chOff x="144073" y="10783066"/>
+                      <a:chExt cx="1847176" cy="400110"/>
                     </a:xfrm>
                   </p:grpSpPr>
                   <p:sp>
@@ -4619,8 +4537,8 @@
                     </p:nvSpPr>
                     <p:spPr>
                       <a:xfrm>
-                        <a:off x="144073" y="11179306"/>
-                        <a:ext cx="971035" cy="400110"/>
+                        <a:off x="144073" y="10783066"/>
+                        <a:ext cx="1029757" cy="400110"/>
                       </a:xfrm>
                       <a:prstGeom prst="rect">
                         <a:avLst/>
@@ -4655,8 +4573,8 @@
                     </p:nvSpPr>
                     <p:spPr>
                       <a:xfrm>
-                        <a:off x="1355401" y="11179306"/>
-                        <a:ext cx="599588" cy="400110"/>
+                        <a:off x="1355401" y="10783066"/>
+                        <a:ext cx="635848" cy="400110"/>
                       </a:xfrm>
                       <a:prstGeom prst="rect">
                         <a:avLst/>
@@ -4692,10 +4610,10 @@
                   </p:nvGrpSpPr>
                   <p:grpSpPr>
                     <a:xfrm>
-                      <a:off x="8688428" y="15247758"/>
-                      <a:ext cx="2453061" cy="400110"/>
-                      <a:chOff x="144073" y="11179306"/>
-                      <a:chExt cx="2453061" cy="400110"/>
+                      <a:off x="8688428" y="14851518"/>
+                      <a:ext cx="2489321" cy="400110"/>
+                      <a:chOff x="144073" y="10783066"/>
+                      <a:chExt cx="2489321" cy="400110"/>
                     </a:xfrm>
                   </p:grpSpPr>
                   <p:sp>
@@ -4712,8 +4630,8 @@
                     </p:nvSpPr>
                     <p:spPr>
                       <a:xfrm>
-                        <a:off x="144073" y="11179306"/>
-                        <a:ext cx="971035" cy="400110"/>
+                        <a:off x="144073" y="10783066"/>
+                        <a:ext cx="1029758" cy="400110"/>
                       </a:xfrm>
                       <a:prstGeom prst="rect">
                         <a:avLst/>
@@ -4748,8 +4666,8 @@
                     </p:nvSpPr>
                     <p:spPr>
                       <a:xfrm>
-                        <a:off x="1997546" y="11179306"/>
-                        <a:ext cx="599588" cy="400110"/>
+                        <a:off x="1997546" y="10783066"/>
+                        <a:ext cx="635848" cy="400110"/>
                       </a:xfrm>
                       <a:prstGeom prst="rect">
                         <a:avLst/>
@@ -4785,10 +4703,10 @@
                   </p:nvGrpSpPr>
                   <p:grpSpPr>
                     <a:xfrm>
-                      <a:off x="1173678" y="15247758"/>
-                      <a:ext cx="3443904" cy="400110"/>
-                      <a:chOff x="-846770" y="11179306"/>
-                      <a:chExt cx="3443904" cy="400110"/>
+                      <a:off x="1173678" y="14851518"/>
+                      <a:ext cx="3480164" cy="400110"/>
+                      <a:chOff x="-846770" y="10783066"/>
+                      <a:chExt cx="3480164" cy="400110"/>
                     </a:xfrm>
                   </p:grpSpPr>
                   <p:sp>
@@ -4805,8 +4723,8 @@
                     </p:nvSpPr>
                     <p:spPr>
                       <a:xfrm>
-                        <a:off x="-846770" y="11179306"/>
-                        <a:ext cx="971034" cy="400110"/>
+                        <a:off x="-846770" y="10783066"/>
+                        <a:ext cx="1029758" cy="400110"/>
                       </a:xfrm>
                       <a:prstGeom prst="rect">
                         <a:avLst/>
@@ -4841,8 +4759,8 @@
                     </p:nvSpPr>
                     <p:spPr>
                       <a:xfrm>
-                        <a:off x="1997546" y="11179306"/>
-                        <a:ext cx="599588" cy="400110"/>
+                        <a:off x="1997546" y="10783066"/>
+                        <a:ext cx="635848" cy="400110"/>
                       </a:xfrm>
                       <a:prstGeom prst="rect">
                         <a:avLst/>
@@ -4881,9 +4799,9 @@
               <p:grpSpPr>
                 <a:xfrm>
                   <a:off x="477032" y="10883998"/>
-                  <a:ext cx="10219885" cy="4363410"/>
+                  <a:ext cx="10219885" cy="3967170"/>
                   <a:chOff x="477032" y="10883998"/>
-                  <a:chExt cx="10219885" cy="4363410"/>
+                  <a:chExt cx="10219885" cy="3967170"/>
                 </a:xfrm>
               </p:grpSpPr>
               <p:grpSp>
@@ -4901,9 +4819,9 @@
                 <p:grpSpPr>
                   <a:xfrm>
                     <a:off x="477032" y="10883998"/>
-                    <a:ext cx="8766027" cy="319119"/>
+                    <a:ext cx="8813200" cy="319119"/>
                     <a:chOff x="477032" y="10883998"/>
-                    <a:chExt cx="8766027" cy="319119"/>
+                    <a:chExt cx="8813200" cy="319119"/>
                   </a:xfrm>
                 </p:grpSpPr>
                 <p:sp>
@@ -4957,8 +4875,8 @@
                   </p:nvSpPr>
                   <p:spPr>
                     <a:xfrm>
-                      <a:off x="2638678" y="10883999"/>
-                      <a:ext cx="1482072" cy="307777"/>
+                      <a:off x="2593864" y="10883999"/>
+                      <a:ext cx="1571700" cy="307777"/>
                     </a:xfrm>
                     <a:prstGeom prst="rect">
                       <a:avLst/>
@@ -4994,8 +4912,8 @@
                   </p:nvSpPr>
                   <p:spPr>
                     <a:xfrm>
-                      <a:off x="4104335" y="10895340"/>
-                      <a:ext cx="1874167" cy="307777"/>
+                      <a:off x="4047665" y="10895340"/>
+                      <a:ext cx="1987507" cy="307777"/>
                     </a:xfrm>
                     <a:prstGeom prst="rect">
                       <a:avLst/>
@@ -5068,8 +4986,8 @@
                   </p:nvSpPr>
                   <p:spPr>
                     <a:xfrm>
-                      <a:off x="7683017" y="10883998"/>
-                      <a:ext cx="1560042" cy="307777"/>
+                      <a:off x="7635845" y="10883998"/>
+                      <a:ext cx="1654387" cy="307777"/>
                     </a:xfrm>
                     <a:prstGeom prst="rect">
                       <a:avLst/>
@@ -5106,9 +5024,9 @@
                 </p:nvGrpSpPr>
                 <p:grpSpPr>
                   <a:xfrm>
-                    <a:off x="2000740" y="14871748"/>
+                    <a:off x="2000740" y="14475508"/>
                     <a:ext cx="8696177" cy="375660"/>
-                    <a:chOff x="2000740" y="14871748"/>
+                    <a:chOff x="2000740" y="14475508"/>
                     <a:chExt cx="8696177" cy="375660"/>
                   </a:xfrm>
                 </p:grpSpPr>
@@ -5126,7 +5044,7 @@
                   </p:nvSpPr>
                   <p:spPr>
                     <a:xfrm>
-                      <a:off x="2000740" y="14878075"/>
+                      <a:off x="2000740" y="14481835"/>
                       <a:ext cx="2178241" cy="369332"/>
                     </a:xfrm>
                     <a:prstGeom prst="rect">
@@ -5163,7 +5081,7 @@
                   </p:nvSpPr>
                   <p:spPr>
                     <a:xfrm>
-                      <a:off x="6071722" y="14878076"/>
+                      <a:off x="6071722" y="14481836"/>
                       <a:ext cx="1615220" cy="369332"/>
                     </a:xfrm>
                     <a:prstGeom prst="rect">
@@ -5200,7 +5118,7 @@
                   </p:nvSpPr>
                   <p:spPr>
                     <a:xfrm>
-                      <a:off x="9081698" y="14871748"/>
+                      <a:off x="9081698" y="14475508"/>
                       <a:ext cx="1615219" cy="369332"/>
                     </a:xfrm>
                     <a:prstGeom prst="rect">
@@ -5279,20 +5197,20 @@
           <p:nvPr/>
         </p:nvPicPr>
         <p:blipFill rotWithShape="1">
-          <a:blip r:embed="rId7">
+          <a:blip r:embed="rId5">
             <a:extLst>
               <a:ext uri="{28A0092B-C50C-407E-A947-70E740481C1C}">
                 <a14:useLocalDpi xmlns:a14="http://schemas.microsoft.com/office/drawing/2010/main" val="0"/>
               </a:ext>
             </a:extLst>
           </a:blip>
-          <a:srcRect l="7944" t="6922" r="1059" b="5518"/>
+          <a:srcRect l="8955" t="6597" r="1757" b="6203"/>
           <a:stretch/>
         </p:blipFill>
         <p:spPr>
           <a:xfrm>
-            <a:off x="6779554" y="15121956"/>
-            <a:ext cx="12435354" cy="7632849"/>
+            <a:off x="6974205" y="13773240"/>
+            <a:ext cx="12193905" cy="7129976"/>
           </a:xfrm>
           <a:prstGeom prst="rect">
             <a:avLst/>
@@ -5313,7 +5231,7 @@
         </p:nvGrpSpPr>
         <p:grpSpPr>
           <a:xfrm>
-            <a:off x="7793597" y="15778278"/>
+            <a:off x="7852243" y="14230581"/>
             <a:ext cx="10412134" cy="4473468"/>
             <a:chOff x="7147055" y="15916550"/>
             <a:chExt cx="9809813" cy="4473468"/>
@@ -5496,8 +5414,8 @@
             </p:nvSpPr>
             <p:spPr>
               <a:xfrm>
-                <a:off x="15977722" y="15916550"/>
-                <a:ext cx="655949" cy="338554"/>
+                <a:off x="15996694" y="15916550"/>
+                <a:ext cx="618004" cy="338554"/>
               </a:xfrm>
               <a:prstGeom prst="rect">
                 <a:avLst/>
@@ -5697,8 +5615,8 @@
             </p:nvSpPr>
             <p:spPr>
               <a:xfrm>
-                <a:off x="15873528" y="15916550"/>
-                <a:ext cx="864339" cy="338554"/>
+                <a:off x="15898528" y="15916550"/>
+                <a:ext cx="814339" cy="338554"/>
               </a:xfrm>
               <a:prstGeom prst="rect">
                 <a:avLst/>
@@ -5898,8 +5816,8 @@
             </p:nvSpPr>
             <p:spPr>
               <a:xfrm>
-                <a:off x="15977723" y="15916550"/>
-                <a:ext cx="655950" cy="338554"/>
+                <a:off x="15996696" y="15916550"/>
+                <a:ext cx="618004" cy="338554"/>
               </a:xfrm>
               <a:prstGeom prst="rect">
                 <a:avLst/>
@@ -5937,8 +5855,8 @@
         </p:nvSpPr>
         <p:spPr>
           <a:xfrm>
-            <a:off x="6397408" y="15877906"/>
-            <a:ext cx="585632" cy="338554"/>
+            <a:off x="6474597" y="14330209"/>
+            <a:ext cx="548547" cy="338554"/>
           </a:xfrm>
           <a:prstGeom prst="rect">
             <a:avLst/>
@@ -5974,8 +5892,8 @@
         </p:nvSpPr>
         <p:spPr>
           <a:xfrm>
-            <a:off x="6399110" y="16727618"/>
-            <a:ext cx="582229" cy="338554"/>
+            <a:off x="6474596" y="15179921"/>
+            <a:ext cx="548548" cy="338554"/>
           </a:xfrm>
           <a:prstGeom prst="rect">
             <a:avLst/>
@@ -6011,8 +5929,8 @@
         </p:nvSpPr>
         <p:spPr>
           <a:xfrm>
-            <a:off x="6399112" y="17577330"/>
-            <a:ext cx="582229" cy="338554"/>
+            <a:off x="6474598" y="16029633"/>
+            <a:ext cx="548548" cy="338554"/>
           </a:xfrm>
           <a:prstGeom prst="rect">
             <a:avLst/>
@@ -6048,8 +5966,8 @@
         </p:nvSpPr>
         <p:spPr>
           <a:xfrm>
-            <a:off x="6397409" y="18427042"/>
-            <a:ext cx="582229" cy="338554"/>
+            <a:off x="6472895" y="16879345"/>
+            <a:ext cx="548548" cy="338554"/>
           </a:xfrm>
           <a:prstGeom prst="rect">
             <a:avLst/>
@@ -6085,8 +6003,8 @@
         </p:nvSpPr>
         <p:spPr>
           <a:xfrm>
-            <a:off x="6397028" y="19593278"/>
-            <a:ext cx="585632" cy="338554"/>
+            <a:off x="6474217" y="18045581"/>
+            <a:ext cx="548547" cy="338554"/>
           </a:xfrm>
           <a:prstGeom prst="rect">
             <a:avLst/>
@@ -6122,8 +6040,8 @@
         </p:nvSpPr>
         <p:spPr>
           <a:xfrm>
-            <a:off x="6398730" y="20442990"/>
-            <a:ext cx="582229" cy="338554"/>
+            <a:off x="6474216" y="18895293"/>
+            <a:ext cx="548548" cy="338554"/>
           </a:xfrm>
           <a:prstGeom prst="rect">
             <a:avLst/>
@@ -6159,8 +6077,8 @@
         </p:nvSpPr>
         <p:spPr>
           <a:xfrm>
-            <a:off x="6398732" y="21292702"/>
-            <a:ext cx="582229" cy="338554"/>
+            <a:off x="6474218" y="19745005"/>
+            <a:ext cx="548548" cy="338554"/>
           </a:xfrm>
           <a:prstGeom prst="rect">
             <a:avLst/>
@@ -6196,8 +6114,8 @@
         </p:nvSpPr>
         <p:spPr>
           <a:xfrm>
-            <a:off x="6397029" y="22142414"/>
-            <a:ext cx="582229" cy="338554"/>
+            <a:off x="6472515" y="20594717"/>
+            <a:ext cx="548548" cy="338554"/>
           </a:xfrm>
           <a:prstGeom prst="rect">
             <a:avLst/>
@@ -6233,10 +6151,10 @@
         </p:nvGrpSpPr>
         <p:grpSpPr>
           <a:xfrm>
-            <a:off x="7429639" y="22554750"/>
-            <a:ext cx="2031711" cy="409364"/>
-            <a:chOff x="6804151" y="22693022"/>
-            <a:chExt cx="1914181" cy="409364"/>
+            <a:off x="7509839" y="21007053"/>
+            <a:ext cx="1991748" cy="409364"/>
+            <a:chOff x="6824459" y="22693022"/>
+            <a:chExt cx="1876530" cy="409364"/>
           </a:xfrm>
         </p:grpSpPr>
         <p:sp>
@@ -6253,8 +6171,8 @@
           </p:nvSpPr>
           <p:spPr>
             <a:xfrm>
-              <a:off x="6804151" y="22693022"/>
-              <a:ext cx="702115" cy="400110"/>
+              <a:off x="6824459" y="22693022"/>
+              <a:ext cx="661499" cy="400110"/>
             </a:xfrm>
             <a:prstGeom prst="rect">
               <a:avLst/>
@@ -6290,8 +6208,8 @@
           </p:nvSpPr>
           <p:spPr>
             <a:xfrm>
-              <a:off x="8118744" y="22702276"/>
-              <a:ext cx="599588" cy="400110"/>
+              <a:off x="8136087" y="22702276"/>
+              <a:ext cx="564902" cy="400110"/>
             </a:xfrm>
             <a:prstGeom prst="rect">
               <a:avLst/>
@@ -6328,10 +6246,10 @@
         </p:nvGrpSpPr>
         <p:grpSpPr>
           <a:xfrm>
-            <a:off x="10472711" y="22554750"/>
-            <a:ext cx="2031711" cy="409364"/>
-            <a:chOff x="6804151" y="22693022"/>
-            <a:chExt cx="1914181" cy="409364"/>
+            <a:off x="10552911" y="21007053"/>
+            <a:ext cx="1991748" cy="409364"/>
+            <a:chOff x="6824459" y="22693022"/>
+            <a:chExt cx="1876530" cy="409364"/>
           </a:xfrm>
         </p:grpSpPr>
         <p:sp>
@@ -6348,8 +6266,8 @@
           </p:nvSpPr>
           <p:spPr>
             <a:xfrm>
-              <a:off x="6804151" y="22693022"/>
-              <a:ext cx="702115" cy="400110"/>
+              <a:off x="6824459" y="22693022"/>
+              <a:ext cx="661499" cy="400110"/>
             </a:xfrm>
             <a:prstGeom prst="rect">
               <a:avLst/>
@@ -6385,8 +6303,8 @@
           </p:nvSpPr>
           <p:spPr>
             <a:xfrm>
-              <a:off x="8118744" y="22702276"/>
-              <a:ext cx="599588" cy="400110"/>
+              <a:off x="8136087" y="22702276"/>
+              <a:ext cx="564902" cy="400110"/>
             </a:xfrm>
             <a:prstGeom prst="rect">
               <a:avLst/>
@@ -6423,10 +6341,10 @@
         </p:nvGrpSpPr>
         <p:grpSpPr>
           <a:xfrm>
-            <a:off x="13515782" y="22545496"/>
-            <a:ext cx="2031711" cy="409364"/>
-            <a:chOff x="6804151" y="22693022"/>
-            <a:chExt cx="1914181" cy="409364"/>
+            <a:off x="13595982" y="20997799"/>
+            <a:ext cx="1991748" cy="409364"/>
+            <a:chOff x="6824459" y="22693022"/>
+            <a:chExt cx="1876530" cy="409364"/>
           </a:xfrm>
         </p:grpSpPr>
         <p:sp>
@@ -6443,8 +6361,8 @@
           </p:nvSpPr>
           <p:spPr>
             <a:xfrm>
-              <a:off x="6804151" y="22693022"/>
-              <a:ext cx="702115" cy="400110"/>
+              <a:off x="6824459" y="22693022"/>
+              <a:ext cx="661499" cy="400110"/>
             </a:xfrm>
             <a:prstGeom prst="rect">
               <a:avLst/>
@@ -6480,8 +6398,8 @@
           </p:nvSpPr>
           <p:spPr>
             <a:xfrm>
-              <a:off x="8118744" y="22702276"/>
-              <a:ext cx="599588" cy="400110"/>
+              <a:off x="8136087" y="22702276"/>
+              <a:ext cx="564902" cy="400110"/>
             </a:xfrm>
             <a:prstGeom prst="rect">
               <a:avLst/>
@@ -6518,10 +6436,10 @@
         </p:nvGrpSpPr>
         <p:grpSpPr>
           <a:xfrm>
-            <a:off x="16558854" y="22545496"/>
-            <a:ext cx="2031711" cy="409364"/>
-            <a:chOff x="6804151" y="22693022"/>
-            <a:chExt cx="1914181" cy="409364"/>
+            <a:off x="16639054" y="20997799"/>
+            <a:ext cx="1991748" cy="409364"/>
+            <a:chOff x="6824459" y="22693022"/>
+            <a:chExt cx="1876530" cy="409364"/>
           </a:xfrm>
         </p:grpSpPr>
         <p:sp>
@@ -6538,8 +6456,8 @@
           </p:nvSpPr>
           <p:spPr>
             <a:xfrm>
-              <a:off x="6804151" y="22693022"/>
-              <a:ext cx="702115" cy="400110"/>
+              <a:off x="6824459" y="22693022"/>
+              <a:ext cx="661499" cy="400110"/>
             </a:xfrm>
             <a:prstGeom prst="rect">
               <a:avLst/>
@@ -6575,8 +6493,8 @@
           </p:nvSpPr>
           <p:spPr>
             <a:xfrm>
-              <a:off x="8118744" y="22702276"/>
-              <a:ext cx="599588" cy="400110"/>
+              <a:off x="8136087" y="22702276"/>
+              <a:ext cx="564902" cy="400110"/>
             </a:xfrm>
             <a:prstGeom prst="rect">
               <a:avLst/>
@@ -6613,8 +6531,8 @@
         </p:nvSpPr>
         <p:spPr>
           <a:xfrm>
-            <a:off x="53027" y="23068803"/>
-            <a:ext cx="2732339" cy="584775"/>
+            <a:off x="111674" y="21521106"/>
+            <a:ext cx="19418973" cy="3539430"/>
           </a:xfrm>
           <a:prstGeom prst="rect">
             <a:avLst/>
@@ -6629,8 +6547,84 @@
           <a:p>
             <a:r>
               <a:rPr lang="en-US" sz="3200" b="1" dirty="0"/>
-              <a:t>S figure 2</a:t>
+              <a:t>S figure 2 </a:t>
             </a:r>
+            <a:r>
+              <a:rPr lang="en-US" altLang="zh-CN" sz="3200" b="1" kern="100" dirty="0">
+                <a:ea typeface="DengXian" panose="02010600030101010101" pitchFamily="2" charset="-122"/>
+                <a:cs typeface="Times New Roman" panose="02020603050405020304" pitchFamily="18" charset="0"/>
+              </a:rPr>
+              <a:t>Taxonomic distribution of enteric fungi and alteration of its alpha diversity across cohorts. (a) </a:t>
+            </a:r>
+            <a:r>
+              <a:rPr lang="en-US" altLang="zh-CN" sz="3200" kern="100" dirty="0">
+                <a:ea typeface="DengXian" panose="02010600030101010101" pitchFamily="2" charset="-122"/>
+                <a:cs typeface="Times New Roman" panose="02020603050405020304" pitchFamily="18" charset="0"/>
+              </a:rPr>
+              <a:t>Relative abundance of dominant enteric fungal phyla in healthy control, n=525 and CRCs, n=454. Ascomycota, Basidiomycota, </a:t>
+            </a:r>
+            <a:r>
+              <a:rPr lang="en-US" altLang="zh-CN" sz="3200" kern="100" dirty="0" err="1">
+                <a:ea typeface="DengXian" panose="02010600030101010101" pitchFamily="2" charset="-122"/>
+                <a:cs typeface="Times New Roman" panose="02020603050405020304" pitchFamily="18" charset="0"/>
+              </a:rPr>
+              <a:t>Mucoromycota</a:t>
+            </a:r>
+            <a:r>
+              <a:rPr lang="en-US" altLang="zh-CN" sz="3200" kern="100" dirty="0">
+                <a:ea typeface="DengXian" panose="02010600030101010101" pitchFamily="2" charset="-122"/>
+                <a:cs typeface="Times New Roman" panose="02020603050405020304" pitchFamily="18" charset="0"/>
+              </a:rPr>
+              <a:t>, Microsporidia, and Chytridiomycota were prevalent in both groups. </a:t>
+            </a:r>
+            <a:r>
+              <a:rPr lang="en-US" altLang="zh-CN" sz="3200" b="1" kern="100" dirty="0">
+                <a:ea typeface="DengXian" panose="02010600030101010101" pitchFamily="2" charset="-122"/>
+                <a:cs typeface="Times New Roman" panose="02020603050405020304" pitchFamily="18" charset="0"/>
+              </a:rPr>
+              <a:t>(b) </a:t>
+            </a:r>
+            <a:r>
+              <a:rPr lang="en-US" altLang="zh-CN" sz="3200" kern="100" dirty="0">
+                <a:ea typeface="DengXian" panose="02010600030101010101" pitchFamily="2" charset="-122"/>
+                <a:cs typeface="Times New Roman" panose="02020603050405020304" pitchFamily="18" charset="0"/>
+              </a:rPr>
+              <a:t>Relative abundance of dominant enteric fungal phyla in each cohort. </a:t>
+            </a:r>
+            <a:r>
+              <a:rPr lang="en-US" altLang="zh-CN" sz="3200" b="1" kern="100" dirty="0">
+                <a:ea typeface="DengXian" panose="02010600030101010101" pitchFamily="2" charset="-122"/>
+                <a:cs typeface="Times New Roman" panose="02020603050405020304" pitchFamily="18" charset="0"/>
+              </a:rPr>
+              <a:t>(c)</a:t>
+            </a:r>
+            <a:r>
+              <a:rPr lang="en-US" altLang="zh-CN" sz="3200" kern="100" dirty="0">
+                <a:ea typeface="DengXian" panose="02010600030101010101" pitchFamily="2" charset="-122"/>
+                <a:cs typeface="Times New Roman" panose="02020603050405020304" pitchFamily="18" charset="0"/>
+              </a:rPr>
+              <a:t> Comparison of the fungal difference between healthy control and CRC.</a:t>
+            </a:r>
+            <a:r>
+              <a:rPr lang="en-US" altLang="zh-CN" sz="3200" b="1" kern="100" dirty="0">
+                <a:ea typeface="DengXian" panose="02010600030101010101" pitchFamily="2" charset="-122"/>
+                <a:cs typeface="Times New Roman" panose="02020603050405020304" pitchFamily="18" charset="0"/>
+              </a:rPr>
+              <a:t> (d)</a:t>
+            </a:r>
+            <a:r>
+              <a:rPr lang="en-US" altLang="zh-CN" sz="3200" kern="100" dirty="0">
+                <a:ea typeface="DengXian" panose="02010600030101010101" pitchFamily="2" charset="-122"/>
+                <a:cs typeface="Times New Roman" panose="02020603050405020304" pitchFamily="18" charset="0"/>
+              </a:rPr>
+              <a:t> Comparison of fungal differences in chao1 index diversity indices between CRC (n = 454) and healthy control (n = 525) among the all and each.</a:t>
+            </a:r>
+            <a:endParaRPr lang="zh-CN" altLang="zh-CN" sz="3200" kern="100" dirty="0">
+              <a:ea typeface="DengXian" panose="02010600030101010101" pitchFamily="2" charset="-122"/>
+              <a:cs typeface="Times New Roman" panose="02020603050405020304" pitchFamily="18" charset="0"/>
+            </a:endParaRPr>
+          </a:p>
+          <a:p>
             <a:endParaRPr lang="en-HK" sz="3200" b="1" dirty="0"/>
           </a:p>
         </p:txBody>
@@ -6649,7 +6643,7 @@
         </p:nvSpPr>
         <p:spPr>
           <a:xfrm>
-            <a:off x="6998265" y="15187613"/>
+            <a:off x="7056911" y="13639916"/>
             <a:ext cx="2929166" cy="523220"/>
           </a:xfrm>
           <a:prstGeom prst="rect">
@@ -6695,7 +6689,7 @@
         </p:nvSpPr>
         <p:spPr>
           <a:xfrm>
-            <a:off x="10022546" y="15192589"/>
+            <a:off x="10081192" y="13644892"/>
             <a:ext cx="2929166" cy="523220"/>
           </a:xfrm>
           <a:prstGeom prst="rect">
@@ -6741,7 +6735,7 @@
         </p:nvSpPr>
         <p:spPr>
           <a:xfrm>
-            <a:off x="13049208" y="15192318"/>
+            <a:off x="13107854" y="13644621"/>
             <a:ext cx="2929166" cy="523220"/>
           </a:xfrm>
           <a:prstGeom prst="rect">
@@ -6787,7 +6781,7 @@
         </p:nvSpPr>
         <p:spPr>
           <a:xfrm>
-            <a:off x="16077038" y="15191525"/>
+            <a:off x="16135684" y="13643828"/>
             <a:ext cx="2929166" cy="523220"/>
           </a:xfrm>
           <a:prstGeom prst="rect">
@@ -6833,7 +6827,7 @@
         </p:nvGrpSpPr>
         <p:grpSpPr>
           <a:xfrm>
-            <a:off x="7151882" y="15204964"/>
+            <a:off x="7210529" y="13657267"/>
             <a:ext cx="11979607" cy="477054"/>
             <a:chOff x="6542461" y="15343236"/>
             <a:chExt cx="11286611" cy="477054"/>
@@ -7002,7 +6996,7 @@
         </p:nvSpPr>
         <p:spPr>
           <a:xfrm>
-            <a:off x="6998265" y="18915946"/>
+            <a:off x="7056911" y="17368249"/>
             <a:ext cx="2929166" cy="523220"/>
           </a:xfrm>
           <a:prstGeom prst="rect">
@@ -7048,7 +7042,7 @@
         </p:nvSpPr>
         <p:spPr>
           <a:xfrm>
-            <a:off x="10022546" y="18920922"/>
+            <a:off x="10081192" y="17373225"/>
             <a:ext cx="2929166" cy="523220"/>
           </a:xfrm>
           <a:prstGeom prst="rect">
@@ -7094,7 +7088,7 @@
         </p:nvSpPr>
         <p:spPr>
           <a:xfrm>
-            <a:off x="13049208" y="18920651"/>
+            <a:off x="13107854" y="17372954"/>
             <a:ext cx="2929166" cy="523220"/>
           </a:xfrm>
           <a:prstGeom prst="rect">
@@ -7140,7 +7134,7 @@
         </p:nvSpPr>
         <p:spPr>
           <a:xfrm>
-            <a:off x="16077038" y="18929094"/>
+            <a:off x="16135684" y="17381397"/>
             <a:ext cx="2929166" cy="523220"/>
           </a:xfrm>
           <a:prstGeom prst="rect">
@@ -7186,7 +7180,7 @@
         </p:nvGrpSpPr>
         <p:grpSpPr>
           <a:xfrm>
-            <a:off x="7204311" y="18941852"/>
+            <a:off x="7262957" y="17394155"/>
             <a:ext cx="11382436" cy="477054"/>
             <a:chOff x="6578183" y="19036582"/>
             <a:chExt cx="10723985" cy="477054"/>
@@ -7341,6 +7335,3585 @@
           </p:txBody>
         </p:sp>
       </p:grpSp>
+      <p:sp>
+        <p:nvSpPr>
+          <p:cNvPr id="140" name="TextBox 139">
+            <a:extLst>
+              <a:ext uri="{FF2B5EF4-FFF2-40B4-BE49-F238E27FC236}">
+                <a16:creationId xmlns:a16="http://schemas.microsoft.com/office/drawing/2014/main" id="{48E7EDD2-CB4F-47B5-8A52-8D38F05C0674}"/>
+              </a:ext>
+            </a:extLst>
+          </p:cNvPr>
+          <p:cNvSpPr txBox="1"/>
+          <p:nvPr/>
+        </p:nvSpPr>
+        <p:spPr>
+          <a:xfrm>
+            <a:off x="14829813" y="2777063"/>
+            <a:ext cx="2359685" cy="523220"/>
+          </a:xfrm>
+          <a:prstGeom prst="rect">
+            <a:avLst/>
+          </a:prstGeom>
+          <a:noFill/>
+        </p:spPr>
+        <p:txBody>
+          <a:bodyPr wrap="none" rtlCol="0">
+            <a:spAutoFit/>
+          </a:bodyPr>
+          <a:lstStyle/>
+          <a:p>
+            <a:r>
+              <a:rPr lang="en-US" altLang="zh-CN" sz="2800" b="1" dirty="0"/>
+              <a:t>Basidiomycota</a:t>
+            </a:r>
+          </a:p>
+        </p:txBody>
+      </p:sp>
+      <p:sp>
+        <p:nvSpPr>
+          <p:cNvPr id="141" name="TextBox 140">
+            <a:extLst>
+              <a:ext uri="{FF2B5EF4-FFF2-40B4-BE49-F238E27FC236}">
+                <a16:creationId xmlns:a16="http://schemas.microsoft.com/office/drawing/2014/main" id="{78846560-AD48-4A3E-8F6A-33E63B9704ED}"/>
+              </a:ext>
+            </a:extLst>
+          </p:cNvPr>
+          <p:cNvSpPr txBox="1"/>
+          <p:nvPr/>
+        </p:nvSpPr>
+        <p:spPr>
+          <a:xfrm>
+            <a:off x="15020633" y="576977"/>
+            <a:ext cx="1978042" cy="523220"/>
+          </a:xfrm>
+          <a:prstGeom prst="rect">
+            <a:avLst/>
+          </a:prstGeom>
+          <a:noFill/>
+        </p:spPr>
+        <p:txBody>
+          <a:bodyPr wrap="none" rtlCol="0">
+            <a:spAutoFit/>
+          </a:bodyPr>
+          <a:lstStyle/>
+          <a:p>
+            <a:r>
+              <a:rPr lang="en-US" altLang="zh-CN" sz="2800" b="1" dirty="0"/>
+              <a:t>Ascomycota</a:t>
+            </a:r>
+          </a:p>
+        </p:txBody>
+      </p:sp>
+      <p:sp>
+        <p:nvSpPr>
+          <p:cNvPr id="142" name="TextBox 141">
+            <a:extLst>
+              <a:ext uri="{FF2B5EF4-FFF2-40B4-BE49-F238E27FC236}">
+                <a16:creationId xmlns:a16="http://schemas.microsoft.com/office/drawing/2014/main" id="{13969C0B-218A-496D-A5C3-A7E62DFF04B2}"/>
+              </a:ext>
+            </a:extLst>
+          </p:cNvPr>
+          <p:cNvSpPr txBox="1"/>
+          <p:nvPr/>
+        </p:nvSpPr>
+        <p:spPr>
+          <a:xfrm>
+            <a:off x="14789578" y="4977149"/>
+            <a:ext cx="2440155" cy="523220"/>
+          </a:xfrm>
+          <a:prstGeom prst="rect">
+            <a:avLst/>
+          </a:prstGeom>
+          <a:noFill/>
+        </p:spPr>
+        <p:txBody>
+          <a:bodyPr wrap="none" rtlCol="0">
+            <a:spAutoFit/>
+          </a:bodyPr>
+          <a:lstStyle/>
+          <a:p>
+            <a:r>
+              <a:rPr lang="en-US" altLang="zh-CN" sz="2800" b="1" dirty="0" err="1"/>
+              <a:t>Mucoromycota</a:t>
+            </a:r>
+            <a:endParaRPr lang="en-US" altLang="zh-CN" sz="2800" b="1" dirty="0"/>
+          </a:p>
+        </p:txBody>
+      </p:sp>
+      <p:sp>
+        <p:nvSpPr>
+          <p:cNvPr id="143" name="TextBox 142">
+            <a:extLst>
+              <a:ext uri="{FF2B5EF4-FFF2-40B4-BE49-F238E27FC236}">
+                <a16:creationId xmlns:a16="http://schemas.microsoft.com/office/drawing/2014/main" id="{EB73922A-5FA0-4613-82A1-B7E9B34E65D3}"/>
+              </a:ext>
+            </a:extLst>
+          </p:cNvPr>
+          <p:cNvSpPr txBox="1"/>
+          <p:nvPr/>
+        </p:nvSpPr>
+        <p:spPr>
+          <a:xfrm>
+            <a:off x="14881558" y="7177235"/>
+            <a:ext cx="2256195" cy="523220"/>
+          </a:xfrm>
+          <a:prstGeom prst="rect">
+            <a:avLst/>
+          </a:prstGeom>
+          <a:noFill/>
+        </p:spPr>
+        <p:txBody>
+          <a:bodyPr wrap="none" rtlCol="0">
+            <a:spAutoFit/>
+          </a:bodyPr>
+          <a:lstStyle/>
+          <a:p>
+            <a:r>
+              <a:rPr lang="en-US" altLang="zh-CN" sz="2800" b="1" dirty="0"/>
+              <a:t>Microsporidia</a:t>
+            </a:r>
+          </a:p>
+        </p:txBody>
+      </p:sp>
+      <p:sp>
+        <p:nvSpPr>
+          <p:cNvPr id="144" name="TextBox 143">
+            <a:extLst>
+              <a:ext uri="{FF2B5EF4-FFF2-40B4-BE49-F238E27FC236}">
+                <a16:creationId xmlns:a16="http://schemas.microsoft.com/office/drawing/2014/main" id="{00713A7F-A5D5-42AA-9044-D3692D88E643}"/>
+              </a:ext>
+            </a:extLst>
+          </p:cNvPr>
+          <p:cNvSpPr txBox="1"/>
+          <p:nvPr/>
+        </p:nvSpPr>
+        <p:spPr>
+          <a:xfrm>
+            <a:off x="14690320" y="9377323"/>
+            <a:ext cx="2638671" cy="523220"/>
+          </a:xfrm>
+          <a:prstGeom prst="rect">
+            <a:avLst/>
+          </a:prstGeom>
+          <a:noFill/>
+        </p:spPr>
+        <p:txBody>
+          <a:bodyPr wrap="none" rtlCol="0">
+            <a:spAutoFit/>
+          </a:bodyPr>
+          <a:lstStyle/>
+          <a:p>
+            <a:r>
+              <a:rPr lang="en-US" altLang="zh-CN" sz="2800" b="1" dirty="0"/>
+              <a:t>Chytridiomycota</a:t>
+            </a:r>
+          </a:p>
+        </p:txBody>
+      </p:sp>
+      <p:grpSp>
+        <p:nvGrpSpPr>
+          <p:cNvPr id="9" name="Group 8">
+            <a:extLst>
+              <a:ext uri="{FF2B5EF4-FFF2-40B4-BE49-F238E27FC236}">
+                <a16:creationId xmlns:a16="http://schemas.microsoft.com/office/drawing/2014/main" id="{75FE8263-6ED4-41F3-897A-B00A159F8C02}"/>
+              </a:ext>
+            </a:extLst>
+          </p:cNvPr>
+          <p:cNvGrpSpPr/>
+          <p:nvPr/>
+        </p:nvGrpSpPr>
+        <p:grpSpPr>
+          <a:xfrm>
+            <a:off x="12272021" y="9904014"/>
+            <a:ext cx="821059" cy="387794"/>
+            <a:chOff x="10697260" y="18123514"/>
+            <a:chExt cx="1913030" cy="387794"/>
+          </a:xfrm>
+        </p:grpSpPr>
+        <p:cxnSp>
+          <p:nvCxnSpPr>
+            <p:cNvPr id="147" name="Straight Connector 146">
+              <a:extLst>
+                <a:ext uri="{FF2B5EF4-FFF2-40B4-BE49-F238E27FC236}">
+                  <a16:creationId xmlns:a16="http://schemas.microsoft.com/office/drawing/2014/main" id="{59E3D01B-ABF3-4E99-9912-B42361778A38}"/>
+                </a:ext>
+              </a:extLst>
+            </p:cNvPr>
+            <p:cNvCxnSpPr/>
+            <p:nvPr/>
+          </p:nvCxnSpPr>
+          <p:spPr>
+            <a:xfrm>
+              <a:off x="11007410" y="18403296"/>
+              <a:ext cx="0" cy="108012"/>
+            </a:xfrm>
+            <a:prstGeom prst="line">
+              <a:avLst/>
+            </a:prstGeom>
+            <a:ln w="19050">
+              <a:headEnd type="none" w="med" len="med"/>
+              <a:tailEnd type="none" w="med" len="med"/>
+            </a:ln>
+          </p:spPr>
+          <p:style>
+            <a:lnRef idx="2">
+              <a:schemeClr val="dk1"/>
+            </a:lnRef>
+            <a:fillRef idx="0">
+              <a:schemeClr val="dk1"/>
+            </a:fillRef>
+            <a:effectRef idx="1">
+              <a:schemeClr val="dk1"/>
+            </a:effectRef>
+            <a:fontRef idx="minor">
+              <a:schemeClr val="tx1"/>
+            </a:fontRef>
+          </p:style>
+        </p:cxnSp>
+        <p:cxnSp>
+          <p:nvCxnSpPr>
+            <p:cNvPr id="148" name="Straight Connector 147">
+              <a:extLst>
+                <a:ext uri="{FF2B5EF4-FFF2-40B4-BE49-F238E27FC236}">
+                  <a16:creationId xmlns:a16="http://schemas.microsoft.com/office/drawing/2014/main" id="{47B2D23D-EEFD-4913-BC27-EF51FD9C490B}"/>
+                </a:ext>
+              </a:extLst>
+            </p:cNvPr>
+            <p:cNvCxnSpPr/>
+            <p:nvPr/>
+          </p:nvCxnSpPr>
+          <p:spPr>
+            <a:xfrm>
+              <a:off x="12344922" y="18403296"/>
+              <a:ext cx="0" cy="108012"/>
+            </a:xfrm>
+            <a:prstGeom prst="line">
+              <a:avLst/>
+            </a:prstGeom>
+            <a:ln w="19050">
+              <a:headEnd type="none" w="med" len="med"/>
+              <a:tailEnd type="none" w="med" len="med"/>
+            </a:ln>
+          </p:spPr>
+          <p:style>
+            <a:lnRef idx="2">
+              <a:schemeClr val="dk1"/>
+            </a:lnRef>
+            <a:fillRef idx="0">
+              <a:schemeClr val="dk1"/>
+            </a:fillRef>
+            <a:effectRef idx="1">
+              <a:schemeClr val="dk1"/>
+            </a:effectRef>
+            <a:fontRef idx="minor">
+              <a:schemeClr val="tx1"/>
+            </a:fontRef>
+          </p:style>
+        </p:cxnSp>
+        <p:cxnSp>
+          <p:nvCxnSpPr>
+            <p:cNvPr id="149" name="Straight Connector 148">
+              <a:extLst>
+                <a:ext uri="{FF2B5EF4-FFF2-40B4-BE49-F238E27FC236}">
+                  <a16:creationId xmlns:a16="http://schemas.microsoft.com/office/drawing/2014/main" id="{F49CCDDE-6ADF-4CD5-8E59-71927FAF7AC6}"/>
+                </a:ext>
+              </a:extLst>
+            </p:cNvPr>
+            <p:cNvCxnSpPr>
+              <a:cxnSpLocks/>
+            </p:cNvCxnSpPr>
+            <p:nvPr/>
+          </p:nvCxnSpPr>
+          <p:spPr>
+            <a:xfrm>
+              <a:off x="11007410" y="18403296"/>
+              <a:ext cx="1337512" cy="0"/>
+            </a:xfrm>
+            <a:prstGeom prst="line">
+              <a:avLst/>
+            </a:prstGeom>
+            <a:ln w="19050">
+              <a:headEnd type="none" w="med" len="med"/>
+              <a:tailEnd type="none" w="med" len="med"/>
+            </a:ln>
+          </p:spPr>
+          <p:style>
+            <a:lnRef idx="2">
+              <a:schemeClr val="dk1"/>
+            </a:lnRef>
+            <a:fillRef idx="0">
+              <a:schemeClr val="dk1"/>
+            </a:fillRef>
+            <a:effectRef idx="1">
+              <a:schemeClr val="dk1"/>
+            </a:effectRef>
+            <a:fontRef idx="minor">
+              <a:schemeClr val="tx1"/>
+            </a:fontRef>
+          </p:style>
+        </p:cxnSp>
+        <p:sp>
+          <p:nvSpPr>
+            <p:cNvPr id="150" name="TextBox 149">
+              <a:extLst>
+                <a:ext uri="{FF2B5EF4-FFF2-40B4-BE49-F238E27FC236}">
+                  <a16:creationId xmlns:a16="http://schemas.microsoft.com/office/drawing/2014/main" id="{248DA574-3DF0-48FE-AB24-73375F858C01}"/>
+                </a:ext>
+              </a:extLst>
+            </p:cNvPr>
+            <p:cNvSpPr txBox="1"/>
+            <p:nvPr/>
+          </p:nvSpPr>
+          <p:spPr>
+            <a:xfrm>
+              <a:off x="10697260" y="18123514"/>
+              <a:ext cx="1913030" cy="338554"/>
+            </a:xfrm>
+            <a:prstGeom prst="rect">
+              <a:avLst/>
+            </a:prstGeom>
+            <a:noFill/>
+          </p:spPr>
+          <p:txBody>
+            <a:bodyPr wrap="none" rtlCol="0">
+              <a:spAutoFit/>
+            </a:bodyPr>
+            <a:lstStyle/>
+            <a:p>
+              <a:pPr algn="ctr"/>
+              <a:r>
+                <a:rPr lang="en-US" altLang="zh-CN" sz="1600" b="1" dirty="0"/>
+                <a:t>8.3e-05</a:t>
+              </a:r>
+              <a:endParaRPr lang="zh-CN" altLang="en-US" sz="1600" b="1" dirty="0"/>
+            </a:p>
+          </p:txBody>
+        </p:sp>
+      </p:grpSp>
+      <p:grpSp>
+        <p:nvGrpSpPr>
+          <p:cNvPr id="152" name="Group 151">
+            <a:extLst>
+              <a:ext uri="{FF2B5EF4-FFF2-40B4-BE49-F238E27FC236}">
+                <a16:creationId xmlns:a16="http://schemas.microsoft.com/office/drawing/2014/main" id="{ABA40616-3A67-4AF2-905D-DB9FE16F189A}"/>
+              </a:ext>
+            </a:extLst>
+          </p:cNvPr>
+          <p:cNvGrpSpPr/>
+          <p:nvPr/>
+        </p:nvGrpSpPr>
+        <p:grpSpPr>
+          <a:xfrm>
+            <a:off x="18990426" y="9540733"/>
+            <a:ext cx="821059" cy="387794"/>
+            <a:chOff x="10697262" y="18123514"/>
+            <a:chExt cx="1913030" cy="387794"/>
+          </a:xfrm>
+        </p:grpSpPr>
+        <p:cxnSp>
+          <p:nvCxnSpPr>
+            <p:cNvPr id="153" name="Straight Connector 152">
+              <a:extLst>
+                <a:ext uri="{FF2B5EF4-FFF2-40B4-BE49-F238E27FC236}">
+                  <a16:creationId xmlns:a16="http://schemas.microsoft.com/office/drawing/2014/main" id="{286431E4-0996-475D-ADCE-4C1C2B0D8E83}"/>
+                </a:ext>
+              </a:extLst>
+            </p:cNvPr>
+            <p:cNvCxnSpPr/>
+            <p:nvPr/>
+          </p:nvCxnSpPr>
+          <p:spPr>
+            <a:xfrm>
+              <a:off x="11007410" y="18403296"/>
+              <a:ext cx="0" cy="108012"/>
+            </a:xfrm>
+            <a:prstGeom prst="line">
+              <a:avLst/>
+            </a:prstGeom>
+            <a:ln w="19050">
+              <a:headEnd type="none" w="med" len="med"/>
+              <a:tailEnd type="none" w="med" len="med"/>
+            </a:ln>
+          </p:spPr>
+          <p:style>
+            <a:lnRef idx="2">
+              <a:schemeClr val="dk1"/>
+            </a:lnRef>
+            <a:fillRef idx="0">
+              <a:schemeClr val="dk1"/>
+            </a:fillRef>
+            <a:effectRef idx="1">
+              <a:schemeClr val="dk1"/>
+            </a:effectRef>
+            <a:fontRef idx="minor">
+              <a:schemeClr val="tx1"/>
+            </a:fontRef>
+          </p:style>
+        </p:cxnSp>
+        <p:cxnSp>
+          <p:nvCxnSpPr>
+            <p:cNvPr id="154" name="Straight Connector 153">
+              <a:extLst>
+                <a:ext uri="{FF2B5EF4-FFF2-40B4-BE49-F238E27FC236}">
+                  <a16:creationId xmlns:a16="http://schemas.microsoft.com/office/drawing/2014/main" id="{794DA938-8812-40C7-90C2-5DC7CDA4ED7F}"/>
+                </a:ext>
+              </a:extLst>
+            </p:cNvPr>
+            <p:cNvCxnSpPr/>
+            <p:nvPr/>
+          </p:nvCxnSpPr>
+          <p:spPr>
+            <a:xfrm>
+              <a:off x="12344922" y="18403296"/>
+              <a:ext cx="0" cy="108012"/>
+            </a:xfrm>
+            <a:prstGeom prst="line">
+              <a:avLst/>
+            </a:prstGeom>
+            <a:ln w="19050">
+              <a:headEnd type="none" w="med" len="med"/>
+              <a:tailEnd type="none" w="med" len="med"/>
+            </a:ln>
+          </p:spPr>
+          <p:style>
+            <a:lnRef idx="2">
+              <a:schemeClr val="dk1"/>
+            </a:lnRef>
+            <a:fillRef idx="0">
+              <a:schemeClr val="dk1"/>
+            </a:fillRef>
+            <a:effectRef idx="1">
+              <a:schemeClr val="dk1"/>
+            </a:effectRef>
+            <a:fontRef idx="minor">
+              <a:schemeClr val="tx1"/>
+            </a:fontRef>
+          </p:style>
+        </p:cxnSp>
+        <p:cxnSp>
+          <p:nvCxnSpPr>
+            <p:cNvPr id="155" name="Straight Connector 154">
+              <a:extLst>
+                <a:ext uri="{FF2B5EF4-FFF2-40B4-BE49-F238E27FC236}">
+                  <a16:creationId xmlns:a16="http://schemas.microsoft.com/office/drawing/2014/main" id="{39038E8B-D1D1-448E-8FE2-AB9C254A026D}"/>
+                </a:ext>
+              </a:extLst>
+            </p:cNvPr>
+            <p:cNvCxnSpPr>
+              <a:cxnSpLocks/>
+            </p:cNvCxnSpPr>
+            <p:nvPr/>
+          </p:nvCxnSpPr>
+          <p:spPr>
+            <a:xfrm>
+              <a:off x="11007410" y="18403296"/>
+              <a:ext cx="1337512" cy="0"/>
+            </a:xfrm>
+            <a:prstGeom prst="line">
+              <a:avLst/>
+            </a:prstGeom>
+            <a:ln w="19050">
+              <a:headEnd type="none" w="med" len="med"/>
+              <a:tailEnd type="none" w="med" len="med"/>
+            </a:ln>
+          </p:spPr>
+          <p:style>
+            <a:lnRef idx="2">
+              <a:schemeClr val="dk1"/>
+            </a:lnRef>
+            <a:fillRef idx="0">
+              <a:schemeClr val="dk1"/>
+            </a:fillRef>
+            <a:effectRef idx="1">
+              <a:schemeClr val="dk1"/>
+            </a:effectRef>
+            <a:fontRef idx="minor">
+              <a:schemeClr val="tx1"/>
+            </a:fontRef>
+          </p:style>
+        </p:cxnSp>
+        <p:sp>
+          <p:nvSpPr>
+            <p:cNvPr id="156" name="TextBox 155">
+              <a:extLst>
+                <a:ext uri="{FF2B5EF4-FFF2-40B4-BE49-F238E27FC236}">
+                  <a16:creationId xmlns:a16="http://schemas.microsoft.com/office/drawing/2014/main" id="{DADDF2E0-DA7F-4F3E-AC8A-49856028096F}"/>
+                </a:ext>
+              </a:extLst>
+            </p:cNvPr>
+            <p:cNvSpPr txBox="1"/>
+            <p:nvPr/>
+          </p:nvSpPr>
+          <p:spPr>
+            <a:xfrm>
+              <a:off x="10697262" y="18123514"/>
+              <a:ext cx="1913030" cy="338554"/>
+            </a:xfrm>
+            <a:prstGeom prst="rect">
+              <a:avLst/>
+            </a:prstGeom>
+            <a:noFill/>
+          </p:spPr>
+          <p:txBody>
+            <a:bodyPr wrap="none" rtlCol="0">
+              <a:spAutoFit/>
+            </a:bodyPr>
+            <a:lstStyle/>
+            <a:p>
+              <a:pPr algn="ctr"/>
+              <a:r>
+                <a:rPr lang="en-US" altLang="zh-CN" sz="1600" b="1" dirty="0"/>
+                <a:t>4.5e-02</a:t>
+              </a:r>
+              <a:endParaRPr lang="zh-CN" altLang="en-US" sz="1600" b="1" dirty="0"/>
+            </a:p>
+          </p:txBody>
+        </p:sp>
+      </p:grpSp>
+      <p:grpSp>
+        <p:nvGrpSpPr>
+          <p:cNvPr id="157" name="Group 156">
+            <a:extLst>
+              <a:ext uri="{FF2B5EF4-FFF2-40B4-BE49-F238E27FC236}">
+                <a16:creationId xmlns:a16="http://schemas.microsoft.com/office/drawing/2014/main" id="{F7C6D672-076B-417D-9959-37D77452845E}"/>
+              </a:ext>
+            </a:extLst>
+          </p:cNvPr>
+          <p:cNvGrpSpPr/>
+          <p:nvPr/>
+        </p:nvGrpSpPr>
+        <p:grpSpPr>
+          <a:xfrm>
+            <a:off x="18990428" y="7540551"/>
+            <a:ext cx="821059" cy="387794"/>
+            <a:chOff x="10697265" y="18123514"/>
+            <a:chExt cx="1913030" cy="387794"/>
+          </a:xfrm>
+        </p:grpSpPr>
+        <p:cxnSp>
+          <p:nvCxnSpPr>
+            <p:cNvPr id="158" name="Straight Connector 157">
+              <a:extLst>
+                <a:ext uri="{FF2B5EF4-FFF2-40B4-BE49-F238E27FC236}">
+                  <a16:creationId xmlns:a16="http://schemas.microsoft.com/office/drawing/2014/main" id="{59CAC7B1-F47C-48E1-BFE0-83053FD83635}"/>
+                </a:ext>
+              </a:extLst>
+            </p:cNvPr>
+            <p:cNvCxnSpPr/>
+            <p:nvPr/>
+          </p:nvCxnSpPr>
+          <p:spPr>
+            <a:xfrm>
+              <a:off x="11007410" y="18403296"/>
+              <a:ext cx="0" cy="108012"/>
+            </a:xfrm>
+            <a:prstGeom prst="line">
+              <a:avLst/>
+            </a:prstGeom>
+            <a:ln w="19050">
+              <a:headEnd type="none" w="med" len="med"/>
+              <a:tailEnd type="none" w="med" len="med"/>
+            </a:ln>
+          </p:spPr>
+          <p:style>
+            <a:lnRef idx="2">
+              <a:schemeClr val="dk1"/>
+            </a:lnRef>
+            <a:fillRef idx="0">
+              <a:schemeClr val="dk1"/>
+            </a:fillRef>
+            <a:effectRef idx="1">
+              <a:schemeClr val="dk1"/>
+            </a:effectRef>
+            <a:fontRef idx="minor">
+              <a:schemeClr val="tx1"/>
+            </a:fontRef>
+          </p:style>
+        </p:cxnSp>
+        <p:cxnSp>
+          <p:nvCxnSpPr>
+            <p:cNvPr id="159" name="Straight Connector 158">
+              <a:extLst>
+                <a:ext uri="{FF2B5EF4-FFF2-40B4-BE49-F238E27FC236}">
+                  <a16:creationId xmlns:a16="http://schemas.microsoft.com/office/drawing/2014/main" id="{8D173DF4-E901-43B0-AB2A-478E49318BF8}"/>
+                </a:ext>
+              </a:extLst>
+            </p:cNvPr>
+            <p:cNvCxnSpPr/>
+            <p:nvPr/>
+          </p:nvCxnSpPr>
+          <p:spPr>
+            <a:xfrm>
+              <a:off x="12344922" y="18403296"/>
+              <a:ext cx="0" cy="108012"/>
+            </a:xfrm>
+            <a:prstGeom prst="line">
+              <a:avLst/>
+            </a:prstGeom>
+            <a:ln w="19050">
+              <a:headEnd type="none" w="med" len="med"/>
+              <a:tailEnd type="none" w="med" len="med"/>
+            </a:ln>
+          </p:spPr>
+          <p:style>
+            <a:lnRef idx="2">
+              <a:schemeClr val="dk1"/>
+            </a:lnRef>
+            <a:fillRef idx="0">
+              <a:schemeClr val="dk1"/>
+            </a:fillRef>
+            <a:effectRef idx="1">
+              <a:schemeClr val="dk1"/>
+            </a:effectRef>
+            <a:fontRef idx="minor">
+              <a:schemeClr val="tx1"/>
+            </a:fontRef>
+          </p:style>
+        </p:cxnSp>
+        <p:cxnSp>
+          <p:nvCxnSpPr>
+            <p:cNvPr id="160" name="Straight Connector 159">
+              <a:extLst>
+                <a:ext uri="{FF2B5EF4-FFF2-40B4-BE49-F238E27FC236}">
+                  <a16:creationId xmlns:a16="http://schemas.microsoft.com/office/drawing/2014/main" id="{6104D10E-3F0A-4485-82FF-D9A6A326CB65}"/>
+                </a:ext>
+              </a:extLst>
+            </p:cNvPr>
+            <p:cNvCxnSpPr>
+              <a:cxnSpLocks/>
+            </p:cNvCxnSpPr>
+            <p:nvPr/>
+          </p:nvCxnSpPr>
+          <p:spPr>
+            <a:xfrm>
+              <a:off x="11007410" y="18403296"/>
+              <a:ext cx="1337512" cy="0"/>
+            </a:xfrm>
+            <a:prstGeom prst="line">
+              <a:avLst/>
+            </a:prstGeom>
+            <a:ln w="19050">
+              <a:headEnd type="none" w="med" len="med"/>
+              <a:tailEnd type="none" w="med" len="med"/>
+            </a:ln>
+          </p:spPr>
+          <p:style>
+            <a:lnRef idx="2">
+              <a:schemeClr val="dk1"/>
+            </a:lnRef>
+            <a:fillRef idx="0">
+              <a:schemeClr val="dk1"/>
+            </a:fillRef>
+            <a:effectRef idx="1">
+              <a:schemeClr val="dk1"/>
+            </a:effectRef>
+            <a:fontRef idx="minor">
+              <a:schemeClr val="tx1"/>
+            </a:fontRef>
+          </p:style>
+        </p:cxnSp>
+        <p:sp>
+          <p:nvSpPr>
+            <p:cNvPr id="161" name="TextBox 160">
+              <a:extLst>
+                <a:ext uri="{FF2B5EF4-FFF2-40B4-BE49-F238E27FC236}">
+                  <a16:creationId xmlns:a16="http://schemas.microsoft.com/office/drawing/2014/main" id="{0231D35C-3AD5-4821-8698-F1C7B96E4D4F}"/>
+                </a:ext>
+              </a:extLst>
+            </p:cNvPr>
+            <p:cNvSpPr txBox="1"/>
+            <p:nvPr/>
+          </p:nvSpPr>
+          <p:spPr>
+            <a:xfrm>
+              <a:off x="10697265" y="18123514"/>
+              <a:ext cx="1913030" cy="338554"/>
+            </a:xfrm>
+            <a:prstGeom prst="rect">
+              <a:avLst/>
+            </a:prstGeom>
+            <a:noFill/>
+          </p:spPr>
+          <p:txBody>
+            <a:bodyPr wrap="none" rtlCol="0">
+              <a:spAutoFit/>
+            </a:bodyPr>
+            <a:lstStyle/>
+            <a:p>
+              <a:pPr algn="ctr"/>
+              <a:r>
+                <a:rPr lang="en-US" altLang="zh-CN" sz="1600" b="1" dirty="0"/>
+                <a:t>2.2e-02</a:t>
+              </a:r>
+              <a:endParaRPr lang="zh-CN" altLang="en-US" sz="1600" b="1" dirty="0"/>
+            </a:p>
+          </p:txBody>
+        </p:sp>
+      </p:grpSp>
+      <p:grpSp>
+        <p:nvGrpSpPr>
+          <p:cNvPr id="162" name="Group 161">
+            <a:extLst>
+              <a:ext uri="{FF2B5EF4-FFF2-40B4-BE49-F238E27FC236}">
+                <a16:creationId xmlns:a16="http://schemas.microsoft.com/office/drawing/2014/main" id="{B643CB71-0677-4CC5-B4F7-89F4A19C7832}"/>
+              </a:ext>
+            </a:extLst>
+          </p:cNvPr>
+          <p:cNvGrpSpPr/>
+          <p:nvPr/>
+        </p:nvGrpSpPr>
+        <p:grpSpPr>
+          <a:xfrm>
+            <a:off x="17089335" y="7326841"/>
+            <a:ext cx="821059" cy="387794"/>
+            <a:chOff x="10697265" y="18123514"/>
+            <a:chExt cx="1913030" cy="387794"/>
+          </a:xfrm>
+        </p:grpSpPr>
+        <p:cxnSp>
+          <p:nvCxnSpPr>
+            <p:cNvPr id="163" name="Straight Connector 162">
+              <a:extLst>
+                <a:ext uri="{FF2B5EF4-FFF2-40B4-BE49-F238E27FC236}">
+                  <a16:creationId xmlns:a16="http://schemas.microsoft.com/office/drawing/2014/main" id="{0A880E66-C305-42EF-AB82-02FC09AABCE0}"/>
+                </a:ext>
+              </a:extLst>
+            </p:cNvPr>
+            <p:cNvCxnSpPr/>
+            <p:nvPr/>
+          </p:nvCxnSpPr>
+          <p:spPr>
+            <a:xfrm>
+              <a:off x="11007410" y="18403296"/>
+              <a:ext cx="0" cy="108012"/>
+            </a:xfrm>
+            <a:prstGeom prst="line">
+              <a:avLst/>
+            </a:prstGeom>
+            <a:ln w="19050">
+              <a:headEnd type="none" w="med" len="med"/>
+              <a:tailEnd type="none" w="med" len="med"/>
+            </a:ln>
+          </p:spPr>
+          <p:style>
+            <a:lnRef idx="2">
+              <a:schemeClr val="dk1"/>
+            </a:lnRef>
+            <a:fillRef idx="0">
+              <a:schemeClr val="dk1"/>
+            </a:fillRef>
+            <a:effectRef idx="1">
+              <a:schemeClr val="dk1"/>
+            </a:effectRef>
+            <a:fontRef idx="minor">
+              <a:schemeClr val="tx1"/>
+            </a:fontRef>
+          </p:style>
+        </p:cxnSp>
+        <p:cxnSp>
+          <p:nvCxnSpPr>
+            <p:cNvPr id="164" name="Straight Connector 163">
+              <a:extLst>
+                <a:ext uri="{FF2B5EF4-FFF2-40B4-BE49-F238E27FC236}">
+                  <a16:creationId xmlns:a16="http://schemas.microsoft.com/office/drawing/2014/main" id="{9E36097D-2F6B-48B2-BC6B-A46F4B7E9D3D}"/>
+                </a:ext>
+              </a:extLst>
+            </p:cNvPr>
+            <p:cNvCxnSpPr/>
+            <p:nvPr/>
+          </p:nvCxnSpPr>
+          <p:spPr>
+            <a:xfrm>
+              <a:off x="12344922" y="18403296"/>
+              <a:ext cx="0" cy="108012"/>
+            </a:xfrm>
+            <a:prstGeom prst="line">
+              <a:avLst/>
+            </a:prstGeom>
+            <a:ln w="19050">
+              <a:headEnd type="none" w="med" len="med"/>
+              <a:tailEnd type="none" w="med" len="med"/>
+            </a:ln>
+          </p:spPr>
+          <p:style>
+            <a:lnRef idx="2">
+              <a:schemeClr val="dk1"/>
+            </a:lnRef>
+            <a:fillRef idx="0">
+              <a:schemeClr val="dk1"/>
+            </a:fillRef>
+            <a:effectRef idx="1">
+              <a:schemeClr val="dk1"/>
+            </a:effectRef>
+            <a:fontRef idx="minor">
+              <a:schemeClr val="tx1"/>
+            </a:fontRef>
+          </p:style>
+        </p:cxnSp>
+        <p:cxnSp>
+          <p:nvCxnSpPr>
+            <p:cNvPr id="165" name="Straight Connector 164">
+              <a:extLst>
+                <a:ext uri="{FF2B5EF4-FFF2-40B4-BE49-F238E27FC236}">
+                  <a16:creationId xmlns:a16="http://schemas.microsoft.com/office/drawing/2014/main" id="{2DDA0689-1A61-4A07-80AD-E779FF6B9AE9}"/>
+                </a:ext>
+              </a:extLst>
+            </p:cNvPr>
+            <p:cNvCxnSpPr>
+              <a:cxnSpLocks/>
+            </p:cNvCxnSpPr>
+            <p:nvPr/>
+          </p:nvCxnSpPr>
+          <p:spPr>
+            <a:xfrm>
+              <a:off x="11007410" y="18403296"/>
+              <a:ext cx="1337512" cy="0"/>
+            </a:xfrm>
+            <a:prstGeom prst="line">
+              <a:avLst/>
+            </a:prstGeom>
+            <a:ln w="19050">
+              <a:headEnd type="none" w="med" len="med"/>
+              <a:tailEnd type="none" w="med" len="med"/>
+            </a:ln>
+          </p:spPr>
+          <p:style>
+            <a:lnRef idx="2">
+              <a:schemeClr val="dk1"/>
+            </a:lnRef>
+            <a:fillRef idx="0">
+              <a:schemeClr val="dk1"/>
+            </a:fillRef>
+            <a:effectRef idx="1">
+              <a:schemeClr val="dk1"/>
+            </a:effectRef>
+            <a:fontRef idx="minor">
+              <a:schemeClr val="tx1"/>
+            </a:fontRef>
+          </p:style>
+        </p:cxnSp>
+        <p:sp>
+          <p:nvSpPr>
+            <p:cNvPr id="166" name="TextBox 165">
+              <a:extLst>
+                <a:ext uri="{FF2B5EF4-FFF2-40B4-BE49-F238E27FC236}">
+                  <a16:creationId xmlns:a16="http://schemas.microsoft.com/office/drawing/2014/main" id="{AEB12744-B012-45BA-A243-6D43D6BA6B73}"/>
+                </a:ext>
+              </a:extLst>
+            </p:cNvPr>
+            <p:cNvSpPr txBox="1"/>
+            <p:nvPr/>
+          </p:nvSpPr>
+          <p:spPr>
+            <a:xfrm>
+              <a:off x="10697265" y="18123514"/>
+              <a:ext cx="1913030" cy="338554"/>
+            </a:xfrm>
+            <a:prstGeom prst="rect">
+              <a:avLst/>
+            </a:prstGeom>
+            <a:noFill/>
+          </p:spPr>
+          <p:txBody>
+            <a:bodyPr wrap="none" rtlCol="0">
+              <a:spAutoFit/>
+            </a:bodyPr>
+            <a:lstStyle/>
+            <a:p>
+              <a:pPr algn="ctr"/>
+              <a:r>
+                <a:rPr lang="en-US" altLang="zh-CN" sz="1600" b="1" dirty="0"/>
+                <a:t>2.2e-02</a:t>
+              </a:r>
+              <a:endParaRPr lang="zh-CN" altLang="en-US" sz="1600" b="1" dirty="0"/>
+            </a:p>
+          </p:txBody>
+        </p:sp>
+      </p:grpSp>
+      <p:grpSp>
+        <p:nvGrpSpPr>
+          <p:cNvPr id="167" name="Group 166">
+            <a:extLst>
+              <a:ext uri="{FF2B5EF4-FFF2-40B4-BE49-F238E27FC236}">
+                <a16:creationId xmlns:a16="http://schemas.microsoft.com/office/drawing/2014/main" id="{ECA2C825-EDC2-400D-A337-6277B38FEAED}"/>
+              </a:ext>
+            </a:extLst>
+          </p:cNvPr>
+          <p:cNvGrpSpPr/>
+          <p:nvPr/>
+        </p:nvGrpSpPr>
+        <p:grpSpPr>
+          <a:xfrm>
+            <a:off x="12224887" y="7841778"/>
+            <a:ext cx="821059" cy="387794"/>
+            <a:chOff x="10697267" y="18123514"/>
+            <a:chExt cx="1913030" cy="387794"/>
+          </a:xfrm>
+        </p:grpSpPr>
+        <p:cxnSp>
+          <p:nvCxnSpPr>
+            <p:cNvPr id="168" name="Straight Connector 167">
+              <a:extLst>
+                <a:ext uri="{FF2B5EF4-FFF2-40B4-BE49-F238E27FC236}">
+                  <a16:creationId xmlns:a16="http://schemas.microsoft.com/office/drawing/2014/main" id="{71CD7294-F042-4A86-9635-D7F4F66CFD50}"/>
+                </a:ext>
+              </a:extLst>
+            </p:cNvPr>
+            <p:cNvCxnSpPr/>
+            <p:nvPr/>
+          </p:nvCxnSpPr>
+          <p:spPr>
+            <a:xfrm>
+              <a:off x="11007410" y="18403296"/>
+              <a:ext cx="0" cy="108012"/>
+            </a:xfrm>
+            <a:prstGeom prst="line">
+              <a:avLst/>
+            </a:prstGeom>
+            <a:ln w="19050">
+              <a:headEnd type="none" w="med" len="med"/>
+              <a:tailEnd type="none" w="med" len="med"/>
+            </a:ln>
+          </p:spPr>
+          <p:style>
+            <a:lnRef idx="2">
+              <a:schemeClr val="dk1"/>
+            </a:lnRef>
+            <a:fillRef idx="0">
+              <a:schemeClr val="dk1"/>
+            </a:fillRef>
+            <a:effectRef idx="1">
+              <a:schemeClr val="dk1"/>
+            </a:effectRef>
+            <a:fontRef idx="minor">
+              <a:schemeClr val="tx1"/>
+            </a:fontRef>
+          </p:style>
+        </p:cxnSp>
+        <p:cxnSp>
+          <p:nvCxnSpPr>
+            <p:cNvPr id="169" name="Straight Connector 168">
+              <a:extLst>
+                <a:ext uri="{FF2B5EF4-FFF2-40B4-BE49-F238E27FC236}">
+                  <a16:creationId xmlns:a16="http://schemas.microsoft.com/office/drawing/2014/main" id="{E79C22A2-CF3D-4014-91A6-20A3DF4AC2B6}"/>
+                </a:ext>
+              </a:extLst>
+            </p:cNvPr>
+            <p:cNvCxnSpPr/>
+            <p:nvPr/>
+          </p:nvCxnSpPr>
+          <p:spPr>
+            <a:xfrm>
+              <a:off x="12344922" y="18403296"/>
+              <a:ext cx="0" cy="108012"/>
+            </a:xfrm>
+            <a:prstGeom prst="line">
+              <a:avLst/>
+            </a:prstGeom>
+            <a:ln w="19050">
+              <a:headEnd type="none" w="med" len="med"/>
+              <a:tailEnd type="none" w="med" len="med"/>
+            </a:ln>
+          </p:spPr>
+          <p:style>
+            <a:lnRef idx="2">
+              <a:schemeClr val="dk1"/>
+            </a:lnRef>
+            <a:fillRef idx="0">
+              <a:schemeClr val="dk1"/>
+            </a:fillRef>
+            <a:effectRef idx="1">
+              <a:schemeClr val="dk1"/>
+            </a:effectRef>
+            <a:fontRef idx="minor">
+              <a:schemeClr val="tx1"/>
+            </a:fontRef>
+          </p:style>
+        </p:cxnSp>
+        <p:cxnSp>
+          <p:nvCxnSpPr>
+            <p:cNvPr id="170" name="Straight Connector 169">
+              <a:extLst>
+                <a:ext uri="{FF2B5EF4-FFF2-40B4-BE49-F238E27FC236}">
+                  <a16:creationId xmlns:a16="http://schemas.microsoft.com/office/drawing/2014/main" id="{A3F18616-92F0-408E-B791-E0C9618BD291}"/>
+                </a:ext>
+              </a:extLst>
+            </p:cNvPr>
+            <p:cNvCxnSpPr>
+              <a:cxnSpLocks/>
+            </p:cNvCxnSpPr>
+            <p:nvPr/>
+          </p:nvCxnSpPr>
+          <p:spPr>
+            <a:xfrm>
+              <a:off x="11007410" y="18403296"/>
+              <a:ext cx="1337512" cy="0"/>
+            </a:xfrm>
+            <a:prstGeom prst="line">
+              <a:avLst/>
+            </a:prstGeom>
+            <a:ln w="19050">
+              <a:headEnd type="none" w="med" len="med"/>
+              <a:tailEnd type="none" w="med" len="med"/>
+            </a:ln>
+          </p:spPr>
+          <p:style>
+            <a:lnRef idx="2">
+              <a:schemeClr val="dk1"/>
+            </a:lnRef>
+            <a:fillRef idx="0">
+              <a:schemeClr val="dk1"/>
+            </a:fillRef>
+            <a:effectRef idx="1">
+              <a:schemeClr val="dk1"/>
+            </a:effectRef>
+            <a:fontRef idx="minor">
+              <a:schemeClr val="tx1"/>
+            </a:fontRef>
+          </p:style>
+        </p:cxnSp>
+        <p:sp>
+          <p:nvSpPr>
+            <p:cNvPr id="171" name="TextBox 170">
+              <a:extLst>
+                <a:ext uri="{FF2B5EF4-FFF2-40B4-BE49-F238E27FC236}">
+                  <a16:creationId xmlns:a16="http://schemas.microsoft.com/office/drawing/2014/main" id="{A19C5CA0-EBA6-492A-AB13-DEA3BDFCA122}"/>
+                </a:ext>
+              </a:extLst>
+            </p:cNvPr>
+            <p:cNvSpPr txBox="1"/>
+            <p:nvPr/>
+          </p:nvSpPr>
+          <p:spPr>
+            <a:xfrm>
+              <a:off x="10697267" y="18123514"/>
+              <a:ext cx="1913030" cy="338554"/>
+            </a:xfrm>
+            <a:prstGeom prst="rect">
+              <a:avLst/>
+            </a:prstGeom>
+            <a:noFill/>
+          </p:spPr>
+          <p:txBody>
+            <a:bodyPr wrap="none" rtlCol="0">
+              <a:spAutoFit/>
+            </a:bodyPr>
+            <a:lstStyle/>
+            <a:p>
+              <a:pPr algn="ctr"/>
+              <a:r>
+                <a:rPr lang="en-US" altLang="zh-CN" sz="1600" b="1" dirty="0"/>
+                <a:t>8.6e-04</a:t>
+              </a:r>
+              <a:endParaRPr lang="zh-CN" altLang="en-US" sz="1600" b="1" dirty="0"/>
+            </a:p>
+          </p:txBody>
+        </p:sp>
+      </p:grpSp>
+      <p:grpSp>
+        <p:nvGrpSpPr>
+          <p:cNvPr id="187" name="Group 186">
+            <a:extLst>
+              <a:ext uri="{FF2B5EF4-FFF2-40B4-BE49-F238E27FC236}">
+                <a16:creationId xmlns:a16="http://schemas.microsoft.com/office/drawing/2014/main" id="{5FB1F744-FF4B-48C7-A5D7-F1BFEBF8B9E6}"/>
+              </a:ext>
+            </a:extLst>
+          </p:cNvPr>
+          <p:cNvGrpSpPr/>
+          <p:nvPr/>
+        </p:nvGrpSpPr>
+        <p:grpSpPr>
+          <a:xfrm>
+            <a:off x="18984937" y="5597330"/>
+            <a:ext cx="821059" cy="387794"/>
+            <a:chOff x="10697267" y="18123514"/>
+            <a:chExt cx="1913030" cy="387794"/>
+          </a:xfrm>
+        </p:grpSpPr>
+        <p:cxnSp>
+          <p:nvCxnSpPr>
+            <p:cNvPr id="188" name="Straight Connector 187">
+              <a:extLst>
+                <a:ext uri="{FF2B5EF4-FFF2-40B4-BE49-F238E27FC236}">
+                  <a16:creationId xmlns:a16="http://schemas.microsoft.com/office/drawing/2014/main" id="{06D94430-32F4-470A-B319-777C0627CBF0}"/>
+                </a:ext>
+              </a:extLst>
+            </p:cNvPr>
+            <p:cNvCxnSpPr/>
+            <p:nvPr/>
+          </p:nvCxnSpPr>
+          <p:spPr>
+            <a:xfrm>
+              <a:off x="11007410" y="18403296"/>
+              <a:ext cx="0" cy="108012"/>
+            </a:xfrm>
+            <a:prstGeom prst="line">
+              <a:avLst/>
+            </a:prstGeom>
+            <a:ln w="19050">
+              <a:headEnd type="none" w="med" len="med"/>
+              <a:tailEnd type="none" w="med" len="med"/>
+            </a:ln>
+          </p:spPr>
+          <p:style>
+            <a:lnRef idx="2">
+              <a:schemeClr val="dk1"/>
+            </a:lnRef>
+            <a:fillRef idx="0">
+              <a:schemeClr val="dk1"/>
+            </a:fillRef>
+            <a:effectRef idx="1">
+              <a:schemeClr val="dk1"/>
+            </a:effectRef>
+            <a:fontRef idx="minor">
+              <a:schemeClr val="tx1"/>
+            </a:fontRef>
+          </p:style>
+        </p:cxnSp>
+        <p:cxnSp>
+          <p:nvCxnSpPr>
+            <p:cNvPr id="189" name="Straight Connector 188">
+              <a:extLst>
+                <a:ext uri="{FF2B5EF4-FFF2-40B4-BE49-F238E27FC236}">
+                  <a16:creationId xmlns:a16="http://schemas.microsoft.com/office/drawing/2014/main" id="{5A0AE194-2DA0-49AD-98C7-A82C8ACA6C6D}"/>
+                </a:ext>
+              </a:extLst>
+            </p:cNvPr>
+            <p:cNvCxnSpPr/>
+            <p:nvPr/>
+          </p:nvCxnSpPr>
+          <p:spPr>
+            <a:xfrm>
+              <a:off x="12344922" y="18403296"/>
+              <a:ext cx="0" cy="108012"/>
+            </a:xfrm>
+            <a:prstGeom prst="line">
+              <a:avLst/>
+            </a:prstGeom>
+            <a:ln w="19050">
+              <a:headEnd type="none" w="med" len="med"/>
+              <a:tailEnd type="none" w="med" len="med"/>
+            </a:ln>
+          </p:spPr>
+          <p:style>
+            <a:lnRef idx="2">
+              <a:schemeClr val="dk1"/>
+            </a:lnRef>
+            <a:fillRef idx="0">
+              <a:schemeClr val="dk1"/>
+            </a:fillRef>
+            <a:effectRef idx="1">
+              <a:schemeClr val="dk1"/>
+            </a:effectRef>
+            <a:fontRef idx="minor">
+              <a:schemeClr val="tx1"/>
+            </a:fontRef>
+          </p:style>
+        </p:cxnSp>
+        <p:cxnSp>
+          <p:nvCxnSpPr>
+            <p:cNvPr id="190" name="Straight Connector 189">
+              <a:extLst>
+                <a:ext uri="{FF2B5EF4-FFF2-40B4-BE49-F238E27FC236}">
+                  <a16:creationId xmlns:a16="http://schemas.microsoft.com/office/drawing/2014/main" id="{5227481E-EF07-4729-BB7C-A9EB4A79F14A}"/>
+                </a:ext>
+              </a:extLst>
+            </p:cNvPr>
+            <p:cNvCxnSpPr>
+              <a:cxnSpLocks/>
+            </p:cNvCxnSpPr>
+            <p:nvPr/>
+          </p:nvCxnSpPr>
+          <p:spPr>
+            <a:xfrm>
+              <a:off x="11007410" y="18403296"/>
+              <a:ext cx="1337512" cy="0"/>
+            </a:xfrm>
+            <a:prstGeom prst="line">
+              <a:avLst/>
+            </a:prstGeom>
+            <a:ln w="19050">
+              <a:headEnd type="none" w="med" len="med"/>
+              <a:tailEnd type="none" w="med" len="med"/>
+            </a:ln>
+          </p:spPr>
+          <p:style>
+            <a:lnRef idx="2">
+              <a:schemeClr val="dk1"/>
+            </a:lnRef>
+            <a:fillRef idx="0">
+              <a:schemeClr val="dk1"/>
+            </a:fillRef>
+            <a:effectRef idx="1">
+              <a:schemeClr val="dk1"/>
+            </a:effectRef>
+            <a:fontRef idx="minor">
+              <a:schemeClr val="tx1"/>
+            </a:fontRef>
+          </p:style>
+        </p:cxnSp>
+        <p:sp>
+          <p:nvSpPr>
+            <p:cNvPr id="191" name="TextBox 190">
+              <a:extLst>
+                <a:ext uri="{FF2B5EF4-FFF2-40B4-BE49-F238E27FC236}">
+                  <a16:creationId xmlns:a16="http://schemas.microsoft.com/office/drawing/2014/main" id="{164DC2B8-66AD-4760-A2E4-DB8E05825CD5}"/>
+                </a:ext>
+              </a:extLst>
+            </p:cNvPr>
+            <p:cNvSpPr txBox="1"/>
+            <p:nvPr/>
+          </p:nvSpPr>
+          <p:spPr>
+            <a:xfrm>
+              <a:off x="10697267" y="18123514"/>
+              <a:ext cx="1913030" cy="338554"/>
+            </a:xfrm>
+            <a:prstGeom prst="rect">
+              <a:avLst/>
+            </a:prstGeom>
+            <a:noFill/>
+          </p:spPr>
+          <p:txBody>
+            <a:bodyPr wrap="none" rtlCol="0">
+              <a:spAutoFit/>
+            </a:bodyPr>
+            <a:lstStyle/>
+            <a:p>
+              <a:pPr algn="ctr"/>
+              <a:r>
+                <a:rPr lang="en-US" altLang="zh-CN" sz="1600" b="1" dirty="0"/>
+                <a:t>3.3e-03</a:t>
+              </a:r>
+              <a:endParaRPr lang="zh-CN" altLang="en-US" sz="1600" b="1" dirty="0"/>
+            </a:p>
+          </p:txBody>
+        </p:sp>
+      </p:grpSp>
+      <p:grpSp>
+        <p:nvGrpSpPr>
+          <p:cNvPr id="192" name="Group 191">
+            <a:extLst>
+              <a:ext uri="{FF2B5EF4-FFF2-40B4-BE49-F238E27FC236}">
+                <a16:creationId xmlns:a16="http://schemas.microsoft.com/office/drawing/2014/main" id="{85C29CB4-7FC4-4C48-B89C-A266D98E22C0}"/>
+              </a:ext>
+            </a:extLst>
+          </p:cNvPr>
+          <p:cNvGrpSpPr/>
+          <p:nvPr/>
+        </p:nvGrpSpPr>
+        <p:grpSpPr>
+          <a:xfrm>
+            <a:off x="17083844" y="5599520"/>
+            <a:ext cx="821059" cy="387794"/>
+            <a:chOff x="10697267" y="18123514"/>
+            <a:chExt cx="1913030" cy="387794"/>
+          </a:xfrm>
+        </p:grpSpPr>
+        <p:cxnSp>
+          <p:nvCxnSpPr>
+            <p:cNvPr id="193" name="Straight Connector 192">
+              <a:extLst>
+                <a:ext uri="{FF2B5EF4-FFF2-40B4-BE49-F238E27FC236}">
+                  <a16:creationId xmlns:a16="http://schemas.microsoft.com/office/drawing/2014/main" id="{074ED084-8DDF-4CF9-B1BB-0219B5AA1467}"/>
+                </a:ext>
+              </a:extLst>
+            </p:cNvPr>
+            <p:cNvCxnSpPr/>
+            <p:nvPr/>
+          </p:nvCxnSpPr>
+          <p:spPr>
+            <a:xfrm>
+              <a:off x="11007410" y="18403296"/>
+              <a:ext cx="0" cy="108012"/>
+            </a:xfrm>
+            <a:prstGeom prst="line">
+              <a:avLst/>
+            </a:prstGeom>
+            <a:ln w="19050">
+              <a:headEnd type="none" w="med" len="med"/>
+              <a:tailEnd type="none" w="med" len="med"/>
+            </a:ln>
+          </p:spPr>
+          <p:style>
+            <a:lnRef idx="2">
+              <a:schemeClr val="dk1"/>
+            </a:lnRef>
+            <a:fillRef idx="0">
+              <a:schemeClr val="dk1"/>
+            </a:fillRef>
+            <a:effectRef idx="1">
+              <a:schemeClr val="dk1"/>
+            </a:effectRef>
+            <a:fontRef idx="minor">
+              <a:schemeClr val="tx1"/>
+            </a:fontRef>
+          </p:style>
+        </p:cxnSp>
+        <p:cxnSp>
+          <p:nvCxnSpPr>
+            <p:cNvPr id="194" name="Straight Connector 193">
+              <a:extLst>
+                <a:ext uri="{FF2B5EF4-FFF2-40B4-BE49-F238E27FC236}">
+                  <a16:creationId xmlns:a16="http://schemas.microsoft.com/office/drawing/2014/main" id="{5FE2633B-90B7-4BFC-9DBC-F2BB87DD172A}"/>
+                </a:ext>
+              </a:extLst>
+            </p:cNvPr>
+            <p:cNvCxnSpPr/>
+            <p:nvPr/>
+          </p:nvCxnSpPr>
+          <p:spPr>
+            <a:xfrm>
+              <a:off x="12344922" y="18403296"/>
+              <a:ext cx="0" cy="108012"/>
+            </a:xfrm>
+            <a:prstGeom prst="line">
+              <a:avLst/>
+            </a:prstGeom>
+            <a:ln w="19050">
+              <a:headEnd type="none" w="med" len="med"/>
+              <a:tailEnd type="none" w="med" len="med"/>
+            </a:ln>
+          </p:spPr>
+          <p:style>
+            <a:lnRef idx="2">
+              <a:schemeClr val="dk1"/>
+            </a:lnRef>
+            <a:fillRef idx="0">
+              <a:schemeClr val="dk1"/>
+            </a:fillRef>
+            <a:effectRef idx="1">
+              <a:schemeClr val="dk1"/>
+            </a:effectRef>
+            <a:fontRef idx="minor">
+              <a:schemeClr val="tx1"/>
+            </a:fontRef>
+          </p:style>
+        </p:cxnSp>
+        <p:cxnSp>
+          <p:nvCxnSpPr>
+            <p:cNvPr id="195" name="Straight Connector 194">
+              <a:extLst>
+                <a:ext uri="{FF2B5EF4-FFF2-40B4-BE49-F238E27FC236}">
+                  <a16:creationId xmlns:a16="http://schemas.microsoft.com/office/drawing/2014/main" id="{D4905DF0-6ED0-4D94-98CC-811926EDB914}"/>
+                </a:ext>
+              </a:extLst>
+            </p:cNvPr>
+            <p:cNvCxnSpPr>
+              <a:cxnSpLocks/>
+            </p:cNvCxnSpPr>
+            <p:nvPr/>
+          </p:nvCxnSpPr>
+          <p:spPr>
+            <a:xfrm>
+              <a:off x="11007410" y="18403296"/>
+              <a:ext cx="1337512" cy="0"/>
+            </a:xfrm>
+            <a:prstGeom prst="line">
+              <a:avLst/>
+            </a:prstGeom>
+            <a:ln w="19050">
+              <a:headEnd type="none" w="med" len="med"/>
+              <a:tailEnd type="none" w="med" len="med"/>
+            </a:ln>
+          </p:spPr>
+          <p:style>
+            <a:lnRef idx="2">
+              <a:schemeClr val="dk1"/>
+            </a:lnRef>
+            <a:fillRef idx="0">
+              <a:schemeClr val="dk1"/>
+            </a:fillRef>
+            <a:effectRef idx="1">
+              <a:schemeClr val="dk1"/>
+            </a:effectRef>
+            <a:fontRef idx="minor">
+              <a:schemeClr val="tx1"/>
+            </a:fontRef>
+          </p:style>
+        </p:cxnSp>
+        <p:sp>
+          <p:nvSpPr>
+            <p:cNvPr id="196" name="TextBox 195">
+              <a:extLst>
+                <a:ext uri="{FF2B5EF4-FFF2-40B4-BE49-F238E27FC236}">
+                  <a16:creationId xmlns:a16="http://schemas.microsoft.com/office/drawing/2014/main" id="{30346C86-F9E8-4E57-9250-1CAA3478CCB5}"/>
+                </a:ext>
+              </a:extLst>
+            </p:cNvPr>
+            <p:cNvSpPr txBox="1"/>
+            <p:nvPr/>
+          </p:nvSpPr>
+          <p:spPr>
+            <a:xfrm>
+              <a:off x="10697267" y="18123514"/>
+              <a:ext cx="1913030" cy="338554"/>
+            </a:xfrm>
+            <a:prstGeom prst="rect">
+              <a:avLst/>
+            </a:prstGeom>
+            <a:noFill/>
+          </p:spPr>
+          <p:txBody>
+            <a:bodyPr wrap="none" rtlCol="0">
+              <a:spAutoFit/>
+            </a:bodyPr>
+            <a:lstStyle/>
+            <a:p>
+              <a:pPr algn="ctr"/>
+              <a:r>
+                <a:rPr lang="en-US" altLang="zh-CN" sz="1600" b="1" dirty="0"/>
+                <a:t>1.6e-04</a:t>
+              </a:r>
+              <a:endParaRPr lang="zh-CN" altLang="en-US" sz="1600" b="1" dirty="0"/>
+            </a:p>
+          </p:txBody>
+        </p:sp>
+      </p:grpSp>
+      <p:grpSp>
+        <p:nvGrpSpPr>
+          <p:cNvPr id="197" name="Group 196">
+            <a:extLst>
+              <a:ext uri="{FF2B5EF4-FFF2-40B4-BE49-F238E27FC236}">
+                <a16:creationId xmlns:a16="http://schemas.microsoft.com/office/drawing/2014/main" id="{0613314E-76A5-4D90-B78C-481C26C0E298}"/>
+              </a:ext>
+            </a:extLst>
+          </p:cNvPr>
+          <p:cNvGrpSpPr/>
+          <p:nvPr/>
+        </p:nvGrpSpPr>
+        <p:grpSpPr>
+          <a:xfrm>
+            <a:off x="12219396" y="5898557"/>
+            <a:ext cx="821059" cy="387794"/>
+            <a:chOff x="10697269" y="18123514"/>
+            <a:chExt cx="1913030" cy="387794"/>
+          </a:xfrm>
+        </p:grpSpPr>
+        <p:cxnSp>
+          <p:nvCxnSpPr>
+            <p:cNvPr id="198" name="Straight Connector 197">
+              <a:extLst>
+                <a:ext uri="{FF2B5EF4-FFF2-40B4-BE49-F238E27FC236}">
+                  <a16:creationId xmlns:a16="http://schemas.microsoft.com/office/drawing/2014/main" id="{8ED64BBF-DD1E-43A3-8ABA-FC67B114803F}"/>
+                </a:ext>
+              </a:extLst>
+            </p:cNvPr>
+            <p:cNvCxnSpPr/>
+            <p:nvPr/>
+          </p:nvCxnSpPr>
+          <p:spPr>
+            <a:xfrm>
+              <a:off x="11007410" y="18403296"/>
+              <a:ext cx="0" cy="108012"/>
+            </a:xfrm>
+            <a:prstGeom prst="line">
+              <a:avLst/>
+            </a:prstGeom>
+            <a:ln w="19050">
+              <a:headEnd type="none" w="med" len="med"/>
+              <a:tailEnd type="none" w="med" len="med"/>
+            </a:ln>
+          </p:spPr>
+          <p:style>
+            <a:lnRef idx="2">
+              <a:schemeClr val="dk1"/>
+            </a:lnRef>
+            <a:fillRef idx="0">
+              <a:schemeClr val="dk1"/>
+            </a:fillRef>
+            <a:effectRef idx="1">
+              <a:schemeClr val="dk1"/>
+            </a:effectRef>
+            <a:fontRef idx="minor">
+              <a:schemeClr val="tx1"/>
+            </a:fontRef>
+          </p:style>
+        </p:cxnSp>
+        <p:cxnSp>
+          <p:nvCxnSpPr>
+            <p:cNvPr id="199" name="Straight Connector 198">
+              <a:extLst>
+                <a:ext uri="{FF2B5EF4-FFF2-40B4-BE49-F238E27FC236}">
+                  <a16:creationId xmlns:a16="http://schemas.microsoft.com/office/drawing/2014/main" id="{69017FAD-B05F-4296-81A0-77211E26BC5A}"/>
+                </a:ext>
+              </a:extLst>
+            </p:cNvPr>
+            <p:cNvCxnSpPr/>
+            <p:nvPr/>
+          </p:nvCxnSpPr>
+          <p:spPr>
+            <a:xfrm>
+              <a:off x="12344922" y="18403296"/>
+              <a:ext cx="0" cy="108012"/>
+            </a:xfrm>
+            <a:prstGeom prst="line">
+              <a:avLst/>
+            </a:prstGeom>
+            <a:ln w="19050">
+              <a:headEnd type="none" w="med" len="med"/>
+              <a:tailEnd type="none" w="med" len="med"/>
+            </a:ln>
+          </p:spPr>
+          <p:style>
+            <a:lnRef idx="2">
+              <a:schemeClr val="dk1"/>
+            </a:lnRef>
+            <a:fillRef idx="0">
+              <a:schemeClr val="dk1"/>
+            </a:fillRef>
+            <a:effectRef idx="1">
+              <a:schemeClr val="dk1"/>
+            </a:effectRef>
+            <a:fontRef idx="minor">
+              <a:schemeClr val="tx1"/>
+            </a:fontRef>
+          </p:style>
+        </p:cxnSp>
+        <p:cxnSp>
+          <p:nvCxnSpPr>
+            <p:cNvPr id="200" name="Straight Connector 199">
+              <a:extLst>
+                <a:ext uri="{FF2B5EF4-FFF2-40B4-BE49-F238E27FC236}">
+                  <a16:creationId xmlns:a16="http://schemas.microsoft.com/office/drawing/2014/main" id="{13450BEF-FCC4-44EE-A9D9-93B2B289BFE4}"/>
+                </a:ext>
+              </a:extLst>
+            </p:cNvPr>
+            <p:cNvCxnSpPr>
+              <a:cxnSpLocks/>
+            </p:cNvCxnSpPr>
+            <p:nvPr/>
+          </p:nvCxnSpPr>
+          <p:spPr>
+            <a:xfrm>
+              <a:off x="11007410" y="18403296"/>
+              <a:ext cx="1337512" cy="0"/>
+            </a:xfrm>
+            <a:prstGeom prst="line">
+              <a:avLst/>
+            </a:prstGeom>
+            <a:ln w="19050">
+              <a:headEnd type="none" w="med" len="med"/>
+              <a:tailEnd type="none" w="med" len="med"/>
+            </a:ln>
+          </p:spPr>
+          <p:style>
+            <a:lnRef idx="2">
+              <a:schemeClr val="dk1"/>
+            </a:lnRef>
+            <a:fillRef idx="0">
+              <a:schemeClr val="dk1"/>
+            </a:fillRef>
+            <a:effectRef idx="1">
+              <a:schemeClr val="dk1"/>
+            </a:effectRef>
+            <a:fontRef idx="minor">
+              <a:schemeClr val="tx1"/>
+            </a:fontRef>
+          </p:style>
+        </p:cxnSp>
+        <p:sp>
+          <p:nvSpPr>
+            <p:cNvPr id="201" name="TextBox 200">
+              <a:extLst>
+                <a:ext uri="{FF2B5EF4-FFF2-40B4-BE49-F238E27FC236}">
+                  <a16:creationId xmlns:a16="http://schemas.microsoft.com/office/drawing/2014/main" id="{B205E780-3FAB-41CE-9492-25F3A68C173D}"/>
+                </a:ext>
+              </a:extLst>
+            </p:cNvPr>
+            <p:cNvSpPr txBox="1"/>
+            <p:nvPr/>
+          </p:nvSpPr>
+          <p:spPr>
+            <a:xfrm>
+              <a:off x="10697269" y="18123514"/>
+              <a:ext cx="1913030" cy="338554"/>
+            </a:xfrm>
+            <a:prstGeom prst="rect">
+              <a:avLst/>
+            </a:prstGeom>
+            <a:noFill/>
+          </p:spPr>
+          <p:txBody>
+            <a:bodyPr wrap="none" rtlCol="0">
+              <a:spAutoFit/>
+            </a:bodyPr>
+            <a:lstStyle/>
+            <a:p>
+              <a:pPr algn="ctr"/>
+              <a:r>
+                <a:rPr lang="en-US" altLang="zh-CN" sz="1600" b="1" dirty="0"/>
+                <a:t>2.3e-04</a:t>
+              </a:r>
+              <a:endParaRPr lang="zh-CN" altLang="en-US" sz="1600" b="1" dirty="0"/>
+            </a:p>
+          </p:txBody>
+        </p:sp>
+      </p:grpSp>
+      <p:grpSp>
+        <p:nvGrpSpPr>
+          <p:cNvPr id="202" name="Group 201">
+            <a:extLst>
+              <a:ext uri="{FF2B5EF4-FFF2-40B4-BE49-F238E27FC236}">
+                <a16:creationId xmlns:a16="http://schemas.microsoft.com/office/drawing/2014/main" id="{ED34F3C0-C0F9-4EEA-B6B6-0296D948EEEB}"/>
+              </a:ext>
+            </a:extLst>
+          </p:cNvPr>
+          <p:cNvGrpSpPr/>
+          <p:nvPr/>
+        </p:nvGrpSpPr>
+        <p:grpSpPr>
+          <a:xfrm>
+            <a:off x="16130845" y="5889193"/>
+            <a:ext cx="821059" cy="387794"/>
+            <a:chOff x="10697269" y="18123514"/>
+            <a:chExt cx="1913030" cy="387794"/>
+          </a:xfrm>
+        </p:grpSpPr>
+        <p:cxnSp>
+          <p:nvCxnSpPr>
+            <p:cNvPr id="203" name="Straight Connector 202">
+              <a:extLst>
+                <a:ext uri="{FF2B5EF4-FFF2-40B4-BE49-F238E27FC236}">
+                  <a16:creationId xmlns:a16="http://schemas.microsoft.com/office/drawing/2014/main" id="{CCBC4DD9-5F53-4EFB-A65B-3BEDB9F8F443}"/>
+                </a:ext>
+              </a:extLst>
+            </p:cNvPr>
+            <p:cNvCxnSpPr/>
+            <p:nvPr/>
+          </p:nvCxnSpPr>
+          <p:spPr>
+            <a:xfrm>
+              <a:off x="11007410" y="18403296"/>
+              <a:ext cx="0" cy="108012"/>
+            </a:xfrm>
+            <a:prstGeom prst="line">
+              <a:avLst/>
+            </a:prstGeom>
+            <a:ln w="19050">
+              <a:headEnd type="none" w="med" len="med"/>
+              <a:tailEnd type="none" w="med" len="med"/>
+            </a:ln>
+          </p:spPr>
+          <p:style>
+            <a:lnRef idx="2">
+              <a:schemeClr val="dk1"/>
+            </a:lnRef>
+            <a:fillRef idx="0">
+              <a:schemeClr val="dk1"/>
+            </a:fillRef>
+            <a:effectRef idx="1">
+              <a:schemeClr val="dk1"/>
+            </a:effectRef>
+            <a:fontRef idx="minor">
+              <a:schemeClr val="tx1"/>
+            </a:fontRef>
+          </p:style>
+        </p:cxnSp>
+        <p:cxnSp>
+          <p:nvCxnSpPr>
+            <p:cNvPr id="204" name="Straight Connector 203">
+              <a:extLst>
+                <a:ext uri="{FF2B5EF4-FFF2-40B4-BE49-F238E27FC236}">
+                  <a16:creationId xmlns:a16="http://schemas.microsoft.com/office/drawing/2014/main" id="{595C9544-C1B4-42C0-A0CE-8C5353CBC45A}"/>
+                </a:ext>
+              </a:extLst>
+            </p:cNvPr>
+            <p:cNvCxnSpPr/>
+            <p:nvPr/>
+          </p:nvCxnSpPr>
+          <p:spPr>
+            <a:xfrm>
+              <a:off x="12344922" y="18403296"/>
+              <a:ext cx="0" cy="108012"/>
+            </a:xfrm>
+            <a:prstGeom prst="line">
+              <a:avLst/>
+            </a:prstGeom>
+            <a:ln w="19050">
+              <a:headEnd type="none" w="med" len="med"/>
+              <a:tailEnd type="none" w="med" len="med"/>
+            </a:ln>
+          </p:spPr>
+          <p:style>
+            <a:lnRef idx="2">
+              <a:schemeClr val="dk1"/>
+            </a:lnRef>
+            <a:fillRef idx="0">
+              <a:schemeClr val="dk1"/>
+            </a:fillRef>
+            <a:effectRef idx="1">
+              <a:schemeClr val="dk1"/>
+            </a:effectRef>
+            <a:fontRef idx="minor">
+              <a:schemeClr val="tx1"/>
+            </a:fontRef>
+          </p:style>
+        </p:cxnSp>
+        <p:cxnSp>
+          <p:nvCxnSpPr>
+            <p:cNvPr id="205" name="Straight Connector 204">
+              <a:extLst>
+                <a:ext uri="{FF2B5EF4-FFF2-40B4-BE49-F238E27FC236}">
+                  <a16:creationId xmlns:a16="http://schemas.microsoft.com/office/drawing/2014/main" id="{7B337314-E53B-4E62-B72A-6B9A2D104F86}"/>
+                </a:ext>
+              </a:extLst>
+            </p:cNvPr>
+            <p:cNvCxnSpPr>
+              <a:cxnSpLocks/>
+            </p:cNvCxnSpPr>
+            <p:nvPr/>
+          </p:nvCxnSpPr>
+          <p:spPr>
+            <a:xfrm>
+              <a:off x="11007410" y="18403296"/>
+              <a:ext cx="1337512" cy="0"/>
+            </a:xfrm>
+            <a:prstGeom prst="line">
+              <a:avLst/>
+            </a:prstGeom>
+            <a:ln w="19050">
+              <a:headEnd type="none" w="med" len="med"/>
+              <a:tailEnd type="none" w="med" len="med"/>
+            </a:ln>
+          </p:spPr>
+          <p:style>
+            <a:lnRef idx="2">
+              <a:schemeClr val="dk1"/>
+            </a:lnRef>
+            <a:fillRef idx="0">
+              <a:schemeClr val="dk1"/>
+            </a:fillRef>
+            <a:effectRef idx="1">
+              <a:schemeClr val="dk1"/>
+            </a:effectRef>
+            <a:fontRef idx="minor">
+              <a:schemeClr val="tx1"/>
+            </a:fontRef>
+          </p:style>
+        </p:cxnSp>
+        <p:sp>
+          <p:nvSpPr>
+            <p:cNvPr id="206" name="TextBox 205">
+              <a:extLst>
+                <a:ext uri="{FF2B5EF4-FFF2-40B4-BE49-F238E27FC236}">
+                  <a16:creationId xmlns:a16="http://schemas.microsoft.com/office/drawing/2014/main" id="{058D9218-7E15-4F2A-AC4E-FAE6116F1EA4}"/>
+                </a:ext>
+              </a:extLst>
+            </p:cNvPr>
+            <p:cNvSpPr txBox="1"/>
+            <p:nvPr/>
+          </p:nvSpPr>
+          <p:spPr>
+            <a:xfrm>
+              <a:off x="10697269" y="18123514"/>
+              <a:ext cx="1913030" cy="338554"/>
+            </a:xfrm>
+            <a:prstGeom prst="rect">
+              <a:avLst/>
+            </a:prstGeom>
+            <a:noFill/>
+          </p:spPr>
+          <p:txBody>
+            <a:bodyPr wrap="none" rtlCol="0">
+              <a:spAutoFit/>
+            </a:bodyPr>
+            <a:lstStyle/>
+            <a:p>
+              <a:pPr algn="ctr"/>
+              <a:r>
+                <a:rPr lang="en-US" altLang="zh-CN" sz="1600" b="1" dirty="0"/>
+                <a:t>2.2e-02</a:t>
+              </a:r>
+              <a:endParaRPr lang="zh-CN" altLang="en-US" sz="1600" b="1" dirty="0"/>
+            </a:p>
+          </p:txBody>
+        </p:sp>
+      </p:grpSp>
+      <p:grpSp>
+        <p:nvGrpSpPr>
+          <p:cNvPr id="217" name="Group 216">
+            <a:extLst>
+              <a:ext uri="{FF2B5EF4-FFF2-40B4-BE49-F238E27FC236}">
+                <a16:creationId xmlns:a16="http://schemas.microsoft.com/office/drawing/2014/main" id="{CAB2C549-DC2F-4918-87A4-4542310E3EEC}"/>
+              </a:ext>
+            </a:extLst>
+          </p:cNvPr>
+          <p:cNvGrpSpPr/>
+          <p:nvPr/>
+        </p:nvGrpSpPr>
+        <p:grpSpPr>
+          <a:xfrm>
+            <a:off x="18023645" y="3097511"/>
+            <a:ext cx="821059" cy="387794"/>
+            <a:chOff x="10697269" y="18123514"/>
+            <a:chExt cx="1913030" cy="387794"/>
+          </a:xfrm>
+        </p:grpSpPr>
+        <p:cxnSp>
+          <p:nvCxnSpPr>
+            <p:cNvPr id="218" name="Straight Connector 217">
+              <a:extLst>
+                <a:ext uri="{FF2B5EF4-FFF2-40B4-BE49-F238E27FC236}">
+                  <a16:creationId xmlns:a16="http://schemas.microsoft.com/office/drawing/2014/main" id="{42EE5E39-C04C-4BDA-934D-3577D7466B4E}"/>
+                </a:ext>
+              </a:extLst>
+            </p:cNvPr>
+            <p:cNvCxnSpPr/>
+            <p:nvPr/>
+          </p:nvCxnSpPr>
+          <p:spPr>
+            <a:xfrm>
+              <a:off x="11007410" y="18403296"/>
+              <a:ext cx="0" cy="108012"/>
+            </a:xfrm>
+            <a:prstGeom prst="line">
+              <a:avLst/>
+            </a:prstGeom>
+            <a:ln w="19050">
+              <a:headEnd type="none" w="med" len="med"/>
+              <a:tailEnd type="none" w="med" len="med"/>
+            </a:ln>
+          </p:spPr>
+          <p:style>
+            <a:lnRef idx="2">
+              <a:schemeClr val="dk1"/>
+            </a:lnRef>
+            <a:fillRef idx="0">
+              <a:schemeClr val="dk1"/>
+            </a:fillRef>
+            <a:effectRef idx="1">
+              <a:schemeClr val="dk1"/>
+            </a:effectRef>
+            <a:fontRef idx="minor">
+              <a:schemeClr val="tx1"/>
+            </a:fontRef>
+          </p:style>
+        </p:cxnSp>
+        <p:cxnSp>
+          <p:nvCxnSpPr>
+            <p:cNvPr id="219" name="Straight Connector 218">
+              <a:extLst>
+                <a:ext uri="{FF2B5EF4-FFF2-40B4-BE49-F238E27FC236}">
+                  <a16:creationId xmlns:a16="http://schemas.microsoft.com/office/drawing/2014/main" id="{57418E54-B0B8-45FF-9CBD-F7FB047AFC40}"/>
+                </a:ext>
+              </a:extLst>
+            </p:cNvPr>
+            <p:cNvCxnSpPr/>
+            <p:nvPr/>
+          </p:nvCxnSpPr>
+          <p:spPr>
+            <a:xfrm>
+              <a:off x="12344922" y="18403296"/>
+              <a:ext cx="0" cy="108012"/>
+            </a:xfrm>
+            <a:prstGeom prst="line">
+              <a:avLst/>
+            </a:prstGeom>
+            <a:ln w="19050">
+              <a:headEnd type="none" w="med" len="med"/>
+              <a:tailEnd type="none" w="med" len="med"/>
+            </a:ln>
+          </p:spPr>
+          <p:style>
+            <a:lnRef idx="2">
+              <a:schemeClr val="dk1"/>
+            </a:lnRef>
+            <a:fillRef idx="0">
+              <a:schemeClr val="dk1"/>
+            </a:fillRef>
+            <a:effectRef idx="1">
+              <a:schemeClr val="dk1"/>
+            </a:effectRef>
+            <a:fontRef idx="minor">
+              <a:schemeClr val="tx1"/>
+            </a:fontRef>
+          </p:style>
+        </p:cxnSp>
+        <p:cxnSp>
+          <p:nvCxnSpPr>
+            <p:cNvPr id="220" name="Straight Connector 219">
+              <a:extLst>
+                <a:ext uri="{FF2B5EF4-FFF2-40B4-BE49-F238E27FC236}">
+                  <a16:creationId xmlns:a16="http://schemas.microsoft.com/office/drawing/2014/main" id="{E85F2D17-9994-48C5-88CC-8886FA482D1B}"/>
+                </a:ext>
+              </a:extLst>
+            </p:cNvPr>
+            <p:cNvCxnSpPr>
+              <a:cxnSpLocks/>
+            </p:cNvCxnSpPr>
+            <p:nvPr/>
+          </p:nvCxnSpPr>
+          <p:spPr>
+            <a:xfrm>
+              <a:off x="11007410" y="18403296"/>
+              <a:ext cx="1337512" cy="0"/>
+            </a:xfrm>
+            <a:prstGeom prst="line">
+              <a:avLst/>
+            </a:prstGeom>
+            <a:ln w="19050">
+              <a:headEnd type="none" w="med" len="med"/>
+              <a:tailEnd type="none" w="med" len="med"/>
+            </a:ln>
+          </p:spPr>
+          <p:style>
+            <a:lnRef idx="2">
+              <a:schemeClr val="dk1"/>
+            </a:lnRef>
+            <a:fillRef idx="0">
+              <a:schemeClr val="dk1"/>
+            </a:fillRef>
+            <a:effectRef idx="1">
+              <a:schemeClr val="dk1"/>
+            </a:effectRef>
+            <a:fontRef idx="minor">
+              <a:schemeClr val="tx1"/>
+            </a:fontRef>
+          </p:style>
+        </p:cxnSp>
+        <p:sp>
+          <p:nvSpPr>
+            <p:cNvPr id="221" name="TextBox 220">
+              <a:extLst>
+                <a:ext uri="{FF2B5EF4-FFF2-40B4-BE49-F238E27FC236}">
+                  <a16:creationId xmlns:a16="http://schemas.microsoft.com/office/drawing/2014/main" id="{B7C4D3AE-950C-4B68-AE95-D5554E346A06}"/>
+                </a:ext>
+              </a:extLst>
+            </p:cNvPr>
+            <p:cNvSpPr txBox="1"/>
+            <p:nvPr/>
+          </p:nvSpPr>
+          <p:spPr>
+            <a:xfrm>
+              <a:off x="10697269" y="18123514"/>
+              <a:ext cx="1913030" cy="338554"/>
+            </a:xfrm>
+            <a:prstGeom prst="rect">
+              <a:avLst/>
+            </a:prstGeom>
+            <a:noFill/>
+          </p:spPr>
+          <p:txBody>
+            <a:bodyPr wrap="none" rtlCol="0">
+              <a:spAutoFit/>
+            </a:bodyPr>
+            <a:lstStyle/>
+            <a:p>
+              <a:pPr algn="ctr"/>
+              <a:r>
+                <a:rPr lang="en-US" altLang="zh-CN" sz="1600" b="1" dirty="0"/>
+                <a:t>4.8e-03</a:t>
+              </a:r>
+              <a:endParaRPr lang="zh-CN" altLang="en-US" sz="1600" b="1" dirty="0"/>
+            </a:p>
+          </p:txBody>
+        </p:sp>
+      </p:grpSp>
+      <p:grpSp>
+        <p:nvGrpSpPr>
+          <p:cNvPr id="222" name="Group 221">
+            <a:extLst>
+              <a:ext uri="{FF2B5EF4-FFF2-40B4-BE49-F238E27FC236}">
+                <a16:creationId xmlns:a16="http://schemas.microsoft.com/office/drawing/2014/main" id="{3AA30244-1E4B-4B59-8D43-35C21D5DD0A8}"/>
+              </a:ext>
+            </a:extLst>
+          </p:cNvPr>
+          <p:cNvGrpSpPr/>
+          <p:nvPr/>
+        </p:nvGrpSpPr>
+        <p:grpSpPr>
+          <a:xfrm>
+            <a:off x="12219398" y="3472748"/>
+            <a:ext cx="821059" cy="387794"/>
+            <a:chOff x="10697272" y="18123514"/>
+            <a:chExt cx="1913030" cy="387794"/>
+          </a:xfrm>
+        </p:grpSpPr>
+        <p:cxnSp>
+          <p:nvCxnSpPr>
+            <p:cNvPr id="223" name="Straight Connector 222">
+              <a:extLst>
+                <a:ext uri="{FF2B5EF4-FFF2-40B4-BE49-F238E27FC236}">
+                  <a16:creationId xmlns:a16="http://schemas.microsoft.com/office/drawing/2014/main" id="{6DB0DF70-599B-4BB4-8409-BB7BA254345D}"/>
+                </a:ext>
+              </a:extLst>
+            </p:cNvPr>
+            <p:cNvCxnSpPr/>
+            <p:nvPr/>
+          </p:nvCxnSpPr>
+          <p:spPr>
+            <a:xfrm>
+              <a:off x="11007410" y="18403296"/>
+              <a:ext cx="0" cy="108012"/>
+            </a:xfrm>
+            <a:prstGeom prst="line">
+              <a:avLst/>
+            </a:prstGeom>
+            <a:ln w="19050">
+              <a:headEnd type="none" w="med" len="med"/>
+              <a:tailEnd type="none" w="med" len="med"/>
+            </a:ln>
+          </p:spPr>
+          <p:style>
+            <a:lnRef idx="2">
+              <a:schemeClr val="dk1"/>
+            </a:lnRef>
+            <a:fillRef idx="0">
+              <a:schemeClr val="dk1"/>
+            </a:fillRef>
+            <a:effectRef idx="1">
+              <a:schemeClr val="dk1"/>
+            </a:effectRef>
+            <a:fontRef idx="minor">
+              <a:schemeClr val="tx1"/>
+            </a:fontRef>
+          </p:style>
+        </p:cxnSp>
+        <p:cxnSp>
+          <p:nvCxnSpPr>
+            <p:cNvPr id="224" name="Straight Connector 223">
+              <a:extLst>
+                <a:ext uri="{FF2B5EF4-FFF2-40B4-BE49-F238E27FC236}">
+                  <a16:creationId xmlns:a16="http://schemas.microsoft.com/office/drawing/2014/main" id="{9C4D1F87-9744-487B-9956-8D465F37546B}"/>
+                </a:ext>
+              </a:extLst>
+            </p:cNvPr>
+            <p:cNvCxnSpPr/>
+            <p:nvPr/>
+          </p:nvCxnSpPr>
+          <p:spPr>
+            <a:xfrm>
+              <a:off x="12344922" y="18403296"/>
+              <a:ext cx="0" cy="108012"/>
+            </a:xfrm>
+            <a:prstGeom prst="line">
+              <a:avLst/>
+            </a:prstGeom>
+            <a:ln w="19050">
+              <a:headEnd type="none" w="med" len="med"/>
+              <a:tailEnd type="none" w="med" len="med"/>
+            </a:ln>
+          </p:spPr>
+          <p:style>
+            <a:lnRef idx="2">
+              <a:schemeClr val="dk1"/>
+            </a:lnRef>
+            <a:fillRef idx="0">
+              <a:schemeClr val="dk1"/>
+            </a:fillRef>
+            <a:effectRef idx="1">
+              <a:schemeClr val="dk1"/>
+            </a:effectRef>
+            <a:fontRef idx="minor">
+              <a:schemeClr val="tx1"/>
+            </a:fontRef>
+          </p:style>
+        </p:cxnSp>
+        <p:cxnSp>
+          <p:nvCxnSpPr>
+            <p:cNvPr id="225" name="Straight Connector 224">
+              <a:extLst>
+                <a:ext uri="{FF2B5EF4-FFF2-40B4-BE49-F238E27FC236}">
+                  <a16:creationId xmlns:a16="http://schemas.microsoft.com/office/drawing/2014/main" id="{28A4C670-AA9A-4F31-BB86-B0243687203B}"/>
+                </a:ext>
+              </a:extLst>
+            </p:cNvPr>
+            <p:cNvCxnSpPr>
+              <a:cxnSpLocks/>
+            </p:cNvCxnSpPr>
+            <p:nvPr/>
+          </p:nvCxnSpPr>
+          <p:spPr>
+            <a:xfrm>
+              <a:off x="11007410" y="18403296"/>
+              <a:ext cx="1337512" cy="0"/>
+            </a:xfrm>
+            <a:prstGeom prst="line">
+              <a:avLst/>
+            </a:prstGeom>
+            <a:ln w="19050">
+              <a:headEnd type="none" w="med" len="med"/>
+              <a:tailEnd type="none" w="med" len="med"/>
+            </a:ln>
+          </p:spPr>
+          <p:style>
+            <a:lnRef idx="2">
+              <a:schemeClr val="dk1"/>
+            </a:lnRef>
+            <a:fillRef idx="0">
+              <a:schemeClr val="dk1"/>
+            </a:fillRef>
+            <a:effectRef idx="1">
+              <a:schemeClr val="dk1"/>
+            </a:effectRef>
+            <a:fontRef idx="minor">
+              <a:schemeClr val="tx1"/>
+            </a:fontRef>
+          </p:style>
+        </p:cxnSp>
+        <p:sp>
+          <p:nvSpPr>
+            <p:cNvPr id="226" name="TextBox 225">
+              <a:extLst>
+                <a:ext uri="{FF2B5EF4-FFF2-40B4-BE49-F238E27FC236}">
+                  <a16:creationId xmlns:a16="http://schemas.microsoft.com/office/drawing/2014/main" id="{99BDB998-2B0A-4470-B039-EBDD787BFB50}"/>
+                </a:ext>
+              </a:extLst>
+            </p:cNvPr>
+            <p:cNvSpPr txBox="1"/>
+            <p:nvPr/>
+          </p:nvSpPr>
+          <p:spPr>
+            <a:xfrm>
+              <a:off x="10697272" y="18123514"/>
+              <a:ext cx="1913030" cy="338554"/>
+            </a:xfrm>
+            <a:prstGeom prst="rect">
+              <a:avLst/>
+            </a:prstGeom>
+            <a:noFill/>
+          </p:spPr>
+          <p:txBody>
+            <a:bodyPr wrap="none" rtlCol="0">
+              <a:spAutoFit/>
+            </a:bodyPr>
+            <a:lstStyle/>
+            <a:p>
+              <a:pPr algn="ctr"/>
+              <a:r>
+                <a:rPr lang="en-US" altLang="zh-CN" sz="1600" b="1" dirty="0"/>
+                <a:t>4.3e-02</a:t>
+              </a:r>
+              <a:endParaRPr lang="zh-CN" altLang="en-US" sz="1600" b="1" dirty="0"/>
+            </a:p>
+          </p:txBody>
+        </p:sp>
+      </p:grpSp>
+      <p:grpSp>
+        <p:nvGrpSpPr>
+          <p:cNvPr id="227" name="Group 226">
+            <a:extLst>
+              <a:ext uri="{FF2B5EF4-FFF2-40B4-BE49-F238E27FC236}">
+                <a16:creationId xmlns:a16="http://schemas.microsoft.com/office/drawing/2014/main" id="{FE703945-D6A1-4298-BF8B-EFD81BB60D9C}"/>
+              </a:ext>
+            </a:extLst>
+          </p:cNvPr>
+          <p:cNvGrpSpPr/>
+          <p:nvPr/>
+        </p:nvGrpSpPr>
+        <p:grpSpPr>
+          <a:xfrm>
+            <a:off x="17070647" y="3463384"/>
+            <a:ext cx="821059" cy="387794"/>
+            <a:chOff x="10697272" y="18123514"/>
+            <a:chExt cx="1913030" cy="387794"/>
+          </a:xfrm>
+        </p:grpSpPr>
+        <p:cxnSp>
+          <p:nvCxnSpPr>
+            <p:cNvPr id="228" name="Straight Connector 227">
+              <a:extLst>
+                <a:ext uri="{FF2B5EF4-FFF2-40B4-BE49-F238E27FC236}">
+                  <a16:creationId xmlns:a16="http://schemas.microsoft.com/office/drawing/2014/main" id="{7D945136-108B-4EC2-B84F-81170E13647D}"/>
+                </a:ext>
+              </a:extLst>
+            </p:cNvPr>
+            <p:cNvCxnSpPr/>
+            <p:nvPr/>
+          </p:nvCxnSpPr>
+          <p:spPr>
+            <a:xfrm>
+              <a:off x="11007410" y="18403296"/>
+              <a:ext cx="0" cy="108012"/>
+            </a:xfrm>
+            <a:prstGeom prst="line">
+              <a:avLst/>
+            </a:prstGeom>
+            <a:ln w="19050">
+              <a:headEnd type="none" w="med" len="med"/>
+              <a:tailEnd type="none" w="med" len="med"/>
+            </a:ln>
+          </p:spPr>
+          <p:style>
+            <a:lnRef idx="2">
+              <a:schemeClr val="dk1"/>
+            </a:lnRef>
+            <a:fillRef idx="0">
+              <a:schemeClr val="dk1"/>
+            </a:fillRef>
+            <a:effectRef idx="1">
+              <a:schemeClr val="dk1"/>
+            </a:effectRef>
+            <a:fontRef idx="minor">
+              <a:schemeClr val="tx1"/>
+            </a:fontRef>
+          </p:style>
+        </p:cxnSp>
+        <p:cxnSp>
+          <p:nvCxnSpPr>
+            <p:cNvPr id="229" name="Straight Connector 228">
+              <a:extLst>
+                <a:ext uri="{FF2B5EF4-FFF2-40B4-BE49-F238E27FC236}">
+                  <a16:creationId xmlns:a16="http://schemas.microsoft.com/office/drawing/2014/main" id="{A16A8D70-3741-4A8C-96E5-ABF6D0114D5D}"/>
+                </a:ext>
+              </a:extLst>
+            </p:cNvPr>
+            <p:cNvCxnSpPr/>
+            <p:nvPr/>
+          </p:nvCxnSpPr>
+          <p:spPr>
+            <a:xfrm>
+              <a:off x="12344922" y="18403296"/>
+              <a:ext cx="0" cy="108012"/>
+            </a:xfrm>
+            <a:prstGeom prst="line">
+              <a:avLst/>
+            </a:prstGeom>
+            <a:ln w="19050">
+              <a:headEnd type="none" w="med" len="med"/>
+              <a:tailEnd type="none" w="med" len="med"/>
+            </a:ln>
+          </p:spPr>
+          <p:style>
+            <a:lnRef idx="2">
+              <a:schemeClr val="dk1"/>
+            </a:lnRef>
+            <a:fillRef idx="0">
+              <a:schemeClr val="dk1"/>
+            </a:fillRef>
+            <a:effectRef idx="1">
+              <a:schemeClr val="dk1"/>
+            </a:effectRef>
+            <a:fontRef idx="minor">
+              <a:schemeClr val="tx1"/>
+            </a:fontRef>
+          </p:style>
+        </p:cxnSp>
+        <p:cxnSp>
+          <p:nvCxnSpPr>
+            <p:cNvPr id="230" name="Straight Connector 229">
+              <a:extLst>
+                <a:ext uri="{FF2B5EF4-FFF2-40B4-BE49-F238E27FC236}">
+                  <a16:creationId xmlns:a16="http://schemas.microsoft.com/office/drawing/2014/main" id="{6D44BC54-BDB0-43DF-97DC-7F38D46E2E62}"/>
+                </a:ext>
+              </a:extLst>
+            </p:cNvPr>
+            <p:cNvCxnSpPr>
+              <a:cxnSpLocks/>
+            </p:cNvCxnSpPr>
+            <p:nvPr/>
+          </p:nvCxnSpPr>
+          <p:spPr>
+            <a:xfrm>
+              <a:off x="11007410" y="18403296"/>
+              <a:ext cx="1337512" cy="0"/>
+            </a:xfrm>
+            <a:prstGeom prst="line">
+              <a:avLst/>
+            </a:prstGeom>
+            <a:ln w="19050">
+              <a:headEnd type="none" w="med" len="med"/>
+              <a:tailEnd type="none" w="med" len="med"/>
+            </a:ln>
+          </p:spPr>
+          <p:style>
+            <a:lnRef idx="2">
+              <a:schemeClr val="dk1"/>
+            </a:lnRef>
+            <a:fillRef idx="0">
+              <a:schemeClr val="dk1"/>
+            </a:fillRef>
+            <a:effectRef idx="1">
+              <a:schemeClr val="dk1"/>
+            </a:effectRef>
+            <a:fontRef idx="minor">
+              <a:schemeClr val="tx1"/>
+            </a:fontRef>
+          </p:style>
+        </p:cxnSp>
+        <p:sp>
+          <p:nvSpPr>
+            <p:cNvPr id="231" name="TextBox 230">
+              <a:extLst>
+                <a:ext uri="{FF2B5EF4-FFF2-40B4-BE49-F238E27FC236}">
+                  <a16:creationId xmlns:a16="http://schemas.microsoft.com/office/drawing/2014/main" id="{1FAADE0F-D008-4137-8282-177AA6DFB529}"/>
+                </a:ext>
+              </a:extLst>
+            </p:cNvPr>
+            <p:cNvSpPr txBox="1"/>
+            <p:nvPr/>
+          </p:nvSpPr>
+          <p:spPr>
+            <a:xfrm>
+              <a:off x="10697272" y="18123514"/>
+              <a:ext cx="1913030" cy="338554"/>
+            </a:xfrm>
+            <a:prstGeom prst="rect">
+              <a:avLst/>
+            </a:prstGeom>
+            <a:noFill/>
+          </p:spPr>
+          <p:txBody>
+            <a:bodyPr wrap="none" rtlCol="0">
+              <a:spAutoFit/>
+            </a:bodyPr>
+            <a:lstStyle/>
+            <a:p>
+              <a:pPr algn="ctr"/>
+              <a:r>
+                <a:rPr lang="en-US" altLang="zh-CN" sz="1600" b="1" dirty="0"/>
+                <a:t>2.7e-04</a:t>
+              </a:r>
+              <a:endParaRPr lang="zh-CN" altLang="en-US" sz="1600" b="1" dirty="0"/>
+            </a:p>
+          </p:txBody>
+        </p:sp>
+      </p:grpSp>
+      <p:grpSp>
+        <p:nvGrpSpPr>
+          <p:cNvPr id="237" name="Group 236">
+            <a:extLst>
+              <a:ext uri="{FF2B5EF4-FFF2-40B4-BE49-F238E27FC236}">
+                <a16:creationId xmlns:a16="http://schemas.microsoft.com/office/drawing/2014/main" id="{D0055E9B-F188-4A08-8A52-3EA2DD817146}"/>
+              </a:ext>
+            </a:extLst>
+          </p:cNvPr>
+          <p:cNvGrpSpPr/>
+          <p:nvPr/>
+        </p:nvGrpSpPr>
+        <p:grpSpPr>
+          <a:xfrm>
+            <a:off x="17083845" y="745770"/>
+            <a:ext cx="821059" cy="387794"/>
+            <a:chOff x="10697269" y="18123514"/>
+            <a:chExt cx="1913030" cy="387794"/>
+          </a:xfrm>
+        </p:grpSpPr>
+        <p:cxnSp>
+          <p:nvCxnSpPr>
+            <p:cNvPr id="238" name="Straight Connector 237">
+              <a:extLst>
+                <a:ext uri="{FF2B5EF4-FFF2-40B4-BE49-F238E27FC236}">
+                  <a16:creationId xmlns:a16="http://schemas.microsoft.com/office/drawing/2014/main" id="{3C05ABBB-D07F-496D-AE3B-3C43CC039810}"/>
+                </a:ext>
+              </a:extLst>
+            </p:cNvPr>
+            <p:cNvCxnSpPr/>
+            <p:nvPr/>
+          </p:nvCxnSpPr>
+          <p:spPr>
+            <a:xfrm>
+              <a:off x="11007410" y="18403296"/>
+              <a:ext cx="0" cy="108012"/>
+            </a:xfrm>
+            <a:prstGeom prst="line">
+              <a:avLst/>
+            </a:prstGeom>
+            <a:ln w="19050">
+              <a:headEnd type="none" w="med" len="med"/>
+              <a:tailEnd type="none" w="med" len="med"/>
+            </a:ln>
+          </p:spPr>
+          <p:style>
+            <a:lnRef idx="2">
+              <a:schemeClr val="dk1"/>
+            </a:lnRef>
+            <a:fillRef idx="0">
+              <a:schemeClr val="dk1"/>
+            </a:fillRef>
+            <a:effectRef idx="1">
+              <a:schemeClr val="dk1"/>
+            </a:effectRef>
+            <a:fontRef idx="minor">
+              <a:schemeClr val="tx1"/>
+            </a:fontRef>
+          </p:style>
+        </p:cxnSp>
+        <p:cxnSp>
+          <p:nvCxnSpPr>
+            <p:cNvPr id="239" name="Straight Connector 238">
+              <a:extLst>
+                <a:ext uri="{FF2B5EF4-FFF2-40B4-BE49-F238E27FC236}">
+                  <a16:creationId xmlns:a16="http://schemas.microsoft.com/office/drawing/2014/main" id="{A33A7DA3-5464-4E9E-8496-97BA2B9D1604}"/>
+                </a:ext>
+              </a:extLst>
+            </p:cNvPr>
+            <p:cNvCxnSpPr/>
+            <p:nvPr/>
+          </p:nvCxnSpPr>
+          <p:spPr>
+            <a:xfrm>
+              <a:off x="12344922" y="18403296"/>
+              <a:ext cx="0" cy="108012"/>
+            </a:xfrm>
+            <a:prstGeom prst="line">
+              <a:avLst/>
+            </a:prstGeom>
+            <a:ln w="19050">
+              <a:headEnd type="none" w="med" len="med"/>
+              <a:tailEnd type="none" w="med" len="med"/>
+            </a:ln>
+          </p:spPr>
+          <p:style>
+            <a:lnRef idx="2">
+              <a:schemeClr val="dk1"/>
+            </a:lnRef>
+            <a:fillRef idx="0">
+              <a:schemeClr val="dk1"/>
+            </a:fillRef>
+            <a:effectRef idx="1">
+              <a:schemeClr val="dk1"/>
+            </a:effectRef>
+            <a:fontRef idx="minor">
+              <a:schemeClr val="tx1"/>
+            </a:fontRef>
+          </p:style>
+        </p:cxnSp>
+        <p:cxnSp>
+          <p:nvCxnSpPr>
+            <p:cNvPr id="240" name="Straight Connector 239">
+              <a:extLst>
+                <a:ext uri="{FF2B5EF4-FFF2-40B4-BE49-F238E27FC236}">
+                  <a16:creationId xmlns:a16="http://schemas.microsoft.com/office/drawing/2014/main" id="{52B55EFF-2CE7-46C8-87A2-7DD9B5FD42AE}"/>
+                </a:ext>
+              </a:extLst>
+            </p:cNvPr>
+            <p:cNvCxnSpPr>
+              <a:cxnSpLocks/>
+            </p:cNvCxnSpPr>
+            <p:nvPr/>
+          </p:nvCxnSpPr>
+          <p:spPr>
+            <a:xfrm>
+              <a:off x="11007410" y="18403296"/>
+              <a:ext cx="1337512" cy="0"/>
+            </a:xfrm>
+            <a:prstGeom prst="line">
+              <a:avLst/>
+            </a:prstGeom>
+            <a:ln w="19050">
+              <a:headEnd type="none" w="med" len="med"/>
+              <a:tailEnd type="none" w="med" len="med"/>
+            </a:ln>
+          </p:spPr>
+          <p:style>
+            <a:lnRef idx="2">
+              <a:schemeClr val="dk1"/>
+            </a:lnRef>
+            <a:fillRef idx="0">
+              <a:schemeClr val="dk1"/>
+            </a:fillRef>
+            <a:effectRef idx="1">
+              <a:schemeClr val="dk1"/>
+            </a:effectRef>
+            <a:fontRef idx="minor">
+              <a:schemeClr val="tx1"/>
+            </a:fontRef>
+          </p:style>
+        </p:cxnSp>
+        <p:sp>
+          <p:nvSpPr>
+            <p:cNvPr id="241" name="TextBox 240">
+              <a:extLst>
+                <a:ext uri="{FF2B5EF4-FFF2-40B4-BE49-F238E27FC236}">
+                  <a16:creationId xmlns:a16="http://schemas.microsoft.com/office/drawing/2014/main" id="{5C19BBF0-0818-4B7D-BC09-ABB471398366}"/>
+                </a:ext>
+              </a:extLst>
+            </p:cNvPr>
+            <p:cNvSpPr txBox="1"/>
+            <p:nvPr/>
+          </p:nvSpPr>
+          <p:spPr>
+            <a:xfrm>
+              <a:off x="10697269" y="18123514"/>
+              <a:ext cx="1913030" cy="338554"/>
+            </a:xfrm>
+            <a:prstGeom prst="rect">
+              <a:avLst/>
+            </a:prstGeom>
+            <a:noFill/>
+          </p:spPr>
+          <p:txBody>
+            <a:bodyPr wrap="none" rtlCol="0">
+              <a:spAutoFit/>
+            </a:bodyPr>
+            <a:lstStyle/>
+            <a:p>
+              <a:pPr algn="ctr"/>
+              <a:r>
+                <a:rPr lang="en-US" altLang="zh-CN" sz="1600" b="1" dirty="0"/>
+                <a:t>2.2e-03</a:t>
+              </a:r>
+              <a:endParaRPr lang="zh-CN" altLang="en-US" sz="1600" b="1" dirty="0"/>
+            </a:p>
+          </p:txBody>
+        </p:sp>
+      </p:grpSp>
+      <p:grpSp>
+        <p:nvGrpSpPr>
+          <p:cNvPr id="242" name="Group 241">
+            <a:extLst>
+              <a:ext uri="{FF2B5EF4-FFF2-40B4-BE49-F238E27FC236}">
+                <a16:creationId xmlns:a16="http://schemas.microsoft.com/office/drawing/2014/main" id="{124245E7-A5AD-4566-B258-1A2AD0C8DB2E}"/>
+              </a:ext>
+            </a:extLst>
+          </p:cNvPr>
+          <p:cNvGrpSpPr/>
+          <p:nvPr/>
+        </p:nvGrpSpPr>
+        <p:grpSpPr>
+          <a:xfrm>
+            <a:off x="12219398" y="1044807"/>
+            <a:ext cx="821059" cy="387794"/>
+            <a:chOff x="10697272" y="18123514"/>
+            <a:chExt cx="1913030" cy="387794"/>
+          </a:xfrm>
+        </p:grpSpPr>
+        <p:cxnSp>
+          <p:nvCxnSpPr>
+            <p:cNvPr id="243" name="Straight Connector 242">
+              <a:extLst>
+                <a:ext uri="{FF2B5EF4-FFF2-40B4-BE49-F238E27FC236}">
+                  <a16:creationId xmlns:a16="http://schemas.microsoft.com/office/drawing/2014/main" id="{01544835-3C34-4A67-A8B3-302714791707}"/>
+                </a:ext>
+              </a:extLst>
+            </p:cNvPr>
+            <p:cNvCxnSpPr/>
+            <p:nvPr/>
+          </p:nvCxnSpPr>
+          <p:spPr>
+            <a:xfrm>
+              <a:off x="11007410" y="18403296"/>
+              <a:ext cx="0" cy="108012"/>
+            </a:xfrm>
+            <a:prstGeom prst="line">
+              <a:avLst/>
+            </a:prstGeom>
+            <a:ln w="19050">
+              <a:headEnd type="none" w="med" len="med"/>
+              <a:tailEnd type="none" w="med" len="med"/>
+            </a:ln>
+          </p:spPr>
+          <p:style>
+            <a:lnRef idx="2">
+              <a:schemeClr val="dk1"/>
+            </a:lnRef>
+            <a:fillRef idx="0">
+              <a:schemeClr val="dk1"/>
+            </a:fillRef>
+            <a:effectRef idx="1">
+              <a:schemeClr val="dk1"/>
+            </a:effectRef>
+            <a:fontRef idx="minor">
+              <a:schemeClr val="tx1"/>
+            </a:fontRef>
+          </p:style>
+        </p:cxnSp>
+        <p:cxnSp>
+          <p:nvCxnSpPr>
+            <p:cNvPr id="244" name="Straight Connector 243">
+              <a:extLst>
+                <a:ext uri="{FF2B5EF4-FFF2-40B4-BE49-F238E27FC236}">
+                  <a16:creationId xmlns:a16="http://schemas.microsoft.com/office/drawing/2014/main" id="{13EBB5C3-0A47-4B51-8F8F-6203E314CF0C}"/>
+                </a:ext>
+              </a:extLst>
+            </p:cNvPr>
+            <p:cNvCxnSpPr/>
+            <p:nvPr/>
+          </p:nvCxnSpPr>
+          <p:spPr>
+            <a:xfrm>
+              <a:off x="12344922" y="18403296"/>
+              <a:ext cx="0" cy="108012"/>
+            </a:xfrm>
+            <a:prstGeom prst="line">
+              <a:avLst/>
+            </a:prstGeom>
+            <a:ln w="19050">
+              <a:headEnd type="none" w="med" len="med"/>
+              <a:tailEnd type="none" w="med" len="med"/>
+            </a:ln>
+          </p:spPr>
+          <p:style>
+            <a:lnRef idx="2">
+              <a:schemeClr val="dk1"/>
+            </a:lnRef>
+            <a:fillRef idx="0">
+              <a:schemeClr val="dk1"/>
+            </a:fillRef>
+            <a:effectRef idx="1">
+              <a:schemeClr val="dk1"/>
+            </a:effectRef>
+            <a:fontRef idx="minor">
+              <a:schemeClr val="tx1"/>
+            </a:fontRef>
+          </p:style>
+        </p:cxnSp>
+        <p:cxnSp>
+          <p:nvCxnSpPr>
+            <p:cNvPr id="245" name="Straight Connector 244">
+              <a:extLst>
+                <a:ext uri="{FF2B5EF4-FFF2-40B4-BE49-F238E27FC236}">
+                  <a16:creationId xmlns:a16="http://schemas.microsoft.com/office/drawing/2014/main" id="{6E8F64F2-EDE5-49F2-84AA-8664E5B052A4}"/>
+                </a:ext>
+              </a:extLst>
+            </p:cNvPr>
+            <p:cNvCxnSpPr>
+              <a:cxnSpLocks/>
+            </p:cNvCxnSpPr>
+            <p:nvPr/>
+          </p:nvCxnSpPr>
+          <p:spPr>
+            <a:xfrm>
+              <a:off x="11007410" y="18403296"/>
+              <a:ext cx="1337512" cy="0"/>
+            </a:xfrm>
+            <a:prstGeom prst="line">
+              <a:avLst/>
+            </a:prstGeom>
+            <a:ln w="19050">
+              <a:headEnd type="none" w="med" len="med"/>
+              <a:tailEnd type="none" w="med" len="med"/>
+            </a:ln>
+          </p:spPr>
+          <p:style>
+            <a:lnRef idx="2">
+              <a:schemeClr val="dk1"/>
+            </a:lnRef>
+            <a:fillRef idx="0">
+              <a:schemeClr val="dk1"/>
+            </a:fillRef>
+            <a:effectRef idx="1">
+              <a:schemeClr val="dk1"/>
+            </a:effectRef>
+            <a:fontRef idx="minor">
+              <a:schemeClr val="tx1"/>
+            </a:fontRef>
+          </p:style>
+        </p:cxnSp>
+        <p:sp>
+          <p:nvSpPr>
+            <p:cNvPr id="246" name="TextBox 245">
+              <a:extLst>
+                <a:ext uri="{FF2B5EF4-FFF2-40B4-BE49-F238E27FC236}">
+                  <a16:creationId xmlns:a16="http://schemas.microsoft.com/office/drawing/2014/main" id="{17E55212-C6A4-473B-8161-218211850BBE}"/>
+                </a:ext>
+              </a:extLst>
+            </p:cNvPr>
+            <p:cNvSpPr txBox="1"/>
+            <p:nvPr/>
+          </p:nvSpPr>
+          <p:spPr>
+            <a:xfrm>
+              <a:off x="10697272" y="18123514"/>
+              <a:ext cx="1913030" cy="338554"/>
+            </a:xfrm>
+            <a:prstGeom prst="rect">
+              <a:avLst/>
+            </a:prstGeom>
+            <a:noFill/>
+          </p:spPr>
+          <p:txBody>
+            <a:bodyPr wrap="none" rtlCol="0">
+              <a:spAutoFit/>
+            </a:bodyPr>
+            <a:lstStyle/>
+            <a:p>
+              <a:pPr algn="ctr"/>
+              <a:r>
+                <a:rPr lang="en-US" altLang="zh-CN" sz="1600" b="1" dirty="0"/>
+                <a:t>6.1e-03</a:t>
+              </a:r>
+              <a:endParaRPr lang="zh-CN" altLang="en-US" sz="1600" b="1" dirty="0"/>
+            </a:p>
+          </p:txBody>
+        </p:sp>
+      </p:grpSp>
+      <p:grpSp>
+        <p:nvGrpSpPr>
+          <p:cNvPr id="247" name="Group 246">
+            <a:extLst>
+              <a:ext uri="{FF2B5EF4-FFF2-40B4-BE49-F238E27FC236}">
+                <a16:creationId xmlns:a16="http://schemas.microsoft.com/office/drawing/2014/main" id="{9C1D2F13-EDE4-4373-81B9-7F2DFE58FBF0}"/>
+              </a:ext>
+            </a:extLst>
+          </p:cNvPr>
+          <p:cNvGrpSpPr/>
+          <p:nvPr/>
+        </p:nvGrpSpPr>
+        <p:grpSpPr>
+          <a:xfrm>
+            <a:off x="14186034" y="1177002"/>
+            <a:ext cx="821059" cy="387794"/>
+            <a:chOff x="10697272" y="18123514"/>
+            <a:chExt cx="1913030" cy="387794"/>
+          </a:xfrm>
+        </p:grpSpPr>
+        <p:cxnSp>
+          <p:nvCxnSpPr>
+            <p:cNvPr id="248" name="Straight Connector 247">
+              <a:extLst>
+                <a:ext uri="{FF2B5EF4-FFF2-40B4-BE49-F238E27FC236}">
+                  <a16:creationId xmlns:a16="http://schemas.microsoft.com/office/drawing/2014/main" id="{6B806812-C9ED-4430-8CF8-17CCD068C657}"/>
+                </a:ext>
+              </a:extLst>
+            </p:cNvPr>
+            <p:cNvCxnSpPr/>
+            <p:nvPr/>
+          </p:nvCxnSpPr>
+          <p:spPr>
+            <a:xfrm>
+              <a:off x="11007410" y="18403296"/>
+              <a:ext cx="0" cy="108012"/>
+            </a:xfrm>
+            <a:prstGeom prst="line">
+              <a:avLst/>
+            </a:prstGeom>
+            <a:ln w="19050">
+              <a:headEnd type="none" w="med" len="med"/>
+              <a:tailEnd type="none" w="med" len="med"/>
+            </a:ln>
+          </p:spPr>
+          <p:style>
+            <a:lnRef idx="2">
+              <a:schemeClr val="dk1"/>
+            </a:lnRef>
+            <a:fillRef idx="0">
+              <a:schemeClr val="dk1"/>
+            </a:fillRef>
+            <a:effectRef idx="1">
+              <a:schemeClr val="dk1"/>
+            </a:effectRef>
+            <a:fontRef idx="minor">
+              <a:schemeClr val="tx1"/>
+            </a:fontRef>
+          </p:style>
+        </p:cxnSp>
+        <p:cxnSp>
+          <p:nvCxnSpPr>
+            <p:cNvPr id="249" name="Straight Connector 248">
+              <a:extLst>
+                <a:ext uri="{FF2B5EF4-FFF2-40B4-BE49-F238E27FC236}">
+                  <a16:creationId xmlns:a16="http://schemas.microsoft.com/office/drawing/2014/main" id="{E5320B06-4222-4895-BBF5-A04EAE062015}"/>
+                </a:ext>
+              </a:extLst>
+            </p:cNvPr>
+            <p:cNvCxnSpPr/>
+            <p:nvPr/>
+          </p:nvCxnSpPr>
+          <p:spPr>
+            <a:xfrm>
+              <a:off x="12344922" y="18403296"/>
+              <a:ext cx="0" cy="108012"/>
+            </a:xfrm>
+            <a:prstGeom prst="line">
+              <a:avLst/>
+            </a:prstGeom>
+            <a:ln w="19050">
+              <a:headEnd type="none" w="med" len="med"/>
+              <a:tailEnd type="none" w="med" len="med"/>
+            </a:ln>
+          </p:spPr>
+          <p:style>
+            <a:lnRef idx="2">
+              <a:schemeClr val="dk1"/>
+            </a:lnRef>
+            <a:fillRef idx="0">
+              <a:schemeClr val="dk1"/>
+            </a:fillRef>
+            <a:effectRef idx="1">
+              <a:schemeClr val="dk1"/>
+            </a:effectRef>
+            <a:fontRef idx="minor">
+              <a:schemeClr val="tx1"/>
+            </a:fontRef>
+          </p:style>
+        </p:cxnSp>
+        <p:cxnSp>
+          <p:nvCxnSpPr>
+            <p:cNvPr id="250" name="Straight Connector 249">
+              <a:extLst>
+                <a:ext uri="{FF2B5EF4-FFF2-40B4-BE49-F238E27FC236}">
+                  <a16:creationId xmlns:a16="http://schemas.microsoft.com/office/drawing/2014/main" id="{0579783D-69BA-4F94-A80A-08CC3D3E2D08}"/>
+                </a:ext>
+              </a:extLst>
+            </p:cNvPr>
+            <p:cNvCxnSpPr>
+              <a:cxnSpLocks/>
+            </p:cNvCxnSpPr>
+            <p:nvPr/>
+          </p:nvCxnSpPr>
+          <p:spPr>
+            <a:xfrm>
+              <a:off x="11007410" y="18403296"/>
+              <a:ext cx="1337512" cy="0"/>
+            </a:xfrm>
+            <a:prstGeom prst="line">
+              <a:avLst/>
+            </a:prstGeom>
+            <a:ln w="19050">
+              <a:headEnd type="none" w="med" len="med"/>
+              <a:tailEnd type="none" w="med" len="med"/>
+            </a:ln>
+          </p:spPr>
+          <p:style>
+            <a:lnRef idx="2">
+              <a:schemeClr val="dk1"/>
+            </a:lnRef>
+            <a:fillRef idx="0">
+              <a:schemeClr val="dk1"/>
+            </a:fillRef>
+            <a:effectRef idx="1">
+              <a:schemeClr val="dk1"/>
+            </a:effectRef>
+            <a:fontRef idx="minor">
+              <a:schemeClr val="tx1"/>
+            </a:fontRef>
+          </p:style>
+        </p:cxnSp>
+        <p:sp>
+          <p:nvSpPr>
+            <p:cNvPr id="251" name="TextBox 250">
+              <a:extLst>
+                <a:ext uri="{FF2B5EF4-FFF2-40B4-BE49-F238E27FC236}">
+                  <a16:creationId xmlns:a16="http://schemas.microsoft.com/office/drawing/2014/main" id="{161700A3-019E-4A9E-998B-44A6D5F566A9}"/>
+                </a:ext>
+              </a:extLst>
+            </p:cNvPr>
+            <p:cNvSpPr txBox="1"/>
+            <p:nvPr/>
+          </p:nvSpPr>
+          <p:spPr>
+            <a:xfrm>
+              <a:off x="10697272" y="18123514"/>
+              <a:ext cx="1913030" cy="338554"/>
+            </a:xfrm>
+            <a:prstGeom prst="rect">
+              <a:avLst/>
+            </a:prstGeom>
+            <a:noFill/>
+          </p:spPr>
+          <p:txBody>
+            <a:bodyPr wrap="none" rtlCol="0">
+              <a:spAutoFit/>
+            </a:bodyPr>
+            <a:lstStyle/>
+            <a:p>
+              <a:pPr algn="ctr"/>
+              <a:r>
+                <a:rPr lang="en-US" altLang="zh-CN" sz="1600" b="1" dirty="0"/>
+                <a:t>7.5e-04</a:t>
+              </a:r>
+              <a:endParaRPr lang="zh-CN" altLang="en-US" sz="1600" b="1" dirty="0"/>
+            </a:p>
+          </p:txBody>
+        </p:sp>
+      </p:grpSp>
+      <p:sp>
+        <p:nvSpPr>
+          <p:cNvPr id="252" name="TextBox 251">
+            <a:extLst>
+              <a:ext uri="{FF2B5EF4-FFF2-40B4-BE49-F238E27FC236}">
+                <a16:creationId xmlns:a16="http://schemas.microsoft.com/office/drawing/2014/main" id="{1846C1B5-FB34-420D-A31F-ACF9ED0B0254}"/>
+              </a:ext>
+            </a:extLst>
+          </p:cNvPr>
+          <p:cNvSpPr txBox="1"/>
+          <p:nvPr/>
+        </p:nvSpPr>
+        <p:spPr>
+          <a:xfrm>
+            <a:off x="11728499" y="9905949"/>
+            <a:ext cx="288861" cy="338554"/>
+          </a:xfrm>
+          <a:prstGeom prst="rect">
+            <a:avLst/>
+          </a:prstGeom>
+          <a:noFill/>
+        </p:spPr>
+        <p:txBody>
+          <a:bodyPr wrap="none" rtlCol="0">
+            <a:spAutoFit/>
+          </a:bodyPr>
+          <a:lstStyle/>
+          <a:p>
+            <a:pPr algn="ctr"/>
+            <a:r>
+              <a:rPr lang="en-US" altLang="zh-CN" sz="1600" dirty="0"/>
+              <a:t>4</a:t>
+            </a:r>
+            <a:endParaRPr lang="zh-CN" altLang="en-US" sz="1600" dirty="0"/>
+          </a:p>
+        </p:txBody>
+      </p:sp>
+      <p:sp>
+        <p:nvSpPr>
+          <p:cNvPr id="253" name="TextBox 252">
+            <a:extLst>
+              <a:ext uri="{FF2B5EF4-FFF2-40B4-BE49-F238E27FC236}">
+                <a16:creationId xmlns:a16="http://schemas.microsoft.com/office/drawing/2014/main" id="{6E0B5601-13CA-4735-A786-F92085CEBFD6}"/>
+              </a:ext>
+            </a:extLst>
+          </p:cNvPr>
+          <p:cNvSpPr txBox="1"/>
+          <p:nvPr/>
+        </p:nvSpPr>
+        <p:spPr>
+          <a:xfrm>
+            <a:off x="11728498" y="10261549"/>
+            <a:ext cx="288862" cy="338554"/>
+          </a:xfrm>
+          <a:prstGeom prst="rect">
+            <a:avLst/>
+          </a:prstGeom>
+          <a:noFill/>
+        </p:spPr>
+        <p:txBody>
+          <a:bodyPr wrap="none" rtlCol="0">
+            <a:spAutoFit/>
+          </a:bodyPr>
+          <a:lstStyle/>
+          <a:p>
+            <a:pPr algn="ctr"/>
+            <a:r>
+              <a:rPr lang="en-US" altLang="zh-CN" sz="1600" dirty="0"/>
+              <a:t>3</a:t>
+            </a:r>
+            <a:endParaRPr lang="zh-CN" altLang="en-US" sz="1600" dirty="0"/>
+          </a:p>
+        </p:txBody>
+      </p:sp>
+      <p:sp>
+        <p:nvSpPr>
+          <p:cNvPr id="254" name="TextBox 253">
+            <a:extLst>
+              <a:ext uri="{FF2B5EF4-FFF2-40B4-BE49-F238E27FC236}">
+                <a16:creationId xmlns:a16="http://schemas.microsoft.com/office/drawing/2014/main" id="{62E51D82-ABC8-483A-B652-9253BA6D8DFF}"/>
+              </a:ext>
+            </a:extLst>
+          </p:cNvPr>
+          <p:cNvSpPr txBox="1"/>
+          <p:nvPr/>
+        </p:nvSpPr>
+        <p:spPr>
+          <a:xfrm>
+            <a:off x="11728498" y="10617149"/>
+            <a:ext cx="288862" cy="338554"/>
+          </a:xfrm>
+          <a:prstGeom prst="rect">
+            <a:avLst/>
+          </a:prstGeom>
+          <a:noFill/>
+        </p:spPr>
+        <p:txBody>
+          <a:bodyPr wrap="none" rtlCol="0">
+            <a:spAutoFit/>
+          </a:bodyPr>
+          <a:lstStyle/>
+          <a:p>
+            <a:pPr algn="ctr"/>
+            <a:r>
+              <a:rPr lang="en-US" altLang="zh-CN" sz="1600" dirty="0"/>
+              <a:t>2</a:t>
+            </a:r>
+            <a:endParaRPr lang="zh-CN" altLang="en-US" sz="1600" dirty="0"/>
+          </a:p>
+        </p:txBody>
+      </p:sp>
+      <p:sp>
+        <p:nvSpPr>
+          <p:cNvPr id="255" name="TextBox 254">
+            <a:extLst>
+              <a:ext uri="{FF2B5EF4-FFF2-40B4-BE49-F238E27FC236}">
+                <a16:creationId xmlns:a16="http://schemas.microsoft.com/office/drawing/2014/main" id="{B4B1C72F-0011-49B5-955C-AE2B7B607934}"/>
+              </a:ext>
+            </a:extLst>
+          </p:cNvPr>
+          <p:cNvSpPr txBox="1"/>
+          <p:nvPr/>
+        </p:nvSpPr>
+        <p:spPr>
+          <a:xfrm>
+            <a:off x="11728498" y="10972749"/>
+            <a:ext cx="288862" cy="338554"/>
+          </a:xfrm>
+          <a:prstGeom prst="rect">
+            <a:avLst/>
+          </a:prstGeom>
+          <a:noFill/>
+        </p:spPr>
+        <p:txBody>
+          <a:bodyPr wrap="none" rtlCol="0">
+            <a:spAutoFit/>
+          </a:bodyPr>
+          <a:lstStyle/>
+          <a:p>
+            <a:pPr algn="ctr"/>
+            <a:r>
+              <a:rPr lang="en-US" altLang="zh-CN" sz="1600" dirty="0"/>
+              <a:t>1</a:t>
+            </a:r>
+            <a:endParaRPr lang="zh-CN" altLang="en-US" sz="1600" dirty="0"/>
+          </a:p>
+        </p:txBody>
+      </p:sp>
+      <p:sp>
+        <p:nvSpPr>
+          <p:cNvPr id="256" name="TextBox 255">
+            <a:extLst>
+              <a:ext uri="{FF2B5EF4-FFF2-40B4-BE49-F238E27FC236}">
+                <a16:creationId xmlns:a16="http://schemas.microsoft.com/office/drawing/2014/main" id="{643421AD-0C15-4557-B508-7E437837E33F}"/>
+              </a:ext>
+            </a:extLst>
+          </p:cNvPr>
+          <p:cNvSpPr txBox="1"/>
+          <p:nvPr/>
+        </p:nvSpPr>
+        <p:spPr>
+          <a:xfrm>
+            <a:off x="11728498" y="11328349"/>
+            <a:ext cx="288862" cy="338554"/>
+          </a:xfrm>
+          <a:prstGeom prst="rect">
+            <a:avLst/>
+          </a:prstGeom>
+          <a:noFill/>
+        </p:spPr>
+        <p:txBody>
+          <a:bodyPr wrap="none" rtlCol="0">
+            <a:spAutoFit/>
+          </a:bodyPr>
+          <a:lstStyle/>
+          <a:p>
+            <a:pPr algn="ctr"/>
+            <a:r>
+              <a:rPr lang="en-US" altLang="zh-CN" sz="1600" dirty="0"/>
+              <a:t>0</a:t>
+            </a:r>
+            <a:endParaRPr lang="zh-CN" altLang="en-US" sz="1600" dirty="0"/>
+          </a:p>
+        </p:txBody>
+      </p:sp>
+      <p:sp>
+        <p:nvSpPr>
+          <p:cNvPr id="257" name="TextBox 256">
+            <a:extLst>
+              <a:ext uri="{FF2B5EF4-FFF2-40B4-BE49-F238E27FC236}">
+                <a16:creationId xmlns:a16="http://schemas.microsoft.com/office/drawing/2014/main" id="{A1C65E32-17E1-4E68-AEA1-C4D2EB3B9383}"/>
+              </a:ext>
+            </a:extLst>
+          </p:cNvPr>
+          <p:cNvSpPr txBox="1"/>
+          <p:nvPr/>
+        </p:nvSpPr>
+        <p:spPr>
+          <a:xfrm>
+            <a:off x="11778879" y="7758094"/>
+            <a:ext cx="288861" cy="338554"/>
+          </a:xfrm>
+          <a:prstGeom prst="rect">
+            <a:avLst/>
+          </a:prstGeom>
+          <a:noFill/>
+        </p:spPr>
+        <p:txBody>
+          <a:bodyPr wrap="none" rtlCol="0">
+            <a:spAutoFit/>
+          </a:bodyPr>
+          <a:lstStyle/>
+          <a:p>
+            <a:pPr algn="ctr"/>
+            <a:r>
+              <a:rPr lang="en-US" altLang="zh-CN" sz="1600" dirty="0"/>
+              <a:t>6</a:t>
+            </a:r>
+            <a:endParaRPr lang="zh-CN" altLang="en-US" sz="1600" dirty="0"/>
+          </a:p>
+        </p:txBody>
+      </p:sp>
+      <p:sp>
+        <p:nvSpPr>
+          <p:cNvPr id="258" name="TextBox 257">
+            <a:extLst>
+              <a:ext uri="{FF2B5EF4-FFF2-40B4-BE49-F238E27FC236}">
+                <a16:creationId xmlns:a16="http://schemas.microsoft.com/office/drawing/2014/main" id="{72E9DB74-6D8B-4B97-8BF9-C76BE07F46FA}"/>
+              </a:ext>
+            </a:extLst>
+          </p:cNvPr>
+          <p:cNvSpPr txBox="1"/>
+          <p:nvPr/>
+        </p:nvSpPr>
+        <p:spPr>
+          <a:xfrm>
+            <a:off x="11778877" y="8189922"/>
+            <a:ext cx="288862" cy="338554"/>
+          </a:xfrm>
+          <a:prstGeom prst="rect">
+            <a:avLst/>
+          </a:prstGeom>
+          <a:noFill/>
+        </p:spPr>
+        <p:txBody>
+          <a:bodyPr wrap="none" rtlCol="0">
+            <a:spAutoFit/>
+          </a:bodyPr>
+          <a:lstStyle/>
+          <a:p>
+            <a:pPr algn="ctr"/>
+            <a:r>
+              <a:rPr lang="en-US" altLang="zh-CN" sz="1600" dirty="0"/>
+              <a:t>4</a:t>
+            </a:r>
+            <a:endParaRPr lang="zh-CN" altLang="en-US" sz="1600" dirty="0"/>
+          </a:p>
+        </p:txBody>
+      </p:sp>
+      <p:sp>
+        <p:nvSpPr>
+          <p:cNvPr id="259" name="TextBox 258">
+            <a:extLst>
+              <a:ext uri="{FF2B5EF4-FFF2-40B4-BE49-F238E27FC236}">
+                <a16:creationId xmlns:a16="http://schemas.microsoft.com/office/drawing/2014/main" id="{E333C617-8EF2-4637-8DB1-C68987A53300}"/>
+              </a:ext>
+            </a:extLst>
+          </p:cNvPr>
+          <p:cNvSpPr txBox="1"/>
+          <p:nvPr/>
+        </p:nvSpPr>
+        <p:spPr>
+          <a:xfrm>
+            <a:off x="11778877" y="8621750"/>
+            <a:ext cx="288862" cy="338554"/>
+          </a:xfrm>
+          <a:prstGeom prst="rect">
+            <a:avLst/>
+          </a:prstGeom>
+          <a:noFill/>
+        </p:spPr>
+        <p:txBody>
+          <a:bodyPr wrap="none" rtlCol="0">
+            <a:spAutoFit/>
+          </a:bodyPr>
+          <a:lstStyle/>
+          <a:p>
+            <a:pPr algn="ctr"/>
+            <a:r>
+              <a:rPr lang="en-US" altLang="zh-CN" sz="1600" dirty="0"/>
+              <a:t>2</a:t>
+            </a:r>
+            <a:endParaRPr lang="zh-CN" altLang="en-US" sz="1600" dirty="0"/>
+          </a:p>
+        </p:txBody>
+      </p:sp>
+      <p:sp>
+        <p:nvSpPr>
+          <p:cNvPr id="260" name="TextBox 259">
+            <a:extLst>
+              <a:ext uri="{FF2B5EF4-FFF2-40B4-BE49-F238E27FC236}">
+                <a16:creationId xmlns:a16="http://schemas.microsoft.com/office/drawing/2014/main" id="{3767521D-EF86-402A-B18C-FA4E98827CC7}"/>
+              </a:ext>
+            </a:extLst>
+          </p:cNvPr>
+          <p:cNvSpPr txBox="1"/>
+          <p:nvPr/>
+        </p:nvSpPr>
+        <p:spPr>
+          <a:xfrm>
+            <a:off x="11778877" y="9053577"/>
+            <a:ext cx="288862" cy="338554"/>
+          </a:xfrm>
+          <a:prstGeom prst="rect">
+            <a:avLst/>
+          </a:prstGeom>
+          <a:noFill/>
+        </p:spPr>
+        <p:txBody>
+          <a:bodyPr wrap="none" rtlCol="0">
+            <a:spAutoFit/>
+          </a:bodyPr>
+          <a:lstStyle/>
+          <a:p>
+            <a:pPr algn="ctr"/>
+            <a:r>
+              <a:rPr lang="en-US" altLang="zh-CN" sz="1600" dirty="0"/>
+              <a:t>0</a:t>
+            </a:r>
+            <a:endParaRPr lang="zh-CN" altLang="en-US" sz="1600" dirty="0"/>
+          </a:p>
+        </p:txBody>
+      </p:sp>
+      <p:sp>
+        <p:nvSpPr>
+          <p:cNvPr id="262" name="TextBox 261">
+            <a:extLst>
+              <a:ext uri="{FF2B5EF4-FFF2-40B4-BE49-F238E27FC236}">
+                <a16:creationId xmlns:a16="http://schemas.microsoft.com/office/drawing/2014/main" id="{646E0665-D6C9-4698-8E2D-D02D97653695}"/>
+              </a:ext>
+            </a:extLst>
+          </p:cNvPr>
+          <p:cNvSpPr txBox="1"/>
+          <p:nvPr/>
+        </p:nvSpPr>
+        <p:spPr>
+          <a:xfrm>
+            <a:off x="11766311" y="5854179"/>
+            <a:ext cx="288862" cy="338554"/>
+          </a:xfrm>
+          <a:prstGeom prst="rect">
+            <a:avLst/>
+          </a:prstGeom>
+          <a:noFill/>
+        </p:spPr>
+        <p:txBody>
+          <a:bodyPr wrap="none" rtlCol="0">
+            <a:spAutoFit/>
+          </a:bodyPr>
+          <a:lstStyle/>
+          <a:p>
+            <a:pPr algn="ctr"/>
+            <a:r>
+              <a:rPr lang="en-US" altLang="zh-CN" sz="1600" dirty="0"/>
+              <a:t>4</a:t>
+            </a:r>
+            <a:endParaRPr lang="zh-CN" altLang="en-US" sz="1600" dirty="0"/>
+          </a:p>
+        </p:txBody>
+      </p:sp>
+      <p:sp>
+        <p:nvSpPr>
+          <p:cNvPr id="263" name="TextBox 262">
+            <a:extLst>
+              <a:ext uri="{FF2B5EF4-FFF2-40B4-BE49-F238E27FC236}">
+                <a16:creationId xmlns:a16="http://schemas.microsoft.com/office/drawing/2014/main" id="{37DCD8A9-05F1-40D8-B5F5-BAB1B0A62707}"/>
+              </a:ext>
+            </a:extLst>
+          </p:cNvPr>
+          <p:cNvSpPr txBox="1"/>
+          <p:nvPr/>
+        </p:nvSpPr>
+        <p:spPr>
+          <a:xfrm>
+            <a:off x="11766311" y="6406885"/>
+            <a:ext cx="288862" cy="338554"/>
+          </a:xfrm>
+          <a:prstGeom prst="rect">
+            <a:avLst/>
+          </a:prstGeom>
+          <a:noFill/>
+        </p:spPr>
+        <p:txBody>
+          <a:bodyPr wrap="none" rtlCol="0">
+            <a:spAutoFit/>
+          </a:bodyPr>
+          <a:lstStyle/>
+          <a:p>
+            <a:pPr algn="ctr"/>
+            <a:r>
+              <a:rPr lang="en-US" altLang="zh-CN" sz="1600" dirty="0"/>
+              <a:t>2</a:t>
+            </a:r>
+            <a:endParaRPr lang="zh-CN" altLang="en-US" sz="1600" dirty="0"/>
+          </a:p>
+        </p:txBody>
+      </p:sp>
+      <p:sp>
+        <p:nvSpPr>
+          <p:cNvPr id="264" name="TextBox 263">
+            <a:extLst>
+              <a:ext uri="{FF2B5EF4-FFF2-40B4-BE49-F238E27FC236}">
+                <a16:creationId xmlns:a16="http://schemas.microsoft.com/office/drawing/2014/main" id="{79DC7C18-4E25-4F88-80C2-64E799C1FA6A}"/>
+              </a:ext>
+            </a:extLst>
+          </p:cNvPr>
+          <p:cNvSpPr txBox="1"/>
+          <p:nvPr/>
+        </p:nvSpPr>
+        <p:spPr>
+          <a:xfrm>
+            <a:off x="11766311" y="6959590"/>
+            <a:ext cx="288862" cy="338554"/>
+          </a:xfrm>
+          <a:prstGeom prst="rect">
+            <a:avLst/>
+          </a:prstGeom>
+          <a:noFill/>
+        </p:spPr>
+        <p:txBody>
+          <a:bodyPr wrap="none" rtlCol="0">
+            <a:spAutoFit/>
+          </a:bodyPr>
+          <a:lstStyle/>
+          <a:p>
+            <a:pPr algn="ctr"/>
+            <a:r>
+              <a:rPr lang="en-US" altLang="zh-CN" sz="1600" dirty="0"/>
+              <a:t>0</a:t>
+            </a:r>
+            <a:endParaRPr lang="zh-CN" altLang="en-US" sz="1600" dirty="0"/>
+          </a:p>
+        </p:txBody>
+      </p:sp>
+      <p:sp>
+        <p:nvSpPr>
+          <p:cNvPr id="265" name="TextBox 264">
+            <a:extLst>
+              <a:ext uri="{FF2B5EF4-FFF2-40B4-BE49-F238E27FC236}">
+                <a16:creationId xmlns:a16="http://schemas.microsoft.com/office/drawing/2014/main" id="{0AB1AFBC-43CC-47D3-B74D-5431634B96FB}"/>
+              </a:ext>
+            </a:extLst>
+          </p:cNvPr>
+          <p:cNvSpPr txBox="1"/>
+          <p:nvPr/>
+        </p:nvSpPr>
+        <p:spPr>
+          <a:xfrm>
+            <a:off x="11775894" y="3421284"/>
+            <a:ext cx="288861" cy="338554"/>
+          </a:xfrm>
+          <a:prstGeom prst="rect">
+            <a:avLst/>
+          </a:prstGeom>
+          <a:noFill/>
+        </p:spPr>
+        <p:txBody>
+          <a:bodyPr wrap="none" rtlCol="0">
+            <a:spAutoFit/>
+          </a:bodyPr>
+          <a:lstStyle/>
+          <a:p>
+            <a:pPr algn="ctr"/>
+            <a:r>
+              <a:rPr lang="en-US" altLang="zh-CN" sz="1600" dirty="0"/>
+              <a:t>6</a:t>
+            </a:r>
+            <a:endParaRPr lang="zh-CN" altLang="en-US" sz="1600" dirty="0"/>
+          </a:p>
+        </p:txBody>
+      </p:sp>
+      <p:sp>
+        <p:nvSpPr>
+          <p:cNvPr id="266" name="TextBox 265">
+            <a:extLst>
+              <a:ext uri="{FF2B5EF4-FFF2-40B4-BE49-F238E27FC236}">
+                <a16:creationId xmlns:a16="http://schemas.microsoft.com/office/drawing/2014/main" id="{BA3A6D43-832D-439F-93CE-E6EA8DF007A1}"/>
+              </a:ext>
+            </a:extLst>
+          </p:cNvPr>
+          <p:cNvSpPr txBox="1"/>
+          <p:nvPr/>
+        </p:nvSpPr>
+        <p:spPr>
+          <a:xfrm>
+            <a:off x="11775892" y="3853112"/>
+            <a:ext cx="288862" cy="338554"/>
+          </a:xfrm>
+          <a:prstGeom prst="rect">
+            <a:avLst/>
+          </a:prstGeom>
+          <a:noFill/>
+        </p:spPr>
+        <p:txBody>
+          <a:bodyPr wrap="none" rtlCol="0">
+            <a:spAutoFit/>
+          </a:bodyPr>
+          <a:lstStyle/>
+          <a:p>
+            <a:pPr algn="ctr"/>
+            <a:r>
+              <a:rPr lang="en-US" altLang="zh-CN" sz="1600" dirty="0"/>
+              <a:t>4</a:t>
+            </a:r>
+            <a:endParaRPr lang="zh-CN" altLang="en-US" sz="1600" dirty="0"/>
+          </a:p>
+        </p:txBody>
+      </p:sp>
+      <p:sp>
+        <p:nvSpPr>
+          <p:cNvPr id="267" name="TextBox 266">
+            <a:extLst>
+              <a:ext uri="{FF2B5EF4-FFF2-40B4-BE49-F238E27FC236}">
+                <a16:creationId xmlns:a16="http://schemas.microsoft.com/office/drawing/2014/main" id="{C3B72B06-FD03-4184-9B15-70DD564CA37E}"/>
+              </a:ext>
+            </a:extLst>
+          </p:cNvPr>
+          <p:cNvSpPr txBox="1"/>
+          <p:nvPr/>
+        </p:nvSpPr>
+        <p:spPr>
+          <a:xfrm>
+            <a:off x="11775892" y="4284940"/>
+            <a:ext cx="288862" cy="338554"/>
+          </a:xfrm>
+          <a:prstGeom prst="rect">
+            <a:avLst/>
+          </a:prstGeom>
+          <a:noFill/>
+        </p:spPr>
+        <p:txBody>
+          <a:bodyPr wrap="none" rtlCol="0">
+            <a:spAutoFit/>
+          </a:bodyPr>
+          <a:lstStyle/>
+          <a:p>
+            <a:pPr algn="ctr"/>
+            <a:r>
+              <a:rPr lang="en-US" altLang="zh-CN" sz="1600" dirty="0"/>
+              <a:t>2</a:t>
+            </a:r>
+            <a:endParaRPr lang="zh-CN" altLang="en-US" sz="1600" dirty="0"/>
+          </a:p>
+        </p:txBody>
+      </p:sp>
+      <p:sp>
+        <p:nvSpPr>
+          <p:cNvPr id="268" name="TextBox 267">
+            <a:extLst>
+              <a:ext uri="{FF2B5EF4-FFF2-40B4-BE49-F238E27FC236}">
+                <a16:creationId xmlns:a16="http://schemas.microsoft.com/office/drawing/2014/main" id="{63B6A9D9-DDF7-4A9F-8D50-FB63A2073F82}"/>
+              </a:ext>
+            </a:extLst>
+          </p:cNvPr>
+          <p:cNvSpPr txBox="1"/>
+          <p:nvPr/>
+        </p:nvSpPr>
+        <p:spPr>
+          <a:xfrm>
+            <a:off x="11775892" y="4716767"/>
+            <a:ext cx="288862" cy="338554"/>
+          </a:xfrm>
+          <a:prstGeom prst="rect">
+            <a:avLst/>
+          </a:prstGeom>
+          <a:noFill/>
+        </p:spPr>
+        <p:txBody>
+          <a:bodyPr wrap="none" rtlCol="0">
+            <a:spAutoFit/>
+          </a:bodyPr>
+          <a:lstStyle/>
+          <a:p>
+            <a:pPr algn="ctr"/>
+            <a:r>
+              <a:rPr lang="en-US" altLang="zh-CN" sz="1600" dirty="0"/>
+              <a:t>0</a:t>
+            </a:r>
+            <a:endParaRPr lang="zh-CN" altLang="en-US" sz="1600" dirty="0"/>
+          </a:p>
+        </p:txBody>
+      </p:sp>
+      <p:sp>
+        <p:nvSpPr>
+          <p:cNvPr id="270" name="TextBox 269">
+            <a:extLst>
+              <a:ext uri="{FF2B5EF4-FFF2-40B4-BE49-F238E27FC236}">
+                <a16:creationId xmlns:a16="http://schemas.microsoft.com/office/drawing/2014/main" id="{AF72BA6C-531D-47F2-BF21-EDB4E94AF791}"/>
+              </a:ext>
+            </a:extLst>
+          </p:cNvPr>
+          <p:cNvSpPr txBox="1"/>
+          <p:nvPr/>
+        </p:nvSpPr>
+        <p:spPr>
+          <a:xfrm>
+            <a:off x="11663556" y="1303834"/>
+            <a:ext cx="444353" cy="338554"/>
+          </a:xfrm>
+          <a:prstGeom prst="rect">
+            <a:avLst/>
+          </a:prstGeom>
+          <a:noFill/>
+        </p:spPr>
+        <p:txBody>
+          <a:bodyPr wrap="none" rtlCol="0">
+            <a:spAutoFit/>
+          </a:bodyPr>
+          <a:lstStyle/>
+          <a:p>
+            <a:pPr algn="ctr"/>
+            <a:r>
+              <a:rPr lang="en-US" altLang="zh-CN" sz="1600" dirty="0"/>
+              <a:t>1.5</a:t>
+            </a:r>
+            <a:endParaRPr lang="zh-CN" altLang="en-US" sz="1600" dirty="0"/>
+          </a:p>
+        </p:txBody>
+      </p:sp>
+      <p:sp>
+        <p:nvSpPr>
+          <p:cNvPr id="271" name="TextBox 270">
+            <a:extLst>
+              <a:ext uri="{FF2B5EF4-FFF2-40B4-BE49-F238E27FC236}">
+                <a16:creationId xmlns:a16="http://schemas.microsoft.com/office/drawing/2014/main" id="{A4EE6CC8-3F1F-470D-898C-F73F3D822D5E}"/>
+              </a:ext>
+            </a:extLst>
+          </p:cNvPr>
+          <p:cNvSpPr txBox="1"/>
+          <p:nvPr/>
+        </p:nvSpPr>
+        <p:spPr>
+          <a:xfrm>
+            <a:off x="11663556" y="1866317"/>
+            <a:ext cx="444353" cy="338554"/>
+          </a:xfrm>
+          <a:prstGeom prst="rect">
+            <a:avLst/>
+          </a:prstGeom>
+          <a:noFill/>
+        </p:spPr>
+        <p:txBody>
+          <a:bodyPr wrap="none" rtlCol="0">
+            <a:spAutoFit/>
+          </a:bodyPr>
+          <a:lstStyle/>
+          <a:p>
+            <a:pPr algn="ctr"/>
+            <a:r>
+              <a:rPr lang="en-US" altLang="zh-CN" sz="1600" dirty="0"/>
+              <a:t>1.0</a:t>
+            </a:r>
+            <a:endParaRPr lang="zh-CN" altLang="en-US" sz="1600" dirty="0"/>
+          </a:p>
+        </p:txBody>
+      </p:sp>
+      <p:sp>
+        <p:nvSpPr>
+          <p:cNvPr id="272" name="TextBox 271">
+            <a:extLst>
+              <a:ext uri="{FF2B5EF4-FFF2-40B4-BE49-F238E27FC236}">
+                <a16:creationId xmlns:a16="http://schemas.microsoft.com/office/drawing/2014/main" id="{9A56AF9E-504A-4C79-B8F4-630096F7512E}"/>
+              </a:ext>
+            </a:extLst>
+          </p:cNvPr>
+          <p:cNvSpPr txBox="1"/>
+          <p:nvPr/>
+        </p:nvSpPr>
+        <p:spPr>
+          <a:xfrm>
+            <a:off x="11663556" y="2428801"/>
+            <a:ext cx="444353" cy="338554"/>
+          </a:xfrm>
+          <a:prstGeom prst="rect">
+            <a:avLst/>
+          </a:prstGeom>
+          <a:noFill/>
+        </p:spPr>
+        <p:txBody>
+          <a:bodyPr wrap="none" rtlCol="0">
+            <a:spAutoFit/>
+          </a:bodyPr>
+          <a:lstStyle/>
+          <a:p>
+            <a:pPr algn="ctr"/>
+            <a:r>
+              <a:rPr lang="en-US" altLang="zh-CN" sz="1600" dirty="0"/>
+              <a:t>0.5</a:t>
+            </a:r>
+            <a:endParaRPr lang="zh-CN" altLang="en-US" sz="1600" dirty="0"/>
+          </a:p>
+        </p:txBody>
+      </p:sp>
     </p:spTree>
     <p:extLst>
       <p:ext uri="{BB962C8B-B14F-4D97-AF65-F5344CB8AC3E}">
